--- a/lessons/10_conv_layer_backward/ppt/卷积层的后向传播推导.pptx
+++ b/lessons/10_conv_layer_backward/ppt/卷积层的后向传播推导.pptx
@@ -5,10 +5,10 @@
     <p:sldMasterId id="2147483648" r:id="rId1"/>
   </p:sldMasterIdLst>
   <p:notesMasterIdLst>
-    <p:notesMasterId r:id="rId34"/>
+    <p:notesMasterId r:id="rId35"/>
   </p:notesMasterIdLst>
   <p:handoutMasterIdLst>
-    <p:handoutMasterId r:id="rId35"/>
+    <p:handoutMasterId r:id="rId36"/>
   </p:handoutMasterIdLst>
   <p:sldIdLst>
     <p:sldId id="307" r:id="rId2"/>
@@ -39,15 +39,16 @@
     <p:sldId id="537" r:id="rId27"/>
     <p:sldId id="536" r:id="rId28"/>
     <p:sldId id="1014" r:id="rId29"/>
-    <p:sldId id="1013" r:id="rId30"/>
-    <p:sldId id="997" r:id="rId31"/>
-    <p:sldId id="998" r:id="rId32"/>
-    <p:sldId id="653" r:id="rId33"/>
+    <p:sldId id="1148" r:id="rId30"/>
+    <p:sldId id="1013" r:id="rId31"/>
+    <p:sldId id="997" r:id="rId32"/>
+    <p:sldId id="998" r:id="rId33"/>
+    <p:sldId id="653" r:id="rId34"/>
   </p:sldIdLst>
   <p:sldSz cx="12192000" cy="6858000"/>
   <p:notesSz cx="6858000" cy="9144000"/>
   <p:custDataLst>
-    <p:tags r:id="rId36"/>
+    <p:tags r:id="rId37"/>
   </p:custDataLst>
   <p:defaultTextStyle>
     <a:defPPr>
@@ -7226,6 +7227,416 @@
   <p:clrMapOvr>
     <a:masterClrMapping/>
   </p:clrMapOvr>
+  <p:timing>
+    <p:tnLst>
+      <p:par>
+        <p:cTn id="1" dur="indefinite" restart="never" nodeType="tmRoot">
+          <p:childTnLst>
+            <p:seq concurrent="1" nextAc="seek">
+              <p:cTn id="2" dur="indefinite" nodeType="mainSeq">
+                <p:childTnLst>
+                  <p:par>
+                    <p:cTn id="3" fill="hold">
+                      <p:stCondLst>
+                        <p:cond delay="indefinite"/>
+                      </p:stCondLst>
+                      <p:childTnLst>
+                        <p:par>
+                          <p:cTn id="4" fill="hold">
+                            <p:stCondLst>
+                              <p:cond delay="0"/>
+                            </p:stCondLst>
+                            <p:childTnLst>
+                              <p:par>
+                                <p:cTn id="5" presetID="1" presetClass="entr" presetSubtype="0" fill="hold" nodeType="clickEffect">
+                                  <p:stCondLst>
+                                    <p:cond delay="0"/>
+                                  </p:stCondLst>
+                                  <p:childTnLst>
+                                    <p:set>
+                                      <p:cBhvr>
+                                        <p:cTn id="6" dur="1" fill="hold">
+                                          <p:stCondLst>
+                                            <p:cond delay="0"/>
+                                          </p:stCondLst>
+                                        </p:cTn>
+                                        <p:tgtEl>
+                                          <p:spTgt spid="6">
+                                            <p:txEl>
+                                              <p:pRg st="0" end="0"/>
+                                            </p:txEl>
+                                          </p:spTgt>
+                                        </p:tgtEl>
+                                        <p:attrNameLst>
+                                          <p:attrName>style.visibility</p:attrName>
+                                        </p:attrNameLst>
+                                      </p:cBhvr>
+                                      <p:to>
+                                        <p:strVal val="visible"/>
+                                      </p:to>
+                                    </p:set>
+                                  </p:childTnLst>
+                                </p:cTn>
+                              </p:par>
+                            </p:childTnLst>
+                          </p:cTn>
+                        </p:par>
+                      </p:childTnLst>
+                    </p:cTn>
+                  </p:par>
+                  <p:par>
+                    <p:cTn id="7" fill="hold">
+                      <p:stCondLst>
+                        <p:cond delay="indefinite"/>
+                      </p:stCondLst>
+                      <p:childTnLst>
+                        <p:par>
+                          <p:cTn id="8" fill="hold">
+                            <p:stCondLst>
+                              <p:cond delay="0"/>
+                            </p:stCondLst>
+                            <p:childTnLst>
+                              <p:par>
+                                <p:cTn id="9" presetID="1" presetClass="entr" presetSubtype="0" fill="hold" nodeType="clickEffect">
+                                  <p:stCondLst>
+                                    <p:cond delay="0"/>
+                                  </p:stCondLst>
+                                  <p:childTnLst>
+                                    <p:set>
+                                      <p:cBhvr>
+                                        <p:cTn id="10" dur="1" fill="hold">
+                                          <p:stCondLst>
+                                            <p:cond delay="0"/>
+                                          </p:stCondLst>
+                                        </p:cTn>
+                                        <p:tgtEl>
+                                          <p:spTgt spid="6">
+                                            <p:txEl>
+                                              <p:pRg st="1" end="1"/>
+                                            </p:txEl>
+                                          </p:spTgt>
+                                        </p:tgtEl>
+                                        <p:attrNameLst>
+                                          <p:attrName>style.visibility</p:attrName>
+                                        </p:attrNameLst>
+                                      </p:cBhvr>
+                                      <p:to>
+                                        <p:strVal val="visible"/>
+                                      </p:to>
+                                    </p:set>
+                                  </p:childTnLst>
+                                </p:cTn>
+                              </p:par>
+                            </p:childTnLst>
+                          </p:cTn>
+                        </p:par>
+                      </p:childTnLst>
+                    </p:cTn>
+                  </p:par>
+                  <p:par>
+                    <p:cTn id="11" fill="hold">
+                      <p:stCondLst>
+                        <p:cond delay="indefinite"/>
+                      </p:stCondLst>
+                      <p:childTnLst>
+                        <p:par>
+                          <p:cTn id="12" fill="hold">
+                            <p:stCondLst>
+                              <p:cond delay="0"/>
+                            </p:stCondLst>
+                            <p:childTnLst>
+                              <p:par>
+                                <p:cTn id="13" presetID="1" presetClass="entr" presetSubtype="0" fill="hold" nodeType="clickEffect">
+                                  <p:stCondLst>
+                                    <p:cond delay="0"/>
+                                  </p:stCondLst>
+                                  <p:childTnLst>
+                                    <p:set>
+                                      <p:cBhvr>
+                                        <p:cTn id="14" dur="1" fill="hold">
+                                          <p:stCondLst>
+                                            <p:cond delay="0"/>
+                                          </p:stCondLst>
+                                        </p:cTn>
+                                        <p:tgtEl>
+                                          <p:spTgt spid="3074"/>
+                                        </p:tgtEl>
+                                        <p:attrNameLst>
+                                          <p:attrName>style.visibility</p:attrName>
+                                        </p:attrNameLst>
+                                      </p:cBhvr>
+                                      <p:to>
+                                        <p:strVal val="visible"/>
+                                      </p:to>
+                                    </p:set>
+                                  </p:childTnLst>
+                                </p:cTn>
+                              </p:par>
+                            </p:childTnLst>
+                          </p:cTn>
+                        </p:par>
+                      </p:childTnLst>
+                    </p:cTn>
+                  </p:par>
+                  <p:par>
+                    <p:cTn id="15" fill="hold">
+                      <p:stCondLst>
+                        <p:cond delay="indefinite"/>
+                      </p:stCondLst>
+                      <p:childTnLst>
+                        <p:par>
+                          <p:cTn id="16" fill="hold">
+                            <p:stCondLst>
+                              <p:cond delay="0"/>
+                            </p:stCondLst>
+                            <p:childTnLst>
+                              <p:par>
+                                <p:cTn id="17" presetID="1" presetClass="entr" presetSubtype="0" fill="hold" nodeType="clickEffect">
+                                  <p:stCondLst>
+                                    <p:cond delay="0"/>
+                                  </p:stCondLst>
+                                  <p:childTnLst>
+                                    <p:set>
+                                      <p:cBhvr>
+                                        <p:cTn id="18" dur="1" fill="hold">
+                                          <p:stCondLst>
+                                            <p:cond delay="0"/>
+                                          </p:stCondLst>
+                                        </p:cTn>
+                                        <p:tgtEl>
+                                          <p:spTgt spid="6">
+                                            <p:txEl>
+                                              <p:pRg st="7" end="7"/>
+                                            </p:txEl>
+                                          </p:spTgt>
+                                        </p:tgtEl>
+                                        <p:attrNameLst>
+                                          <p:attrName>style.visibility</p:attrName>
+                                        </p:attrNameLst>
+                                      </p:cBhvr>
+                                      <p:to>
+                                        <p:strVal val="visible"/>
+                                      </p:to>
+                                    </p:set>
+                                  </p:childTnLst>
+                                </p:cTn>
+                              </p:par>
+                            </p:childTnLst>
+                          </p:cTn>
+                        </p:par>
+                      </p:childTnLst>
+                    </p:cTn>
+                  </p:par>
+                  <p:par>
+                    <p:cTn id="19" fill="hold">
+                      <p:stCondLst>
+                        <p:cond delay="indefinite"/>
+                      </p:stCondLst>
+                      <p:childTnLst>
+                        <p:par>
+                          <p:cTn id="20" fill="hold">
+                            <p:stCondLst>
+                              <p:cond delay="0"/>
+                            </p:stCondLst>
+                            <p:childTnLst>
+                              <p:par>
+                                <p:cTn id="21" presetID="1" presetClass="entr" presetSubtype="0" fill="hold" nodeType="clickEffect">
+                                  <p:stCondLst>
+                                    <p:cond delay="0"/>
+                                  </p:stCondLst>
+                                  <p:childTnLst>
+                                    <p:set>
+                                      <p:cBhvr>
+                                        <p:cTn id="22" dur="1" fill="hold">
+                                          <p:stCondLst>
+                                            <p:cond delay="0"/>
+                                          </p:stCondLst>
+                                        </p:cTn>
+                                        <p:tgtEl>
+                                          <p:spTgt spid="6">
+                                            <p:txEl>
+                                              <p:pRg st="8" end="8"/>
+                                            </p:txEl>
+                                          </p:spTgt>
+                                        </p:tgtEl>
+                                        <p:attrNameLst>
+                                          <p:attrName>style.visibility</p:attrName>
+                                        </p:attrNameLst>
+                                      </p:cBhvr>
+                                      <p:to>
+                                        <p:strVal val="visible"/>
+                                      </p:to>
+                                    </p:set>
+                                  </p:childTnLst>
+                                </p:cTn>
+                              </p:par>
+                            </p:childTnLst>
+                          </p:cTn>
+                        </p:par>
+                      </p:childTnLst>
+                    </p:cTn>
+                  </p:par>
+                  <p:par>
+                    <p:cTn id="23" fill="hold">
+                      <p:stCondLst>
+                        <p:cond delay="indefinite"/>
+                      </p:stCondLst>
+                      <p:childTnLst>
+                        <p:par>
+                          <p:cTn id="24" fill="hold">
+                            <p:stCondLst>
+                              <p:cond delay="0"/>
+                            </p:stCondLst>
+                            <p:childTnLst>
+                              <p:par>
+                                <p:cTn id="25" presetID="1" presetClass="entr" presetSubtype="0" fill="hold" nodeType="clickEffect">
+                                  <p:stCondLst>
+                                    <p:cond delay="0"/>
+                                  </p:stCondLst>
+                                  <p:childTnLst>
+                                    <p:set>
+                                      <p:cBhvr>
+                                        <p:cTn id="26" dur="1" fill="hold">
+                                          <p:stCondLst>
+                                            <p:cond delay="0"/>
+                                          </p:stCondLst>
+                                        </p:cTn>
+                                        <p:tgtEl>
+                                          <p:spTgt spid="6">
+                                            <p:txEl>
+                                              <p:pRg st="9" end="9"/>
+                                            </p:txEl>
+                                          </p:spTgt>
+                                        </p:tgtEl>
+                                        <p:attrNameLst>
+                                          <p:attrName>style.visibility</p:attrName>
+                                        </p:attrNameLst>
+                                      </p:cBhvr>
+                                      <p:to>
+                                        <p:strVal val="visible"/>
+                                      </p:to>
+                                    </p:set>
+                                  </p:childTnLst>
+                                </p:cTn>
+                              </p:par>
+                            </p:childTnLst>
+                          </p:cTn>
+                        </p:par>
+                      </p:childTnLst>
+                    </p:cTn>
+                  </p:par>
+                  <p:par>
+                    <p:cTn id="27" fill="hold">
+                      <p:stCondLst>
+                        <p:cond delay="indefinite"/>
+                      </p:stCondLst>
+                      <p:childTnLst>
+                        <p:par>
+                          <p:cTn id="28" fill="hold">
+                            <p:stCondLst>
+                              <p:cond delay="0"/>
+                            </p:stCondLst>
+                            <p:childTnLst>
+                              <p:par>
+                                <p:cTn id="29" presetID="1" presetClass="entr" presetSubtype="0" fill="hold" nodeType="clickEffect">
+                                  <p:stCondLst>
+                                    <p:cond delay="0"/>
+                                  </p:stCondLst>
+                                  <p:childTnLst>
+                                    <p:set>
+                                      <p:cBhvr>
+                                        <p:cTn id="30" dur="1" fill="hold">
+                                          <p:stCondLst>
+                                            <p:cond delay="0"/>
+                                          </p:stCondLst>
+                                        </p:cTn>
+                                        <p:tgtEl>
+                                          <p:spTgt spid="9"/>
+                                        </p:tgtEl>
+                                        <p:attrNameLst>
+                                          <p:attrName>style.visibility</p:attrName>
+                                        </p:attrNameLst>
+                                      </p:cBhvr>
+                                      <p:to>
+                                        <p:strVal val="visible"/>
+                                      </p:to>
+                                    </p:set>
+                                  </p:childTnLst>
+                                </p:cTn>
+                              </p:par>
+                            </p:childTnLst>
+                          </p:cTn>
+                        </p:par>
+                      </p:childTnLst>
+                    </p:cTn>
+                  </p:par>
+                  <p:par>
+                    <p:cTn id="31" fill="hold">
+                      <p:stCondLst>
+                        <p:cond delay="indefinite"/>
+                      </p:stCondLst>
+                      <p:childTnLst>
+                        <p:par>
+                          <p:cTn id="32" fill="hold">
+                            <p:stCondLst>
+                              <p:cond delay="0"/>
+                            </p:stCondLst>
+                            <p:childTnLst>
+                              <p:par>
+                                <p:cTn id="33" presetID="1" presetClass="entr" presetSubtype="0" fill="hold" nodeType="clickEffect">
+                                  <p:stCondLst>
+                                    <p:cond delay="0"/>
+                                  </p:stCondLst>
+                                  <p:childTnLst>
+                                    <p:set>
+                                      <p:cBhvr>
+                                        <p:cTn id="34" dur="1" fill="hold">
+                                          <p:stCondLst>
+                                            <p:cond delay="0"/>
+                                          </p:stCondLst>
+                                        </p:cTn>
+                                        <p:tgtEl>
+                                          <p:spTgt spid="13"/>
+                                        </p:tgtEl>
+                                        <p:attrNameLst>
+                                          <p:attrName>style.visibility</p:attrName>
+                                        </p:attrNameLst>
+                                      </p:cBhvr>
+                                      <p:to>
+                                        <p:strVal val="visible"/>
+                                      </p:to>
+                                    </p:set>
+                                  </p:childTnLst>
+                                </p:cTn>
+                              </p:par>
+                            </p:childTnLst>
+                          </p:cTn>
+                        </p:par>
+                      </p:childTnLst>
+                    </p:cTn>
+                  </p:par>
+                </p:childTnLst>
+              </p:cTn>
+              <p:prevCondLst>
+                <p:cond evt="onPrev" delay="0">
+                  <p:tgtEl>
+                    <p:sldTgt/>
+                  </p:tgtEl>
+                </p:cond>
+              </p:prevCondLst>
+              <p:nextCondLst>
+                <p:cond evt="onNext" delay="0">
+                  <p:tgtEl>
+                    <p:sldTgt/>
+                  </p:tgtEl>
+                </p:cond>
+              </p:nextCondLst>
+            </p:seq>
+          </p:childTnLst>
+        </p:cTn>
+      </p:par>
+    </p:tnLst>
+  </p:timing>
 </p:sld>
 </file>
 
@@ -7986,6 +8397,551 @@
   <p:clrMapOvr>
     <a:masterClrMapping/>
   </p:clrMapOvr>
+  <p:timing>
+    <p:tnLst>
+      <p:par>
+        <p:cTn id="1" dur="indefinite" restart="never" nodeType="tmRoot">
+          <p:childTnLst>
+            <p:seq concurrent="1" nextAc="seek">
+              <p:cTn id="2" dur="indefinite" nodeType="mainSeq">
+                <p:childTnLst>
+                  <p:par>
+                    <p:cTn id="3" fill="hold">
+                      <p:stCondLst>
+                        <p:cond delay="indefinite"/>
+                      </p:stCondLst>
+                      <p:childTnLst>
+                        <p:par>
+                          <p:cTn id="4" fill="hold">
+                            <p:stCondLst>
+                              <p:cond delay="0"/>
+                            </p:stCondLst>
+                            <p:childTnLst>
+                              <p:par>
+                                <p:cTn id="5" presetID="1" presetClass="entr" presetSubtype="0" fill="hold" nodeType="clickEffect">
+                                  <p:stCondLst>
+                                    <p:cond delay="0"/>
+                                  </p:stCondLst>
+                                  <p:childTnLst>
+                                    <p:set>
+                                      <p:cBhvr>
+                                        <p:cTn id="6" dur="1" fill="hold">
+                                          <p:stCondLst>
+                                            <p:cond delay="0"/>
+                                          </p:stCondLst>
+                                        </p:cTn>
+                                        <p:tgtEl>
+                                          <p:spTgt spid="8"/>
+                                        </p:tgtEl>
+                                        <p:attrNameLst>
+                                          <p:attrName>style.visibility</p:attrName>
+                                        </p:attrNameLst>
+                                      </p:cBhvr>
+                                      <p:to>
+                                        <p:strVal val="visible"/>
+                                      </p:to>
+                                    </p:set>
+                                  </p:childTnLst>
+                                </p:cTn>
+                              </p:par>
+                            </p:childTnLst>
+                          </p:cTn>
+                        </p:par>
+                      </p:childTnLst>
+                    </p:cTn>
+                  </p:par>
+                  <p:par>
+                    <p:cTn id="7" fill="hold">
+                      <p:stCondLst>
+                        <p:cond delay="indefinite"/>
+                      </p:stCondLst>
+                      <p:childTnLst>
+                        <p:par>
+                          <p:cTn id="8" fill="hold">
+                            <p:stCondLst>
+                              <p:cond delay="0"/>
+                            </p:stCondLst>
+                            <p:childTnLst>
+                              <p:par>
+                                <p:cTn id="9" presetID="1" presetClass="entr" presetSubtype="0" fill="hold" nodeType="clickEffect">
+                                  <p:stCondLst>
+                                    <p:cond delay="0"/>
+                                  </p:stCondLst>
+                                  <p:childTnLst>
+                                    <p:set>
+                                      <p:cBhvr>
+                                        <p:cTn id="10" dur="1" fill="hold">
+                                          <p:stCondLst>
+                                            <p:cond delay="0"/>
+                                          </p:stCondLst>
+                                        </p:cTn>
+                                        <p:tgtEl>
+                                          <p:spTgt spid="6">
+                                            <p:txEl>
+                                              <p:pRg st="0" end="0"/>
+                                            </p:txEl>
+                                          </p:spTgt>
+                                        </p:tgtEl>
+                                        <p:attrNameLst>
+                                          <p:attrName>style.visibility</p:attrName>
+                                        </p:attrNameLst>
+                                      </p:cBhvr>
+                                      <p:to>
+                                        <p:strVal val="visible"/>
+                                      </p:to>
+                                    </p:set>
+                                  </p:childTnLst>
+                                </p:cTn>
+                              </p:par>
+                            </p:childTnLst>
+                          </p:cTn>
+                        </p:par>
+                      </p:childTnLst>
+                    </p:cTn>
+                  </p:par>
+                  <p:par>
+                    <p:cTn id="11" fill="hold">
+                      <p:stCondLst>
+                        <p:cond delay="indefinite"/>
+                      </p:stCondLst>
+                      <p:childTnLst>
+                        <p:par>
+                          <p:cTn id="12" fill="hold">
+                            <p:stCondLst>
+                              <p:cond delay="0"/>
+                            </p:stCondLst>
+                            <p:childTnLst>
+                              <p:par>
+                                <p:cTn id="13" presetID="1" presetClass="entr" presetSubtype="0" fill="hold" nodeType="clickEffect">
+                                  <p:stCondLst>
+                                    <p:cond delay="0"/>
+                                  </p:stCondLst>
+                                  <p:childTnLst>
+                                    <p:set>
+                                      <p:cBhvr>
+                                        <p:cTn id="14" dur="1" fill="hold">
+                                          <p:stCondLst>
+                                            <p:cond delay="0"/>
+                                          </p:stCondLst>
+                                        </p:cTn>
+                                        <p:tgtEl>
+                                          <p:spTgt spid="7"/>
+                                        </p:tgtEl>
+                                        <p:attrNameLst>
+                                          <p:attrName>style.visibility</p:attrName>
+                                        </p:attrNameLst>
+                                      </p:cBhvr>
+                                      <p:to>
+                                        <p:strVal val="visible"/>
+                                      </p:to>
+                                    </p:set>
+                                  </p:childTnLst>
+                                </p:cTn>
+                              </p:par>
+                            </p:childTnLst>
+                          </p:cTn>
+                        </p:par>
+                      </p:childTnLst>
+                    </p:cTn>
+                  </p:par>
+                  <p:par>
+                    <p:cTn id="15" fill="hold">
+                      <p:stCondLst>
+                        <p:cond delay="indefinite"/>
+                      </p:stCondLst>
+                      <p:childTnLst>
+                        <p:par>
+                          <p:cTn id="16" fill="hold">
+                            <p:stCondLst>
+                              <p:cond delay="0"/>
+                            </p:stCondLst>
+                            <p:childTnLst>
+                              <p:par>
+                                <p:cTn id="17" presetID="1" presetClass="entr" presetSubtype="0" fill="hold" nodeType="clickEffect">
+                                  <p:stCondLst>
+                                    <p:cond delay="0"/>
+                                  </p:stCondLst>
+                                  <p:childTnLst>
+                                    <p:set>
+                                      <p:cBhvr>
+                                        <p:cTn id="18" dur="1" fill="hold">
+                                          <p:stCondLst>
+                                            <p:cond delay="0"/>
+                                          </p:stCondLst>
+                                        </p:cTn>
+                                        <p:tgtEl>
+                                          <p:spTgt spid="6">
+                                            <p:txEl>
+                                              <p:pRg st="1" end="1"/>
+                                            </p:txEl>
+                                          </p:spTgt>
+                                        </p:tgtEl>
+                                        <p:attrNameLst>
+                                          <p:attrName>style.visibility</p:attrName>
+                                        </p:attrNameLst>
+                                      </p:cBhvr>
+                                      <p:to>
+                                        <p:strVal val="visible"/>
+                                      </p:to>
+                                    </p:set>
+                                  </p:childTnLst>
+                                </p:cTn>
+                              </p:par>
+                            </p:childTnLst>
+                          </p:cTn>
+                        </p:par>
+                      </p:childTnLst>
+                    </p:cTn>
+                  </p:par>
+                  <p:par>
+                    <p:cTn id="19" fill="hold">
+                      <p:stCondLst>
+                        <p:cond delay="indefinite"/>
+                      </p:stCondLst>
+                      <p:childTnLst>
+                        <p:par>
+                          <p:cTn id="20" fill="hold">
+                            <p:stCondLst>
+                              <p:cond delay="0"/>
+                            </p:stCondLst>
+                            <p:childTnLst>
+                              <p:par>
+                                <p:cTn id="21" presetID="1" presetClass="entr" presetSubtype="0" fill="hold" nodeType="clickEffect">
+                                  <p:stCondLst>
+                                    <p:cond delay="0"/>
+                                  </p:stCondLst>
+                                  <p:childTnLst>
+                                    <p:set>
+                                      <p:cBhvr>
+                                        <p:cTn id="22" dur="1" fill="hold">
+                                          <p:stCondLst>
+                                            <p:cond delay="0"/>
+                                          </p:stCondLst>
+                                        </p:cTn>
+                                        <p:tgtEl>
+                                          <p:spTgt spid="6">
+                                            <p:txEl>
+                                              <p:pRg st="2" end="2"/>
+                                            </p:txEl>
+                                          </p:spTgt>
+                                        </p:tgtEl>
+                                        <p:attrNameLst>
+                                          <p:attrName>style.visibility</p:attrName>
+                                        </p:attrNameLst>
+                                      </p:cBhvr>
+                                      <p:to>
+                                        <p:strVal val="visible"/>
+                                      </p:to>
+                                    </p:set>
+                                  </p:childTnLst>
+                                </p:cTn>
+                              </p:par>
+                            </p:childTnLst>
+                          </p:cTn>
+                        </p:par>
+                      </p:childTnLst>
+                    </p:cTn>
+                  </p:par>
+                  <p:par>
+                    <p:cTn id="23" fill="hold">
+                      <p:stCondLst>
+                        <p:cond delay="indefinite"/>
+                      </p:stCondLst>
+                      <p:childTnLst>
+                        <p:par>
+                          <p:cTn id="24" fill="hold">
+                            <p:stCondLst>
+                              <p:cond delay="0"/>
+                            </p:stCondLst>
+                            <p:childTnLst>
+                              <p:par>
+                                <p:cTn id="25" presetID="1" presetClass="entr" presetSubtype="0" fill="hold" nodeType="clickEffect">
+                                  <p:stCondLst>
+                                    <p:cond delay="0"/>
+                                  </p:stCondLst>
+                                  <p:childTnLst>
+                                    <p:set>
+                                      <p:cBhvr>
+                                        <p:cTn id="26" dur="1" fill="hold">
+                                          <p:stCondLst>
+                                            <p:cond delay="0"/>
+                                          </p:stCondLst>
+                                        </p:cTn>
+                                        <p:tgtEl>
+                                          <p:spTgt spid="10"/>
+                                        </p:tgtEl>
+                                        <p:attrNameLst>
+                                          <p:attrName>style.visibility</p:attrName>
+                                        </p:attrNameLst>
+                                      </p:cBhvr>
+                                      <p:to>
+                                        <p:strVal val="visible"/>
+                                      </p:to>
+                                    </p:set>
+                                  </p:childTnLst>
+                                </p:cTn>
+                              </p:par>
+                            </p:childTnLst>
+                          </p:cTn>
+                        </p:par>
+                      </p:childTnLst>
+                    </p:cTn>
+                  </p:par>
+                  <p:par>
+                    <p:cTn id="27" fill="hold">
+                      <p:stCondLst>
+                        <p:cond delay="indefinite"/>
+                      </p:stCondLst>
+                      <p:childTnLst>
+                        <p:par>
+                          <p:cTn id="28" fill="hold">
+                            <p:stCondLst>
+                              <p:cond delay="0"/>
+                            </p:stCondLst>
+                            <p:childTnLst>
+                              <p:par>
+                                <p:cTn id="29" presetID="1" presetClass="entr" presetSubtype="0" fill="hold" nodeType="clickEffect">
+                                  <p:stCondLst>
+                                    <p:cond delay="0"/>
+                                  </p:stCondLst>
+                                  <p:childTnLst>
+                                    <p:set>
+                                      <p:cBhvr>
+                                        <p:cTn id="30" dur="1" fill="hold">
+                                          <p:stCondLst>
+                                            <p:cond delay="0"/>
+                                          </p:stCondLst>
+                                        </p:cTn>
+                                        <p:tgtEl>
+                                          <p:spTgt spid="12"/>
+                                        </p:tgtEl>
+                                        <p:attrNameLst>
+                                          <p:attrName>style.visibility</p:attrName>
+                                        </p:attrNameLst>
+                                      </p:cBhvr>
+                                      <p:to>
+                                        <p:strVal val="visible"/>
+                                      </p:to>
+                                    </p:set>
+                                  </p:childTnLst>
+                                </p:cTn>
+                              </p:par>
+                            </p:childTnLst>
+                          </p:cTn>
+                        </p:par>
+                      </p:childTnLst>
+                    </p:cTn>
+                  </p:par>
+                  <p:par>
+                    <p:cTn id="31" fill="hold">
+                      <p:stCondLst>
+                        <p:cond delay="indefinite"/>
+                      </p:stCondLst>
+                      <p:childTnLst>
+                        <p:par>
+                          <p:cTn id="32" fill="hold">
+                            <p:stCondLst>
+                              <p:cond delay="0"/>
+                            </p:stCondLst>
+                            <p:childTnLst>
+                              <p:par>
+                                <p:cTn id="33" presetID="1" presetClass="entr" presetSubtype="0" fill="hold" nodeType="clickEffect">
+                                  <p:stCondLst>
+                                    <p:cond delay="0"/>
+                                  </p:stCondLst>
+                                  <p:childTnLst>
+                                    <p:set>
+                                      <p:cBhvr>
+                                        <p:cTn id="34" dur="1" fill="hold">
+                                          <p:stCondLst>
+                                            <p:cond delay="0"/>
+                                          </p:stCondLst>
+                                        </p:cTn>
+                                        <p:tgtEl>
+                                          <p:spTgt spid="6">
+                                            <p:txEl>
+                                              <p:pRg st="3" end="3"/>
+                                            </p:txEl>
+                                          </p:spTgt>
+                                        </p:tgtEl>
+                                        <p:attrNameLst>
+                                          <p:attrName>style.visibility</p:attrName>
+                                        </p:attrNameLst>
+                                      </p:cBhvr>
+                                      <p:to>
+                                        <p:strVal val="visible"/>
+                                      </p:to>
+                                    </p:set>
+                                  </p:childTnLst>
+                                </p:cTn>
+                              </p:par>
+                            </p:childTnLst>
+                          </p:cTn>
+                        </p:par>
+                      </p:childTnLst>
+                    </p:cTn>
+                  </p:par>
+                  <p:par>
+                    <p:cTn id="35" fill="hold">
+                      <p:stCondLst>
+                        <p:cond delay="indefinite"/>
+                      </p:stCondLst>
+                      <p:childTnLst>
+                        <p:par>
+                          <p:cTn id="36" fill="hold">
+                            <p:stCondLst>
+                              <p:cond delay="0"/>
+                            </p:stCondLst>
+                            <p:childTnLst>
+                              <p:par>
+                                <p:cTn id="37" presetID="1" presetClass="entr" presetSubtype="0" fill="hold" nodeType="clickEffect">
+                                  <p:stCondLst>
+                                    <p:cond delay="0"/>
+                                  </p:stCondLst>
+                                  <p:childTnLst>
+                                    <p:set>
+                                      <p:cBhvr>
+                                        <p:cTn id="38" dur="1" fill="hold">
+                                          <p:stCondLst>
+                                            <p:cond delay="0"/>
+                                          </p:stCondLst>
+                                        </p:cTn>
+                                        <p:tgtEl>
+                                          <p:spTgt spid="14"/>
+                                        </p:tgtEl>
+                                        <p:attrNameLst>
+                                          <p:attrName>style.visibility</p:attrName>
+                                        </p:attrNameLst>
+                                      </p:cBhvr>
+                                      <p:to>
+                                        <p:strVal val="visible"/>
+                                      </p:to>
+                                    </p:set>
+                                  </p:childTnLst>
+                                </p:cTn>
+                              </p:par>
+                            </p:childTnLst>
+                          </p:cTn>
+                        </p:par>
+                      </p:childTnLst>
+                    </p:cTn>
+                  </p:par>
+                  <p:par>
+                    <p:cTn id="39" fill="hold">
+                      <p:stCondLst>
+                        <p:cond delay="indefinite"/>
+                      </p:stCondLst>
+                      <p:childTnLst>
+                        <p:par>
+                          <p:cTn id="40" fill="hold">
+                            <p:stCondLst>
+                              <p:cond delay="0"/>
+                            </p:stCondLst>
+                            <p:childTnLst>
+                              <p:par>
+                                <p:cTn id="41" presetID="1" presetClass="entr" presetSubtype="0" fill="hold" nodeType="clickEffect">
+                                  <p:stCondLst>
+                                    <p:cond delay="0"/>
+                                  </p:stCondLst>
+                                  <p:childTnLst>
+                                    <p:set>
+                                      <p:cBhvr>
+                                        <p:cTn id="42" dur="1" fill="hold">
+                                          <p:stCondLst>
+                                            <p:cond delay="0"/>
+                                          </p:stCondLst>
+                                        </p:cTn>
+                                        <p:tgtEl>
+                                          <p:spTgt spid="16"/>
+                                        </p:tgtEl>
+                                        <p:attrNameLst>
+                                          <p:attrName>style.visibility</p:attrName>
+                                        </p:attrNameLst>
+                                      </p:cBhvr>
+                                      <p:to>
+                                        <p:strVal val="visible"/>
+                                      </p:to>
+                                    </p:set>
+                                  </p:childTnLst>
+                                </p:cTn>
+                              </p:par>
+                            </p:childTnLst>
+                          </p:cTn>
+                        </p:par>
+                      </p:childTnLst>
+                    </p:cTn>
+                  </p:par>
+                  <p:par>
+                    <p:cTn id="43" fill="hold">
+                      <p:stCondLst>
+                        <p:cond delay="indefinite"/>
+                      </p:stCondLst>
+                      <p:childTnLst>
+                        <p:par>
+                          <p:cTn id="44" fill="hold">
+                            <p:stCondLst>
+                              <p:cond delay="0"/>
+                            </p:stCondLst>
+                            <p:childTnLst>
+                              <p:par>
+                                <p:cTn id="45" presetID="1" presetClass="entr" presetSubtype="0" fill="hold" nodeType="clickEffect">
+                                  <p:stCondLst>
+                                    <p:cond delay="0"/>
+                                  </p:stCondLst>
+                                  <p:childTnLst>
+                                    <p:set>
+                                      <p:cBhvr>
+                                        <p:cTn id="46" dur="1" fill="hold">
+                                          <p:stCondLst>
+                                            <p:cond delay="0"/>
+                                          </p:stCondLst>
+                                        </p:cTn>
+                                        <p:tgtEl>
+                                          <p:spTgt spid="6">
+                                            <p:txEl>
+                                              <p:pRg st="4" end="4"/>
+                                            </p:txEl>
+                                          </p:spTgt>
+                                        </p:tgtEl>
+                                        <p:attrNameLst>
+                                          <p:attrName>style.visibility</p:attrName>
+                                        </p:attrNameLst>
+                                      </p:cBhvr>
+                                      <p:to>
+                                        <p:strVal val="visible"/>
+                                      </p:to>
+                                    </p:set>
+                                  </p:childTnLst>
+                                </p:cTn>
+                              </p:par>
+                            </p:childTnLst>
+                          </p:cTn>
+                        </p:par>
+                      </p:childTnLst>
+                    </p:cTn>
+                  </p:par>
+                </p:childTnLst>
+              </p:cTn>
+              <p:prevCondLst>
+                <p:cond evt="onPrev" delay="0">
+                  <p:tgtEl>
+                    <p:sldTgt/>
+                  </p:tgtEl>
+                </p:cond>
+              </p:prevCondLst>
+              <p:nextCondLst>
+                <p:cond evt="onNext" delay="0">
+                  <p:tgtEl>
+                    <p:sldTgt/>
+                  </p:tgtEl>
+                </p:cond>
+              </p:nextCondLst>
+            </p:seq>
+          </p:childTnLst>
+        </p:cTn>
+      </p:par>
+    </p:tnLst>
+  </p:timing>
 </p:sld>
 </file>
 
@@ -8454,10 +9410,10 @@
       </p:sp>
       <p:pic>
         <p:nvPicPr>
-          <p:cNvPr id="13" name="图片 12">
+          <p:cNvPr id="15" name="图片 14">
             <a:extLst>
               <a:ext uri="{FF2B5EF4-FFF2-40B4-BE49-F238E27FC236}">
-                <a16:creationId xmlns:a16="http://schemas.microsoft.com/office/drawing/2014/main" id="{796194A8-8D78-39FA-DCEE-10D465BFA621}"/>
+                <a16:creationId xmlns:a16="http://schemas.microsoft.com/office/drawing/2014/main" id="{EE244B5A-1078-A5F0-DA6F-A1A753FD1C18}"/>
               </a:ext>
             </a:extLst>
           </p:cNvPr>
@@ -8480,8 +9436,8 @@
         </p:blipFill>
         <p:spPr>
           <a:xfrm>
-            <a:off x="4330838" y="5245701"/>
-            <a:ext cx="3899597" cy="1157023"/>
+            <a:off x="3873500" y="5281183"/>
+            <a:ext cx="4445000" cy="762000"/>
           </a:xfrm>
           <a:prstGeom prst="rect">
             <a:avLst/>
@@ -8501,6 +9457,220 @@
   <p:clrMapOvr>
     <a:masterClrMapping/>
   </p:clrMapOvr>
+  <p:timing>
+    <p:tnLst>
+      <p:par>
+        <p:cTn id="1" dur="indefinite" restart="never" nodeType="tmRoot">
+          <p:childTnLst>
+            <p:seq concurrent="1" nextAc="seek">
+              <p:cTn id="2" dur="indefinite" nodeType="mainSeq">
+                <p:childTnLst>
+                  <p:par>
+                    <p:cTn id="3" fill="hold">
+                      <p:stCondLst>
+                        <p:cond delay="indefinite"/>
+                      </p:stCondLst>
+                      <p:childTnLst>
+                        <p:par>
+                          <p:cTn id="4" fill="hold">
+                            <p:stCondLst>
+                              <p:cond delay="0"/>
+                            </p:stCondLst>
+                            <p:childTnLst>
+                              <p:par>
+                                <p:cTn id="5" presetID="1" presetClass="entr" presetSubtype="0" fill="hold" nodeType="clickEffect">
+                                  <p:stCondLst>
+                                    <p:cond delay="0"/>
+                                  </p:stCondLst>
+                                  <p:childTnLst>
+                                    <p:set>
+                                      <p:cBhvr>
+                                        <p:cTn id="6" dur="1" fill="hold">
+                                          <p:stCondLst>
+                                            <p:cond delay="0"/>
+                                          </p:stCondLst>
+                                        </p:cTn>
+                                        <p:tgtEl>
+                                          <p:spTgt spid="8"/>
+                                        </p:tgtEl>
+                                        <p:attrNameLst>
+                                          <p:attrName>style.visibility</p:attrName>
+                                        </p:attrNameLst>
+                                      </p:cBhvr>
+                                      <p:to>
+                                        <p:strVal val="visible"/>
+                                      </p:to>
+                                    </p:set>
+                                  </p:childTnLst>
+                                </p:cTn>
+                              </p:par>
+                            </p:childTnLst>
+                          </p:cTn>
+                        </p:par>
+                      </p:childTnLst>
+                    </p:cTn>
+                  </p:par>
+                  <p:par>
+                    <p:cTn id="7" fill="hold">
+                      <p:stCondLst>
+                        <p:cond delay="indefinite"/>
+                      </p:stCondLst>
+                      <p:childTnLst>
+                        <p:par>
+                          <p:cTn id="8" fill="hold">
+                            <p:stCondLst>
+                              <p:cond delay="0"/>
+                            </p:stCondLst>
+                            <p:childTnLst>
+                              <p:par>
+                                <p:cTn id="9" presetID="1" presetClass="entr" presetSubtype="0" fill="hold" nodeType="clickEffect">
+                                  <p:stCondLst>
+                                    <p:cond delay="0"/>
+                                  </p:stCondLst>
+                                  <p:childTnLst>
+                                    <p:set>
+                                      <p:cBhvr>
+                                        <p:cTn id="10" dur="1" fill="hold">
+                                          <p:stCondLst>
+                                            <p:cond delay="0"/>
+                                          </p:stCondLst>
+                                        </p:cTn>
+                                        <p:tgtEl>
+                                          <p:spTgt spid="5122"/>
+                                        </p:tgtEl>
+                                        <p:attrNameLst>
+                                          <p:attrName>style.visibility</p:attrName>
+                                        </p:attrNameLst>
+                                      </p:cBhvr>
+                                      <p:to>
+                                        <p:strVal val="visible"/>
+                                      </p:to>
+                                    </p:set>
+                                  </p:childTnLst>
+                                </p:cTn>
+                              </p:par>
+                            </p:childTnLst>
+                          </p:cTn>
+                        </p:par>
+                      </p:childTnLst>
+                    </p:cTn>
+                  </p:par>
+                  <p:par>
+                    <p:cTn id="11" fill="hold">
+                      <p:stCondLst>
+                        <p:cond delay="indefinite"/>
+                      </p:stCondLst>
+                      <p:childTnLst>
+                        <p:par>
+                          <p:cTn id="12" fill="hold">
+                            <p:stCondLst>
+                              <p:cond delay="0"/>
+                            </p:stCondLst>
+                            <p:childTnLst>
+                              <p:par>
+                                <p:cTn id="13" presetID="1" presetClass="entr" presetSubtype="0" fill="hold" nodeType="clickEffect">
+                                  <p:stCondLst>
+                                    <p:cond delay="0"/>
+                                  </p:stCondLst>
+                                  <p:childTnLst>
+                                    <p:set>
+                                      <p:cBhvr>
+                                        <p:cTn id="14" dur="1" fill="hold">
+                                          <p:stCondLst>
+                                            <p:cond delay="0"/>
+                                          </p:stCondLst>
+                                        </p:cTn>
+                                        <p:tgtEl>
+                                          <p:spTgt spid="9">
+                                            <p:txEl>
+                                              <p:pRg st="0" end="0"/>
+                                            </p:txEl>
+                                          </p:spTgt>
+                                        </p:tgtEl>
+                                        <p:attrNameLst>
+                                          <p:attrName>style.visibility</p:attrName>
+                                        </p:attrNameLst>
+                                      </p:cBhvr>
+                                      <p:to>
+                                        <p:strVal val="visible"/>
+                                      </p:to>
+                                    </p:set>
+                                  </p:childTnLst>
+                                </p:cTn>
+                              </p:par>
+                            </p:childTnLst>
+                          </p:cTn>
+                        </p:par>
+                      </p:childTnLst>
+                    </p:cTn>
+                  </p:par>
+                  <p:par>
+                    <p:cTn id="15" fill="hold">
+                      <p:stCondLst>
+                        <p:cond delay="indefinite"/>
+                      </p:stCondLst>
+                      <p:childTnLst>
+                        <p:par>
+                          <p:cTn id="16" fill="hold">
+                            <p:stCondLst>
+                              <p:cond delay="0"/>
+                            </p:stCondLst>
+                            <p:childTnLst>
+                              <p:par>
+                                <p:cTn id="17" presetID="1" presetClass="entr" presetSubtype="0" fill="hold" nodeType="clickEffect">
+                                  <p:stCondLst>
+                                    <p:cond delay="0"/>
+                                  </p:stCondLst>
+                                  <p:childTnLst>
+                                    <p:set>
+                                      <p:cBhvr>
+                                        <p:cTn id="18" dur="1" fill="hold">
+                                          <p:stCondLst>
+                                            <p:cond delay="0"/>
+                                          </p:stCondLst>
+                                        </p:cTn>
+                                        <p:tgtEl>
+                                          <p:spTgt spid="15"/>
+                                        </p:tgtEl>
+                                        <p:attrNameLst>
+                                          <p:attrName>style.visibility</p:attrName>
+                                        </p:attrNameLst>
+                                      </p:cBhvr>
+                                      <p:to>
+                                        <p:strVal val="visible"/>
+                                      </p:to>
+                                    </p:set>
+                                  </p:childTnLst>
+                                </p:cTn>
+                              </p:par>
+                            </p:childTnLst>
+                          </p:cTn>
+                        </p:par>
+                      </p:childTnLst>
+                    </p:cTn>
+                  </p:par>
+                </p:childTnLst>
+              </p:cTn>
+              <p:prevCondLst>
+                <p:cond evt="onPrev" delay="0">
+                  <p:tgtEl>
+                    <p:sldTgt/>
+                  </p:tgtEl>
+                </p:cond>
+              </p:prevCondLst>
+              <p:nextCondLst>
+                <p:cond evt="onNext" delay="0">
+                  <p:tgtEl>
+                    <p:sldTgt/>
+                  </p:tgtEl>
+                </p:cond>
+              </p:nextCondLst>
+            </p:seq>
+          </p:childTnLst>
+        </p:cTn>
+      </p:par>
+    </p:tnLst>
+  </p:timing>
 </p:sld>
 </file>
 
@@ -8999,6 +10169,269 @@
   <p:clrMapOvr>
     <a:masterClrMapping/>
   </p:clrMapOvr>
+  <p:timing>
+    <p:tnLst>
+      <p:par>
+        <p:cTn id="1" dur="indefinite" restart="never" nodeType="tmRoot">
+          <p:childTnLst>
+            <p:seq concurrent="1" nextAc="seek">
+              <p:cTn id="2" dur="indefinite" nodeType="mainSeq">
+                <p:childTnLst>
+                  <p:par>
+                    <p:cTn id="3" fill="hold">
+                      <p:stCondLst>
+                        <p:cond delay="indefinite"/>
+                      </p:stCondLst>
+                      <p:childTnLst>
+                        <p:par>
+                          <p:cTn id="4" fill="hold">
+                            <p:stCondLst>
+                              <p:cond delay="0"/>
+                            </p:stCondLst>
+                            <p:childTnLst>
+                              <p:par>
+                                <p:cTn id="5" presetID="1" presetClass="entr" presetSubtype="0" fill="hold" nodeType="clickEffect">
+                                  <p:stCondLst>
+                                    <p:cond delay="0"/>
+                                  </p:stCondLst>
+                                  <p:childTnLst>
+                                    <p:set>
+                                      <p:cBhvr>
+                                        <p:cTn id="6" dur="1" fill="hold">
+                                          <p:stCondLst>
+                                            <p:cond delay="0"/>
+                                          </p:stCondLst>
+                                        </p:cTn>
+                                        <p:tgtEl>
+                                          <p:spTgt spid="6">
+                                            <p:txEl>
+                                              <p:pRg st="0" end="0"/>
+                                            </p:txEl>
+                                          </p:spTgt>
+                                        </p:tgtEl>
+                                        <p:attrNameLst>
+                                          <p:attrName>style.visibility</p:attrName>
+                                        </p:attrNameLst>
+                                      </p:cBhvr>
+                                      <p:to>
+                                        <p:strVal val="visible"/>
+                                      </p:to>
+                                    </p:set>
+                                  </p:childTnLst>
+                                </p:cTn>
+                              </p:par>
+                            </p:childTnLst>
+                          </p:cTn>
+                        </p:par>
+                      </p:childTnLst>
+                    </p:cTn>
+                  </p:par>
+                  <p:par>
+                    <p:cTn id="7" fill="hold">
+                      <p:stCondLst>
+                        <p:cond delay="indefinite"/>
+                      </p:stCondLst>
+                      <p:childTnLst>
+                        <p:par>
+                          <p:cTn id="8" fill="hold">
+                            <p:stCondLst>
+                              <p:cond delay="0"/>
+                            </p:stCondLst>
+                            <p:childTnLst>
+                              <p:par>
+                                <p:cTn id="9" presetID="1" presetClass="entr" presetSubtype="0" fill="hold" nodeType="clickEffect">
+                                  <p:stCondLst>
+                                    <p:cond delay="0"/>
+                                  </p:stCondLst>
+                                  <p:childTnLst>
+                                    <p:set>
+                                      <p:cBhvr>
+                                        <p:cTn id="10" dur="1" fill="hold">
+                                          <p:stCondLst>
+                                            <p:cond delay="0"/>
+                                          </p:stCondLst>
+                                        </p:cTn>
+                                        <p:tgtEl>
+                                          <p:spTgt spid="4"/>
+                                        </p:tgtEl>
+                                        <p:attrNameLst>
+                                          <p:attrName>style.visibility</p:attrName>
+                                        </p:attrNameLst>
+                                      </p:cBhvr>
+                                      <p:to>
+                                        <p:strVal val="visible"/>
+                                      </p:to>
+                                    </p:set>
+                                  </p:childTnLst>
+                                </p:cTn>
+                              </p:par>
+                            </p:childTnLst>
+                          </p:cTn>
+                        </p:par>
+                      </p:childTnLst>
+                    </p:cTn>
+                  </p:par>
+                  <p:par>
+                    <p:cTn id="11" fill="hold">
+                      <p:stCondLst>
+                        <p:cond delay="indefinite"/>
+                      </p:stCondLst>
+                      <p:childTnLst>
+                        <p:par>
+                          <p:cTn id="12" fill="hold">
+                            <p:stCondLst>
+                              <p:cond delay="0"/>
+                            </p:stCondLst>
+                            <p:childTnLst>
+                              <p:par>
+                                <p:cTn id="13" presetID="1" presetClass="entr" presetSubtype="0" fill="hold" nodeType="clickEffect">
+                                  <p:stCondLst>
+                                    <p:cond delay="0"/>
+                                  </p:stCondLst>
+                                  <p:childTnLst>
+                                    <p:set>
+                                      <p:cBhvr>
+                                        <p:cTn id="14" dur="1" fill="hold">
+                                          <p:stCondLst>
+                                            <p:cond delay="0"/>
+                                          </p:stCondLst>
+                                        </p:cTn>
+                                        <p:tgtEl>
+                                          <p:spTgt spid="7"/>
+                                        </p:tgtEl>
+                                        <p:attrNameLst>
+                                          <p:attrName>style.visibility</p:attrName>
+                                        </p:attrNameLst>
+                                      </p:cBhvr>
+                                      <p:to>
+                                        <p:strVal val="visible"/>
+                                      </p:to>
+                                    </p:set>
+                                  </p:childTnLst>
+                                </p:cTn>
+                              </p:par>
+                            </p:childTnLst>
+                          </p:cTn>
+                        </p:par>
+                      </p:childTnLst>
+                    </p:cTn>
+                  </p:par>
+                  <p:par>
+                    <p:cTn id="15" fill="hold">
+                      <p:stCondLst>
+                        <p:cond delay="indefinite"/>
+                      </p:stCondLst>
+                      <p:childTnLst>
+                        <p:par>
+                          <p:cTn id="16" fill="hold">
+                            <p:stCondLst>
+                              <p:cond delay="0"/>
+                            </p:stCondLst>
+                            <p:childTnLst>
+                              <p:par>
+                                <p:cTn id="17" presetID="1" presetClass="entr" presetSubtype="0" fill="hold" nodeType="clickEffect">
+                                  <p:stCondLst>
+                                    <p:cond delay="0"/>
+                                  </p:stCondLst>
+                                  <p:childTnLst>
+                                    <p:set>
+                                      <p:cBhvr>
+                                        <p:cTn id="18" dur="1" fill="hold">
+                                          <p:stCondLst>
+                                            <p:cond delay="0"/>
+                                          </p:stCondLst>
+                                        </p:cTn>
+                                        <p:tgtEl>
+                                          <p:spTgt spid="6">
+                                            <p:txEl>
+                                              <p:pRg st="1" end="1"/>
+                                            </p:txEl>
+                                          </p:spTgt>
+                                        </p:tgtEl>
+                                        <p:attrNameLst>
+                                          <p:attrName>style.visibility</p:attrName>
+                                        </p:attrNameLst>
+                                      </p:cBhvr>
+                                      <p:to>
+                                        <p:strVal val="visible"/>
+                                      </p:to>
+                                    </p:set>
+                                  </p:childTnLst>
+                                </p:cTn>
+                              </p:par>
+                            </p:childTnLst>
+                          </p:cTn>
+                        </p:par>
+                      </p:childTnLst>
+                    </p:cTn>
+                  </p:par>
+                  <p:par>
+                    <p:cTn id="19" fill="hold">
+                      <p:stCondLst>
+                        <p:cond delay="indefinite"/>
+                      </p:stCondLst>
+                      <p:childTnLst>
+                        <p:par>
+                          <p:cTn id="20" fill="hold">
+                            <p:stCondLst>
+                              <p:cond delay="0"/>
+                            </p:stCondLst>
+                            <p:childTnLst>
+                              <p:par>
+                                <p:cTn id="21" presetID="1" presetClass="entr" presetSubtype="0" fill="hold" nodeType="clickEffect">
+                                  <p:stCondLst>
+                                    <p:cond delay="0"/>
+                                  </p:stCondLst>
+                                  <p:childTnLst>
+                                    <p:set>
+                                      <p:cBhvr>
+                                        <p:cTn id="22" dur="1" fill="hold">
+                                          <p:stCondLst>
+                                            <p:cond delay="0"/>
+                                          </p:stCondLst>
+                                        </p:cTn>
+                                        <p:tgtEl>
+                                          <p:spTgt spid="11"/>
+                                        </p:tgtEl>
+                                        <p:attrNameLst>
+                                          <p:attrName>style.visibility</p:attrName>
+                                        </p:attrNameLst>
+                                      </p:cBhvr>
+                                      <p:to>
+                                        <p:strVal val="visible"/>
+                                      </p:to>
+                                    </p:set>
+                                  </p:childTnLst>
+                                </p:cTn>
+                              </p:par>
+                            </p:childTnLst>
+                          </p:cTn>
+                        </p:par>
+                      </p:childTnLst>
+                    </p:cTn>
+                  </p:par>
+                </p:childTnLst>
+              </p:cTn>
+              <p:prevCondLst>
+                <p:cond evt="onPrev" delay="0">
+                  <p:tgtEl>
+                    <p:sldTgt/>
+                  </p:tgtEl>
+                </p:cond>
+              </p:prevCondLst>
+              <p:nextCondLst>
+                <p:cond evt="onNext" delay="0">
+                  <p:tgtEl>
+                    <p:sldTgt/>
+                  </p:tgtEl>
+                </p:cond>
+              </p:nextCondLst>
+            </p:seq>
+          </p:childTnLst>
+        </p:cTn>
+      </p:par>
+    </p:tnLst>
+  </p:timing>
 </p:sld>
 </file>
 
@@ -9570,7 +11003,7 @@
         <p:spPr>
           <a:xfrm>
             <a:off x="822325" y="4617612"/>
-            <a:ext cx="5801256" cy="1477328"/>
+            <a:ext cx="5801256" cy="1200329"/>
           </a:xfrm>
           <a:prstGeom prst="rect">
             <a:avLst/>
@@ -9802,50 +11235,6 @@
                 <a:ea typeface="PingFang SC" panose="020B0400000000000000" pitchFamily="34" charset="-122"/>
               </a:rPr>
               <a:t>sensitivity map</a:t>
-            </a:r>
-            <a:r>
-              <a:rPr lang="zh-CN" altLang="en" b="0" i="0" dirty="0">
-                <a:solidFill>
-                  <a:srgbClr val="333333"/>
-                </a:solidFill>
-                <a:effectLst/>
-                <a:latin typeface="PingFang SC" panose="020B0400000000000000" pitchFamily="34" charset="-122"/>
-                <a:ea typeface="PingFang SC" panose="020B0400000000000000" pitchFamily="34" charset="-122"/>
-              </a:rPr>
-              <a:t>，</a:t>
-            </a:r>
-            <a:r>
-              <a:rPr lang="zh-CN" altLang="en-US" b="0" i="0" dirty="0">
-                <a:solidFill>
-                  <a:srgbClr val="333333"/>
-                </a:solidFill>
-                <a:effectLst/>
-                <a:latin typeface="PingFang SC" panose="020B0400000000000000" pitchFamily="34" charset="-122"/>
-                <a:ea typeface="PingFang SC" panose="020B0400000000000000" pitchFamily="34" charset="-122"/>
-              </a:rPr>
-              <a:t>再用式</a:t>
-            </a:r>
-            <a:r>
-              <a:rPr lang="en-US" altLang="zh-CN" b="0" i="0" dirty="0">
-                <a:solidFill>
-                  <a:srgbClr val="333333"/>
-                </a:solidFill>
-                <a:effectLst/>
-                <a:latin typeface="PingFang SC" panose="020B0400000000000000" pitchFamily="34" charset="-122"/>
-                <a:ea typeface="PingFang SC" panose="020B0400000000000000" pitchFamily="34" charset="-122"/>
-              </a:rPr>
-              <a:t>8</a:t>
-            </a:r>
-            <a:r>
-              <a:rPr lang="zh-CN" altLang="en-US" b="0" i="0" dirty="0">
-                <a:solidFill>
-                  <a:srgbClr val="333333"/>
-                </a:solidFill>
-                <a:effectLst/>
-                <a:latin typeface="PingFang SC" panose="020B0400000000000000" pitchFamily="34" charset="-122"/>
-                <a:ea typeface="PingFang SC" panose="020B0400000000000000" pitchFamily="34" charset="-122"/>
-              </a:rPr>
-              <a:t>进行求解</a:t>
             </a:r>
             <a:endParaRPr kumimoji="1" lang="zh-CN" altLang="en-US" dirty="0"/>
           </a:p>
@@ -9864,6 +11253,325 @@
   <p:clrMapOvr>
     <a:masterClrMapping/>
   </p:clrMapOvr>
+  <p:timing>
+    <p:tnLst>
+      <p:par>
+        <p:cTn id="1" dur="indefinite" restart="never" nodeType="tmRoot">
+          <p:childTnLst>
+            <p:seq concurrent="1" nextAc="seek">
+              <p:cTn id="2" dur="indefinite" nodeType="mainSeq">
+                <p:childTnLst>
+                  <p:par>
+                    <p:cTn id="3" fill="hold">
+                      <p:stCondLst>
+                        <p:cond delay="indefinite"/>
+                      </p:stCondLst>
+                      <p:childTnLst>
+                        <p:par>
+                          <p:cTn id="4" fill="hold">
+                            <p:stCondLst>
+                              <p:cond delay="0"/>
+                            </p:stCondLst>
+                            <p:childTnLst>
+                              <p:par>
+                                <p:cTn id="5" presetID="1" presetClass="entr" presetSubtype="0" fill="hold" nodeType="clickEffect">
+                                  <p:stCondLst>
+                                    <p:cond delay="0"/>
+                                  </p:stCondLst>
+                                  <p:childTnLst>
+                                    <p:set>
+                                      <p:cBhvr>
+                                        <p:cTn id="6" dur="1" fill="hold">
+                                          <p:stCondLst>
+                                            <p:cond delay="0"/>
+                                          </p:stCondLst>
+                                        </p:cTn>
+                                        <p:tgtEl>
+                                          <p:spTgt spid="6">
+                                            <p:txEl>
+                                              <p:pRg st="0" end="0"/>
+                                            </p:txEl>
+                                          </p:spTgt>
+                                        </p:tgtEl>
+                                        <p:attrNameLst>
+                                          <p:attrName>style.visibility</p:attrName>
+                                        </p:attrNameLst>
+                                      </p:cBhvr>
+                                      <p:to>
+                                        <p:strVal val="visible"/>
+                                      </p:to>
+                                    </p:set>
+                                  </p:childTnLst>
+                                </p:cTn>
+                              </p:par>
+                            </p:childTnLst>
+                          </p:cTn>
+                        </p:par>
+                      </p:childTnLst>
+                    </p:cTn>
+                  </p:par>
+                  <p:par>
+                    <p:cTn id="7" fill="hold">
+                      <p:stCondLst>
+                        <p:cond delay="indefinite"/>
+                      </p:stCondLst>
+                      <p:childTnLst>
+                        <p:par>
+                          <p:cTn id="8" fill="hold">
+                            <p:stCondLst>
+                              <p:cond delay="0"/>
+                            </p:stCondLst>
+                            <p:childTnLst>
+                              <p:par>
+                                <p:cTn id="9" presetID="1" presetClass="entr" presetSubtype="0" fill="hold" nodeType="clickEffect">
+                                  <p:stCondLst>
+                                    <p:cond delay="0"/>
+                                  </p:stCondLst>
+                                  <p:childTnLst>
+                                    <p:set>
+                                      <p:cBhvr>
+                                        <p:cTn id="10" dur="1" fill="hold">
+                                          <p:stCondLst>
+                                            <p:cond delay="0"/>
+                                          </p:stCondLst>
+                                        </p:cTn>
+                                        <p:tgtEl>
+                                          <p:spTgt spid="6">
+                                            <p:txEl>
+                                              <p:pRg st="1" end="1"/>
+                                            </p:txEl>
+                                          </p:spTgt>
+                                        </p:tgtEl>
+                                        <p:attrNameLst>
+                                          <p:attrName>style.visibility</p:attrName>
+                                        </p:attrNameLst>
+                                      </p:cBhvr>
+                                      <p:to>
+                                        <p:strVal val="visible"/>
+                                      </p:to>
+                                    </p:set>
+                                  </p:childTnLst>
+                                </p:cTn>
+                              </p:par>
+                            </p:childTnLst>
+                          </p:cTn>
+                        </p:par>
+                      </p:childTnLst>
+                    </p:cTn>
+                  </p:par>
+                  <p:par>
+                    <p:cTn id="11" fill="hold">
+                      <p:stCondLst>
+                        <p:cond delay="indefinite"/>
+                      </p:stCondLst>
+                      <p:childTnLst>
+                        <p:par>
+                          <p:cTn id="12" fill="hold">
+                            <p:stCondLst>
+                              <p:cond delay="0"/>
+                            </p:stCondLst>
+                            <p:childTnLst>
+                              <p:par>
+                                <p:cTn id="13" presetID="1" presetClass="entr" presetSubtype="0" fill="hold" nodeType="clickEffect">
+                                  <p:stCondLst>
+                                    <p:cond delay="0"/>
+                                  </p:stCondLst>
+                                  <p:childTnLst>
+                                    <p:set>
+                                      <p:cBhvr>
+                                        <p:cTn id="14" dur="1" fill="hold">
+                                          <p:stCondLst>
+                                            <p:cond delay="0"/>
+                                          </p:stCondLst>
+                                        </p:cTn>
+                                        <p:tgtEl>
+                                          <p:spTgt spid="6146"/>
+                                        </p:tgtEl>
+                                        <p:attrNameLst>
+                                          <p:attrName>style.visibility</p:attrName>
+                                        </p:attrNameLst>
+                                      </p:cBhvr>
+                                      <p:to>
+                                        <p:strVal val="visible"/>
+                                      </p:to>
+                                    </p:set>
+                                  </p:childTnLst>
+                                </p:cTn>
+                              </p:par>
+                            </p:childTnLst>
+                          </p:cTn>
+                        </p:par>
+                      </p:childTnLst>
+                    </p:cTn>
+                  </p:par>
+                  <p:par>
+                    <p:cTn id="15" fill="hold">
+                      <p:stCondLst>
+                        <p:cond delay="indefinite"/>
+                      </p:stCondLst>
+                      <p:childTnLst>
+                        <p:par>
+                          <p:cTn id="16" fill="hold">
+                            <p:stCondLst>
+                              <p:cond delay="0"/>
+                            </p:stCondLst>
+                            <p:childTnLst>
+                              <p:par>
+                                <p:cTn id="17" presetID="1" presetClass="entr" presetSubtype="0" fill="hold" nodeType="clickEffect">
+                                  <p:stCondLst>
+                                    <p:cond delay="0"/>
+                                  </p:stCondLst>
+                                  <p:childTnLst>
+                                    <p:set>
+                                      <p:cBhvr>
+                                        <p:cTn id="18" dur="1" fill="hold">
+                                          <p:stCondLst>
+                                            <p:cond delay="0"/>
+                                          </p:stCondLst>
+                                        </p:cTn>
+                                        <p:tgtEl>
+                                          <p:spTgt spid="6">
+                                            <p:txEl>
+                                              <p:pRg st="2" end="2"/>
+                                            </p:txEl>
+                                          </p:spTgt>
+                                        </p:tgtEl>
+                                        <p:attrNameLst>
+                                          <p:attrName>style.visibility</p:attrName>
+                                        </p:attrNameLst>
+                                      </p:cBhvr>
+                                      <p:to>
+                                        <p:strVal val="visible"/>
+                                      </p:to>
+                                    </p:set>
+                                  </p:childTnLst>
+                                </p:cTn>
+                              </p:par>
+                            </p:childTnLst>
+                          </p:cTn>
+                        </p:par>
+                      </p:childTnLst>
+                    </p:cTn>
+                  </p:par>
+                  <p:par>
+                    <p:cTn id="19" fill="hold">
+                      <p:stCondLst>
+                        <p:cond delay="indefinite"/>
+                      </p:stCondLst>
+                      <p:childTnLst>
+                        <p:par>
+                          <p:cTn id="20" fill="hold">
+                            <p:stCondLst>
+                              <p:cond delay="0"/>
+                            </p:stCondLst>
+                            <p:childTnLst>
+                              <p:par>
+                                <p:cTn id="21" presetID="1" presetClass="entr" presetSubtype="0" fill="hold" nodeType="clickEffect">
+                                  <p:stCondLst>
+                                    <p:cond delay="0"/>
+                                  </p:stCondLst>
+                                  <p:childTnLst>
+                                    <p:set>
+                                      <p:cBhvr>
+                                        <p:cTn id="22" dur="1" fill="hold">
+                                          <p:stCondLst>
+                                            <p:cond delay="0"/>
+                                          </p:stCondLst>
+                                        </p:cTn>
+                                        <p:tgtEl>
+                                          <p:spTgt spid="6">
+                                            <p:txEl>
+                                              <p:pRg st="3" end="3"/>
+                                            </p:txEl>
+                                          </p:spTgt>
+                                        </p:tgtEl>
+                                        <p:attrNameLst>
+                                          <p:attrName>style.visibility</p:attrName>
+                                        </p:attrNameLst>
+                                      </p:cBhvr>
+                                      <p:to>
+                                        <p:strVal val="visible"/>
+                                      </p:to>
+                                    </p:set>
+                                  </p:childTnLst>
+                                </p:cTn>
+                              </p:par>
+                            </p:childTnLst>
+                          </p:cTn>
+                        </p:par>
+                      </p:childTnLst>
+                    </p:cTn>
+                  </p:par>
+                  <p:par>
+                    <p:cTn id="23" fill="hold">
+                      <p:stCondLst>
+                        <p:cond delay="indefinite"/>
+                      </p:stCondLst>
+                      <p:childTnLst>
+                        <p:par>
+                          <p:cTn id="24" fill="hold">
+                            <p:stCondLst>
+                              <p:cond delay="0"/>
+                            </p:stCondLst>
+                            <p:childTnLst>
+                              <p:par>
+                                <p:cTn id="25" presetID="1" presetClass="entr" presetSubtype="0" fill="hold" grpId="0" nodeType="clickEffect">
+                                  <p:stCondLst>
+                                    <p:cond delay="0"/>
+                                  </p:stCondLst>
+                                  <p:childTnLst>
+                                    <p:set>
+                                      <p:cBhvr>
+                                        <p:cTn id="26" dur="1" fill="hold">
+                                          <p:stCondLst>
+                                            <p:cond delay="0"/>
+                                          </p:stCondLst>
+                                        </p:cTn>
+                                        <p:tgtEl>
+                                          <p:spTgt spid="2"/>
+                                        </p:tgtEl>
+                                        <p:attrNameLst>
+                                          <p:attrName>style.visibility</p:attrName>
+                                        </p:attrNameLst>
+                                      </p:cBhvr>
+                                      <p:to>
+                                        <p:strVal val="visible"/>
+                                      </p:to>
+                                    </p:set>
+                                  </p:childTnLst>
+                                </p:cTn>
+                              </p:par>
+                            </p:childTnLst>
+                          </p:cTn>
+                        </p:par>
+                      </p:childTnLst>
+                    </p:cTn>
+                  </p:par>
+                </p:childTnLst>
+              </p:cTn>
+              <p:prevCondLst>
+                <p:cond evt="onPrev" delay="0">
+                  <p:tgtEl>
+                    <p:sldTgt/>
+                  </p:tgtEl>
+                </p:cond>
+              </p:prevCondLst>
+              <p:nextCondLst>
+                <p:cond evt="onNext" delay="0">
+                  <p:tgtEl>
+                    <p:sldTgt/>
+                  </p:tgtEl>
+                </p:cond>
+              </p:nextCondLst>
+            </p:seq>
+          </p:childTnLst>
+        </p:cTn>
+      </p:par>
+    </p:tnLst>
+    <p:bldLst>
+      <p:bldP spid="2" grpId="0"/>
+    </p:bldLst>
+  </p:timing>
 </p:sld>
 </file>
 
@@ -10241,7 +11949,7 @@
                 <a:effectLst/>
                 <a:latin typeface="-apple-system"/>
               </a:rPr>
-              <a:t>如果把每个深度变成结点，把互相关操作变成乘上权重，则深度为</a:t>
+              <a:t>如果把每个深度看成一个结点，把互相关操作变成乘上权重，则深度为</a:t>
             </a:r>
             <a:r>
               <a:rPr lang="en-US" altLang="zh-CN" b="0" i="0" dirty="0">
@@ -10631,6 +12339,325 @@
   <p:clrMapOvr>
     <a:masterClrMapping/>
   </p:clrMapOvr>
+  <p:timing>
+    <p:tnLst>
+      <p:par>
+        <p:cTn id="1" dur="indefinite" restart="never" nodeType="tmRoot">
+          <p:childTnLst>
+            <p:seq concurrent="1" nextAc="seek">
+              <p:cTn id="2" dur="indefinite" nodeType="mainSeq">
+                <p:childTnLst>
+                  <p:par>
+                    <p:cTn id="3" fill="hold">
+                      <p:stCondLst>
+                        <p:cond delay="indefinite"/>
+                      </p:stCondLst>
+                      <p:childTnLst>
+                        <p:par>
+                          <p:cTn id="4" fill="hold">
+                            <p:stCondLst>
+                              <p:cond delay="0"/>
+                            </p:stCondLst>
+                            <p:childTnLst>
+                              <p:par>
+                                <p:cTn id="5" presetID="1" presetClass="entr" presetSubtype="0" fill="hold" nodeType="clickEffect">
+                                  <p:stCondLst>
+                                    <p:cond delay="0"/>
+                                  </p:stCondLst>
+                                  <p:childTnLst>
+                                    <p:set>
+                                      <p:cBhvr>
+                                        <p:cTn id="6" dur="1" fill="hold">
+                                          <p:stCondLst>
+                                            <p:cond delay="0"/>
+                                          </p:stCondLst>
+                                        </p:cTn>
+                                        <p:tgtEl>
+                                          <p:spTgt spid="6">
+                                            <p:txEl>
+                                              <p:pRg st="0" end="0"/>
+                                            </p:txEl>
+                                          </p:spTgt>
+                                        </p:tgtEl>
+                                        <p:attrNameLst>
+                                          <p:attrName>style.visibility</p:attrName>
+                                        </p:attrNameLst>
+                                      </p:cBhvr>
+                                      <p:to>
+                                        <p:strVal val="visible"/>
+                                      </p:to>
+                                    </p:set>
+                                  </p:childTnLst>
+                                </p:cTn>
+                              </p:par>
+                            </p:childTnLst>
+                          </p:cTn>
+                        </p:par>
+                      </p:childTnLst>
+                    </p:cTn>
+                  </p:par>
+                  <p:par>
+                    <p:cTn id="7" fill="hold">
+                      <p:stCondLst>
+                        <p:cond delay="indefinite"/>
+                      </p:stCondLst>
+                      <p:childTnLst>
+                        <p:par>
+                          <p:cTn id="8" fill="hold">
+                            <p:stCondLst>
+                              <p:cond delay="0"/>
+                            </p:stCondLst>
+                            <p:childTnLst>
+                              <p:par>
+                                <p:cTn id="9" presetID="1" presetClass="entr" presetSubtype="0" fill="hold" nodeType="clickEffect">
+                                  <p:stCondLst>
+                                    <p:cond delay="0"/>
+                                  </p:stCondLst>
+                                  <p:childTnLst>
+                                    <p:set>
+                                      <p:cBhvr>
+                                        <p:cTn id="10" dur="1" fill="hold">
+                                          <p:stCondLst>
+                                            <p:cond delay="0"/>
+                                          </p:stCondLst>
+                                        </p:cTn>
+                                        <p:tgtEl>
+                                          <p:spTgt spid="6">
+                                            <p:txEl>
+                                              <p:pRg st="1" end="1"/>
+                                            </p:txEl>
+                                          </p:spTgt>
+                                        </p:tgtEl>
+                                        <p:attrNameLst>
+                                          <p:attrName>style.visibility</p:attrName>
+                                        </p:attrNameLst>
+                                      </p:cBhvr>
+                                      <p:to>
+                                        <p:strVal val="visible"/>
+                                      </p:to>
+                                    </p:set>
+                                  </p:childTnLst>
+                                </p:cTn>
+                              </p:par>
+                            </p:childTnLst>
+                          </p:cTn>
+                        </p:par>
+                      </p:childTnLst>
+                    </p:cTn>
+                  </p:par>
+                  <p:par>
+                    <p:cTn id="11" fill="hold">
+                      <p:stCondLst>
+                        <p:cond delay="indefinite"/>
+                      </p:stCondLst>
+                      <p:childTnLst>
+                        <p:par>
+                          <p:cTn id="12" fill="hold">
+                            <p:stCondLst>
+                              <p:cond delay="0"/>
+                            </p:stCondLst>
+                            <p:childTnLst>
+                              <p:par>
+                                <p:cTn id="13" presetID="1" presetClass="entr" presetSubtype="0" fill="hold" nodeType="clickEffect">
+                                  <p:stCondLst>
+                                    <p:cond delay="0"/>
+                                  </p:stCondLst>
+                                  <p:childTnLst>
+                                    <p:set>
+                                      <p:cBhvr>
+                                        <p:cTn id="14" dur="1" fill="hold">
+                                          <p:stCondLst>
+                                            <p:cond delay="0"/>
+                                          </p:stCondLst>
+                                        </p:cTn>
+                                        <p:tgtEl>
+                                          <p:spTgt spid="4"/>
+                                        </p:tgtEl>
+                                        <p:attrNameLst>
+                                          <p:attrName>style.visibility</p:attrName>
+                                        </p:attrNameLst>
+                                      </p:cBhvr>
+                                      <p:to>
+                                        <p:strVal val="visible"/>
+                                      </p:to>
+                                    </p:set>
+                                  </p:childTnLst>
+                                </p:cTn>
+                              </p:par>
+                            </p:childTnLst>
+                          </p:cTn>
+                        </p:par>
+                      </p:childTnLst>
+                    </p:cTn>
+                  </p:par>
+                  <p:par>
+                    <p:cTn id="15" fill="hold">
+                      <p:stCondLst>
+                        <p:cond delay="indefinite"/>
+                      </p:stCondLst>
+                      <p:childTnLst>
+                        <p:par>
+                          <p:cTn id="16" fill="hold">
+                            <p:stCondLst>
+                              <p:cond delay="0"/>
+                            </p:stCondLst>
+                            <p:childTnLst>
+                              <p:par>
+                                <p:cTn id="17" presetID="1" presetClass="entr" presetSubtype="0" fill="hold" nodeType="clickEffect">
+                                  <p:stCondLst>
+                                    <p:cond delay="0"/>
+                                  </p:stCondLst>
+                                  <p:childTnLst>
+                                    <p:set>
+                                      <p:cBhvr>
+                                        <p:cTn id="18" dur="1" fill="hold">
+                                          <p:stCondLst>
+                                            <p:cond delay="0"/>
+                                          </p:stCondLst>
+                                        </p:cTn>
+                                        <p:tgtEl>
+                                          <p:spTgt spid="6">
+                                            <p:txEl>
+                                              <p:pRg st="2" end="2"/>
+                                            </p:txEl>
+                                          </p:spTgt>
+                                        </p:tgtEl>
+                                        <p:attrNameLst>
+                                          <p:attrName>style.visibility</p:attrName>
+                                        </p:attrNameLst>
+                                      </p:cBhvr>
+                                      <p:to>
+                                        <p:strVal val="visible"/>
+                                      </p:to>
+                                    </p:set>
+                                  </p:childTnLst>
+                                </p:cTn>
+                              </p:par>
+                            </p:childTnLst>
+                          </p:cTn>
+                        </p:par>
+                      </p:childTnLst>
+                    </p:cTn>
+                  </p:par>
+                  <p:par>
+                    <p:cTn id="19" fill="hold">
+                      <p:stCondLst>
+                        <p:cond delay="indefinite"/>
+                      </p:stCondLst>
+                      <p:childTnLst>
+                        <p:par>
+                          <p:cTn id="20" fill="hold">
+                            <p:stCondLst>
+                              <p:cond delay="0"/>
+                            </p:stCondLst>
+                            <p:childTnLst>
+                              <p:par>
+                                <p:cTn id="21" presetID="1" presetClass="entr" presetSubtype="0" fill="hold" nodeType="clickEffect">
+                                  <p:stCondLst>
+                                    <p:cond delay="0"/>
+                                  </p:stCondLst>
+                                  <p:childTnLst>
+                                    <p:set>
+                                      <p:cBhvr>
+                                        <p:cTn id="22" dur="1" fill="hold">
+                                          <p:stCondLst>
+                                            <p:cond delay="0"/>
+                                          </p:stCondLst>
+                                        </p:cTn>
+                                        <p:tgtEl>
+                                          <p:spTgt spid="6">
+                                            <p:txEl>
+                                              <p:pRg st="3" end="3"/>
+                                            </p:txEl>
+                                          </p:spTgt>
+                                        </p:tgtEl>
+                                        <p:attrNameLst>
+                                          <p:attrName>style.visibility</p:attrName>
+                                        </p:attrNameLst>
+                                      </p:cBhvr>
+                                      <p:to>
+                                        <p:strVal val="visible"/>
+                                      </p:to>
+                                    </p:set>
+                                  </p:childTnLst>
+                                </p:cTn>
+                              </p:par>
+                            </p:childTnLst>
+                          </p:cTn>
+                        </p:par>
+                      </p:childTnLst>
+                    </p:cTn>
+                  </p:par>
+                  <p:par>
+                    <p:cTn id="23" fill="hold">
+                      <p:stCondLst>
+                        <p:cond delay="indefinite"/>
+                      </p:stCondLst>
+                      <p:childTnLst>
+                        <p:par>
+                          <p:cTn id="24" fill="hold">
+                            <p:stCondLst>
+                              <p:cond delay="0"/>
+                            </p:stCondLst>
+                            <p:childTnLst>
+                              <p:par>
+                                <p:cTn id="25" presetID="1" presetClass="entr" presetSubtype="0" fill="hold" grpId="0" nodeType="clickEffect">
+                                  <p:stCondLst>
+                                    <p:cond delay="0"/>
+                                  </p:stCondLst>
+                                  <p:childTnLst>
+                                    <p:set>
+                                      <p:cBhvr>
+                                        <p:cTn id="26" dur="1" fill="hold">
+                                          <p:stCondLst>
+                                            <p:cond delay="0"/>
+                                          </p:stCondLst>
+                                        </p:cTn>
+                                        <p:tgtEl>
+                                          <p:spTgt spid="5"/>
+                                        </p:tgtEl>
+                                        <p:attrNameLst>
+                                          <p:attrName>style.visibility</p:attrName>
+                                        </p:attrNameLst>
+                                      </p:cBhvr>
+                                      <p:to>
+                                        <p:strVal val="visible"/>
+                                      </p:to>
+                                    </p:set>
+                                  </p:childTnLst>
+                                </p:cTn>
+                              </p:par>
+                            </p:childTnLst>
+                          </p:cTn>
+                        </p:par>
+                      </p:childTnLst>
+                    </p:cTn>
+                  </p:par>
+                </p:childTnLst>
+              </p:cTn>
+              <p:prevCondLst>
+                <p:cond evt="onPrev" delay="0">
+                  <p:tgtEl>
+                    <p:sldTgt/>
+                  </p:tgtEl>
+                </p:cond>
+              </p:prevCondLst>
+              <p:nextCondLst>
+                <p:cond evt="onNext" delay="0">
+                  <p:tgtEl>
+                    <p:sldTgt/>
+                  </p:tgtEl>
+                </p:cond>
+              </p:nextCondLst>
+            </p:seq>
+          </p:childTnLst>
+        </p:cTn>
+      </p:par>
+    </p:tnLst>
+    <p:bldLst>
+      <p:bldP spid="5" grpId="0"/>
+    </p:bldLst>
+  </p:timing>
 </p:sld>
 </file>
 
@@ -11035,10 +13062,10 @@
       </p:pic>
       <p:pic>
         <p:nvPicPr>
-          <p:cNvPr id="4" name="图片 3">
+          <p:cNvPr id="5" name="图片 4">
             <a:extLst>
               <a:ext uri="{FF2B5EF4-FFF2-40B4-BE49-F238E27FC236}">
-                <a16:creationId xmlns:a16="http://schemas.microsoft.com/office/drawing/2014/main" id="{5E0C704C-D299-B13B-E9D9-FBB90EDE64E5}"/>
+                <a16:creationId xmlns:a16="http://schemas.microsoft.com/office/drawing/2014/main" id="{F2919EF2-C506-04B6-DAA8-C07290AF0FE7}"/>
               </a:ext>
             </a:extLst>
           </p:cNvPr>
@@ -11061,8 +13088,8 @@
         </p:blipFill>
         <p:spPr>
           <a:xfrm>
-            <a:off x="4220308" y="4401178"/>
-            <a:ext cx="5724246" cy="2133035"/>
+            <a:off x="1232595" y="3455605"/>
+            <a:ext cx="2039814" cy="2469249"/>
           </a:xfrm>
           <a:prstGeom prst="rect">
             <a:avLst/>
@@ -11071,10 +13098,10 @@
       </p:pic>
       <p:pic>
         <p:nvPicPr>
-          <p:cNvPr id="5" name="图片 4">
+          <p:cNvPr id="8" name="图片 7">
             <a:extLst>
               <a:ext uri="{FF2B5EF4-FFF2-40B4-BE49-F238E27FC236}">
-                <a16:creationId xmlns:a16="http://schemas.microsoft.com/office/drawing/2014/main" id="{F2919EF2-C506-04B6-DAA8-C07290AF0FE7}"/>
+                <a16:creationId xmlns:a16="http://schemas.microsoft.com/office/drawing/2014/main" id="{9695366E-C211-878E-6C29-9080E8B0125A}"/>
               </a:ext>
             </a:extLst>
           </p:cNvPr>
@@ -11097,8 +13124,8 @@
         </p:blipFill>
         <p:spPr>
           <a:xfrm>
-            <a:off x="1232595" y="3455605"/>
-            <a:ext cx="2039814" cy="2469249"/>
+            <a:off x="3853034" y="4342779"/>
+            <a:ext cx="6155491" cy="2205938"/>
           </a:xfrm>
           <a:prstGeom prst="rect">
             <a:avLst/>
@@ -11118,6 +13145,220 @@
   <p:clrMapOvr>
     <a:masterClrMapping/>
   </p:clrMapOvr>
+  <p:timing>
+    <p:tnLst>
+      <p:par>
+        <p:cTn id="1" dur="indefinite" restart="never" nodeType="tmRoot">
+          <p:childTnLst>
+            <p:seq concurrent="1" nextAc="seek">
+              <p:cTn id="2" dur="indefinite" nodeType="mainSeq">
+                <p:childTnLst>
+                  <p:par>
+                    <p:cTn id="3" fill="hold">
+                      <p:stCondLst>
+                        <p:cond delay="indefinite"/>
+                      </p:stCondLst>
+                      <p:childTnLst>
+                        <p:par>
+                          <p:cTn id="4" fill="hold">
+                            <p:stCondLst>
+                              <p:cond delay="0"/>
+                            </p:stCondLst>
+                            <p:childTnLst>
+                              <p:par>
+                                <p:cTn id="5" presetID="1" presetClass="entr" presetSubtype="0" fill="hold" nodeType="clickEffect">
+                                  <p:stCondLst>
+                                    <p:cond delay="0"/>
+                                  </p:stCondLst>
+                                  <p:childTnLst>
+                                    <p:set>
+                                      <p:cBhvr>
+                                        <p:cTn id="6" dur="1" fill="hold">
+                                          <p:stCondLst>
+                                            <p:cond delay="0"/>
+                                          </p:stCondLst>
+                                        </p:cTn>
+                                        <p:tgtEl>
+                                          <p:spTgt spid="5"/>
+                                        </p:tgtEl>
+                                        <p:attrNameLst>
+                                          <p:attrName>style.visibility</p:attrName>
+                                        </p:attrNameLst>
+                                      </p:cBhvr>
+                                      <p:to>
+                                        <p:strVal val="visible"/>
+                                      </p:to>
+                                    </p:set>
+                                  </p:childTnLst>
+                                </p:cTn>
+                              </p:par>
+                            </p:childTnLst>
+                          </p:cTn>
+                        </p:par>
+                      </p:childTnLst>
+                    </p:cTn>
+                  </p:par>
+                  <p:par>
+                    <p:cTn id="7" fill="hold">
+                      <p:stCondLst>
+                        <p:cond delay="indefinite"/>
+                      </p:stCondLst>
+                      <p:childTnLst>
+                        <p:par>
+                          <p:cTn id="8" fill="hold">
+                            <p:stCondLst>
+                              <p:cond delay="0"/>
+                            </p:stCondLst>
+                            <p:childTnLst>
+                              <p:par>
+                                <p:cTn id="9" presetID="1" presetClass="entr" presetSubtype="0" fill="hold" nodeType="clickEffect">
+                                  <p:stCondLst>
+                                    <p:cond delay="0"/>
+                                  </p:stCondLst>
+                                  <p:childTnLst>
+                                    <p:set>
+                                      <p:cBhvr>
+                                        <p:cTn id="10" dur="1" fill="hold">
+                                          <p:stCondLst>
+                                            <p:cond delay="0"/>
+                                          </p:stCondLst>
+                                        </p:cTn>
+                                        <p:tgtEl>
+                                          <p:spTgt spid="6">
+                                            <p:txEl>
+                                              <p:pRg st="0" end="0"/>
+                                            </p:txEl>
+                                          </p:spTgt>
+                                        </p:tgtEl>
+                                        <p:attrNameLst>
+                                          <p:attrName>style.visibility</p:attrName>
+                                        </p:attrNameLst>
+                                      </p:cBhvr>
+                                      <p:to>
+                                        <p:strVal val="visible"/>
+                                      </p:to>
+                                    </p:set>
+                                  </p:childTnLst>
+                                </p:cTn>
+                              </p:par>
+                            </p:childTnLst>
+                          </p:cTn>
+                        </p:par>
+                      </p:childTnLst>
+                    </p:cTn>
+                  </p:par>
+                  <p:par>
+                    <p:cTn id="11" fill="hold">
+                      <p:stCondLst>
+                        <p:cond delay="indefinite"/>
+                      </p:stCondLst>
+                      <p:childTnLst>
+                        <p:par>
+                          <p:cTn id="12" fill="hold">
+                            <p:stCondLst>
+                              <p:cond delay="0"/>
+                            </p:stCondLst>
+                            <p:childTnLst>
+                              <p:par>
+                                <p:cTn id="13" presetID="1" presetClass="entr" presetSubtype="0" fill="hold" nodeType="clickEffect">
+                                  <p:stCondLst>
+                                    <p:cond delay="0"/>
+                                  </p:stCondLst>
+                                  <p:childTnLst>
+                                    <p:set>
+                                      <p:cBhvr>
+                                        <p:cTn id="14" dur="1" fill="hold">
+                                          <p:stCondLst>
+                                            <p:cond delay="0"/>
+                                          </p:stCondLst>
+                                        </p:cTn>
+                                        <p:tgtEl>
+                                          <p:spTgt spid="2"/>
+                                        </p:tgtEl>
+                                        <p:attrNameLst>
+                                          <p:attrName>style.visibility</p:attrName>
+                                        </p:attrNameLst>
+                                      </p:cBhvr>
+                                      <p:to>
+                                        <p:strVal val="visible"/>
+                                      </p:to>
+                                    </p:set>
+                                  </p:childTnLst>
+                                </p:cTn>
+                              </p:par>
+                            </p:childTnLst>
+                          </p:cTn>
+                        </p:par>
+                      </p:childTnLst>
+                    </p:cTn>
+                  </p:par>
+                  <p:par>
+                    <p:cTn id="15" fill="hold">
+                      <p:stCondLst>
+                        <p:cond delay="indefinite"/>
+                      </p:stCondLst>
+                      <p:childTnLst>
+                        <p:par>
+                          <p:cTn id="16" fill="hold">
+                            <p:stCondLst>
+                              <p:cond delay="0"/>
+                            </p:stCondLst>
+                            <p:childTnLst>
+                              <p:par>
+                                <p:cTn id="17" presetID="1" presetClass="entr" presetSubtype="0" fill="hold" nodeType="clickEffect">
+                                  <p:stCondLst>
+                                    <p:cond delay="0"/>
+                                  </p:stCondLst>
+                                  <p:childTnLst>
+                                    <p:set>
+                                      <p:cBhvr>
+                                        <p:cTn id="18" dur="1" fill="hold">
+                                          <p:stCondLst>
+                                            <p:cond delay="0"/>
+                                          </p:stCondLst>
+                                        </p:cTn>
+                                        <p:tgtEl>
+                                          <p:spTgt spid="8"/>
+                                        </p:tgtEl>
+                                        <p:attrNameLst>
+                                          <p:attrName>style.visibility</p:attrName>
+                                        </p:attrNameLst>
+                                      </p:cBhvr>
+                                      <p:to>
+                                        <p:strVal val="visible"/>
+                                      </p:to>
+                                    </p:set>
+                                  </p:childTnLst>
+                                </p:cTn>
+                              </p:par>
+                            </p:childTnLst>
+                          </p:cTn>
+                        </p:par>
+                      </p:childTnLst>
+                    </p:cTn>
+                  </p:par>
+                </p:childTnLst>
+              </p:cTn>
+              <p:prevCondLst>
+                <p:cond evt="onPrev" delay="0">
+                  <p:tgtEl>
+                    <p:sldTgt/>
+                  </p:tgtEl>
+                </p:cond>
+              </p:prevCondLst>
+              <p:nextCondLst>
+                <p:cond evt="onNext" delay="0">
+                  <p:tgtEl>
+                    <p:sldTgt/>
+                  </p:tgtEl>
+                </p:cond>
+              </p:nextCondLst>
+            </p:seq>
+          </p:childTnLst>
+        </p:cTn>
+      </p:par>
+    </p:tnLst>
+  </p:timing>
 </p:sld>
 </file>
 
@@ -11497,6 +13738,85 @@
   <p:clrMapOvr>
     <a:masterClrMapping/>
   </p:clrMapOvr>
+  <p:timing>
+    <p:tnLst>
+      <p:par>
+        <p:cTn id="1" dur="indefinite" restart="never" nodeType="tmRoot">
+          <p:childTnLst>
+            <p:seq concurrent="1" nextAc="seek">
+              <p:cTn id="2" dur="indefinite" nodeType="mainSeq">
+                <p:childTnLst>
+                  <p:par>
+                    <p:cTn id="3" fill="hold">
+                      <p:stCondLst>
+                        <p:cond delay="indefinite"/>
+                      </p:stCondLst>
+                      <p:childTnLst>
+                        <p:par>
+                          <p:cTn id="4" fill="hold">
+                            <p:stCondLst>
+                              <p:cond delay="0"/>
+                            </p:stCondLst>
+                            <p:childTnLst>
+                              <p:par>
+                                <p:cTn id="5" presetID="1" presetClass="entr" presetSubtype="0" fill="hold" nodeType="clickEffect">
+                                  <p:stCondLst>
+                                    <p:cond delay="0"/>
+                                  </p:stCondLst>
+                                  <p:childTnLst>
+                                    <p:set>
+                                      <p:cBhvr>
+                                        <p:cTn id="6" dur="1" fill="hold">
+                                          <p:stCondLst>
+                                            <p:cond delay="0"/>
+                                          </p:stCondLst>
+                                        </p:cTn>
+                                        <p:tgtEl>
+                                          <p:spTgt spid="6">
+                                            <p:txEl>
+                                              <p:pRg st="0" end="0"/>
+                                            </p:txEl>
+                                          </p:spTgt>
+                                        </p:tgtEl>
+                                        <p:attrNameLst>
+                                          <p:attrName>style.visibility</p:attrName>
+                                        </p:attrNameLst>
+                                      </p:cBhvr>
+                                      <p:to>
+                                        <p:strVal val="visible"/>
+                                      </p:to>
+                                    </p:set>
+                                  </p:childTnLst>
+                                </p:cTn>
+                              </p:par>
+                            </p:childTnLst>
+                          </p:cTn>
+                        </p:par>
+                      </p:childTnLst>
+                    </p:cTn>
+                  </p:par>
+                </p:childTnLst>
+              </p:cTn>
+              <p:prevCondLst>
+                <p:cond evt="onPrev" delay="0">
+                  <p:tgtEl>
+                    <p:sldTgt/>
+                  </p:tgtEl>
+                </p:cond>
+              </p:prevCondLst>
+              <p:nextCondLst>
+                <p:cond evt="onNext" delay="0">
+                  <p:tgtEl>
+                    <p:sldTgt/>
+                  </p:tgtEl>
+                </p:cond>
+              </p:nextCondLst>
+            </p:seq>
+          </p:childTnLst>
+        </p:cTn>
+      </p:par>
+    </p:tnLst>
+  </p:timing>
 </p:sld>
 </file>
 
@@ -14432,16 +16752,123 @@
           <a:bodyPr/>
           <a:lstStyle/>
           <a:p>
+            <a:pPr marL="285750" indent="-285750" algn="l">
+              <a:buFont typeface="Arial" panose="020B0604020202020204" pitchFamily="34" charset="0"/>
+              <a:buChar char="•"/>
+            </a:pPr>
+            <a:r>
+              <a:rPr lang="zh-CN" altLang="en-US" b="0" i="0" dirty="0">
+                <a:solidFill>
+                  <a:srgbClr val="000000"/>
+                </a:solidFill>
+                <a:effectLst/>
+                <a:latin typeface="PingFang SC" panose="020B0400000000000000" pitchFamily="34" charset="-122"/>
+                <a:ea typeface="PingFang SC" panose="020B0400000000000000" pitchFamily="34" charset="-122"/>
+                <a:hlinkClick r:id="rId3"/>
+              </a:rPr>
+              <a:t>卷积神经网络</a:t>
+            </a:r>
+            <a:r>
+              <a:rPr lang="en-US" altLang="zh-CN" b="0" i="0" dirty="0">
+                <a:solidFill>
+                  <a:srgbClr val="000000"/>
+                </a:solidFill>
+                <a:effectLst/>
+                <a:latin typeface="PingFang SC" panose="020B0400000000000000" pitchFamily="34" charset="-122"/>
+                <a:ea typeface="PingFang SC" panose="020B0400000000000000" pitchFamily="34" charset="-122"/>
+                <a:hlinkClick r:id="rId3"/>
+              </a:rPr>
+              <a:t>(</a:t>
+            </a:r>
+            <a:r>
+              <a:rPr lang="en" altLang="zh-CN" b="0" i="0" dirty="0">
+                <a:solidFill>
+                  <a:srgbClr val="000000"/>
+                </a:solidFill>
+                <a:effectLst/>
+                <a:latin typeface="PingFang SC" panose="020B0400000000000000" pitchFamily="34" charset="-122"/>
+                <a:ea typeface="PingFang SC" panose="020B0400000000000000" pitchFamily="34" charset="-122"/>
+                <a:hlinkClick r:id="rId3"/>
+              </a:rPr>
+              <a:t>CNN)</a:t>
+            </a:r>
+            <a:r>
+              <a:rPr lang="zh-CN" altLang="en-US" b="0" i="0" dirty="0">
+                <a:solidFill>
+                  <a:srgbClr val="000000"/>
+                </a:solidFill>
+                <a:effectLst/>
+                <a:latin typeface="PingFang SC" panose="020B0400000000000000" pitchFamily="34" charset="-122"/>
+                <a:ea typeface="PingFang SC" panose="020B0400000000000000" pitchFamily="34" charset="-122"/>
+                <a:hlinkClick r:id="rId3"/>
+              </a:rPr>
+              <a:t>反向传播算法推导</a:t>
+            </a:r>
+            <a:br>
+              <a:rPr lang="en-US" altLang="zh-CN" b="0" i="0" dirty="0">
+                <a:solidFill>
+                  <a:srgbClr val="000000"/>
+                </a:solidFill>
+                <a:effectLst/>
+                <a:latin typeface="PingFang SC" panose="020B0400000000000000" pitchFamily="34" charset="-122"/>
+                <a:ea typeface="PingFang SC" panose="020B0400000000000000" pitchFamily="34" charset="-122"/>
+              </a:rPr>
+            </a:br>
+            <a:r>
+              <a:rPr lang="zh-CN" altLang="en-US" b="0" i="0" dirty="0">
+                <a:solidFill>
+                  <a:srgbClr val="000000"/>
+                </a:solidFill>
+                <a:effectLst/>
+                <a:latin typeface="PingFang SC" panose="020B0400000000000000" pitchFamily="34" charset="-122"/>
+                <a:ea typeface="PingFang SC" panose="020B0400000000000000" pitchFamily="34" charset="-122"/>
+              </a:rPr>
+              <a:t>有详细的数学推导</a:t>
+            </a:r>
+            <a:r>
+              <a:rPr lang="en-US" altLang="zh-CN" dirty="0">
+                <a:solidFill>
+                  <a:srgbClr val="000000"/>
+                </a:solidFill>
+                <a:latin typeface="PingFang SC" panose="020B0400000000000000" pitchFamily="34" charset="-122"/>
+                <a:ea typeface="PingFang SC" panose="020B0400000000000000" pitchFamily="34" charset="-122"/>
+              </a:rPr>
+              <a:t>(</a:t>
+            </a:r>
+            <a:r>
+              <a:rPr lang="zh-CN" altLang="en-US" dirty="0">
+                <a:solidFill>
+                  <a:srgbClr val="000000"/>
+                </a:solidFill>
+                <a:latin typeface="PingFang SC" panose="020B0400000000000000" pitchFamily="34" charset="-122"/>
+                <a:ea typeface="PingFang SC" panose="020B0400000000000000" pitchFamily="34" charset="-122"/>
+              </a:rPr>
+              <a:t>比如本课程中通过找规律得到的公式，在该文中有数学推导</a:t>
+            </a:r>
+            <a:r>
+              <a:rPr lang="en-US" altLang="zh-CN" dirty="0">
+                <a:solidFill>
+                  <a:srgbClr val="000000"/>
+                </a:solidFill>
+                <a:latin typeface="PingFang SC" panose="020B0400000000000000" pitchFamily="34" charset="-122"/>
+                <a:ea typeface="PingFang SC" panose="020B0400000000000000" pitchFamily="34" charset="-122"/>
+              </a:rPr>
+              <a:t>)</a:t>
+            </a:r>
+            <a:endParaRPr lang="zh-CN" altLang="en-US" b="0" i="0" dirty="0">
+              <a:solidFill>
+                <a:srgbClr val="000000"/>
+              </a:solidFill>
+              <a:effectLst/>
+              <a:latin typeface="PingFang SC" panose="020B0400000000000000" pitchFamily="34" charset="-122"/>
+              <a:ea typeface="PingFang SC" panose="020B0400000000000000" pitchFamily="34" charset="-122"/>
+            </a:endParaRPr>
+          </a:p>
+          <a:p>
             <a:pPr marL="285750" indent="-285750">
               <a:buFont typeface="Arial" panose="020B0604020202020204" pitchFamily="34" charset="0"/>
               <a:buChar char="•"/>
             </a:pPr>
-            <a:r>
-              <a:rPr lang="zh-CN" altLang="en-US" dirty="0">
-                <a:sym typeface="+mn-ea"/>
-              </a:rPr>
-              <a:t>卷积层的后向传播推导</a:t>
-            </a:r>
             <a:endParaRPr dirty="0">
               <a:sym typeface="+mn-ea"/>
             </a:endParaRPr>
@@ -14464,19 +16891,74 @@
           <a:lstStyle/>
           <a:p>
             <a:r>
-              <a:rPr lang="zh-CN" altLang="en-US"/>
-              <a:t>下节课预告</a:t>
+              <a:rPr lang="zh-CN" altLang="en-US" dirty="0"/>
+              <a:t>扩展阅读</a:t>
             </a:r>
           </a:p>
         </p:txBody>
       </p:sp>
+      <p:graphicFrame>
+        <p:nvGraphicFramePr>
+          <p:cNvPr id="4" name="对象 3">
+            <a:hlinkClick r:id="" action="ppaction://ole?verb=0"/>
+          </p:cNvPr>
+          <p:cNvGraphicFramePr>
+            <a:graphicFrameLocks noChangeAspect="1"/>
+          </p:cNvGraphicFramePr>
+          <p:nvPr/>
+        </p:nvGraphicFramePr>
+        <p:xfrm>
+          <a:off x="5638800" y="3244850"/>
+          <a:ext cx="914400" cy="368300"/>
+        </p:xfrm>
+        <a:graphic>
+          <a:graphicData uri="http://schemas.openxmlformats.org/presentationml/2006/ole">
+            <mc:AlternateContent xmlns:mc="http://schemas.openxmlformats.org/markup-compatibility/2006">
+              <mc:Choice xmlns:v="urn:schemas-microsoft-com:vml" Requires="v">
+                <p:oleObj r:id="rId4" imgW="914400" imgH="368300" progId="Equation.KSEE3">
+                  <p:embed/>
+                </p:oleObj>
+              </mc:Choice>
+              <mc:Fallback>
+                <p:oleObj r:id="rId4" imgW="914400" imgH="368300" progId="Equation.KSEE3">
+                  <p:embed/>
+                  <p:pic>
+                    <p:nvPicPr>
+                      <p:cNvPr id="4" name="对象 3">
+                        <a:hlinkClick r:id="" action="ppaction://ole?verb=0"/>
+                      </p:cNvPr>
+                      <p:cNvPicPr/>
+                      <p:nvPr/>
+                    </p:nvPicPr>
+                    <p:blipFill>
+                      <a:blip r:embed="rId5"/>
+                      <a:stretch>
+                        <a:fillRect/>
+                      </a:stretch>
+                    </p:blipFill>
+                    <p:spPr>
+                      <a:xfrm>
+                        <a:off x="5638800" y="3244850"/>
+                        <a:ext cx="914400" cy="368300"/>
+                      </a:xfrm>
+                      <a:prstGeom prst="rect">
+                        <a:avLst/>
+                      </a:prstGeom>
+                    </p:spPr>
+                  </p:pic>
+                </p:oleObj>
+              </mc:Fallback>
+            </mc:AlternateContent>
+          </a:graphicData>
+        </a:graphic>
+      </p:graphicFrame>
     </p:spTree>
     <p:custDataLst>
       <p:tags r:id="rId1"/>
     </p:custDataLst>
     <p:extLst>
       <p:ext uri="{BB962C8B-B14F-4D97-AF65-F5344CB8AC3E}">
-        <p14:creationId xmlns:p14="http://schemas.microsoft.com/office/powerpoint/2010/main" val="1027050507"/>
+        <p14:creationId xmlns:p14="http://schemas.microsoft.com/office/powerpoint/2010/main" val="2144928479"/>
       </p:ext>
     </p:extLst>
   </p:cSld>
@@ -14545,8 +17027,19 @@
               <a:buChar char="•"/>
             </a:pPr>
             <a:r>
-              <a:rPr lang="en-US" altLang="zh-CN" dirty="0"/>
-              <a:t>TODO</a:t>
+              <a:rPr lang="zh-CN" altLang="en-US" dirty="0"/>
+              <a:t>主问题：如何推导卷积层的后向传播？</a:t>
+            </a:r>
+            <a:endParaRPr lang="en-US" altLang="zh-CN" dirty="0"/>
+          </a:p>
+          <a:p>
+            <a:pPr marL="285750" indent="-285750">
+              <a:buFont typeface="Arial" panose="020B0604020202020204" pitchFamily="34" charset="0"/>
+              <a:buChar char="•"/>
+            </a:pPr>
+            <a:r>
+              <a:rPr lang="zh-CN" altLang="en-US" dirty="0"/>
+              <a:t>主问题：如何反向计算误差项？</a:t>
             </a:r>
             <a:br>
               <a:rPr lang="en-US" altLang="zh-CN" dirty="0"/>
@@ -14747,6 +17240,55 @@
                       </p:childTnLst>
                     </p:cTn>
                   </p:par>
+                  <p:par>
+                    <p:cTn id="15" fill="hold">
+                      <p:stCondLst>
+                        <p:cond delay="indefinite"/>
+                      </p:stCondLst>
+                      <p:childTnLst>
+                        <p:par>
+                          <p:cTn id="16" fill="hold">
+                            <p:stCondLst>
+                              <p:cond delay="0"/>
+                            </p:stCondLst>
+                            <p:childTnLst>
+                              <p:par>
+                                <p:cTn id="17" presetID="1" presetClass="entr" presetSubtype="0" fill="hold" grpId="0" nodeType="clickEffect">
+                                  <p:stCondLst>
+                                    <p:cond delay="0"/>
+                                  </p:stCondLst>
+                                  <p:childTnLst>
+                                    <p:set>
+                                      <p:cBhvr>
+                                        <p:cTn id="18" dur="1" fill="hold">
+                                          <p:stCondLst>
+                                            <p:cond delay="0"/>
+                                          </p:stCondLst>
+                                        </p:cTn>
+                                        <p:tgtEl>
+                                          <p:spTgt spid="2">
+                                            <p:txEl>
+                                              <p:pRg st="3" end="3"/>
+                                            </p:txEl>
+                                          </p:spTgt>
+                                        </p:tgtEl>
+                                        <p:attrNameLst>
+                                          <p:attrName>style.visibility</p:attrName>
+                                        </p:attrNameLst>
+                                      </p:cBhvr>
+                                      <p:to>
+                                        <p:strVal val="visible"/>
+                                      </p:to>
+                                    </p:set>
+                                  </p:childTnLst>
+                                </p:cTn>
+                              </p:par>
+                            </p:childTnLst>
+                          </p:cTn>
+                        </p:par>
+                      </p:childTnLst>
+                    </p:cTn>
+                  </p:par>
                 </p:childTnLst>
               </p:cTn>
               <p:prevCondLst>
@@ -14792,6 +17334,92 @@
           <a:chExt cx="0" cy="0"/>
         </a:xfrm>
       </p:grpSpPr>
+      <p:sp>
+        <p:nvSpPr>
+          <p:cNvPr id="2" name="文本占位符 1"/>
+          <p:cNvSpPr>
+            <a:spLocks noGrp="1"/>
+          </p:cNvSpPr>
+          <p:nvPr>
+            <p:ph type="body" idx="1"/>
+          </p:nvPr>
+        </p:nvSpPr>
+        <p:spPr/>
+        <p:txBody>
+          <a:bodyPr/>
+          <a:lstStyle/>
+          <a:p>
+            <a:pPr marL="285750" indent="-285750">
+              <a:buFont typeface="Arial" panose="020B0604020202020204" pitchFamily="34" charset="0"/>
+              <a:buChar char="•"/>
+            </a:pPr>
+            <a:r>
+              <a:rPr lang="zh-CN" altLang="en-US" dirty="0">
+                <a:sym typeface="+mn-ea"/>
+              </a:rPr>
+              <a:t>卷积层的后向传播推导</a:t>
+            </a:r>
+            <a:endParaRPr dirty="0">
+              <a:sym typeface="+mn-ea"/>
+            </a:endParaRPr>
+          </a:p>
+        </p:txBody>
+      </p:sp>
+      <p:sp>
+        <p:nvSpPr>
+          <p:cNvPr id="3" name="标题 2"/>
+          <p:cNvSpPr>
+            <a:spLocks noGrp="1"/>
+          </p:cNvSpPr>
+          <p:nvPr>
+            <p:ph type="title"/>
+          </p:nvPr>
+        </p:nvSpPr>
+        <p:spPr/>
+        <p:txBody>
+          <a:bodyPr/>
+          <a:lstStyle/>
+          <a:p>
+            <a:r>
+              <a:rPr lang="zh-CN" altLang="en-US"/>
+              <a:t>下节课预告</a:t>
+            </a:r>
+          </a:p>
+        </p:txBody>
+      </p:sp>
+    </p:spTree>
+    <p:custDataLst>
+      <p:tags r:id="rId1"/>
+    </p:custDataLst>
+    <p:extLst>
+      <p:ext uri="{BB962C8B-B14F-4D97-AF65-F5344CB8AC3E}">
+        <p14:creationId xmlns:p14="http://schemas.microsoft.com/office/powerpoint/2010/main" val="1027050507"/>
+      </p:ext>
+    </p:extLst>
+  </p:cSld>
+  <p:clrMapOvr>
+    <a:masterClrMapping/>
+  </p:clrMapOvr>
+</p:sld>
+</file>
+
+<file path=ppt/slides/slide31.xml><?xml version="1.0" encoding="utf-8"?>
+<p:sld xmlns:a="http://schemas.openxmlformats.org/drawingml/2006/main" xmlns:r="http://schemas.openxmlformats.org/officeDocument/2006/relationships" xmlns:p="http://schemas.openxmlformats.org/presentationml/2006/main">
+  <p:cSld>
+    <p:spTree>
+      <p:nvGrpSpPr>
+        <p:cNvPr id="1" name=""/>
+        <p:cNvGrpSpPr/>
+        <p:nvPr/>
+      </p:nvGrpSpPr>
+      <p:grpSpPr>
+        <a:xfrm>
+          <a:off x="0" y="0"/>
+          <a:ext cx="0" cy="0"/>
+          <a:chOff x="0" y="0"/>
+          <a:chExt cx="0" cy="0"/>
+        </a:xfrm>
+      </p:grpSpPr>
     </p:spTree>
     <p:custDataLst>
       <p:tags r:id="rId1"/>
@@ -14803,7 +17431,7 @@
 </p:sld>
 </file>
 
-<file path=ppt/slides/slide31.xml><?xml version="1.0" encoding="utf-8"?>
+<file path=ppt/slides/slide32.xml><?xml version="1.0" encoding="utf-8"?>
 <p:sld xmlns:a="http://schemas.openxmlformats.org/drawingml/2006/main" xmlns:r="http://schemas.openxmlformats.org/officeDocument/2006/relationships" xmlns:p="http://schemas.openxmlformats.org/presentationml/2006/main">
   <p:cSld>
     <p:spTree>
@@ -14876,7 +17504,7 @@
 </p:sld>
 </file>
 
-<file path=ppt/slides/slide32.xml><?xml version="1.0" encoding="utf-8"?>
+<file path=ppt/slides/slide33.xml><?xml version="1.0" encoding="utf-8"?>
 <p:sld xmlns:a="http://schemas.openxmlformats.org/drawingml/2006/main" xmlns:r="http://schemas.openxmlformats.org/officeDocument/2006/relationships" xmlns:p="http://schemas.openxmlformats.org/presentationml/2006/main">
   <p:cSld>
     <p:spTree>
@@ -14953,7 +17581,7 @@
             </a:pPr>
             <a:r>
               <a:rPr lang="zh-CN" altLang="en-US" dirty="0"/>
-              <a:t>卷积层的前向传播的公式是什么？</a:t>
+              <a:t>卷积层的前向传播是如何计算的？</a:t>
             </a:r>
             <a:endParaRPr lang="en-US" altLang="zh-CN" dirty="0"/>
           </a:p>
@@ -15018,15 +17646,15 @@
       </p:sp>
       <p:pic>
         <p:nvPicPr>
-          <p:cNvPr id="6" name="图片 5">
+          <p:cNvPr id="8" name="Picture 2" descr="image">
             <a:extLst>
               <a:ext uri="{FF2B5EF4-FFF2-40B4-BE49-F238E27FC236}">
-                <a16:creationId xmlns:a16="http://schemas.microsoft.com/office/drawing/2014/main" id="{2A52D52C-C142-FBEE-022E-4918F7F50925}"/>
+                <a16:creationId xmlns:a16="http://schemas.microsoft.com/office/drawing/2014/main" id="{B9F04C78-DBB5-6901-E554-CEDD3D67C1CB}"/>
               </a:ext>
             </a:extLst>
           </p:cNvPr>
           <p:cNvPicPr>
-            <a:picLocks noChangeAspect="1"/>
+            <a:picLocks noChangeAspect="1" noChangeArrowheads="1"/>
           </p:cNvPicPr>
           <p:nvPr/>
         </p:nvPicPr>
@@ -15038,26 +17666,37 @@
               </a:ext>
             </a:extLst>
           </a:blip>
+          <a:srcRect/>
           <a:stretch>
             <a:fillRect/>
           </a:stretch>
         </p:blipFill>
-        <p:spPr>
+        <p:spPr bwMode="auto">
           <a:xfrm>
-            <a:off x="6403102" y="4715005"/>
-            <a:ext cx="2400300" cy="1409700"/>
+            <a:off x="6671251" y="1168297"/>
+            <a:ext cx="5155659" cy="4521406"/>
           </a:xfrm>
           <a:prstGeom prst="rect">
             <a:avLst/>
           </a:prstGeom>
+          <a:noFill/>
+          <a:extLst>
+            <a:ext uri="{909E8E84-426E-40DD-AFC4-6F175D3DCCD1}">
+              <a14:hiddenFill xmlns:a14="http://schemas.microsoft.com/office/drawing/2010/main">
+                <a:solidFill>
+                  <a:srgbClr val="FFFFFF"/>
+                </a:solidFill>
+              </a14:hiddenFill>
+            </a:ext>
+          </a:extLst>
         </p:spPr>
       </p:pic>
       <p:pic>
         <p:nvPicPr>
-          <p:cNvPr id="8" name="Picture 2" descr="image">
+          <p:cNvPr id="1028" name="Picture 4" descr="图1">
             <a:extLst>
               <a:ext uri="{FF2B5EF4-FFF2-40B4-BE49-F238E27FC236}">
-                <a16:creationId xmlns:a16="http://schemas.microsoft.com/office/drawing/2014/main" id="{B9F04C78-DBB5-6901-E554-CEDD3D67C1CB}"/>
+                <a16:creationId xmlns:a16="http://schemas.microsoft.com/office/drawing/2014/main" id="{1057FD38-BEB4-B8EB-296F-DB2800832402}"/>
               </a:ext>
             </a:extLst>
           </p:cNvPr>
@@ -15081,8 +17720,8 @@
         </p:blipFill>
         <p:spPr bwMode="auto">
           <a:xfrm>
-            <a:off x="5887479" y="1626235"/>
-            <a:ext cx="5155659" cy="4521406"/>
+            <a:off x="441177" y="3622530"/>
+            <a:ext cx="6096000" cy="1723232"/>
           </a:xfrm>
           <a:prstGeom prst="rect">
             <a:avLst/>
@@ -15112,6 +17751,224 @@
   <p:clrMapOvr>
     <a:masterClrMapping/>
   </p:clrMapOvr>
+  <p:timing>
+    <p:tnLst>
+      <p:par>
+        <p:cTn id="1" dur="indefinite" restart="never" nodeType="tmRoot">
+          <p:childTnLst>
+            <p:seq concurrent="1" nextAc="seek">
+              <p:cTn id="2" dur="indefinite" nodeType="mainSeq">
+                <p:childTnLst>
+                  <p:par>
+                    <p:cTn id="3" fill="hold">
+                      <p:stCondLst>
+                        <p:cond delay="indefinite"/>
+                      </p:stCondLst>
+                      <p:childTnLst>
+                        <p:par>
+                          <p:cTn id="4" fill="hold">
+                            <p:stCondLst>
+                              <p:cond delay="0"/>
+                            </p:stCondLst>
+                            <p:childTnLst>
+                              <p:par>
+                                <p:cTn id="5" presetID="1" presetClass="entr" presetSubtype="0" fill="hold" nodeType="clickEffect">
+                                  <p:stCondLst>
+                                    <p:cond delay="0"/>
+                                  </p:stCondLst>
+                                  <p:childTnLst>
+                                    <p:set>
+                                      <p:cBhvr>
+                                        <p:cTn id="6" dur="1" fill="hold">
+                                          <p:stCondLst>
+                                            <p:cond delay="0"/>
+                                          </p:stCondLst>
+                                        </p:cTn>
+                                        <p:tgtEl>
+                                          <p:spTgt spid="1028"/>
+                                        </p:tgtEl>
+                                        <p:attrNameLst>
+                                          <p:attrName>style.visibility</p:attrName>
+                                        </p:attrNameLst>
+                                      </p:cBhvr>
+                                      <p:to>
+                                        <p:strVal val="visible"/>
+                                      </p:to>
+                                    </p:set>
+                                  </p:childTnLst>
+                                </p:cTn>
+                              </p:par>
+                            </p:childTnLst>
+                          </p:cTn>
+                        </p:par>
+                      </p:childTnLst>
+                    </p:cTn>
+                  </p:par>
+                  <p:par>
+                    <p:cTn id="7" fill="hold">
+                      <p:stCondLst>
+                        <p:cond delay="indefinite"/>
+                      </p:stCondLst>
+                      <p:childTnLst>
+                        <p:par>
+                          <p:cTn id="8" fill="hold">
+                            <p:stCondLst>
+                              <p:cond delay="0"/>
+                            </p:stCondLst>
+                            <p:childTnLst>
+                              <p:par>
+                                <p:cTn id="9" presetID="1" presetClass="entr" presetSubtype="0" fill="hold" nodeType="clickEffect">
+                                  <p:stCondLst>
+                                    <p:cond delay="0"/>
+                                  </p:stCondLst>
+                                  <p:childTnLst>
+                                    <p:set>
+                                      <p:cBhvr>
+                                        <p:cTn id="10" dur="1" fill="hold">
+                                          <p:stCondLst>
+                                            <p:cond delay="0"/>
+                                          </p:stCondLst>
+                                        </p:cTn>
+                                        <p:tgtEl>
+                                          <p:spTgt spid="2">
+                                            <p:txEl>
+                                              <p:pRg st="0" end="0"/>
+                                            </p:txEl>
+                                          </p:spTgt>
+                                        </p:tgtEl>
+                                        <p:attrNameLst>
+                                          <p:attrName>style.visibility</p:attrName>
+                                        </p:attrNameLst>
+                                      </p:cBhvr>
+                                      <p:to>
+                                        <p:strVal val="visible"/>
+                                      </p:to>
+                                    </p:set>
+                                  </p:childTnLst>
+                                </p:cTn>
+                              </p:par>
+                            </p:childTnLst>
+                          </p:cTn>
+                        </p:par>
+                      </p:childTnLst>
+                    </p:cTn>
+                  </p:par>
+                  <p:par>
+                    <p:cTn id="11" fill="hold">
+                      <p:stCondLst>
+                        <p:cond delay="indefinite"/>
+                      </p:stCondLst>
+                      <p:childTnLst>
+                        <p:par>
+                          <p:cTn id="12" fill="hold">
+                            <p:stCondLst>
+                              <p:cond delay="0"/>
+                            </p:stCondLst>
+                            <p:childTnLst>
+                              <p:par>
+                                <p:cTn id="13" presetID="1" presetClass="entr" presetSubtype="0" fill="hold" nodeType="clickEffect">
+                                  <p:stCondLst>
+                                    <p:cond delay="0"/>
+                                  </p:stCondLst>
+                                  <p:childTnLst>
+                                    <p:set>
+                                      <p:cBhvr>
+                                        <p:cTn id="14" dur="1" fill="hold">
+                                          <p:stCondLst>
+                                            <p:cond delay="0"/>
+                                          </p:stCondLst>
+                                        </p:cTn>
+                                        <p:tgtEl>
+                                          <p:spTgt spid="2">
+                                            <p:txEl>
+                                              <p:pRg st="1" end="1"/>
+                                            </p:txEl>
+                                          </p:spTgt>
+                                        </p:tgtEl>
+                                        <p:attrNameLst>
+                                          <p:attrName>style.visibility</p:attrName>
+                                        </p:attrNameLst>
+                                      </p:cBhvr>
+                                      <p:to>
+                                        <p:strVal val="visible"/>
+                                      </p:to>
+                                    </p:set>
+                                  </p:childTnLst>
+                                </p:cTn>
+                              </p:par>
+                            </p:childTnLst>
+                          </p:cTn>
+                        </p:par>
+                      </p:childTnLst>
+                    </p:cTn>
+                  </p:par>
+                  <p:par>
+                    <p:cTn id="15" fill="hold">
+                      <p:stCondLst>
+                        <p:cond delay="indefinite"/>
+                      </p:stCondLst>
+                      <p:childTnLst>
+                        <p:par>
+                          <p:cTn id="16" fill="hold">
+                            <p:stCondLst>
+                              <p:cond delay="0"/>
+                            </p:stCondLst>
+                            <p:childTnLst>
+                              <p:par>
+                                <p:cTn id="17" presetID="1" presetClass="entr" presetSubtype="0" fill="hold" nodeType="clickEffect">
+                                  <p:stCondLst>
+                                    <p:cond delay="0"/>
+                                  </p:stCondLst>
+                                  <p:childTnLst>
+                                    <p:set>
+                                      <p:cBhvr>
+                                        <p:cTn id="18" dur="1" fill="hold">
+                                          <p:stCondLst>
+                                            <p:cond delay="0"/>
+                                          </p:stCondLst>
+                                        </p:cTn>
+                                        <p:tgtEl>
+                                          <p:spTgt spid="8"/>
+                                        </p:tgtEl>
+                                        <p:attrNameLst>
+                                          <p:attrName>style.visibility</p:attrName>
+                                        </p:attrNameLst>
+                                      </p:cBhvr>
+                                      <p:to>
+                                        <p:strVal val="visible"/>
+                                      </p:to>
+                                    </p:set>
+                                  </p:childTnLst>
+                                </p:cTn>
+                              </p:par>
+                            </p:childTnLst>
+                          </p:cTn>
+                        </p:par>
+                      </p:childTnLst>
+                    </p:cTn>
+                  </p:par>
+                </p:childTnLst>
+              </p:cTn>
+              <p:prevCondLst>
+                <p:cond evt="onPrev" delay="0">
+                  <p:tgtEl>
+                    <p:sldTgt/>
+                  </p:tgtEl>
+                </p:cond>
+              </p:prevCondLst>
+              <p:nextCondLst>
+                <p:cond evt="onNext" delay="0">
+                  <p:tgtEl>
+                    <p:sldTgt/>
+                  </p:tgtEl>
+                </p:cond>
+              </p:nextCondLst>
+            </p:seq>
+          </p:childTnLst>
+        </p:cTn>
+      </p:par>
+    </p:tnLst>
+  </p:timing>
 </p:sld>
 </file>
 
@@ -15153,7 +18010,7 @@
             </a:pPr>
             <a:r>
               <a:rPr lang="zh-CN" altLang="en-US" dirty="0"/>
-              <a:t>什么是后向传播算法？</a:t>
+              <a:t>全连接层的后向传播算法是什么？</a:t>
             </a:r>
             <a:endParaRPr lang="en-US" altLang="zh-CN" dirty="0"/>
           </a:p>
@@ -15164,7 +18021,7 @@
             </a:pPr>
             <a:r>
               <a:rPr lang="zh-CN" altLang="en-US" dirty="0"/>
-              <a:t>误差项的公式是什么？</a:t>
+              <a:t>误差项的计算公式是什么？</a:t>
             </a:r>
             <a:endParaRPr lang="en-US" altLang="zh-CN" dirty="0"/>
           </a:p>
@@ -15252,8 +18109,8 @@
         </p:nvSpPr>
         <p:spPr>
           <a:xfrm>
-            <a:off x="3666080" y="3731989"/>
-            <a:ext cx="7675124" cy="646331"/>
+            <a:off x="841620" y="4015133"/>
+            <a:ext cx="4827077" cy="923330"/>
           </a:xfrm>
           <a:prstGeom prst="rect">
             <a:avLst/>
@@ -15309,12 +18166,59 @@
         </p:blipFill>
         <p:spPr>
           <a:xfrm>
-            <a:off x="6403102" y="4715005"/>
+            <a:off x="3255159" y="5106805"/>
             <a:ext cx="2400300" cy="1409700"/>
           </a:xfrm>
           <a:prstGeom prst="rect">
             <a:avLst/>
           </a:prstGeom>
+        </p:spPr>
+      </p:pic>
+      <p:pic>
+        <p:nvPicPr>
+          <p:cNvPr id="2050" name="Picture 2" descr="image">
+            <a:extLst>
+              <a:ext uri="{FF2B5EF4-FFF2-40B4-BE49-F238E27FC236}">
+                <a16:creationId xmlns:a16="http://schemas.microsoft.com/office/drawing/2014/main" id="{8518BFEA-07E1-9946-D29B-DFAAEBF6A63F}"/>
+              </a:ext>
+            </a:extLst>
+          </p:cNvPr>
+          <p:cNvPicPr>
+            <a:picLocks noChangeAspect="1" noChangeArrowheads="1"/>
+          </p:cNvPicPr>
+          <p:nvPr/>
+        </p:nvPicPr>
+        <p:blipFill>
+          <a:blip r:embed="rId5">
+            <a:extLst>
+              <a:ext uri="{28A0092B-C50C-407E-A947-70E740481C1C}">
+                <a14:useLocalDpi xmlns:a14="http://schemas.microsoft.com/office/drawing/2010/main" val="0"/>
+              </a:ext>
+            </a:extLst>
+          </a:blip>
+          <a:srcRect/>
+          <a:stretch>
+            <a:fillRect/>
+          </a:stretch>
+        </p:blipFill>
+        <p:spPr bwMode="auto">
+          <a:xfrm>
+            <a:off x="6261587" y="1432545"/>
+            <a:ext cx="5179227" cy="3346577"/>
+          </a:xfrm>
+          <a:prstGeom prst="rect">
+            <a:avLst/>
+          </a:prstGeom>
+          <a:noFill/>
+          <a:extLst>
+            <a:ext uri="{909E8E84-426E-40DD-AFC4-6F175D3DCCD1}">
+              <a14:hiddenFill xmlns:a14="http://schemas.microsoft.com/office/drawing/2010/main">
+                <a:solidFill>
+                  <a:srgbClr val="FFFFFF"/>
+                </a:solidFill>
+              </a14:hiddenFill>
+            </a:ext>
+          </a:extLst>
         </p:spPr>
       </p:pic>
     </p:spTree>
@@ -15330,6 +18234,321 @@
   <p:clrMapOvr>
     <a:masterClrMapping/>
   </p:clrMapOvr>
+  <p:timing>
+    <p:tnLst>
+      <p:par>
+        <p:cTn id="1" dur="indefinite" restart="never" nodeType="tmRoot">
+          <p:childTnLst>
+            <p:seq concurrent="1" nextAc="seek">
+              <p:cTn id="2" dur="indefinite" nodeType="mainSeq">
+                <p:childTnLst>
+                  <p:par>
+                    <p:cTn id="3" fill="hold">
+                      <p:stCondLst>
+                        <p:cond delay="indefinite"/>
+                      </p:stCondLst>
+                      <p:childTnLst>
+                        <p:par>
+                          <p:cTn id="4" fill="hold">
+                            <p:stCondLst>
+                              <p:cond delay="0"/>
+                            </p:stCondLst>
+                            <p:childTnLst>
+                              <p:par>
+                                <p:cTn id="5" presetID="1" presetClass="entr" presetSubtype="0" fill="hold" nodeType="clickEffect">
+                                  <p:stCondLst>
+                                    <p:cond delay="0"/>
+                                  </p:stCondLst>
+                                  <p:childTnLst>
+                                    <p:set>
+                                      <p:cBhvr>
+                                        <p:cTn id="6" dur="1" fill="hold">
+                                          <p:stCondLst>
+                                            <p:cond delay="0"/>
+                                          </p:stCondLst>
+                                        </p:cTn>
+                                        <p:tgtEl>
+                                          <p:spTgt spid="2">
+                                            <p:txEl>
+                                              <p:pRg st="0" end="0"/>
+                                            </p:txEl>
+                                          </p:spTgt>
+                                        </p:tgtEl>
+                                        <p:attrNameLst>
+                                          <p:attrName>style.visibility</p:attrName>
+                                        </p:attrNameLst>
+                                      </p:cBhvr>
+                                      <p:to>
+                                        <p:strVal val="visible"/>
+                                      </p:to>
+                                    </p:set>
+                                  </p:childTnLst>
+                                </p:cTn>
+                              </p:par>
+                            </p:childTnLst>
+                          </p:cTn>
+                        </p:par>
+                      </p:childTnLst>
+                    </p:cTn>
+                  </p:par>
+                  <p:par>
+                    <p:cTn id="7" fill="hold">
+                      <p:stCondLst>
+                        <p:cond delay="indefinite"/>
+                      </p:stCondLst>
+                      <p:childTnLst>
+                        <p:par>
+                          <p:cTn id="8" fill="hold">
+                            <p:stCondLst>
+                              <p:cond delay="0"/>
+                            </p:stCondLst>
+                            <p:childTnLst>
+                              <p:par>
+                                <p:cTn id="9" presetID="1" presetClass="entr" presetSubtype="0" fill="hold" grpId="0" nodeType="clickEffect">
+                                  <p:stCondLst>
+                                    <p:cond delay="0"/>
+                                  </p:stCondLst>
+                                  <p:childTnLst>
+                                    <p:set>
+                                      <p:cBhvr>
+                                        <p:cTn id="10" dur="1" fill="hold">
+                                          <p:stCondLst>
+                                            <p:cond delay="0"/>
+                                          </p:stCondLst>
+                                        </p:cTn>
+                                        <p:tgtEl>
+                                          <p:spTgt spid="4"/>
+                                        </p:tgtEl>
+                                        <p:attrNameLst>
+                                          <p:attrName>style.visibility</p:attrName>
+                                        </p:attrNameLst>
+                                      </p:cBhvr>
+                                      <p:to>
+                                        <p:strVal val="visible"/>
+                                      </p:to>
+                                    </p:set>
+                                  </p:childTnLst>
+                                </p:cTn>
+                              </p:par>
+                            </p:childTnLst>
+                          </p:cTn>
+                        </p:par>
+                      </p:childTnLst>
+                    </p:cTn>
+                  </p:par>
+                  <p:par>
+                    <p:cTn id="11" fill="hold">
+                      <p:stCondLst>
+                        <p:cond delay="indefinite"/>
+                      </p:stCondLst>
+                      <p:childTnLst>
+                        <p:par>
+                          <p:cTn id="12" fill="hold">
+                            <p:stCondLst>
+                              <p:cond delay="0"/>
+                            </p:stCondLst>
+                            <p:childTnLst>
+                              <p:par>
+                                <p:cTn id="13" presetID="1" presetClass="entr" presetSubtype="0" fill="hold" nodeType="clickEffect">
+                                  <p:stCondLst>
+                                    <p:cond delay="0"/>
+                                  </p:stCondLst>
+                                  <p:childTnLst>
+                                    <p:set>
+                                      <p:cBhvr>
+                                        <p:cTn id="14" dur="1" fill="hold">
+                                          <p:stCondLst>
+                                            <p:cond delay="0"/>
+                                          </p:stCondLst>
+                                        </p:cTn>
+                                        <p:tgtEl>
+                                          <p:spTgt spid="2">
+                                            <p:txEl>
+                                              <p:pRg st="1" end="1"/>
+                                            </p:txEl>
+                                          </p:spTgt>
+                                        </p:tgtEl>
+                                        <p:attrNameLst>
+                                          <p:attrName>style.visibility</p:attrName>
+                                        </p:attrNameLst>
+                                      </p:cBhvr>
+                                      <p:to>
+                                        <p:strVal val="visible"/>
+                                      </p:to>
+                                    </p:set>
+                                  </p:childTnLst>
+                                </p:cTn>
+                              </p:par>
+                            </p:childTnLst>
+                          </p:cTn>
+                        </p:par>
+                      </p:childTnLst>
+                    </p:cTn>
+                  </p:par>
+                  <p:par>
+                    <p:cTn id="15" fill="hold">
+                      <p:stCondLst>
+                        <p:cond delay="indefinite"/>
+                      </p:stCondLst>
+                      <p:childTnLst>
+                        <p:par>
+                          <p:cTn id="16" fill="hold">
+                            <p:stCondLst>
+                              <p:cond delay="0"/>
+                            </p:stCondLst>
+                            <p:childTnLst>
+                              <p:par>
+                                <p:cTn id="17" presetID="1" presetClass="entr" presetSubtype="0" fill="hold" nodeType="clickEffect">
+                                  <p:stCondLst>
+                                    <p:cond delay="0"/>
+                                  </p:stCondLst>
+                                  <p:childTnLst>
+                                    <p:set>
+                                      <p:cBhvr>
+                                        <p:cTn id="18" dur="1" fill="hold">
+                                          <p:stCondLst>
+                                            <p:cond delay="0"/>
+                                          </p:stCondLst>
+                                        </p:cTn>
+                                        <p:tgtEl>
+                                          <p:spTgt spid="6"/>
+                                        </p:tgtEl>
+                                        <p:attrNameLst>
+                                          <p:attrName>style.visibility</p:attrName>
+                                        </p:attrNameLst>
+                                      </p:cBhvr>
+                                      <p:to>
+                                        <p:strVal val="visible"/>
+                                      </p:to>
+                                    </p:set>
+                                  </p:childTnLst>
+                                </p:cTn>
+                              </p:par>
+                            </p:childTnLst>
+                          </p:cTn>
+                        </p:par>
+                      </p:childTnLst>
+                    </p:cTn>
+                  </p:par>
+                  <p:par>
+                    <p:cTn id="19" fill="hold">
+                      <p:stCondLst>
+                        <p:cond delay="indefinite"/>
+                      </p:stCondLst>
+                      <p:childTnLst>
+                        <p:par>
+                          <p:cTn id="20" fill="hold">
+                            <p:stCondLst>
+                              <p:cond delay="0"/>
+                            </p:stCondLst>
+                            <p:childTnLst>
+                              <p:par>
+                                <p:cTn id="21" presetID="1" presetClass="entr" presetSubtype="0" fill="hold" nodeType="clickEffect">
+                                  <p:stCondLst>
+                                    <p:cond delay="0"/>
+                                  </p:stCondLst>
+                                  <p:childTnLst>
+                                    <p:set>
+                                      <p:cBhvr>
+                                        <p:cTn id="22" dur="1" fill="hold">
+                                          <p:stCondLst>
+                                            <p:cond delay="0"/>
+                                          </p:stCondLst>
+                                        </p:cTn>
+                                        <p:tgtEl>
+                                          <p:spTgt spid="2">
+                                            <p:txEl>
+                                              <p:pRg st="2" end="2"/>
+                                            </p:txEl>
+                                          </p:spTgt>
+                                        </p:tgtEl>
+                                        <p:attrNameLst>
+                                          <p:attrName>style.visibility</p:attrName>
+                                        </p:attrNameLst>
+                                      </p:cBhvr>
+                                      <p:to>
+                                        <p:strVal val="visible"/>
+                                      </p:to>
+                                    </p:set>
+                                  </p:childTnLst>
+                                </p:cTn>
+                              </p:par>
+                            </p:childTnLst>
+                          </p:cTn>
+                        </p:par>
+                      </p:childTnLst>
+                    </p:cTn>
+                  </p:par>
+                  <p:par>
+                    <p:cTn id="23" fill="hold">
+                      <p:stCondLst>
+                        <p:cond delay="indefinite"/>
+                      </p:stCondLst>
+                      <p:childTnLst>
+                        <p:par>
+                          <p:cTn id="24" fill="hold">
+                            <p:stCondLst>
+                              <p:cond delay="0"/>
+                            </p:stCondLst>
+                            <p:childTnLst>
+                              <p:par>
+                                <p:cTn id="25" presetID="1" presetClass="entr" presetSubtype="0" fill="hold" nodeType="clickEffect">
+                                  <p:stCondLst>
+                                    <p:cond delay="0"/>
+                                  </p:stCondLst>
+                                  <p:childTnLst>
+                                    <p:set>
+                                      <p:cBhvr>
+                                        <p:cTn id="26" dur="1" fill="hold">
+                                          <p:stCondLst>
+                                            <p:cond delay="0"/>
+                                          </p:stCondLst>
+                                        </p:cTn>
+                                        <p:tgtEl>
+                                          <p:spTgt spid="2050"/>
+                                        </p:tgtEl>
+                                        <p:attrNameLst>
+                                          <p:attrName>style.visibility</p:attrName>
+                                        </p:attrNameLst>
+                                      </p:cBhvr>
+                                      <p:to>
+                                        <p:strVal val="visible"/>
+                                      </p:to>
+                                    </p:set>
+                                  </p:childTnLst>
+                                </p:cTn>
+                              </p:par>
+                            </p:childTnLst>
+                          </p:cTn>
+                        </p:par>
+                      </p:childTnLst>
+                    </p:cTn>
+                  </p:par>
+                </p:childTnLst>
+              </p:cTn>
+              <p:prevCondLst>
+                <p:cond evt="onPrev" delay="0">
+                  <p:tgtEl>
+                    <p:sldTgt/>
+                  </p:tgtEl>
+                </p:cond>
+              </p:prevCondLst>
+              <p:nextCondLst>
+                <p:cond evt="onNext" delay="0">
+                  <p:tgtEl>
+                    <p:sldTgt/>
+                  </p:tgtEl>
+                </p:cond>
+              </p:nextCondLst>
+            </p:seq>
+          </p:childTnLst>
+        </p:cTn>
+      </p:par>
+    </p:tnLst>
+    <p:bldLst>
+      <p:bldP spid="4" grpId="0"/>
+    </p:bldLst>
+  </p:timing>
 </p:sld>
 </file>
 
@@ -15364,17 +18583,6 @@
         <p:txBody>
           <a:bodyPr/>
           <a:lstStyle/>
-          <a:p>
-            <a:pPr marL="285750" indent="-285750">
-              <a:buFont typeface="Arial" panose="020B0604020202020204" pitchFamily="34" charset="0"/>
-              <a:buChar char="•"/>
-            </a:pPr>
-            <a:r>
-              <a:rPr lang="zh-CN" altLang="en-US" dirty="0"/>
-              <a:t>如何实现卷积层的训练？</a:t>
-            </a:r>
-            <a:endParaRPr lang="en-US" altLang="zh-CN" dirty="0"/>
-          </a:p>
           <a:p>
             <a:pPr marL="285750" indent="-285750">
               <a:buFont typeface="Arial" panose="020B0604020202020204" pitchFamily="34" charset="0"/>
@@ -15458,55 +18666,6 @@
                                     <p:set>
                                       <p:cBhvr>
                                         <p:cTn id="6" dur="1" fill="hold">
-                                          <p:stCondLst>
-                                            <p:cond delay="0"/>
-                                          </p:stCondLst>
-                                        </p:cTn>
-                                        <p:tgtEl>
-                                          <p:spTgt spid="2">
-                                            <p:txEl>
-                                              <p:pRg st="1" end="1"/>
-                                            </p:txEl>
-                                          </p:spTgt>
-                                        </p:tgtEl>
-                                        <p:attrNameLst>
-                                          <p:attrName>style.visibility</p:attrName>
-                                        </p:attrNameLst>
-                                      </p:cBhvr>
-                                      <p:to>
-                                        <p:strVal val="visible"/>
-                                      </p:to>
-                                    </p:set>
-                                  </p:childTnLst>
-                                </p:cTn>
-                              </p:par>
-                            </p:childTnLst>
-                          </p:cTn>
-                        </p:par>
-                      </p:childTnLst>
-                    </p:cTn>
-                  </p:par>
-                  <p:par>
-                    <p:cTn id="7" fill="hold">
-                      <p:stCondLst>
-                        <p:cond delay="indefinite"/>
-                      </p:stCondLst>
-                      <p:childTnLst>
-                        <p:par>
-                          <p:cTn id="8" fill="hold">
-                            <p:stCondLst>
-                              <p:cond delay="0"/>
-                            </p:stCondLst>
-                            <p:childTnLst>
-                              <p:par>
-                                <p:cTn id="9" presetID="1" presetClass="entr" presetSubtype="0" fill="hold" nodeType="clickEffect">
-                                  <p:stCondLst>
-                                    <p:cond delay="0"/>
-                                  </p:stCondLst>
-                                  <p:childTnLst>
-                                    <p:set>
-                                      <p:cBhvr>
-                                        <p:cTn id="10" dur="1" fill="hold">
                                           <p:stCondLst>
                                             <p:cond delay="0"/>
                                           </p:stCondLst>
@@ -15911,7 +19070,18 @@
             </a:pPr>
             <a:r>
               <a:rPr lang="zh-CN" altLang="en-US" dirty="0"/>
-              <a:t>在每个步骤中，与全连接层中隐藏层的后向传播算法的计算方法一样吗？</a:t>
+              <a:t>与全连接层中隐藏层的后向传播算法的步骤一样吗？有什么区别？</a:t>
+            </a:r>
+            <a:endParaRPr lang="en-US" altLang="zh-CN" dirty="0"/>
+          </a:p>
+          <a:p>
+            <a:pPr marL="285750" indent="-285750">
+              <a:buFont typeface="Arial" panose="020B0604020202020204" pitchFamily="34" charset="0"/>
+              <a:buChar char="•"/>
+            </a:pPr>
+            <a:r>
+              <a:rPr lang="zh-CN" altLang="en-US" dirty="0"/>
+              <a:t>下面分别讨论这两个步骤的实现</a:t>
             </a:r>
             <a:endParaRPr lang="en-US" altLang="zh-CN" dirty="0"/>
           </a:p>
@@ -16063,25 +19233,7 @@
                 </a:solidFill>
                 <a:latin typeface="verdana" panose="020B0604030504040204" pitchFamily="34" charset="0"/>
               </a:rPr>
-              <a:t>计算这一层中</a:t>
-            </a:r>
-            <a:r>
-              <a:rPr kumimoji="1" lang="en-US" altLang="zh-CN" dirty="0">
-                <a:solidFill>
-                  <a:srgbClr val="333333"/>
-                </a:solidFill>
-                <a:latin typeface="verdana" panose="020B0604030504040204" pitchFamily="34" charset="0"/>
-              </a:rPr>
-              <a:t>Filter</a:t>
-            </a:r>
-            <a:r>
-              <a:rPr kumimoji="1" lang="zh-CN" altLang="en-US" dirty="0">
-                <a:solidFill>
-                  <a:srgbClr val="333333"/>
-                </a:solidFill>
-                <a:latin typeface="verdana" panose="020B0604030504040204" pitchFamily="34" charset="0"/>
-              </a:rPr>
-              <a:t>每个权重值的梯度</a:t>
+              <a:t>计算这一层中每个权重值的梯度</a:t>
             </a:r>
             <a:endParaRPr kumimoji="1" lang="en-US" altLang="zh-CN" b="0" i="0" dirty="0">
               <a:solidFill>
@@ -16201,7 +19353,36 @@
                 <a:latin typeface="PingFang SC" panose="020B0400000000000000" pitchFamily="34" charset="-122"/>
                 <a:ea typeface="PingFang SC" panose="020B0400000000000000" pitchFamily="34" charset="-122"/>
               </a:rPr>
-              <a:t>“权值共享”则使得第二步的梯度计算方法不一样；</a:t>
+              <a:t>“权值共享”则使得第二步变为计算</a:t>
+            </a:r>
+            <a:r>
+              <a:rPr kumimoji="1" lang="en-US" altLang="zh-CN" dirty="0">
+                <a:solidFill>
+                  <a:srgbClr val="333333"/>
+                </a:solidFill>
+                <a:latin typeface="verdana" panose="020B0604030504040204" pitchFamily="34" charset="0"/>
+              </a:rPr>
+              <a:t>Filter</a:t>
+            </a:r>
+            <a:r>
+              <a:rPr kumimoji="1" lang="zh-CN" altLang="en-US" dirty="0">
+                <a:solidFill>
+                  <a:srgbClr val="333333"/>
+                </a:solidFill>
+                <a:latin typeface="verdana" panose="020B0604030504040204" pitchFamily="34" charset="0"/>
+              </a:rPr>
+              <a:t>中的每个权重值的梯度</a:t>
+            </a:r>
+            <a:r>
+              <a:rPr lang="zh-CN" altLang="en-US" b="0" i="0" dirty="0">
+                <a:solidFill>
+                  <a:srgbClr val="333333"/>
+                </a:solidFill>
+                <a:effectLst/>
+                <a:latin typeface="PingFang SC" panose="020B0400000000000000" pitchFamily="34" charset="-122"/>
+                <a:ea typeface="PingFang SC" panose="020B0400000000000000" pitchFamily="34" charset="-122"/>
+              </a:rPr>
+              <a:t>；</a:t>
             </a:r>
             <a:endParaRPr kumimoji="1" lang="zh-CN" altLang="en-US" dirty="0"/>
           </a:p>
@@ -16220,6 +19401,277 @@
   <p:clrMapOvr>
     <a:masterClrMapping/>
   </p:clrMapOvr>
+  <p:timing>
+    <p:tnLst>
+      <p:par>
+        <p:cTn id="1" dur="indefinite" restart="never" nodeType="tmRoot">
+          <p:childTnLst>
+            <p:seq concurrent="1" nextAc="seek">
+              <p:cTn id="2" dur="indefinite" nodeType="mainSeq">
+                <p:childTnLst>
+                  <p:par>
+                    <p:cTn id="3" fill="hold">
+                      <p:stCondLst>
+                        <p:cond delay="indefinite"/>
+                      </p:stCondLst>
+                      <p:childTnLst>
+                        <p:par>
+                          <p:cTn id="4" fill="hold">
+                            <p:stCondLst>
+                              <p:cond delay="0"/>
+                            </p:stCondLst>
+                            <p:childTnLst>
+                              <p:par>
+                                <p:cTn id="5" presetID="1" presetClass="entr" presetSubtype="0" fill="hold" nodeType="clickEffect">
+                                  <p:stCondLst>
+                                    <p:cond delay="0"/>
+                                  </p:stCondLst>
+                                  <p:childTnLst>
+                                    <p:set>
+                                      <p:cBhvr>
+                                        <p:cTn id="6" dur="1" fill="hold">
+                                          <p:stCondLst>
+                                            <p:cond delay="0"/>
+                                          </p:stCondLst>
+                                        </p:cTn>
+                                        <p:tgtEl>
+                                          <p:spTgt spid="6">
+                                            <p:txEl>
+                                              <p:pRg st="0" end="0"/>
+                                            </p:txEl>
+                                          </p:spTgt>
+                                        </p:tgtEl>
+                                        <p:attrNameLst>
+                                          <p:attrName>style.visibility</p:attrName>
+                                        </p:attrNameLst>
+                                      </p:cBhvr>
+                                      <p:to>
+                                        <p:strVal val="visible"/>
+                                      </p:to>
+                                    </p:set>
+                                  </p:childTnLst>
+                                </p:cTn>
+                              </p:par>
+                            </p:childTnLst>
+                          </p:cTn>
+                        </p:par>
+                      </p:childTnLst>
+                    </p:cTn>
+                  </p:par>
+                  <p:par>
+                    <p:cTn id="7" fill="hold">
+                      <p:stCondLst>
+                        <p:cond delay="indefinite"/>
+                      </p:stCondLst>
+                      <p:childTnLst>
+                        <p:par>
+                          <p:cTn id="8" fill="hold">
+                            <p:stCondLst>
+                              <p:cond delay="0"/>
+                            </p:stCondLst>
+                            <p:childTnLst>
+                              <p:par>
+                                <p:cTn id="9" presetID="1" presetClass="entr" presetSubtype="0" fill="hold" grpId="0" nodeType="clickEffect">
+                                  <p:stCondLst>
+                                    <p:cond delay="0"/>
+                                  </p:stCondLst>
+                                  <p:childTnLst>
+                                    <p:set>
+                                      <p:cBhvr>
+                                        <p:cTn id="10" dur="1" fill="hold">
+                                          <p:stCondLst>
+                                            <p:cond delay="0"/>
+                                          </p:stCondLst>
+                                        </p:cTn>
+                                        <p:tgtEl>
+                                          <p:spTgt spid="2"/>
+                                        </p:tgtEl>
+                                        <p:attrNameLst>
+                                          <p:attrName>style.visibility</p:attrName>
+                                        </p:attrNameLst>
+                                      </p:cBhvr>
+                                      <p:to>
+                                        <p:strVal val="visible"/>
+                                      </p:to>
+                                    </p:set>
+                                  </p:childTnLst>
+                                </p:cTn>
+                              </p:par>
+                            </p:childTnLst>
+                          </p:cTn>
+                        </p:par>
+                      </p:childTnLst>
+                    </p:cTn>
+                  </p:par>
+                  <p:par>
+                    <p:cTn id="11" fill="hold">
+                      <p:stCondLst>
+                        <p:cond delay="indefinite"/>
+                      </p:stCondLst>
+                      <p:childTnLst>
+                        <p:par>
+                          <p:cTn id="12" fill="hold">
+                            <p:stCondLst>
+                              <p:cond delay="0"/>
+                            </p:stCondLst>
+                            <p:childTnLst>
+                              <p:par>
+                                <p:cTn id="13" presetID="1" presetClass="entr" presetSubtype="0" fill="hold" nodeType="clickEffect">
+                                  <p:stCondLst>
+                                    <p:cond delay="0"/>
+                                  </p:stCondLst>
+                                  <p:childTnLst>
+                                    <p:set>
+                                      <p:cBhvr>
+                                        <p:cTn id="14" dur="1" fill="hold">
+                                          <p:stCondLst>
+                                            <p:cond delay="0"/>
+                                          </p:stCondLst>
+                                        </p:cTn>
+                                        <p:tgtEl>
+                                          <p:spTgt spid="6">
+                                            <p:txEl>
+                                              <p:pRg st="1" end="1"/>
+                                            </p:txEl>
+                                          </p:spTgt>
+                                        </p:tgtEl>
+                                        <p:attrNameLst>
+                                          <p:attrName>style.visibility</p:attrName>
+                                        </p:attrNameLst>
+                                      </p:cBhvr>
+                                      <p:to>
+                                        <p:strVal val="visible"/>
+                                      </p:to>
+                                    </p:set>
+                                  </p:childTnLst>
+                                </p:cTn>
+                              </p:par>
+                            </p:childTnLst>
+                          </p:cTn>
+                        </p:par>
+                      </p:childTnLst>
+                    </p:cTn>
+                  </p:par>
+                  <p:par>
+                    <p:cTn id="15" fill="hold">
+                      <p:stCondLst>
+                        <p:cond delay="indefinite"/>
+                      </p:stCondLst>
+                      <p:childTnLst>
+                        <p:par>
+                          <p:cTn id="16" fill="hold">
+                            <p:stCondLst>
+                              <p:cond delay="0"/>
+                            </p:stCondLst>
+                            <p:childTnLst>
+                              <p:par>
+                                <p:cTn id="17" presetID="1" presetClass="entr" presetSubtype="0" fill="hold" grpId="0" nodeType="clickEffect">
+                                  <p:stCondLst>
+                                    <p:cond delay="0"/>
+                                  </p:stCondLst>
+                                  <p:childTnLst>
+                                    <p:set>
+                                      <p:cBhvr>
+                                        <p:cTn id="18" dur="1" fill="hold">
+                                          <p:stCondLst>
+                                            <p:cond delay="0"/>
+                                          </p:stCondLst>
+                                        </p:cTn>
+                                        <p:tgtEl>
+                                          <p:spTgt spid="5"/>
+                                        </p:tgtEl>
+                                        <p:attrNameLst>
+                                          <p:attrName>style.visibility</p:attrName>
+                                        </p:attrNameLst>
+                                      </p:cBhvr>
+                                      <p:to>
+                                        <p:strVal val="visible"/>
+                                      </p:to>
+                                    </p:set>
+                                  </p:childTnLst>
+                                </p:cTn>
+                              </p:par>
+                            </p:childTnLst>
+                          </p:cTn>
+                        </p:par>
+                      </p:childTnLst>
+                    </p:cTn>
+                  </p:par>
+                  <p:par>
+                    <p:cTn id="19" fill="hold">
+                      <p:stCondLst>
+                        <p:cond delay="indefinite"/>
+                      </p:stCondLst>
+                      <p:childTnLst>
+                        <p:par>
+                          <p:cTn id="20" fill="hold">
+                            <p:stCondLst>
+                              <p:cond delay="0"/>
+                            </p:stCondLst>
+                            <p:childTnLst>
+                              <p:par>
+                                <p:cTn id="21" presetID="1" presetClass="entr" presetSubtype="0" fill="hold" nodeType="clickEffect">
+                                  <p:stCondLst>
+                                    <p:cond delay="0"/>
+                                  </p:stCondLst>
+                                  <p:childTnLst>
+                                    <p:set>
+                                      <p:cBhvr>
+                                        <p:cTn id="22" dur="1" fill="hold">
+                                          <p:stCondLst>
+                                            <p:cond delay="0"/>
+                                          </p:stCondLst>
+                                        </p:cTn>
+                                        <p:tgtEl>
+                                          <p:spTgt spid="6">
+                                            <p:txEl>
+                                              <p:pRg st="2" end="2"/>
+                                            </p:txEl>
+                                          </p:spTgt>
+                                        </p:tgtEl>
+                                        <p:attrNameLst>
+                                          <p:attrName>style.visibility</p:attrName>
+                                        </p:attrNameLst>
+                                      </p:cBhvr>
+                                      <p:to>
+                                        <p:strVal val="visible"/>
+                                      </p:to>
+                                    </p:set>
+                                  </p:childTnLst>
+                                </p:cTn>
+                              </p:par>
+                            </p:childTnLst>
+                          </p:cTn>
+                        </p:par>
+                      </p:childTnLst>
+                    </p:cTn>
+                  </p:par>
+                </p:childTnLst>
+              </p:cTn>
+              <p:prevCondLst>
+                <p:cond evt="onPrev" delay="0">
+                  <p:tgtEl>
+                    <p:sldTgt/>
+                  </p:tgtEl>
+                </p:cond>
+              </p:prevCondLst>
+              <p:nextCondLst>
+                <p:cond evt="onNext" delay="0">
+                  <p:tgtEl>
+                    <p:sldTgt/>
+                  </p:tgtEl>
+                </p:cond>
+              </p:nextCondLst>
+            </p:seq>
+          </p:childTnLst>
+        </p:cTn>
+      </p:par>
+    </p:tnLst>
+    <p:bldLst>
+      <p:bldP spid="2" grpId="0"/>
+      <p:bldP spid="5" grpId="0"/>
+    </p:bldLst>
+  </p:timing>
 </p:sld>
 </file>
 
@@ -16309,6 +19761,15 @@
 </file>
 
 <file path=ppt/tags/tag101.xml><?xml version="1.0" encoding="utf-8"?>
+<p:tagLst xmlns:a="http://schemas.openxmlformats.org/drawingml/2006/main" xmlns:r="http://schemas.openxmlformats.org/officeDocument/2006/relationships" xmlns:p="http://schemas.openxmlformats.org/presentationml/2006/main">
+  <p:tag name="KSO_WM_BEAUTIFY_FLAG" val="#wm#"/>
+  <p:tag name="KSO_WM_TEMPLATE_CATEGORY" val="custom"/>
+  <p:tag name="KSO_WM_TEMPLATE_INDEX" val="20187308"/>
+  <p:tag name="KSO_WM_SPECIAL_SOURCE" val="bdnull"/>
+</p:tagLst>
+</file>
+
+<file path=ppt/tags/tag102.xml><?xml version="1.0" encoding="utf-8"?>
 <p:tagLst xmlns:a="http://schemas.openxmlformats.org/drawingml/2006/main" xmlns:r="http://schemas.openxmlformats.org/officeDocument/2006/relationships" xmlns:p="http://schemas.openxmlformats.org/presentationml/2006/main">
   <p:tag name="KSO_WM_BEAUTIFY_FLAG" val="#wm#"/>
   <p:tag name="KSO_WM_TEMPLATE_CATEGORY" val="custom"/>

--- a/lessons/10_conv_layer_backward/ppt/卷积层的后向传播推导.pptx
+++ b/lessons/10_conv_layer_backward/ppt/卷积层的后向传播推导.pptx
@@ -5,10 +5,10 @@
     <p:sldMasterId id="2147483648" r:id="rId1"/>
   </p:sldMasterIdLst>
   <p:notesMasterIdLst>
-    <p:notesMasterId r:id="rId35"/>
+    <p:notesMasterId r:id="rId36"/>
   </p:notesMasterIdLst>
   <p:handoutMasterIdLst>
-    <p:handoutMasterId r:id="rId36"/>
+    <p:handoutMasterId r:id="rId37"/>
   </p:handoutMasterIdLst>
   <p:sldIdLst>
     <p:sldId id="307" r:id="rId2"/>
@@ -29,26 +29,27 @@
     <p:sldId id="1146" r:id="rId17"/>
     <p:sldId id="1147" r:id="rId18"/>
     <p:sldId id="1144" r:id="rId19"/>
-    <p:sldId id="1135" r:id="rId20"/>
-    <p:sldId id="1128" r:id="rId21"/>
-    <p:sldId id="1140" r:id="rId22"/>
-    <p:sldId id="1141" r:id="rId23"/>
-    <p:sldId id="1142" r:id="rId24"/>
-    <p:sldId id="1143" r:id="rId25"/>
-    <p:sldId id="1145" r:id="rId26"/>
-    <p:sldId id="537" r:id="rId27"/>
-    <p:sldId id="536" r:id="rId28"/>
-    <p:sldId id="1014" r:id="rId29"/>
-    <p:sldId id="1148" r:id="rId30"/>
-    <p:sldId id="1013" r:id="rId31"/>
-    <p:sldId id="997" r:id="rId32"/>
-    <p:sldId id="998" r:id="rId33"/>
-    <p:sldId id="653" r:id="rId34"/>
+    <p:sldId id="1091" r:id="rId20"/>
+    <p:sldId id="1135" r:id="rId21"/>
+    <p:sldId id="1128" r:id="rId22"/>
+    <p:sldId id="1140" r:id="rId23"/>
+    <p:sldId id="1141" r:id="rId24"/>
+    <p:sldId id="1142" r:id="rId25"/>
+    <p:sldId id="1143" r:id="rId26"/>
+    <p:sldId id="1145" r:id="rId27"/>
+    <p:sldId id="537" r:id="rId28"/>
+    <p:sldId id="536" r:id="rId29"/>
+    <p:sldId id="1014" r:id="rId30"/>
+    <p:sldId id="1148" r:id="rId31"/>
+    <p:sldId id="1013" r:id="rId32"/>
+    <p:sldId id="997" r:id="rId33"/>
+    <p:sldId id="998" r:id="rId34"/>
+    <p:sldId id="653" r:id="rId35"/>
   </p:sldIdLst>
   <p:sldSz cx="12192000" cy="6858000"/>
   <p:notesSz cx="6858000" cy="9144000"/>
   <p:custDataLst>
-    <p:tags r:id="rId37"/>
+    <p:tags r:id="rId38"/>
   </p:custDataLst>
   <p:defaultTextStyle>
     <a:defPPr>
@@ -241,7 +242,7 @@
                 <a:latin typeface="微软雅黑" panose="020B0503020204020204" charset="-122"/>
                 <a:ea typeface="微软雅黑" panose="020B0503020204020204" charset="-122"/>
               </a:rPr>
-              <a:t>2022/12/25</a:t>
+              <a:t>2022/12/26</a:t>
             </a:fld>
             <a:endParaRPr lang="zh-CN" altLang="en-US">
               <a:latin typeface="微软雅黑" panose="020B0503020204020204" charset="-122"/>
@@ -424,7 +425,7 @@
           <a:p>
             <a:fld id="{1AC49D05-6128-4D0D-A32A-06A5E73B386C}" type="datetimeFigureOut">
               <a:rPr lang="zh-CN" altLang="en-US" smtClean="0"/>
-              <a:t>2022/12/25</a:t>
+              <a:t>2022/12/26</a:t>
             </a:fld>
             <a:endParaRPr lang="zh-CN" altLang="en-US"/>
           </a:p>
@@ -1086,7 +1087,7 @@
           <a:p>
             <a:fld id="{9EFD9D74-47D9-4702-A33C-335B63B48DBF}" type="datetimeFigureOut">
               <a:rPr lang="zh-CN" altLang="en-US" smtClean="0"/>
-              <a:t>2022/12/25</a:t>
+              <a:t>2022/12/26</a:t>
             </a:fld>
             <a:endParaRPr lang="zh-CN" altLang="en-US" dirty="0"/>
           </a:p>
@@ -1419,7 +1420,7 @@
           <a:p>
             <a:fld id="{760FBDFE-C587-4B4C-A407-44438C67B59E}" type="datetimeFigureOut">
               <a:rPr lang="zh-CN" altLang="en-US" smtClean="0"/>
-              <a:t>2022/12/25</a:t>
+              <a:t>2022/12/26</a:t>
             </a:fld>
             <a:endParaRPr lang="zh-CN" altLang="en-US"/>
           </a:p>
@@ -1592,7 +1593,7 @@
           <a:p>
             <a:fld id="{9EFD9D74-47D9-4702-A33C-335B63B48DBF}" type="datetimeFigureOut">
               <a:rPr lang="zh-CN" altLang="en-US" smtClean="0"/>
-              <a:t>2022/12/25</a:t>
+              <a:t>2022/12/26</a:t>
             </a:fld>
             <a:endParaRPr lang="zh-CN" altLang="en-US" dirty="0"/>
           </a:p>
@@ -2117,7 +2118,7 @@
           <a:p>
             <a:fld id="{760FBDFE-C587-4B4C-A407-44438C67B59E}" type="datetimeFigureOut">
               <a:rPr lang="zh-CN" altLang="en-US" smtClean="0"/>
-              <a:t>2022/12/25</a:t>
+              <a:t>2022/12/26</a:t>
             </a:fld>
             <a:endParaRPr lang="zh-CN" altLang="en-US"/>
           </a:p>
@@ -2865,7 +2866,7 @@
           <a:p>
             <a:fld id="{760FBDFE-C587-4B4C-A407-44438C67B59E}" type="datetimeFigureOut">
               <a:rPr lang="zh-CN" altLang="en-US" smtClean="0"/>
-              <a:t>2022/12/25</a:t>
+              <a:t>2022/12/26</a:t>
             </a:fld>
             <a:endParaRPr lang="zh-CN" altLang="en-US"/>
           </a:p>
@@ -3031,7 +3032,7 @@
           <a:p>
             <a:fld id="{760FBDFE-C587-4B4C-A407-44438C67B59E}" type="datetimeFigureOut">
               <a:rPr lang="zh-CN" altLang="en-US" smtClean="0"/>
-              <a:t>2022/12/25</a:t>
+              <a:t>2022/12/26</a:t>
             </a:fld>
             <a:endParaRPr lang="zh-CN" altLang="en-US"/>
           </a:p>
@@ -3145,7 +3146,7 @@
           <a:p>
             <a:fld id="{760FBDFE-C587-4B4C-A407-44438C67B59E}" type="datetimeFigureOut">
               <a:rPr lang="zh-CN" altLang="en-US" smtClean="0"/>
-              <a:t>2022/12/25</a:t>
+              <a:t>2022/12/26</a:t>
             </a:fld>
             <a:endParaRPr lang="zh-CN" altLang="en-US"/>
           </a:p>
@@ -3475,7 +3476,7 @@
           <a:p>
             <a:fld id="{9EFD9D74-47D9-4702-A33C-335B63B48DBF}" type="datetimeFigureOut">
               <a:rPr lang="zh-CN" altLang="en-US" smtClean="0"/>
-              <a:t>2022/12/25</a:t>
+              <a:t>2022/12/26</a:t>
             </a:fld>
             <a:endParaRPr lang="zh-CN" altLang="en-US" dirty="0"/>
           </a:p>
@@ -3988,7 +3989,7 @@
           <a:p>
             <a:fld id="{760FBDFE-C587-4B4C-A407-44438C67B59E}" type="datetimeFigureOut">
               <a:rPr lang="zh-CN" altLang="en-US" smtClean="0"/>
-              <a:t>2022/12/25</a:t>
+              <a:t>2022/12/26</a:t>
             </a:fld>
             <a:endParaRPr lang="zh-CN" altLang="en-US"/>
           </a:p>
@@ -4102,7 +4103,7 @@
           <a:p>
             <a:fld id="{760FBDFE-C587-4B4C-A407-44438C67B59E}" type="datetimeFigureOut">
               <a:rPr lang="zh-CN" altLang="en-US" smtClean="0"/>
-              <a:t>2022/12/25</a:t>
+              <a:t>2022/12/26</a:t>
             </a:fld>
             <a:endParaRPr lang="zh-CN" altLang="en-US"/>
           </a:p>
@@ -4390,7 +4391,7 @@
           <a:p>
             <a:fld id="{82F288E0-7875-42C4-84C8-98DBBD3BF4D2}" type="datetimeFigureOut">
               <a:rPr lang="zh-CN" altLang="en-US" smtClean="0"/>
-              <a:t>2022/12/25</a:t>
+              <a:t>2022/12/26</a:t>
             </a:fld>
             <a:endParaRPr lang="zh-CN" altLang="en-US"/>
           </a:p>
@@ -4849,7 +4850,7 @@
           <a:p>
             <a:fld id="{760FBDFE-C587-4B4C-A407-44438C67B59E}" type="datetimeFigureOut">
               <a:rPr lang="zh-CN" altLang="en-US" smtClean="0"/>
-              <a:t>2022/12/25</a:t>
+              <a:t>2022/12/26</a:t>
             </a:fld>
             <a:endParaRPr lang="zh-CN" altLang="en-US"/>
           </a:p>
@@ -5518,7 +5519,7 @@
           <a:p>
             <a:fld id="{9EFD9D74-47D9-4702-A33C-335B63B48DBF}" type="datetimeFigureOut">
               <a:rPr lang="zh-CN" altLang="en-US" smtClean="0"/>
-              <a:t>2022/12/25</a:t>
+              <a:t>2022/12/26</a:t>
             </a:fld>
             <a:endParaRPr lang="zh-CN" altLang="en-US" dirty="0"/>
           </a:p>
@@ -5666,7 +5667,7 @@
           <a:p>
             <a:fld id="{9EFD9D74-47D9-4702-A33C-335B63B48DBF}" type="datetimeFigureOut">
               <a:rPr lang="zh-CN" altLang="en-US" smtClean="0"/>
-              <a:t>2022/12/25</a:t>
+              <a:t>2022/12/26</a:t>
             </a:fld>
             <a:endParaRPr lang="zh-CN" altLang="en-US" dirty="0"/>
           </a:p>
@@ -13901,7 +13902,7 @@
       </p:grpSpPr>
       <p:sp>
         <p:nvSpPr>
-          <p:cNvPr id="2" name="标题 1"/>
+          <p:cNvPr id="3" name="标题 2"/>
           <p:cNvSpPr>
             <a:spLocks noGrp="1"/>
           </p:cNvSpPr>
@@ -13915,39 +13916,335 @@
           <a:lstStyle/>
           <a:p>
             <a:r>
+              <a:rPr lang="zh-CN" altLang="en-US" dirty="0">
+                <a:sym typeface="+mn-ea"/>
+              </a:rPr>
+              <a:t>任务：实现</a:t>
+            </a:r>
+            <a:r>
               <a:rPr lang="zh-CN" altLang="en-US" dirty="0"/>
-              <a:t>主问题：</a:t>
-            </a:r>
-            <a:br>
-              <a:rPr lang="en-US" altLang="zh-CN" dirty="0"/>
-            </a:br>
+              <a:t>反向计算误差项</a:t>
+            </a:r>
+            <a:endParaRPr dirty="0">
+              <a:sym typeface="+mn-ea"/>
+            </a:endParaRPr>
+          </a:p>
+        </p:txBody>
+      </p:sp>
+      <p:sp>
+        <p:nvSpPr>
+          <p:cNvPr id="6" name="文本占位符 1">
+            <a:extLst>
+              <a:ext uri="{FF2B5EF4-FFF2-40B4-BE49-F238E27FC236}">
+                <a16:creationId xmlns:a16="http://schemas.microsoft.com/office/drawing/2014/main" id="{BA88068A-4FDC-6963-46A5-ADEC46CDA15E}"/>
+              </a:ext>
+            </a:extLst>
+          </p:cNvPr>
+          <p:cNvSpPr txBox="1">
+            <a:spLocks/>
+          </p:cNvSpPr>
+          <p:nvPr/>
+        </p:nvSpPr>
+        <p:spPr>
+          <a:xfrm>
+            <a:off x="822325" y="1778635"/>
+            <a:ext cx="10852150" cy="4553585"/>
+          </a:xfrm>
+        </p:spPr>
+        <p:txBody>
+          <a:bodyPr lIns="101600" tIns="38100" rIns="76200" bIns="38100">
+            <a:noAutofit/>
+          </a:bodyPr>
+          <a:lstStyle>
+            <a:lvl1pPr marL="0" indent="0" algn="l" defTabSz="914400" rtl="0" eaLnBrk="1" fontAlgn="auto" latinLnBrk="0" hangingPunct="1">
+              <a:lnSpc>
+                <a:spcPct val="130000"/>
+              </a:lnSpc>
+              <a:spcBef>
+                <a:spcPts val="0"/>
+              </a:spcBef>
+              <a:spcAft>
+                <a:spcPts val="1000"/>
+              </a:spcAft>
+              <a:buFont typeface="Arial" panose="020B0604020202020204" pitchFamily="34" charset="0"/>
+              <a:buNone/>
+              <a:defRPr kumimoji="0" lang="zh-CN" altLang="en-US" sz="1600" b="0" i="0" u="none" strike="noStrike" kern="1200" cap="none" spc="150" normalizeH="0" baseline="0" noProof="1">
+                <a:solidFill>
+                  <a:schemeClr val="tx1"/>
+                </a:solidFill>
+                <a:uFillTx/>
+                <a:latin typeface="+mn-lt"/>
+                <a:ea typeface="+mn-ea"/>
+                <a:cs typeface="+mn-cs"/>
+                <a:sym typeface="+mn-ea"/>
+              </a:defRPr>
+            </a:lvl1pPr>
+            <a:lvl2pPr marL="457200" indent="0" algn="l" defTabSz="914400" rtl="0" eaLnBrk="1" fontAlgn="auto" latinLnBrk="0" hangingPunct="1">
+              <a:lnSpc>
+                <a:spcPct val="130000"/>
+              </a:lnSpc>
+              <a:spcBef>
+                <a:spcPts val="0"/>
+              </a:spcBef>
+              <a:spcAft>
+                <a:spcPts val="1000"/>
+              </a:spcAft>
+              <a:buFont typeface="Arial" panose="020B0604020202020204" pitchFamily="34" charset="0"/>
+              <a:buNone/>
+              <a:tabLst>
+                <a:tab pos="1609725" algn="l"/>
+              </a:tabLst>
+              <a:defRPr sz="2000" u="none" strike="noStrike" kern="1200" cap="none" spc="150" normalizeH="0" baseline="0">
+                <a:solidFill>
+                  <a:schemeClr val="tx1">
+                    <a:tint val="75000"/>
+                  </a:schemeClr>
+                </a:solidFill>
+                <a:uFillTx/>
+                <a:latin typeface="+mn-lt"/>
+                <a:ea typeface="+mn-ea"/>
+                <a:cs typeface="+mn-cs"/>
+              </a:defRPr>
+            </a:lvl2pPr>
+            <a:lvl3pPr marL="914400" indent="0" algn="l" defTabSz="914400" rtl="0" eaLnBrk="1" fontAlgn="auto" latinLnBrk="0" hangingPunct="1">
+              <a:lnSpc>
+                <a:spcPct val="130000"/>
+              </a:lnSpc>
+              <a:spcBef>
+                <a:spcPts val="0"/>
+              </a:spcBef>
+              <a:spcAft>
+                <a:spcPts val="1000"/>
+              </a:spcAft>
+              <a:buFont typeface="Arial" panose="020B0604020202020204" pitchFamily="34" charset="0"/>
+              <a:buNone/>
+              <a:defRPr sz="1800" u="none" strike="noStrike" kern="1200" cap="none" spc="150" normalizeH="0" baseline="0">
+                <a:solidFill>
+                  <a:schemeClr val="tx1">
+                    <a:tint val="75000"/>
+                  </a:schemeClr>
+                </a:solidFill>
+                <a:uFillTx/>
+                <a:latin typeface="+mn-lt"/>
+                <a:ea typeface="+mn-ea"/>
+                <a:cs typeface="+mn-cs"/>
+              </a:defRPr>
+            </a:lvl3pPr>
+            <a:lvl4pPr marL="1371600" indent="0" algn="l" defTabSz="914400" rtl="0" eaLnBrk="1" fontAlgn="auto" latinLnBrk="0" hangingPunct="1">
+              <a:lnSpc>
+                <a:spcPct val="130000"/>
+              </a:lnSpc>
+              <a:spcBef>
+                <a:spcPts val="0"/>
+              </a:spcBef>
+              <a:spcAft>
+                <a:spcPts val="1000"/>
+              </a:spcAft>
+              <a:buFont typeface="Arial" panose="020B0604020202020204" pitchFamily="34" charset="0"/>
+              <a:buNone/>
+              <a:defRPr sz="1600" u="none" strike="noStrike" kern="1200" cap="none" spc="150" normalizeH="0" baseline="0">
+                <a:solidFill>
+                  <a:schemeClr val="tx1">
+                    <a:tint val="75000"/>
+                  </a:schemeClr>
+                </a:solidFill>
+                <a:uFillTx/>
+                <a:latin typeface="+mn-lt"/>
+                <a:ea typeface="+mn-ea"/>
+                <a:cs typeface="+mn-cs"/>
+              </a:defRPr>
+            </a:lvl4pPr>
+            <a:lvl5pPr marL="1828800" indent="0" algn="l" defTabSz="914400" rtl="0" eaLnBrk="1" fontAlgn="auto" latinLnBrk="0" hangingPunct="1">
+              <a:lnSpc>
+                <a:spcPct val="130000"/>
+              </a:lnSpc>
+              <a:spcBef>
+                <a:spcPts val="0"/>
+              </a:spcBef>
+              <a:spcAft>
+                <a:spcPts val="1000"/>
+              </a:spcAft>
+              <a:buFont typeface="Arial" panose="020B0604020202020204" pitchFamily="34" charset="0"/>
+              <a:buNone/>
+              <a:defRPr sz="1600" u="none" strike="noStrike" kern="1200" cap="none" spc="150" normalizeH="0" baseline="0">
+                <a:solidFill>
+                  <a:schemeClr val="tx1">
+                    <a:tint val="75000"/>
+                  </a:schemeClr>
+                </a:solidFill>
+                <a:uFillTx/>
+                <a:latin typeface="+mn-lt"/>
+                <a:ea typeface="+mn-ea"/>
+                <a:cs typeface="+mn-cs"/>
+              </a:defRPr>
+            </a:lvl5pPr>
+            <a:lvl6pPr marL="2286000" indent="0" algn="l" defTabSz="914400" rtl="0" eaLnBrk="1" latinLnBrk="0" hangingPunct="1">
+              <a:lnSpc>
+                <a:spcPct val="90000"/>
+              </a:lnSpc>
+              <a:spcBef>
+                <a:spcPts val="500"/>
+              </a:spcBef>
+              <a:buFont typeface="Arial" panose="020B0604020202020204" pitchFamily="34" charset="0"/>
+              <a:buNone/>
+              <a:defRPr sz="1600" kern="1200">
+                <a:solidFill>
+                  <a:schemeClr val="tx1">
+                    <a:tint val="75000"/>
+                  </a:schemeClr>
+                </a:solidFill>
+                <a:latin typeface="+mn-lt"/>
+                <a:ea typeface="+mn-ea"/>
+                <a:cs typeface="+mn-cs"/>
+              </a:defRPr>
+            </a:lvl6pPr>
+            <a:lvl7pPr marL="2743200" indent="0" algn="l" defTabSz="914400" rtl="0" eaLnBrk="1" latinLnBrk="0" hangingPunct="1">
+              <a:lnSpc>
+                <a:spcPct val="90000"/>
+              </a:lnSpc>
+              <a:spcBef>
+                <a:spcPts val="500"/>
+              </a:spcBef>
+              <a:buFont typeface="Arial" panose="020B0604020202020204" pitchFamily="34" charset="0"/>
+              <a:buNone/>
+              <a:defRPr sz="1600" kern="1200">
+                <a:solidFill>
+                  <a:schemeClr val="tx1">
+                    <a:tint val="75000"/>
+                  </a:schemeClr>
+                </a:solidFill>
+                <a:latin typeface="+mn-lt"/>
+                <a:ea typeface="+mn-ea"/>
+                <a:cs typeface="+mn-cs"/>
+              </a:defRPr>
+            </a:lvl7pPr>
+            <a:lvl8pPr marL="3200400" indent="0" algn="l" defTabSz="914400" rtl="0" eaLnBrk="1" latinLnBrk="0" hangingPunct="1">
+              <a:lnSpc>
+                <a:spcPct val="90000"/>
+              </a:lnSpc>
+              <a:spcBef>
+                <a:spcPts val="500"/>
+              </a:spcBef>
+              <a:buFont typeface="Arial" panose="020B0604020202020204" pitchFamily="34" charset="0"/>
+              <a:buNone/>
+              <a:defRPr sz="1600" kern="1200">
+                <a:solidFill>
+                  <a:schemeClr val="tx1">
+                    <a:tint val="75000"/>
+                  </a:schemeClr>
+                </a:solidFill>
+                <a:latin typeface="+mn-lt"/>
+                <a:ea typeface="+mn-ea"/>
+                <a:cs typeface="+mn-cs"/>
+              </a:defRPr>
+            </a:lvl8pPr>
+            <a:lvl9pPr marL="3657600" indent="0" algn="l" defTabSz="914400" rtl="0" eaLnBrk="1" latinLnBrk="0" hangingPunct="1">
+              <a:lnSpc>
+                <a:spcPct val="90000"/>
+              </a:lnSpc>
+              <a:spcBef>
+                <a:spcPts val="500"/>
+              </a:spcBef>
+              <a:buFont typeface="Arial" panose="020B0604020202020204" pitchFamily="34" charset="0"/>
+              <a:buNone/>
+              <a:defRPr sz="1600" kern="1200">
+                <a:solidFill>
+                  <a:schemeClr val="tx1">
+                    <a:tint val="75000"/>
+                  </a:schemeClr>
+                </a:solidFill>
+                <a:latin typeface="+mn-lt"/>
+                <a:ea typeface="+mn-ea"/>
+                <a:cs typeface="+mn-cs"/>
+              </a:defRPr>
+            </a:lvl9pPr>
+          </a:lstStyle>
+          <a:p>
+            <a:pPr marL="285750" indent="-285750">
+              <a:buFont typeface="Arial" panose="020B0604020202020204" pitchFamily="34" charset="0"/>
+              <a:buChar char="•"/>
+            </a:pPr>
             <a:r>
               <a:rPr lang="zh-CN" altLang="en-US" dirty="0"/>
-              <a:t>如何计算</a:t>
-            </a:r>
-            <a:r>
-              <a:rPr kumimoji="1" lang="en-US" altLang="zh-CN" dirty="0">
-                <a:solidFill>
-                  <a:srgbClr val="333333"/>
-                </a:solidFill>
-                <a:latin typeface="verdana" panose="020B0604030504040204" pitchFamily="34" charset="0"/>
-              </a:rPr>
-              <a:t>Filter</a:t>
-            </a:r>
-            <a:r>
-              <a:rPr kumimoji="1" lang="zh-CN" altLang="en-US" dirty="0">
-                <a:solidFill>
-                  <a:srgbClr val="333333"/>
-                </a:solidFill>
-                <a:latin typeface="verdana" panose="020B0604030504040204" pitchFamily="34" charset="0"/>
-              </a:rPr>
-              <a:t>每个权重值的梯度</a:t>
-            </a:r>
+              <a:t>请实现反向计算误差项？</a:t>
+            </a:r>
+            <a:endParaRPr lang="en-US" altLang="zh-CN" dirty="0"/>
+          </a:p>
+          <a:p>
+            <a:endParaRPr lang="en-US" altLang="zh-CN" dirty="0"/>
+          </a:p>
+          <a:p>
+            <a:pPr marL="285750" indent="-285750">
+              <a:buFont typeface="Arial" panose="020B0604020202020204" pitchFamily="34" charset="0"/>
+              <a:buChar char="•"/>
+            </a:pPr>
             <a:r>
               <a:rPr lang="zh-CN" altLang="en-US" dirty="0"/>
-              <a:t>？</a:t>
-            </a:r>
+              <a:t>自学、展学</a:t>
+            </a:r>
+          </a:p>
+          <a:p>
+            <a:pPr marL="285750" indent="-285750">
+              <a:buFont typeface="Arial" panose="020B0604020202020204" pitchFamily="34" charset="0"/>
+              <a:buChar char="•"/>
+            </a:pPr>
+            <a:endParaRPr lang="zh-CN" altLang="en-US" dirty="0"/>
+          </a:p>
+          <a:p>
+            <a:pPr marL="285750" indent="-285750">
+              <a:buFont typeface="Arial" panose="020B0604020202020204" pitchFamily="34" charset="0"/>
+              <a:buChar char="•"/>
+            </a:pPr>
             <a:endParaRPr lang="en-US" altLang="zh-CN" dirty="0"/>
+          </a:p>
+          <a:p>
+            <a:pPr marL="285750" indent="-285750">
+              <a:buFont typeface="Arial" panose="020B0604020202020204" pitchFamily="34" charset="0"/>
+              <a:buChar char="•"/>
+            </a:pPr>
+            <a:endParaRPr lang="zh-CN" altLang="en-US" dirty="0"/>
+          </a:p>
+          <a:p>
+            <a:pPr marL="285750" indent="-285750">
+              <a:buFont typeface="Arial" panose="020B0604020202020204" pitchFamily="34" charset="0"/>
+              <a:buChar char="•"/>
+            </a:pPr>
+            <a:endParaRPr lang="zh-CN" altLang="en-US" dirty="0"/>
+          </a:p>
+          <a:p>
+            <a:pPr marL="285750" indent="-285750">
+              <a:buFont typeface="Arial" panose="020B0604020202020204" pitchFamily="34" charset="0"/>
+              <a:buChar char="•"/>
+            </a:pPr>
+            <a:endParaRPr lang="zh-CN" altLang="en-US" dirty="0"/>
+          </a:p>
+          <a:p>
+            <a:pPr marL="285750" indent="-285750">
+              <a:buFont typeface="Arial" panose="020B0604020202020204" pitchFamily="34" charset="0"/>
+              <a:buChar char="•"/>
+            </a:pPr>
+            <a:endParaRPr lang="zh-CN" altLang="en-US" dirty="0"/>
+          </a:p>
+          <a:p>
+            <a:pPr marL="285750" indent="-285750">
+              <a:buFont typeface="Arial" panose="020B0604020202020204" pitchFamily="34" charset="0"/>
+              <a:buChar char="•"/>
+            </a:pPr>
+            <a:endParaRPr lang="zh-CN" altLang="en-US" dirty="0"/>
+          </a:p>
+          <a:p>
+            <a:pPr marL="285750" indent="-285750">
+              <a:buFont typeface="Arial" panose="020B0604020202020204" pitchFamily="34" charset="0"/>
+              <a:buChar char="•"/>
+            </a:pPr>
+            <a:endParaRPr lang="zh-CN" altLang="en-US" dirty="0"/>
+          </a:p>
+          <a:p>
+            <a:pPr marL="285750" indent="-285750">
+              <a:buFont typeface="Arial" panose="020B0604020202020204" pitchFamily="34" charset="0"/>
+              <a:buChar char="•"/>
+            </a:pPr>
+            <a:endParaRPr lang="zh-CN" altLang="en-US" dirty="0"/>
           </a:p>
         </p:txBody>
       </p:sp>
@@ -13957,13 +14254,92 @@
     </p:custDataLst>
     <p:extLst>
       <p:ext uri="{BB962C8B-B14F-4D97-AF65-F5344CB8AC3E}">
-        <p14:creationId xmlns:p14="http://schemas.microsoft.com/office/powerpoint/2010/main" val="2387605444"/>
+        <p14:creationId xmlns:p14="http://schemas.microsoft.com/office/powerpoint/2010/main" val="3751838865"/>
       </p:ext>
     </p:extLst>
   </p:cSld>
   <p:clrMapOvr>
     <a:masterClrMapping/>
   </p:clrMapOvr>
+  <p:timing>
+    <p:tnLst>
+      <p:par>
+        <p:cTn id="1" dur="indefinite" restart="never" nodeType="tmRoot">
+          <p:childTnLst>
+            <p:seq concurrent="1" nextAc="seek">
+              <p:cTn id="2" dur="indefinite" nodeType="mainSeq">
+                <p:childTnLst>
+                  <p:par>
+                    <p:cTn id="3" fill="hold">
+                      <p:stCondLst>
+                        <p:cond delay="indefinite"/>
+                      </p:stCondLst>
+                      <p:childTnLst>
+                        <p:par>
+                          <p:cTn id="4" fill="hold">
+                            <p:stCondLst>
+                              <p:cond delay="0"/>
+                            </p:stCondLst>
+                            <p:childTnLst>
+                              <p:par>
+                                <p:cTn id="5" presetID="1" presetClass="entr" presetSubtype="0" fill="hold" nodeType="clickEffect">
+                                  <p:stCondLst>
+                                    <p:cond delay="0"/>
+                                  </p:stCondLst>
+                                  <p:childTnLst>
+                                    <p:set>
+                                      <p:cBhvr>
+                                        <p:cTn id="6" dur="1" fill="hold">
+                                          <p:stCondLst>
+                                            <p:cond delay="0"/>
+                                          </p:stCondLst>
+                                        </p:cTn>
+                                        <p:tgtEl>
+                                          <p:spTgt spid="6">
+                                            <p:txEl>
+                                              <p:pRg st="0" end="0"/>
+                                            </p:txEl>
+                                          </p:spTgt>
+                                        </p:tgtEl>
+                                        <p:attrNameLst>
+                                          <p:attrName>style.visibility</p:attrName>
+                                        </p:attrNameLst>
+                                      </p:cBhvr>
+                                      <p:to>
+                                        <p:strVal val="visible"/>
+                                      </p:to>
+                                    </p:set>
+                                  </p:childTnLst>
+                                </p:cTn>
+                              </p:par>
+                            </p:childTnLst>
+                          </p:cTn>
+                        </p:par>
+                      </p:childTnLst>
+                    </p:cTn>
+                  </p:par>
+                </p:childTnLst>
+              </p:cTn>
+              <p:prevCondLst>
+                <p:cond evt="onPrev" delay="0">
+                  <p:tgtEl>
+                    <p:sldTgt/>
+                  </p:tgtEl>
+                </p:cond>
+              </p:prevCondLst>
+              <p:nextCondLst>
+                <p:cond evt="onNext" delay="0">
+                  <p:tgtEl>
+                    <p:sldTgt/>
+                  </p:tgtEl>
+                </p:cond>
+              </p:nextCondLst>
+            </p:seq>
+          </p:childTnLst>
+        </p:cTn>
+      </p:par>
+    </p:tnLst>
+  </p:timing>
 </p:sld>
 </file>
 
@@ -14052,7 +14428,7 @@
       </p:grpSpPr>
       <p:sp>
         <p:nvSpPr>
-          <p:cNvPr id="3" name="标题 2"/>
+          <p:cNvPr id="2" name="标题 1"/>
           <p:cNvSpPr>
             <a:spLocks noGrp="1"/>
           </p:cNvSpPr>
@@ -14067,7 +14443,14 @@
           <a:p>
             <a:r>
               <a:rPr lang="zh-CN" altLang="en-US" dirty="0"/>
-              <a:t>主问题：如何计算</a:t>
+              <a:t>主问题：</a:t>
+            </a:r>
+            <a:br>
+              <a:rPr lang="en-US" altLang="zh-CN" dirty="0"/>
+            </a:br>
+            <a:r>
+              <a:rPr lang="zh-CN" altLang="en-US" dirty="0"/>
+              <a:t>如何计算</a:t>
             </a:r>
             <a:r>
               <a:rPr kumimoji="1" lang="en-US" altLang="zh-CN" dirty="0">
@@ -14091,329 +14474,7 @@
               <a:rPr lang="zh-CN" altLang="en-US" dirty="0"/>
               <a:t>？</a:t>
             </a:r>
-            <a:endParaRPr dirty="0">
-              <a:sym typeface="+mn-ea"/>
-            </a:endParaRPr>
-          </a:p>
-        </p:txBody>
-      </p:sp>
-      <p:sp>
-        <p:nvSpPr>
-          <p:cNvPr id="6" name="文本占位符 1">
-            <a:extLst>
-              <a:ext uri="{FF2B5EF4-FFF2-40B4-BE49-F238E27FC236}">
-                <a16:creationId xmlns:a16="http://schemas.microsoft.com/office/drawing/2014/main" id="{BA88068A-4FDC-6963-46A5-ADEC46CDA15E}"/>
-              </a:ext>
-            </a:extLst>
-          </p:cNvPr>
-          <p:cNvSpPr txBox="1">
-            <a:spLocks/>
-          </p:cNvSpPr>
-          <p:nvPr/>
-        </p:nvSpPr>
-        <p:spPr>
-          <a:xfrm>
-            <a:off x="822325" y="1778635"/>
-            <a:ext cx="10852150" cy="4553585"/>
-          </a:xfrm>
-        </p:spPr>
-        <p:txBody>
-          <a:bodyPr lIns="101600" tIns="38100" rIns="76200" bIns="38100">
-            <a:noAutofit/>
-          </a:bodyPr>
-          <a:lstStyle>
-            <a:lvl1pPr marL="0" indent="0" algn="l" defTabSz="914400" rtl="0" eaLnBrk="1" fontAlgn="auto" latinLnBrk="0" hangingPunct="1">
-              <a:lnSpc>
-                <a:spcPct val="130000"/>
-              </a:lnSpc>
-              <a:spcBef>
-                <a:spcPts val="0"/>
-              </a:spcBef>
-              <a:spcAft>
-                <a:spcPts val="1000"/>
-              </a:spcAft>
-              <a:buFont typeface="Arial" panose="020B0604020202020204" pitchFamily="34" charset="0"/>
-              <a:buNone/>
-              <a:defRPr kumimoji="0" lang="zh-CN" altLang="en-US" sz="1600" b="0" i="0" u="none" strike="noStrike" kern="1200" cap="none" spc="150" normalizeH="0" baseline="0" noProof="1">
-                <a:solidFill>
-                  <a:schemeClr val="tx1"/>
-                </a:solidFill>
-                <a:uFillTx/>
-                <a:latin typeface="+mn-lt"/>
-                <a:ea typeface="+mn-ea"/>
-                <a:cs typeface="+mn-cs"/>
-                <a:sym typeface="+mn-ea"/>
-              </a:defRPr>
-            </a:lvl1pPr>
-            <a:lvl2pPr marL="457200" indent="0" algn="l" defTabSz="914400" rtl="0" eaLnBrk="1" fontAlgn="auto" latinLnBrk="0" hangingPunct="1">
-              <a:lnSpc>
-                <a:spcPct val="130000"/>
-              </a:lnSpc>
-              <a:spcBef>
-                <a:spcPts val="0"/>
-              </a:spcBef>
-              <a:spcAft>
-                <a:spcPts val="1000"/>
-              </a:spcAft>
-              <a:buFont typeface="Arial" panose="020B0604020202020204" pitchFamily="34" charset="0"/>
-              <a:buNone/>
-              <a:tabLst>
-                <a:tab pos="1609725" algn="l"/>
-              </a:tabLst>
-              <a:defRPr sz="2000" u="none" strike="noStrike" kern="1200" cap="none" spc="150" normalizeH="0" baseline="0">
-                <a:solidFill>
-                  <a:schemeClr val="tx1">
-                    <a:tint val="75000"/>
-                  </a:schemeClr>
-                </a:solidFill>
-                <a:uFillTx/>
-                <a:latin typeface="+mn-lt"/>
-                <a:ea typeface="+mn-ea"/>
-                <a:cs typeface="+mn-cs"/>
-              </a:defRPr>
-            </a:lvl2pPr>
-            <a:lvl3pPr marL="914400" indent="0" algn="l" defTabSz="914400" rtl="0" eaLnBrk="1" fontAlgn="auto" latinLnBrk="0" hangingPunct="1">
-              <a:lnSpc>
-                <a:spcPct val="130000"/>
-              </a:lnSpc>
-              <a:spcBef>
-                <a:spcPts val="0"/>
-              </a:spcBef>
-              <a:spcAft>
-                <a:spcPts val="1000"/>
-              </a:spcAft>
-              <a:buFont typeface="Arial" panose="020B0604020202020204" pitchFamily="34" charset="0"/>
-              <a:buNone/>
-              <a:defRPr sz="1800" u="none" strike="noStrike" kern="1200" cap="none" spc="150" normalizeH="0" baseline="0">
-                <a:solidFill>
-                  <a:schemeClr val="tx1">
-                    <a:tint val="75000"/>
-                  </a:schemeClr>
-                </a:solidFill>
-                <a:uFillTx/>
-                <a:latin typeface="+mn-lt"/>
-                <a:ea typeface="+mn-ea"/>
-                <a:cs typeface="+mn-cs"/>
-              </a:defRPr>
-            </a:lvl3pPr>
-            <a:lvl4pPr marL="1371600" indent="0" algn="l" defTabSz="914400" rtl="0" eaLnBrk="1" fontAlgn="auto" latinLnBrk="0" hangingPunct="1">
-              <a:lnSpc>
-                <a:spcPct val="130000"/>
-              </a:lnSpc>
-              <a:spcBef>
-                <a:spcPts val="0"/>
-              </a:spcBef>
-              <a:spcAft>
-                <a:spcPts val="1000"/>
-              </a:spcAft>
-              <a:buFont typeface="Arial" panose="020B0604020202020204" pitchFamily="34" charset="0"/>
-              <a:buNone/>
-              <a:defRPr sz="1600" u="none" strike="noStrike" kern="1200" cap="none" spc="150" normalizeH="0" baseline="0">
-                <a:solidFill>
-                  <a:schemeClr val="tx1">
-                    <a:tint val="75000"/>
-                  </a:schemeClr>
-                </a:solidFill>
-                <a:uFillTx/>
-                <a:latin typeface="+mn-lt"/>
-                <a:ea typeface="+mn-ea"/>
-                <a:cs typeface="+mn-cs"/>
-              </a:defRPr>
-            </a:lvl4pPr>
-            <a:lvl5pPr marL="1828800" indent="0" algn="l" defTabSz="914400" rtl="0" eaLnBrk="1" fontAlgn="auto" latinLnBrk="0" hangingPunct="1">
-              <a:lnSpc>
-                <a:spcPct val="130000"/>
-              </a:lnSpc>
-              <a:spcBef>
-                <a:spcPts val="0"/>
-              </a:spcBef>
-              <a:spcAft>
-                <a:spcPts val="1000"/>
-              </a:spcAft>
-              <a:buFont typeface="Arial" panose="020B0604020202020204" pitchFamily="34" charset="0"/>
-              <a:buNone/>
-              <a:defRPr sz="1600" u="none" strike="noStrike" kern="1200" cap="none" spc="150" normalizeH="0" baseline="0">
-                <a:solidFill>
-                  <a:schemeClr val="tx1">
-                    <a:tint val="75000"/>
-                  </a:schemeClr>
-                </a:solidFill>
-                <a:uFillTx/>
-                <a:latin typeface="+mn-lt"/>
-                <a:ea typeface="+mn-ea"/>
-                <a:cs typeface="+mn-cs"/>
-              </a:defRPr>
-            </a:lvl5pPr>
-            <a:lvl6pPr marL="2286000" indent="0" algn="l" defTabSz="914400" rtl="0" eaLnBrk="1" latinLnBrk="0" hangingPunct="1">
-              <a:lnSpc>
-                <a:spcPct val="90000"/>
-              </a:lnSpc>
-              <a:spcBef>
-                <a:spcPts val="500"/>
-              </a:spcBef>
-              <a:buFont typeface="Arial" panose="020B0604020202020204" pitchFamily="34" charset="0"/>
-              <a:buNone/>
-              <a:defRPr sz="1600" kern="1200">
-                <a:solidFill>
-                  <a:schemeClr val="tx1">
-                    <a:tint val="75000"/>
-                  </a:schemeClr>
-                </a:solidFill>
-                <a:latin typeface="+mn-lt"/>
-                <a:ea typeface="+mn-ea"/>
-                <a:cs typeface="+mn-cs"/>
-              </a:defRPr>
-            </a:lvl6pPr>
-            <a:lvl7pPr marL="2743200" indent="0" algn="l" defTabSz="914400" rtl="0" eaLnBrk="1" latinLnBrk="0" hangingPunct="1">
-              <a:lnSpc>
-                <a:spcPct val="90000"/>
-              </a:lnSpc>
-              <a:spcBef>
-                <a:spcPts val="500"/>
-              </a:spcBef>
-              <a:buFont typeface="Arial" panose="020B0604020202020204" pitchFamily="34" charset="0"/>
-              <a:buNone/>
-              <a:defRPr sz="1600" kern="1200">
-                <a:solidFill>
-                  <a:schemeClr val="tx1">
-                    <a:tint val="75000"/>
-                  </a:schemeClr>
-                </a:solidFill>
-                <a:latin typeface="+mn-lt"/>
-                <a:ea typeface="+mn-ea"/>
-                <a:cs typeface="+mn-cs"/>
-              </a:defRPr>
-            </a:lvl7pPr>
-            <a:lvl8pPr marL="3200400" indent="0" algn="l" defTabSz="914400" rtl="0" eaLnBrk="1" latinLnBrk="0" hangingPunct="1">
-              <a:lnSpc>
-                <a:spcPct val="90000"/>
-              </a:lnSpc>
-              <a:spcBef>
-                <a:spcPts val="500"/>
-              </a:spcBef>
-              <a:buFont typeface="Arial" panose="020B0604020202020204" pitchFamily="34" charset="0"/>
-              <a:buNone/>
-              <a:defRPr sz="1600" kern="1200">
-                <a:solidFill>
-                  <a:schemeClr val="tx1">
-                    <a:tint val="75000"/>
-                  </a:schemeClr>
-                </a:solidFill>
-                <a:latin typeface="+mn-lt"/>
-                <a:ea typeface="+mn-ea"/>
-                <a:cs typeface="+mn-cs"/>
-              </a:defRPr>
-            </a:lvl8pPr>
-            <a:lvl9pPr marL="3657600" indent="0" algn="l" defTabSz="914400" rtl="0" eaLnBrk="1" latinLnBrk="0" hangingPunct="1">
-              <a:lnSpc>
-                <a:spcPct val="90000"/>
-              </a:lnSpc>
-              <a:spcBef>
-                <a:spcPts val="500"/>
-              </a:spcBef>
-              <a:buFont typeface="Arial" panose="020B0604020202020204" pitchFamily="34" charset="0"/>
-              <a:buNone/>
-              <a:defRPr sz="1600" kern="1200">
-                <a:solidFill>
-                  <a:schemeClr val="tx1">
-                    <a:tint val="75000"/>
-                  </a:schemeClr>
-                </a:solidFill>
-                <a:latin typeface="+mn-lt"/>
-                <a:ea typeface="+mn-ea"/>
-                <a:cs typeface="+mn-cs"/>
-              </a:defRPr>
-            </a:lvl9pPr>
-          </a:lstStyle>
-          <a:p>
-            <a:pPr marL="285750" indent="-285750">
-              <a:buFont typeface="Arial" panose="020B0604020202020204" pitchFamily="34" charset="0"/>
-              <a:buChar char="•"/>
-            </a:pPr>
-            <a:r>
-              <a:rPr lang="en-US" altLang="zh-CN" dirty="0"/>
-              <a:t>TODO</a:t>
-            </a:r>
-          </a:p>
-          <a:p>
-            <a:pPr marL="285750" indent="-285750">
-              <a:buFont typeface="Arial" panose="020B0604020202020204" pitchFamily="34" charset="0"/>
-              <a:buChar char="•"/>
-            </a:pPr>
             <a:endParaRPr lang="en-US" altLang="zh-CN" dirty="0"/>
-          </a:p>
-          <a:p>
-            <a:pPr marL="285750" indent="-285750">
-              <a:buFont typeface="Arial" panose="020B0604020202020204" pitchFamily="34" charset="0"/>
-              <a:buChar char="•"/>
-            </a:pPr>
-            <a:r>
-              <a:rPr lang="zh-CN" altLang="en-US" dirty="0"/>
-              <a:t>自学、互学、展学</a:t>
-            </a:r>
-          </a:p>
-          <a:p>
-            <a:pPr marL="285750" indent="-285750">
-              <a:buFont typeface="Arial" panose="020B0604020202020204" pitchFamily="34" charset="0"/>
-              <a:buChar char="•"/>
-            </a:pPr>
-            <a:endParaRPr lang="zh-CN" altLang="en-US" dirty="0"/>
-          </a:p>
-          <a:p>
-            <a:pPr marL="285750" indent="-285750">
-              <a:buFont typeface="Arial" panose="020B0604020202020204" pitchFamily="34" charset="0"/>
-              <a:buChar char="•"/>
-            </a:pPr>
-            <a:endParaRPr lang="en-US" altLang="zh-CN" dirty="0"/>
-          </a:p>
-          <a:p>
-            <a:pPr marL="285750" indent="-285750">
-              <a:buFont typeface="Arial" panose="020B0604020202020204" pitchFamily="34" charset="0"/>
-              <a:buChar char="•"/>
-            </a:pPr>
-            <a:endParaRPr lang="zh-CN" altLang="en-US" dirty="0"/>
-          </a:p>
-          <a:p>
-            <a:pPr marL="285750" indent="-285750">
-              <a:buFont typeface="Arial" panose="020B0604020202020204" pitchFamily="34" charset="0"/>
-              <a:buChar char="•"/>
-            </a:pPr>
-            <a:endParaRPr lang="zh-CN" altLang="en-US" dirty="0"/>
-          </a:p>
-          <a:p>
-            <a:pPr marL="285750" indent="-285750">
-              <a:buFont typeface="Arial" panose="020B0604020202020204" pitchFamily="34" charset="0"/>
-              <a:buChar char="•"/>
-            </a:pPr>
-            <a:endParaRPr lang="zh-CN" altLang="en-US" dirty="0"/>
-          </a:p>
-          <a:p>
-            <a:pPr marL="285750" indent="-285750">
-              <a:buFont typeface="Arial" panose="020B0604020202020204" pitchFamily="34" charset="0"/>
-              <a:buChar char="•"/>
-            </a:pPr>
-            <a:endParaRPr lang="zh-CN" altLang="en-US" dirty="0"/>
-          </a:p>
-          <a:p>
-            <a:pPr marL="285750" indent="-285750">
-              <a:buFont typeface="Arial" panose="020B0604020202020204" pitchFamily="34" charset="0"/>
-              <a:buChar char="•"/>
-            </a:pPr>
-            <a:endParaRPr lang="zh-CN" altLang="en-US" dirty="0"/>
-          </a:p>
-          <a:p>
-            <a:pPr marL="285750" indent="-285750">
-              <a:buFont typeface="Arial" panose="020B0604020202020204" pitchFamily="34" charset="0"/>
-              <a:buChar char="•"/>
-            </a:pPr>
-            <a:endParaRPr lang="zh-CN" altLang="en-US" dirty="0"/>
-          </a:p>
-          <a:p>
-            <a:pPr marL="285750" indent="-285750">
-              <a:buFont typeface="Arial" panose="020B0604020202020204" pitchFamily="34" charset="0"/>
-              <a:buChar char="•"/>
-            </a:pPr>
-            <a:endParaRPr lang="zh-CN" altLang="en-US" dirty="0"/>
           </a:p>
         </p:txBody>
       </p:sp>
@@ -14423,7 +14484,7 @@
     </p:custDataLst>
     <p:extLst>
       <p:ext uri="{BB962C8B-B14F-4D97-AF65-F5344CB8AC3E}">
-        <p14:creationId xmlns:p14="http://schemas.microsoft.com/office/powerpoint/2010/main" val="3505814721"/>
+        <p14:creationId xmlns:p14="http://schemas.microsoft.com/office/powerpoint/2010/main" val="2387605444"/>
       </p:ext>
     </p:extLst>
   </p:cSld>
@@ -14823,7 +14884,7 @@
     </p:custDataLst>
     <p:extLst>
       <p:ext uri="{BB962C8B-B14F-4D97-AF65-F5344CB8AC3E}">
-        <p14:creationId xmlns:p14="http://schemas.microsoft.com/office/powerpoint/2010/main" val="305737465"/>
+        <p14:creationId xmlns:p14="http://schemas.microsoft.com/office/powerpoint/2010/main" val="3505814721"/>
       </p:ext>
     </p:extLst>
   </p:cSld>
@@ -15223,7 +15284,7 @@
     </p:custDataLst>
     <p:extLst>
       <p:ext uri="{BB962C8B-B14F-4D97-AF65-F5344CB8AC3E}">
-        <p14:creationId xmlns:p14="http://schemas.microsoft.com/office/powerpoint/2010/main" val="2625875975"/>
+        <p14:creationId xmlns:p14="http://schemas.microsoft.com/office/powerpoint/2010/main" val="305737465"/>
       </p:ext>
     </p:extLst>
   </p:cSld>
@@ -15623,7 +15684,7 @@
     </p:custDataLst>
     <p:extLst>
       <p:ext uri="{BB962C8B-B14F-4D97-AF65-F5344CB8AC3E}">
-        <p14:creationId xmlns:p14="http://schemas.microsoft.com/office/powerpoint/2010/main" val="1732873005"/>
+        <p14:creationId xmlns:p14="http://schemas.microsoft.com/office/powerpoint/2010/main" val="2625875975"/>
       </p:ext>
     </p:extLst>
   </p:cSld>
@@ -16023,7 +16084,7 @@
     </p:custDataLst>
     <p:extLst>
       <p:ext uri="{BB962C8B-B14F-4D97-AF65-F5344CB8AC3E}">
-        <p14:creationId xmlns:p14="http://schemas.microsoft.com/office/powerpoint/2010/main" val="519778867"/>
+        <p14:creationId xmlns:p14="http://schemas.microsoft.com/office/powerpoint/2010/main" val="1732873005"/>
       </p:ext>
     </p:extLst>
   </p:cSld>
@@ -16052,7 +16113,7 @@
       </p:grpSpPr>
       <p:sp>
         <p:nvSpPr>
-          <p:cNvPr id="2" name="标题 1"/>
+          <p:cNvPr id="3" name="标题 2"/>
           <p:cNvSpPr>
             <a:spLocks noGrp="1"/>
           </p:cNvSpPr>
@@ -16066,14 +16127,8 @@
           <a:lstStyle/>
           <a:p>
             <a:r>
-              <a:rPr lang="zh-CN" altLang="en-US" dirty="0">
-                <a:sym typeface="+mn-ea"/>
-              </a:rPr>
-              <a:t>任务：实现</a:t>
-            </a:r>
-            <a:r>
               <a:rPr lang="zh-CN" altLang="en-US" dirty="0"/>
-              <a:t>计算</a:t>
+              <a:t>主问题：如何计算</a:t>
             </a:r>
             <a:r>
               <a:rPr kumimoji="1" lang="en-US" altLang="zh-CN" dirty="0">
@@ -16093,7 +16148,333 @@
               </a:rPr>
               <a:t>每个权重值的梯度</a:t>
             </a:r>
+            <a:r>
+              <a:rPr lang="zh-CN" altLang="en-US" dirty="0"/>
+              <a:t>？</a:t>
+            </a:r>
+            <a:endParaRPr dirty="0">
+              <a:sym typeface="+mn-ea"/>
+            </a:endParaRPr>
+          </a:p>
+        </p:txBody>
+      </p:sp>
+      <p:sp>
+        <p:nvSpPr>
+          <p:cNvPr id="6" name="文本占位符 1">
+            <a:extLst>
+              <a:ext uri="{FF2B5EF4-FFF2-40B4-BE49-F238E27FC236}">
+                <a16:creationId xmlns:a16="http://schemas.microsoft.com/office/drawing/2014/main" id="{BA88068A-4FDC-6963-46A5-ADEC46CDA15E}"/>
+              </a:ext>
+            </a:extLst>
+          </p:cNvPr>
+          <p:cNvSpPr txBox="1">
+            <a:spLocks/>
+          </p:cNvSpPr>
+          <p:nvPr/>
+        </p:nvSpPr>
+        <p:spPr>
+          <a:xfrm>
+            <a:off x="822325" y="1778635"/>
+            <a:ext cx="10852150" cy="4553585"/>
+          </a:xfrm>
+        </p:spPr>
+        <p:txBody>
+          <a:bodyPr lIns="101600" tIns="38100" rIns="76200" bIns="38100">
+            <a:noAutofit/>
+          </a:bodyPr>
+          <a:lstStyle>
+            <a:lvl1pPr marL="0" indent="0" algn="l" defTabSz="914400" rtl="0" eaLnBrk="1" fontAlgn="auto" latinLnBrk="0" hangingPunct="1">
+              <a:lnSpc>
+                <a:spcPct val="130000"/>
+              </a:lnSpc>
+              <a:spcBef>
+                <a:spcPts val="0"/>
+              </a:spcBef>
+              <a:spcAft>
+                <a:spcPts val="1000"/>
+              </a:spcAft>
+              <a:buFont typeface="Arial" panose="020B0604020202020204" pitchFamily="34" charset="0"/>
+              <a:buNone/>
+              <a:defRPr kumimoji="0" lang="zh-CN" altLang="en-US" sz="1600" b="0" i="0" u="none" strike="noStrike" kern="1200" cap="none" spc="150" normalizeH="0" baseline="0" noProof="1">
+                <a:solidFill>
+                  <a:schemeClr val="tx1"/>
+                </a:solidFill>
+                <a:uFillTx/>
+                <a:latin typeface="+mn-lt"/>
+                <a:ea typeface="+mn-ea"/>
+                <a:cs typeface="+mn-cs"/>
+                <a:sym typeface="+mn-ea"/>
+              </a:defRPr>
+            </a:lvl1pPr>
+            <a:lvl2pPr marL="457200" indent="0" algn="l" defTabSz="914400" rtl="0" eaLnBrk="1" fontAlgn="auto" latinLnBrk="0" hangingPunct="1">
+              <a:lnSpc>
+                <a:spcPct val="130000"/>
+              </a:lnSpc>
+              <a:spcBef>
+                <a:spcPts val="0"/>
+              </a:spcBef>
+              <a:spcAft>
+                <a:spcPts val="1000"/>
+              </a:spcAft>
+              <a:buFont typeface="Arial" panose="020B0604020202020204" pitchFamily="34" charset="0"/>
+              <a:buNone/>
+              <a:tabLst>
+                <a:tab pos="1609725" algn="l"/>
+              </a:tabLst>
+              <a:defRPr sz="2000" u="none" strike="noStrike" kern="1200" cap="none" spc="150" normalizeH="0" baseline="0">
+                <a:solidFill>
+                  <a:schemeClr val="tx1">
+                    <a:tint val="75000"/>
+                  </a:schemeClr>
+                </a:solidFill>
+                <a:uFillTx/>
+                <a:latin typeface="+mn-lt"/>
+                <a:ea typeface="+mn-ea"/>
+                <a:cs typeface="+mn-cs"/>
+              </a:defRPr>
+            </a:lvl2pPr>
+            <a:lvl3pPr marL="914400" indent="0" algn="l" defTabSz="914400" rtl="0" eaLnBrk="1" fontAlgn="auto" latinLnBrk="0" hangingPunct="1">
+              <a:lnSpc>
+                <a:spcPct val="130000"/>
+              </a:lnSpc>
+              <a:spcBef>
+                <a:spcPts val="0"/>
+              </a:spcBef>
+              <a:spcAft>
+                <a:spcPts val="1000"/>
+              </a:spcAft>
+              <a:buFont typeface="Arial" panose="020B0604020202020204" pitchFamily="34" charset="0"/>
+              <a:buNone/>
+              <a:defRPr sz="1800" u="none" strike="noStrike" kern="1200" cap="none" spc="150" normalizeH="0" baseline="0">
+                <a:solidFill>
+                  <a:schemeClr val="tx1">
+                    <a:tint val="75000"/>
+                  </a:schemeClr>
+                </a:solidFill>
+                <a:uFillTx/>
+                <a:latin typeface="+mn-lt"/>
+                <a:ea typeface="+mn-ea"/>
+                <a:cs typeface="+mn-cs"/>
+              </a:defRPr>
+            </a:lvl3pPr>
+            <a:lvl4pPr marL="1371600" indent="0" algn="l" defTabSz="914400" rtl="0" eaLnBrk="1" fontAlgn="auto" latinLnBrk="0" hangingPunct="1">
+              <a:lnSpc>
+                <a:spcPct val="130000"/>
+              </a:lnSpc>
+              <a:spcBef>
+                <a:spcPts val="0"/>
+              </a:spcBef>
+              <a:spcAft>
+                <a:spcPts val="1000"/>
+              </a:spcAft>
+              <a:buFont typeface="Arial" panose="020B0604020202020204" pitchFamily="34" charset="0"/>
+              <a:buNone/>
+              <a:defRPr sz="1600" u="none" strike="noStrike" kern="1200" cap="none" spc="150" normalizeH="0" baseline="0">
+                <a:solidFill>
+                  <a:schemeClr val="tx1">
+                    <a:tint val="75000"/>
+                  </a:schemeClr>
+                </a:solidFill>
+                <a:uFillTx/>
+                <a:latin typeface="+mn-lt"/>
+                <a:ea typeface="+mn-ea"/>
+                <a:cs typeface="+mn-cs"/>
+              </a:defRPr>
+            </a:lvl4pPr>
+            <a:lvl5pPr marL="1828800" indent="0" algn="l" defTabSz="914400" rtl="0" eaLnBrk="1" fontAlgn="auto" latinLnBrk="0" hangingPunct="1">
+              <a:lnSpc>
+                <a:spcPct val="130000"/>
+              </a:lnSpc>
+              <a:spcBef>
+                <a:spcPts val="0"/>
+              </a:spcBef>
+              <a:spcAft>
+                <a:spcPts val="1000"/>
+              </a:spcAft>
+              <a:buFont typeface="Arial" panose="020B0604020202020204" pitchFamily="34" charset="0"/>
+              <a:buNone/>
+              <a:defRPr sz="1600" u="none" strike="noStrike" kern="1200" cap="none" spc="150" normalizeH="0" baseline="0">
+                <a:solidFill>
+                  <a:schemeClr val="tx1">
+                    <a:tint val="75000"/>
+                  </a:schemeClr>
+                </a:solidFill>
+                <a:uFillTx/>
+                <a:latin typeface="+mn-lt"/>
+                <a:ea typeface="+mn-ea"/>
+                <a:cs typeface="+mn-cs"/>
+              </a:defRPr>
+            </a:lvl5pPr>
+            <a:lvl6pPr marL="2286000" indent="0" algn="l" defTabSz="914400" rtl="0" eaLnBrk="1" latinLnBrk="0" hangingPunct="1">
+              <a:lnSpc>
+                <a:spcPct val="90000"/>
+              </a:lnSpc>
+              <a:spcBef>
+                <a:spcPts val="500"/>
+              </a:spcBef>
+              <a:buFont typeface="Arial" panose="020B0604020202020204" pitchFamily="34" charset="0"/>
+              <a:buNone/>
+              <a:defRPr sz="1600" kern="1200">
+                <a:solidFill>
+                  <a:schemeClr val="tx1">
+                    <a:tint val="75000"/>
+                  </a:schemeClr>
+                </a:solidFill>
+                <a:latin typeface="+mn-lt"/>
+                <a:ea typeface="+mn-ea"/>
+                <a:cs typeface="+mn-cs"/>
+              </a:defRPr>
+            </a:lvl6pPr>
+            <a:lvl7pPr marL="2743200" indent="0" algn="l" defTabSz="914400" rtl="0" eaLnBrk="1" latinLnBrk="0" hangingPunct="1">
+              <a:lnSpc>
+                <a:spcPct val="90000"/>
+              </a:lnSpc>
+              <a:spcBef>
+                <a:spcPts val="500"/>
+              </a:spcBef>
+              <a:buFont typeface="Arial" panose="020B0604020202020204" pitchFamily="34" charset="0"/>
+              <a:buNone/>
+              <a:defRPr sz="1600" kern="1200">
+                <a:solidFill>
+                  <a:schemeClr val="tx1">
+                    <a:tint val="75000"/>
+                  </a:schemeClr>
+                </a:solidFill>
+                <a:latin typeface="+mn-lt"/>
+                <a:ea typeface="+mn-ea"/>
+                <a:cs typeface="+mn-cs"/>
+              </a:defRPr>
+            </a:lvl7pPr>
+            <a:lvl8pPr marL="3200400" indent="0" algn="l" defTabSz="914400" rtl="0" eaLnBrk="1" latinLnBrk="0" hangingPunct="1">
+              <a:lnSpc>
+                <a:spcPct val="90000"/>
+              </a:lnSpc>
+              <a:spcBef>
+                <a:spcPts val="500"/>
+              </a:spcBef>
+              <a:buFont typeface="Arial" panose="020B0604020202020204" pitchFamily="34" charset="0"/>
+              <a:buNone/>
+              <a:defRPr sz="1600" kern="1200">
+                <a:solidFill>
+                  <a:schemeClr val="tx1">
+                    <a:tint val="75000"/>
+                  </a:schemeClr>
+                </a:solidFill>
+                <a:latin typeface="+mn-lt"/>
+                <a:ea typeface="+mn-ea"/>
+                <a:cs typeface="+mn-cs"/>
+              </a:defRPr>
+            </a:lvl8pPr>
+            <a:lvl9pPr marL="3657600" indent="0" algn="l" defTabSz="914400" rtl="0" eaLnBrk="1" latinLnBrk="0" hangingPunct="1">
+              <a:lnSpc>
+                <a:spcPct val="90000"/>
+              </a:lnSpc>
+              <a:spcBef>
+                <a:spcPts val="500"/>
+              </a:spcBef>
+              <a:buFont typeface="Arial" panose="020B0604020202020204" pitchFamily="34" charset="0"/>
+              <a:buNone/>
+              <a:defRPr sz="1600" kern="1200">
+                <a:solidFill>
+                  <a:schemeClr val="tx1">
+                    <a:tint val="75000"/>
+                  </a:schemeClr>
+                </a:solidFill>
+                <a:latin typeface="+mn-lt"/>
+                <a:ea typeface="+mn-ea"/>
+                <a:cs typeface="+mn-cs"/>
+              </a:defRPr>
+            </a:lvl9pPr>
+          </a:lstStyle>
+          <a:p>
+            <a:pPr marL="285750" indent="-285750">
+              <a:buFont typeface="Arial" panose="020B0604020202020204" pitchFamily="34" charset="0"/>
+              <a:buChar char="•"/>
+            </a:pPr>
+            <a:r>
+              <a:rPr lang="en-US" altLang="zh-CN" dirty="0"/>
+              <a:t>TODO</a:t>
+            </a:r>
+          </a:p>
+          <a:p>
+            <a:pPr marL="285750" indent="-285750">
+              <a:buFont typeface="Arial" panose="020B0604020202020204" pitchFamily="34" charset="0"/>
+              <a:buChar char="•"/>
+            </a:pPr>
             <a:endParaRPr lang="en-US" altLang="zh-CN" dirty="0"/>
+          </a:p>
+          <a:p>
+            <a:pPr marL="285750" indent="-285750">
+              <a:buFont typeface="Arial" panose="020B0604020202020204" pitchFamily="34" charset="0"/>
+              <a:buChar char="•"/>
+            </a:pPr>
+            <a:r>
+              <a:rPr lang="zh-CN" altLang="en-US" dirty="0"/>
+              <a:t>自学、互学、展学</a:t>
+            </a:r>
+          </a:p>
+          <a:p>
+            <a:pPr marL="285750" indent="-285750">
+              <a:buFont typeface="Arial" panose="020B0604020202020204" pitchFamily="34" charset="0"/>
+              <a:buChar char="•"/>
+            </a:pPr>
+            <a:endParaRPr lang="zh-CN" altLang="en-US" dirty="0"/>
+          </a:p>
+          <a:p>
+            <a:pPr marL="285750" indent="-285750">
+              <a:buFont typeface="Arial" panose="020B0604020202020204" pitchFamily="34" charset="0"/>
+              <a:buChar char="•"/>
+            </a:pPr>
+            <a:endParaRPr lang="en-US" altLang="zh-CN" dirty="0"/>
+          </a:p>
+          <a:p>
+            <a:pPr marL="285750" indent="-285750">
+              <a:buFont typeface="Arial" panose="020B0604020202020204" pitchFamily="34" charset="0"/>
+              <a:buChar char="•"/>
+            </a:pPr>
+            <a:endParaRPr lang="zh-CN" altLang="en-US" dirty="0"/>
+          </a:p>
+          <a:p>
+            <a:pPr marL="285750" indent="-285750">
+              <a:buFont typeface="Arial" panose="020B0604020202020204" pitchFamily="34" charset="0"/>
+              <a:buChar char="•"/>
+            </a:pPr>
+            <a:endParaRPr lang="zh-CN" altLang="en-US" dirty="0"/>
+          </a:p>
+          <a:p>
+            <a:pPr marL="285750" indent="-285750">
+              <a:buFont typeface="Arial" panose="020B0604020202020204" pitchFamily="34" charset="0"/>
+              <a:buChar char="•"/>
+            </a:pPr>
+            <a:endParaRPr lang="zh-CN" altLang="en-US" dirty="0"/>
+          </a:p>
+          <a:p>
+            <a:pPr marL="285750" indent="-285750">
+              <a:buFont typeface="Arial" panose="020B0604020202020204" pitchFamily="34" charset="0"/>
+              <a:buChar char="•"/>
+            </a:pPr>
+            <a:endParaRPr lang="zh-CN" altLang="en-US" dirty="0"/>
+          </a:p>
+          <a:p>
+            <a:pPr marL="285750" indent="-285750">
+              <a:buFont typeface="Arial" panose="020B0604020202020204" pitchFamily="34" charset="0"/>
+              <a:buChar char="•"/>
+            </a:pPr>
+            <a:endParaRPr lang="zh-CN" altLang="en-US" dirty="0"/>
+          </a:p>
+          <a:p>
+            <a:pPr marL="285750" indent="-285750">
+              <a:buFont typeface="Arial" panose="020B0604020202020204" pitchFamily="34" charset="0"/>
+              <a:buChar char="•"/>
+            </a:pPr>
+            <a:endParaRPr lang="zh-CN" altLang="en-US" dirty="0"/>
+          </a:p>
+          <a:p>
+            <a:pPr marL="285750" indent="-285750">
+              <a:buFont typeface="Arial" panose="020B0604020202020204" pitchFamily="34" charset="0"/>
+              <a:buChar char="•"/>
+            </a:pPr>
+            <a:endParaRPr lang="zh-CN" altLang="en-US" dirty="0"/>
           </a:p>
         </p:txBody>
       </p:sp>
@@ -16103,7 +16484,7 @@
     </p:custDataLst>
     <p:extLst>
       <p:ext uri="{BB962C8B-B14F-4D97-AF65-F5344CB8AC3E}">
-        <p14:creationId xmlns:p14="http://schemas.microsoft.com/office/powerpoint/2010/main" val="3375828254"/>
+        <p14:creationId xmlns:p14="http://schemas.microsoft.com/office/powerpoint/2010/main" val="519778867"/>
       </p:ext>
     </p:extLst>
   </p:cSld>
@@ -16146,6 +16527,86 @@
           <a:lstStyle/>
           <a:p>
             <a:r>
+              <a:rPr lang="zh-CN" altLang="en-US" dirty="0">
+                <a:sym typeface="+mn-ea"/>
+              </a:rPr>
+              <a:t>任务：实现</a:t>
+            </a:r>
+            <a:r>
+              <a:rPr lang="zh-CN" altLang="en-US" dirty="0"/>
+              <a:t>计算</a:t>
+            </a:r>
+            <a:r>
+              <a:rPr kumimoji="1" lang="en-US" altLang="zh-CN" dirty="0">
+                <a:solidFill>
+                  <a:srgbClr val="333333"/>
+                </a:solidFill>
+                <a:latin typeface="verdana" panose="020B0604030504040204" pitchFamily="34" charset="0"/>
+              </a:rPr>
+              <a:t>Filter</a:t>
+            </a:r>
+            <a:r>
+              <a:rPr kumimoji="1" lang="zh-CN" altLang="en-US" dirty="0">
+                <a:solidFill>
+                  <a:srgbClr val="333333"/>
+                </a:solidFill>
+                <a:latin typeface="verdana" panose="020B0604030504040204" pitchFamily="34" charset="0"/>
+              </a:rPr>
+              <a:t>每个权重值的梯度</a:t>
+            </a:r>
+            <a:endParaRPr lang="en-US" altLang="zh-CN" dirty="0"/>
+          </a:p>
+        </p:txBody>
+      </p:sp>
+    </p:spTree>
+    <p:custDataLst>
+      <p:tags r:id="rId1"/>
+    </p:custDataLst>
+    <p:extLst>
+      <p:ext uri="{BB962C8B-B14F-4D97-AF65-F5344CB8AC3E}">
+        <p14:creationId xmlns:p14="http://schemas.microsoft.com/office/powerpoint/2010/main" val="3375828254"/>
+      </p:ext>
+    </p:extLst>
+  </p:cSld>
+  <p:clrMapOvr>
+    <a:masterClrMapping/>
+  </p:clrMapOvr>
+</p:sld>
+</file>
+
+<file path=ppt/slides/slide27.xml><?xml version="1.0" encoding="utf-8"?>
+<p:sld xmlns:a="http://schemas.openxmlformats.org/drawingml/2006/main" xmlns:r="http://schemas.openxmlformats.org/officeDocument/2006/relationships" xmlns:p="http://schemas.openxmlformats.org/presentationml/2006/main">
+  <p:cSld>
+    <p:spTree>
+      <p:nvGrpSpPr>
+        <p:cNvPr id="1" name=""/>
+        <p:cNvGrpSpPr/>
+        <p:nvPr/>
+      </p:nvGrpSpPr>
+      <p:grpSpPr>
+        <a:xfrm>
+          <a:off x="0" y="0"/>
+          <a:ext cx="0" cy="0"/>
+          <a:chOff x="0" y="0"/>
+          <a:chExt cx="0" cy="0"/>
+        </a:xfrm>
+      </p:grpSpPr>
+      <p:sp>
+        <p:nvSpPr>
+          <p:cNvPr id="2" name="标题 1"/>
+          <p:cNvSpPr>
+            <a:spLocks noGrp="1"/>
+          </p:cNvSpPr>
+          <p:nvPr>
+            <p:ph type="title"/>
+          </p:nvPr>
+        </p:nvSpPr>
+        <p:spPr/>
+        <p:txBody>
+          <a:bodyPr/>
+          <a:lstStyle/>
+          <a:p>
+            <a:r>
               <a:rPr lang="zh-CN" altLang="en-US"/>
               <a:t>总结</a:t>
             </a:r>
@@ -16163,7 +16624,7 @@
 </p:sld>
 </file>
 
-<file path=ppt/slides/slide27.xml><?xml version="1.0" encoding="utf-8"?>
+<file path=ppt/slides/slide28.xml><?xml version="1.0" encoding="utf-8"?>
 <p:sld xmlns:a="http://schemas.openxmlformats.org/drawingml/2006/main" xmlns:r="http://schemas.openxmlformats.org/officeDocument/2006/relationships" xmlns:p="http://schemas.openxmlformats.org/presentationml/2006/main">
   <p:cSld>
     <p:spTree>
@@ -16473,7 +16934,7 @@
 </p:sld>
 </file>
 
-<file path=ppt/slides/slide28.xml><?xml version="1.0" encoding="utf-8"?>
+<file path=ppt/slides/slide29.xml><?xml version="1.0" encoding="utf-8"?>
 <p:sld xmlns:a="http://schemas.openxmlformats.org/drawingml/2006/main" xmlns:r="http://schemas.openxmlformats.org/officeDocument/2006/relationships" xmlns:p="http://schemas.openxmlformats.org/presentationml/2006/main">
   <p:cSld>
     <p:spTree>
@@ -16720,254 +17181,6 @@
 </p:sld>
 </file>
 
-<file path=ppt/slides/slide29.xml><?xml version="1.0" encoding="utf-8"?>
-<p:sld xmlns:a="http://schemas.openxmlformats.org/drawingml/2006/main" xmlns:r="http://schemas.openxmlformats.org/officeDocument/2006/relationships" xmlns:p="http://schemas.openxmlformats.org/presentationml/2006/main">
-  <p:cSld>
-    <p:spTree>
-      <p:nvGrpSpPr>
-        <p:cNvPr id="1" name=""/>
-        <p:cNvGrpSpPr/>
-        <p:nvPr/>
-      </p:nvGrpSpPr>
-      <p:grpSpPr>
-        <a:xfrm>
-          <a:off x="0" y="0"/>
-          <a:ext cx="0" cy="0"/>
-          <a:chOff x="0" y="0"/>
-          <a:chExt cx="0" cy="0"/>
-        </a:xfrm>
-      </p:grpSpPr>
-      <p:sp>
-        <p:nvSpPr>
-          <p:cNvPr id="2" name="文本占位符 1"/>
-          <p:cNvSpPr>
-            <a:spLocks noGrp="1"/>
-          </p:cNvSpPr>
-          <p:nvPr>
-            <p:ph type="body" idx="1"/>
-          </p:nvPr>
-        </p:nvSpPr>
-        <p:spPr/>
-        <p:txBody>
-          <a:bodyPr/>
-          <a:lstStyle/>
-          <a:p>
-            <a:pPr marL="285750" indent="-285750" algn="l">
-              <a:buFont typeface="Arial" panose="020B0604020202020204" pitchFamily="34" charset="0"/>
-              <a:buChar char="•"/>
-            </a:pPr>
-            <a:r>
-              <a:rPr lang="zh-CN" altLang="en-US" b="0" i="0" dirty="0">
-                <a:solidFill>
-                  <a:srgbClr val="000000"/>
-                </a:solidFill>
-                <a:effectLst/>
-                <a:latin typeface="PingFang SC" panose="020B0400000000000000" pitchFamily="34" charset="-122"/>
-                <a:ea typeface="PingFang SC" panose="020B0400000000000000" pitchFamily="34" charset="-122"/>
-                <a:hlinkClick r:id="rId3"/>
-              </a:rPr>
-              <a:t>卷积神经网络</a:t>
-            </a:r>
-            <a:r>
-              <a:rPr lang="en-US" altLang="zh-CN" b="0" i="0" dirty="0">
-                <a:solidFill>
-                  <a:srgbClr val="000000"/>
-                </a:solidFill>
-                <a:effectLst/>
-                <a:latin typeface="PingFang SC" panose="020B0400000000000000" pitchFamily="34" charset="-122"/>
-                <a:ea typeface="PingFang SC" panose="020B0400000000000000" pitchFamily="34" charset="-122"/>
-                <a:hlinkClick r:id="rId3"/>
-              </a:rPr>
-              <a:t>(</a:t>
-            </a:r>
-            <a:r>
-              <a:rPr lang="en" altLang="zh-CN" b="0" i="0" dirty="0">
-                <a:solidFill>
-                  <a:srgbClr val="000000"/>
-                </a:solidFill>
-                <a:effectLst/>
-                <a:latin typeface="PingFang SC" panose="020B0400000000000000" pitchFamily="34" charset="-122"/>
-                <a:ea typeface="PingFang SC" panose="020B0400000000000000" pitchFamily="34" charset="-122"/>
-                <a:hlinkClick r:id="rId3"/>
-              </a:rPr>
-              <a:t>CNN)</a:t>
-            </a:r>
-            <a:r>
-              <a:rPr lang="zh-CN" altLang="en-US" b="0" i="0" dirty="0">
-                <a:solidFill>
-                  <a:srgbClr val="000000"/>
-                </a:solidFill>
-                <a:effectLst/>
-                <a:latin typeface="PingFang SC" panose="020B0400000000000000" pitchFamily="34" charset="-122"/>
-                <a:ea typeface="PingFang SC" panose="020B0400000000000000" pitchFamily="34" charset="-122"/>
-                <a:hlinkClick r:id="rId3"/>
-              </a:rPr>
-              <a:t>反向传播算法推导</a:t>
-            </a:r>
-            <a:br>
-              <a:rPr lang="en-US" altLang="zh-CN" b="0" i="0" dirty="0">
-                <a:solidFill>
-                  <a:srgbClr val="000000"/>
-                </a:solidFill>
-                <a:effectLst/>
-                <a:latin typeface="PingFang SC" panose="020B0400000000000000" pitchFamily="34" charset="-122"/>
-                <a:ea typeface="PingFang SC" panose="020B0400000000000000" pitchFamily="34" charset="-122"/>
-              </a:rPr>
-            </a:br>
-            <a:r>
-              <a:rPr lang="zh-CN" altLang="en-US" b="0" i="0" dirty="0">
-                <a:solidFill>
-                  <a:srgbClr val="000000"/>
-                </a:solidFill>
-                <a:effectLst/>
-                <a:latin typeface="PingFang SC" panose="020B0400000000000000" pitchFamily="34" charset="-122"/>
-                <a:ea typeface="PingFang SC" panose="020B0400000000000000" pitchFamily="34" charset="-122"/>
-              </a:rPr>
-              <a:t>有详细的数学推导</a:t>
-            </a:r>
-            <a:r>
-              <a:rPr lang="en-US" altLang="zh-CN" dirty="0">
-                <a:solidFill>
-                  <a:srgbClr val="000000"/>
-                </a:solidFill>
-                <a:latin typeface="PingFang SC" panose="020B0400000000000000" pitchFamily="34" charset="-122"/>
-                <a:ea typeface="PingFang SC" panose="020B0400000000000000" pitchFamily="34" charset="-122"/>
-              </a:rPr>
-              <a:t>(</a:t>
-            </a:r>
-            <a:r>
-              <a:rPr lang="zh-CN" altLang="en-US" dirty="0">
-                <a:solidFill>
-                  <a:srgbClr val="000000"/>
-                </a:solidFill>
-                <a:latin typeface="PingFang SC" panose="020B0400000000000000" pitchFamily="34" charset="-122"/>
-                <a:ea typeface="PingFang SC" panose="020B0400000000000000" pitchFamily="34" charset="-122"/>
-              </a:rPr>
-              <a:t>比如本课程中通过找规律得到的公式，在该文中有数学推导</a:t>
-            </a:r>
-            <a:r>
-              <a:rPr lang="en-US" altLang="zh-CN" dirty="0">
-                <a:solidFill>
-                  <a:srgbClr val="000000"/>
-                </a:solidFill>
-                <a:latin typeface="PingFang SC" panose="020B0400000000000000" pitchFamily="34" charset="-122"/>
-                <a:ea typeface="PingFang SC" panose="020B0400000000000000" pitchFamily="34" charset="-122"/>
-              </a:rPr>
-              <a:t>)</a:t>
-            </a:r>
-            <a:endParaRPr lang="zh-CN" altLang="en-US" b="0" i="0" dirty="0">
-              <a:solidFill>
-                <a:srgbClr val="000000"/>
-              </a:solidFill>
-              <a:effectLst/>
-              <a:latin typeface="PingFang SC" panose="020B0400000000000000" pitchFamily="34" charset="-122"/>
-              <a:ea typeface="PingFang SC" panose="020B0400000000000000" pitchFamily="34" charset="-122"/>
-            </a:endParaRPr>
-          </a:p>
-          <a:p>
-            <a:pPr marL="285750" indent="-285750">
-              <a:buFont typeface="Arial" panose="020B0604020202020204" pitchFamily="34" charset="0"/>
-              <a:buChar char="•"/>
-            </a:pPr>
-            <a:endParaRPr dirty="0">
-              <a:sym typeface="+mn-ea"/>
-            </a:endParaRPr>
-          </a:p>
-        </p:txBody>
-      </p:sp>
-      <p:sp>
-        <p:nvSpPr>
-          <p:cNvPr id="3" name="标题 2"/>
-          <p:cNvSpPr>
-            <a:spLocks noGrp="1"/>
-          </p:cNvSpPr>
-          <p:nvPr>
-            <p:ph type="title"/>
-          </p:nvPr>
-        </p:nvSpPr>
-        <p:spPr/>
-        <p:txBody>
-          <a:bodyPr/>
-          <a:lstStyle/>
-          <a:p>
-            <a:r>
-              <a:rPr lang="zh-CN" altLang="en-US" dirty="0"/>
-              <a:t>扩展阅读</a:t>
-            </a:r>
-          </a:p>
-        </p:txBody>
-      </p:sp>
-      <p:graphicFrame>
-        <p:nvGraphicFramePr>
-          <p:cNvPr id="4" name="对象 3">
-            <a:hlinkClick r:id="" action="ppaction://ole?verb=0"/>
-          </p:cNvPr>
-          <p:cNvGraphicFramePr>
-            <a:graphicFrameLocks noChangeAspect="1"/>
-          </p:cNvGraphicFramePr>
-          <p:nvPr/>
-        </p:nvGraphicFramePr>
-        <p:xfrm>
-          <a:off x="5638800" y="3244850"/>
-          <a:ext cx="914400" cy="368300"/>
-        </p:xfrm>
-        <a:graphic>
-          <a:graphicData uri="http://schemas.openxmlformats.org/presentationml/2006/ole">
-            <mc:AlternateContent xmlns:mc="http://schemas.openxmlformats.org/markup-compatibility/2006">
-              <mc:Choice xmlns:v="urn:schemas-microsoft-com:vml" Requires="v">
-                <p:oleObj r:id="rId4" imgW="914400" imgH="368300" progId="Equation.KSEE3">
-                  <p:embed/>
-                </p:oleObj>
-              </mc:Choice>
-              <mc:Fallback>
-                <p:oleObj r:id="rId4" imgW="914400" imgH="368300" progId="Equation.KSEE3">
-                  <p:embed/>
-                  <p:pic>
-                    <p:nvPicPr>
-                      <p:cNvPr id="4" name="对象 3">
-                        <a:hlinkClick r:id="" action="ppaction://ole?verb=0"/>
-                      </p:cNvPr>
-                      <p:cNvPicPr/>
-                      <p:nvPr/>
-                    </p:nvPicPr>
-                    <p:blipFill>
-                      <a:blip r:embed="rId5"/>
-                      <a:stretch>
-                        <a:fillRect/>
-                      </a:stretch>
-                    </p:blipFill>
-                    <p:spPr>
-                      <a:xfrm>
-                        <a:off x="5638800" y="3244850"/>
-                        <a:ext cx="914400" cy="368300"/>
-                      </a:xfrm>
-                      <a:prstGeom prst="rect">
-                        <a:avLst/>
-                      </a:prstGeom>
-                    </p:spPr>
-                  </p:pic>
-                </p:oleObj>
-              </mc:Fallback>
-            </mc:AlternateContent>
-          </a:graphicData>
-        </a:graphic>
-      </p:graphicFrame>
-    </p:spTree>
-    <p:custDataLst>
-      <p:tags r:id="rId1"/>
-    </p:custDataLst>
-    <p:extLst>
-      <p:ext uri="{BB962C8B-B14F-4D97-AF65-F5344CB8AC3E}">
-        <p14:creationId xmlns:p14="http://schemas.microsoft.com/office/powerpoint/2010/main" val="2144928479"/>
-      </p:ext>
-    </p:extLst>
-  </p:cSld>
-  <p:clrMapOvr>
-    <a:masterClrMapping/>
-  </p:clrMapOvr>
-</p:sld>
-</file>
-
 <file path=ppt/slides/slide3.xml><?xml version="1.0" encoding="utf-8"?>
 <p:sld xmlns:a="http://schemas.openxmlformats.org/drawingml/2006/main" xmlns:r="http://schemas.openxmlformats.org/officeDocument/2006/relationships" xmlns:p="http://schemas.openxmlformats.org/presentationml/2006/main">
   <p:cSld>
@@ -17040,6 +17253,17 @@
             <a:r>
               <a:rPr lang="zh-CN" altLang="en-US" dirty="0"/>
               <a:t>主问题：如何反向计算误差项？</a:t>
+            </a:r>
+            <a:endParaRPr lang="en-US" altLang="zh-CN" dirty="0"/>
+          </a:p>
+          <a:p>
+            <a:pPr marL="285750" indent="-285750">
+              <a:buFont typeface="Arial" panose="020B0604020202020204" pitchFamily="34" charset="0"/>
+              <a:buChar char="•"/>
+            </a:pPr>
+            <a:r>
+              <a:rPr lang="zh-CN" altLang="en-US"/>
+              <a:t>任务：实现反向计算误差项</a:t>
             </a:r>
             <a:br>
               <a:rPr lang="en-US" altLang="zh-CN" dirty="0"/>
@@ -17289,6 +17513,55 @@
                       </p:childTnLst>
                     </p:cTn>
                   </p:par>
+                  <p:par>
+                    <p:cTn id="19" fill="hold">
+                      <p:stCondLst>
+                        <p:cond delay="indefinite"/>
+                      </p:stCondLst>
+                      <p:childTnLst>
+                        <p:par>
+                          <p:cTn id="20" fill="hold">
+                            <p:stCondLst>
+                              <p:cond delay="0"/>
+                            </p:stCondLst>
+                            <p:childTnLst>
+                              <p:par>
+                                <p:cTn id="21" presetID="1" presetClass="entr" presetSubtype="0" fill="hold" grpId="0" nodeType="clickEffect">
+                                  <p:stCondLst>
+                                    <p:cond delay="0"/>
+                                  </p:stCondLst>
+                                  <p:childTnLst>
+                                    <p:set>
+                                      <p:cBhvr>
+                                        <p:cTn id="22" dur="1" fill="hold">
+                                          <p:stCondLst>
+                                            <p:cond delay="0"/>
+                                          </p:stCondLst>
+                                        </p:cTn>
+                                        <p:tgtEl>
+                                          <p:spTgt spid="2">
+                                            <p:txEl>
+                                              <p:pRg st="4" end="4"/>
+                                            </p:txEl>
+                                          </p:spTgt>
+                                        </p:tgtEl>
+                                        <p:attrNameLst>
+                                          <p:attrName>style.visibility</p:attrName>
+                                        </p:attrNameLst>
+                                      </p:cBhvr>
+                                      <p:to>
+                                        <p:strVal val="visible"/>
+                                      </p:to>
+                                    </p:set>
+                                  </p:childTnLst>
+                                </p:cTn>
+                              </p:par>
+                            </p:childTnLst>
+                          </p:cTn>
+                        </p:par>
+                      </p:childTnLst>
+                    </p:cTn>
+                  </p:par>
                 </p:childTnLst>
               </p:cTn>
               <p:prevCondLst>
@@ -17349,16 +17622,123 @@
           <a:bodyPr/>
           <a:lstStyle/>
           <a:p>
+            <a:pPr marL="285750" indent="-285750" algn="l">
+              <a:buFont typeface="Arial" panose="020B0604020202020204" pitchFamily="34" charset="0"/>
+              <a:buChar char="•"/>
+            </a:pPr>
+            <a:r>
+              <a:rPr lang="zh-CN" altLang="en-US" b="0" i="0" dirty="0">
+                <a:solidFill>
+                  <a:srgbClr val="000000"/>
+                </a:solidFill>
+                <a:effectLst/>
+                <a:latin typeface="PingFang SC" panose="020B0400000000000000" pitchFamily="34" charset="-122"/>
+                <a:ea typeface="PingFang SC" panose="020B0400000000000000" pitchFamily="34" charset="-122"/>
+                <a:hlinkClick r:id="rId3"/>
+              </a:rPr>
+              <a:t>卷积神经网络</a:t>
+            </a:r>
+            <a:r>
+              <a:rPr lang="en-US" altLang="zh-CN" b="0" i="0" dirty="0">
+                <a:solidFill>
+                  <a:srgbClr val="000000"/>
+                </a:solidFill>
+                <a:effectLst/>
+                <a:latin typeface="PingFang SC" panose="020B0400000000000000" pitchFamily="34" charset="-122"/>
+                <a:ea typeface="PingFang SC" panose="020B0400000000000000" pitchFamily="34" charset="-122"/>
+                <a:hlinkClick r:id="rId3"/>
+              </a:rPr>
+              <a:t>(</a:t>
+            </a:r>
+            <a:r>
+              <a:rPr lang="en" altLang="zh-CN" b="0" i="0" dirty="0">
+                <a:solidFill>
+                  <a:srgbClr val="000000"/>
+                </a:solidFill>
+                <a:effectLst/>
+                <a:latin typeface="PingFang SC" panose="020B0400000000000000" pitchFamily="34" charset="-122"/>
+                <a:ea typeface="PingFang SC" panose="020B0400000000000000" pitchFamily="34" charset="-122"/>
+                <a:hlinkClick r:id="rId3"/>
+              </a:rPr>
+              <a:t>CNN)</a:t>
+            </a:r>
+            <a:r>
+              <a:rPr lang="zh-CN" altLang="en-US" b="0" i="0" dirty="0">
+                <a:solidFill>
+                  <a:srgbClr val="000000"/>
+                </a:solidFill>
+                <a:effectLst/>
+                <a:latin typeface="PingFang SC" panose="020B0400000000000000" pitchFamily="34" charset="-122"/>
+                <a:ea typeface="PingFang SC" panose="020B0400000000000000" pitchFamily="34" charset="-122"/>
+                <a:hlinkClick r:id="rId3"/>
+              </a:rPr>
+              <a:t>反向传播算法推导</a:t>
+            </a:r>
+            <a:br>
+              <a:rPr lang="en-US" altLang="zh-CN" b="0" i="0" dirty="0">
+                <a:solidFill>
+                  <a:srgbClr val="000000"/>
+                </a:solidFill>
+                <a:effectLst/>
+                <a:latin typeface="PingFang SC" panose="020B0400000000000000" pitchFamily="34" charset="-122"/>
+                <a:ea typeface="PingFang SC" panose="020B0400000000000000" pitchFamily="34" charset="-122"/>
+              </a:rPr>
+            </a:br>
+            <a:r>
+              <a:rPr lang="zh-CN" altLang="en-US" b="0" i="0" dirty="0">
+                <a:solidFill>
+                  <a:srgbClr val="000000"/>
+                </a:solidFill>
+                <a:effectLst/>
+                <a:latin typeface="PingFang SC" panose="020B0400000000000000" pitchFamily="34" charset="-122"/>
+                <a:ea typeface="PingFang SC" panose="020B0400000000000000" pitchFamily="34" charset="-122"/>
+              </a:rPr>
+              <a:t>有详细的数学推导</a:t>
+            </a:r>
+            <a:r>
+              <a:rPr lang="en-US" altLang="zh-CN" dirty="0">
+                <a:solidFill>
+                  <a:srgbClr val="000000"/>
+                </a:solidFill>
+                <a:latin typeface="PingFang SC" panose="020B0400000000000000" pitchFamily="34" charset="-122"/>
+                <a:ea typeface="PingFang SC" panose="020B0400000000000000" pitchFamily="34" charset="-122"/>
+              </a:rPr>
+              <a:t>(</a:t>
+            </a:r>
+            <a:r>
+              <a:rPr lang="zh-CN" altLang="en-US" dirty="0">
+                <a:solidFill>
+                  <a:srgbClr val="000000"/>
+                </a:solidFill>
+                <a:latin typeface="PingFang SC" panose="020B0400000000000000" pitchFamily="34" charset="-122"/>
+                <a:ea typeface="PingFang SC" panose="020B0400000000000000" pitchFamily="34" charset="-122"/>
+              </a:rPr>
+              <a:t>比如本课程中通过找规律得到的公式，在该文中有数学推导</a:t>
+            </a:r>
+            <a:r>
+              <a:rPr lang="en-US" altLang="zh-CN" dirty="0">
+                <a:solidFill>
+                  <a:srgbClr val="000000"/>
+                </a:solidFill>
+                <a:latin typeface="PingFang SC" panose="020B0400000000000000" pitchFamily="34" charset="-122"/>
+                <a:ea typeface="PingFang SC" panose="020B0400000000000000" pitchFamily="34" charset="-122"/>
+              </a:rPr>
+              <a:t>)</a:t>
+            </a:r>
+            <a:endParaRPr lang="zh-CN" altLang="en-US" b="0" i="0" dirty="0">
+              <a:solidFill>
+                <a:srgbClr val="000000"/>
+              </a:solidFill>
+              <a:effectLst/>
+              <a:latin typeface="PingFang SC" panose="020B0400000000000000" pitchFamily="34" charset="-122"/>
+              <a:ea typeface="PingFang SC" panose="020B0400000000000000" pitchFamily="34" charset="-122"/>
+            </a:endParaRPr>
+          </a:p>
+          <a:p>
             <a:pPr marL="285750" indent="-285750">
               <a:buFont typeface="Arial" panose="020B0604020202020204" pitchFamily="34" charset="0"/>
               <a:buChar char="•"/>
             </a:pPr>
-            <a:r>
-              <a:rPr lang="zh-CN" altLang="en-US" dirty="0">
-                <a:sym typeface="+mn-ea"/>
-              </a:rPr>
-              <a:t>卷积层的后向传播推导</a:t>
-            </a:r>
             <a:endParaRPr dirty="0">
               <a:sym typeface="+mn-ea"/>
             </a:endParaRPr>
@@ -17381,19 +17761,74 @@
           <a:lstStyle/>
           <a:p>
             <a:r>
-              <a:rPr lang="zh-CN" altLang="en-US"/>
-              <a:t>下节课预告</a:t>
+              <a:rPr lang="zh-CN" altLang="en-US" dirty="0"/>
+              <a:t>扩展阅读</a:t>
             </a:r>
           </a:p>
         </p:txBody>
       </p:sp>
+      <p:graphicFrame>
+        <p:nvGraphicFramePr>
+          <p:cNvPr id="4" name="对象 3">
+            <a:hlinkClick r:id="" action="ppaction://ole?verb=0"/>
+          </p:cNvPr>
+          <p:cNvGraphicFramePr>
+            <a:graphicFrameLocks noChangeAspect="1"/>
+          </p:cNvGraphicFramePr>
+          <p:nvPr/>
+        </p:nvGraphicFramePr>
+        <p:xfrm>
+          <a:off x="5638800" y="3244850"/>
+          <a:ext cx="914400" cy="368300"/>
+        </p:xfrm>
+        <a:graphic>
+          <a:graphicData uri="http://schemas.openxmlformats.org/presentationml/2006/ole">
+            <mc:AlternateContent xmlns:mc="http://schemas.openxmlformats.org/markup-compatibility/2006">
+              <mc:Choice xmlns:v="urn:schemas-microsoft-com:vml" Requires="v">
+                <p:oleObj r:id="rId4" imgW="914400" imgH="368300" progId="Equation.KSEE3">
+                  <p:embed/>
+                </p:oleObj>
+              </mc:Choice>
+              <mc:Fallback>
+                <p:oleObj r:id="rId4" imgW="914400" imgH="368300" progId="Equation.KSEE3">
+                  <p:embed/>
+                  <p:pic>
+                    <p:nvPicPr>
+                      <p:cNvPr id="4" name="对象 3">
+                        <a:hlinkClick r:id="" action="ppaction://ole?verb=0"/>
+                      </p:cNvPr>
+                      <p:cNvPicPr/>
+                      <p:nvPr/>
+                    </p:nvPicPr>
+                    <p:blipFill>
+                      <a:blip r:embed="rId5"/>
+                      <a:stretch>
+                        <a:fillRect/>
+                      </a:stretch>
+                    </p:blipFill>
+                    <p:spPr>
+                      <a:xfrm>
+                        <a:off x="5638800" y="3244850"/>
+                        <a:ext cx="914400" cy="368300"/>
+                      </a:xfrm>
+                      <a:prstGeom prst="rect">
+                        <a:avLst/>
+                      </a:prstGeom>
+                    </p:spPr>
+                  </p:pic>
+                </p:oleObj>
+              </mc:Fallback>
+            </mc:AlternateContent>
+          </a:graphicData>
+        </a:graphic>
+      </p:graphicFrame>
     </p:spTree>
     <p:custDataLst>
       <p:tags r:id="rId1"/>
     </p:custDataLst>
     <p:extLst>
       <p:ext uri="{BB962C8B-B14F-4D97-AF65-F5344CB8AC3E}">
-        <p14:creationId xmlns:p14="http://schemas.microsoft.com/office/powerpoint/2010/main" val="1027050507"/>
+        <p14:creationId xmlns:p14="http://schemas.microsoft.com/office/powerpoint/2010/main" val="2144928479"/>
       </p:ext>
     </p:extLst>
   </p:cSld>
@@ -17404,34 +17839,6 @@
 </file>
 
 <file path=ppt/slides/slide31.xml><?xml version="1.0" encoding="utf-8"?>
-<p:sld xmlns:a="http://schemas.openxmlformats.org/drawingml/2006/main" xmlns:r="http://schemas.openxmlformats.org/officeDocument/2006/relationships" xmlns:p="http://schemas.openxmlformats.org/presentationml/2006/main">
-  <p:cSld>
-    <p:spTree>
-      <p:nvGrpSpPr>
-        <p:cNvPr id="1" name=""/>
-        <p:cNvGrpSpPr/>
-        <p:nvPr/>
-      </p:nvGrpSpPr>
-      <p:grpSpPr>
-        <a:xfrm>
-          <a:off x="0" y="0"/>
-          <a:ext cx="0" cy="0"/>
-          <a:chOff x="0" y="0"/>
-          <a:chExt cx="0" cy="0"/>
-        </a:xfrm>
-      </p:grpSpPr>
-    </p:spTree>
-    <p:custDataLst>
-      <p:tags r:id="rId1"/>
-    </p:custDataLst>
-  </p:cSld>
-  <p:clrMapOvr>
-    <a:masterClrMapping/>
-  </p:clrMapOvr>
-</p:sld>
-</file>
-
-<file path=ppt/slides/slide32.xml><?xml version="1.0" encoding="utf-8"?>
 <p:sld xmlns:a="http://schemas.openxmlformats.org/drawingml/2006/main" xmlns:r="http://schemas.openxmlformats.org/officeDocument/2006/relationships" xmlns:p="http://schemas.openxmlformats.org/presentationml/2006/main">
   <p:cSld>
     <p:spTree>
@@ -17467,7 +17874,15 @@
               <a:buFont typeface="Arial" panose="020B0604020202020204" pitchFamily="34" charset="0"/>
               <a:buChar char="•"/>
             </a:pPr>
-            <a:endParaRPr lang="en-US" altLang="zh-CN" dirty="0"/>
+            <a:r>
+              <a:rPr lang="zh-CN" altLang="en-US" dirty="0">
+                <a:sym typeface="+mn-ea"/>
+              </a:rPr>
+              <a:t>卷积层的后向传播推导</a:t>
+            </a:r>
+            <a:endParaRPr dirty="0">
+              <a:sym typeface="+mn-ea"/>
+            </a:endParaRPr>
           </a:p>
         </p:txBody>
       </p:sp>
@@ -17487,6 +17902,112 @@
           <a:lstStyle/>
           <a:p>
             <a:r>
+              <a:rPr lang="zh-CN" altLang="en-US"/>
+              <a:t>下节课预告</a:t>
+            </a:r>
+          </a:p>
+        </p:txBody>
+      </p:sp>
+    </p:spTree>
+    <p:custDataLst>
+      <p:tags r:id="rId1"/>
+    </p:custDataLst>
+    <p:extLst>
+      <p:ext uri="{BB962C8B-B14F-4D97-AF65-F5344CB8AC3E}">
+        <p14:creationId xmlns:p14="http://schemas.microsoft.com/office/powerpoint/2010/main" val="1027050507"/>
+      </p:ext>
+    </p:extLst>
+  </p:cSld>
+  <p:clrMapOvr>
+    <a:masterClrMapping/>
+  </p:clrMapOvr>
+</p:sld>
+</file>
+
+<file path=ppt/slides/slide32.xml><?xml version="1.0" encoding="utf-8"?>
+<p:sld xmlns:a="http://schemas.openxmlformats.org/drawingml/2006/main" xmlns:r="http://schemas.openxmlformats.org/officeDocument/2006/relationships" xmlns:p="http://schemas.openxmlformats.org/presentationml/2006/main">
+  <p:cSld>
+    <p:spTree>
+      <p:nvGrpSpPr>
+        <p:cNvPr id="1" name=""/>
+        <p:cNvGrpSpPr/>
+        <p:nvPr/>
+      </p:nvGrpSpPr>
+      <p:grpSpPr>
+        <a:xfrm>
+          <a:off x="0" y="0"/>
+          <a:ext cx="0" cy="0"/>
+          <a:chOff x="0" y="0"/>
+          <a:chExt cx="0" cy="0"/>
+        </a:xfrm>
+      </p:grpSpPr>
+    </p:spTree>
+    <p:custDataLst>
+      <p:tags r:id="rId1"/>
+    </p:custDataLst>
+  </p:cSld>
+  <p:clrMapOvr>
+    <a:masterClrMapping/>
+  </p:clrMapOvr>
+</p:sld>
+</file>
+
+<file path=ppt/slides/slide33.xml><?xml version="1.0" encoding="utf-8"?>
+<p:sld xmlns:a="http://schemas.openxmlformats.org/drawingml/2006/main" xmlns:r="http://schemas.openxmlformats.org/officeDocument/2006/relationships" xmlns:p="http://schemas.openxmlformats.org/presentationml/2006/main">
+  <p:cSld>
+    <p:spTree>
+      <p:nvGrpSpPr>
+        <p:cNvPr id="1" name=""/>
+        <p:cNvGrpSpPr/>
+        <p:nvPr/>
+      </p:nvGrpSpPr>
+      <p:grpSpPr>
+        <a:xfrm>
+          <a:off x="0" y="0"/>
+          <a:ext cx="0" cy="0"/>
+          <a:chOff x="0" y="0"/>
+          <a:chExt cx="0" cy="0"/>
+        </a:xfrm>
+      </p:grpSpPr>
+      <p:sp>
+        <p:nvSpPr>
+          <p:cNvPr id="2" name="文本占位符 1"/>
+          <p:cNvSpPr>
+            <a:spLocks noGrp="1"/>
+          </p:cNvSpPr>
+          <p:nvPr>
+            <p:ph type="body" idx="1"/>
+          </p:nvPr>
+        </p:nvSpPr>
+        <p:spPr/>
+        <p:txBody>
+          <a:bodyPr/>
+          <a:lstStyle/>
+          <a:p>
+            <a:pPr marL="285750" indent="-285750">
+              <a:buFont typeface="Arial" panose="020B0604020202020204" pitchFamily="34" charset="0"/>
+              <a:buChar char="•"/>
+            </a:pPr>
+            <a:endParaRPr lang="en-US" altLang="zh-CN" dirty="0"/>
+          </a:p>
+        </p:txBody>
+      </p:sp>
+      <p:sp>
+        <p:nvSpPr>
+          <p:cNvPr id="3" name="标题 2"/>
+          <p:cNvSpPr>
+            <a:spLocks noGrp="1"/>
+          </p:cNvSpPr>
+          <p:nvPr>
+            <p:ph type="title"/>
+          </p:nvPr>
+        </p:nvSpPr>
+        <p:spPr/>
+        <p:txBody>
+          <a:bodyPr/>
+          <a:lstStyle/>
+          <a:p>
+            <a:r>
               <a:rPr lang="zh-CN" altLang="en-US" dirty="0"/>
               <a:t>问答</a:t>
             </a:r>
@@ -17504,7 +18025,7 @@
 </p:sld>
 </file>
 
-<file path=ppt/slides/slide33.xml><?xml version="1.0" encoding="utf-8"?>
+<file path=ppt/slides/slide34.xml><?xml version="1.0" encoding="utf-8"?>
 <p:sld xmlns:a="http://schemas.openxmlformats.org/drawingml/2006/main" xmlns:r="http://schemas.openxmlformats.org/officeDocument/2006/relationships" xmlns:p="http://schemas.openxmlformats.org/presentationml/2006/main">
   <p:cSld>
     <p:spTree>
@@ -19770,6 +20291,15 @@
 </file>
 
 <file path=ppt/tags/tag102.xml><?xml version="1.0" encoding="utf-8"?>
+<p:tagLst xmlns:a="http://schemas.openxmlformats.org/drawingml/2006/main" xmlns:r="http://schemas.openxmlformats.org/officeDocument/2006/relationships" xmlns:p="http://schemas.openxmlformats.org/presentationml/2006/main">
+  <p:tag name="KSO_WM_BEAUTIFY_FLAG" val="#wm#"/>
+  <p:tag name="KSO_WM_TEMPLATE_CATEGORY" val="custom"/>
+  <p:tag name="KSO_WM_TEMPLATE_INDEX" val="20187308"/>
+  <p:tag name="KSO_WM_SPECIAL_SOURCE" val="bdnull"/>
+</p:tagLst>
+</file>
+
+<file path=ppt/tags/tag103.xml><?xml version="1.0" encoding="utf-8"?>
 <p:tagLst xmlns:a="http://schemas.openxmlformats.org/drawingml/2006/main" xmlns:r="http://schemas.openxmlformats.org/officeDocument/2006/relationships" xmlns:p="http://schemas.openxmlformats.org/presentationml/2006/main">
   <p:tag name="KSO_WM_BEAUTIFY_FLAG" val="#wm#"/>
   <p:tag name="KSO_WM_TEMPLATE_CATEGORY" val="custom"/>

--- a/lessons/10_conv_layer_backward/ppt/卷积层的后向传播推导.pptx
+++ b/lessons/10_conv_layer_backward/ppt/卷积层的后向传播推导.pptx
@@ -17262,7 +17262,7 @@
               <a:buChar char="•"/>
             </a:pPr>
             <a:r>
-              <a:rPr lang="zh-CN" altLang="en-US"/>
+              <a:rPr lang="zh-CN" altLang="en-US" dirty="0"/>
               <a:t>任务：实现反向计算误差项</a:t>
             </a:r>
             <a:br>

--- a/lessons/10_conv_layer_backward/ppt/卷积层的后向传播推导.pptx
+++ b/lessons/10_conv_layer_backward/ppt/卷积层的后向传播推导.pptx
@@ -5,10 +5,10 @@
     <p:sldMasterId id="2147483648" r:id="rId1"/>
   </p:sldMasterIdLst>
   <p:notesMasterIdLst>
-    <p:notesMasterId r:id="rId36"/>
+    <p:notesMasterId r:id="rId38"/>
   </p:notesMasterIdLst>
   <p:handoutMasterIdLst>
-    <p:handoutMasterId r:id="rId37"/>
+    <p:handoutMasterId r:id="rId39"/>
   </p:handoutMasterIdLst>
   <p:sldIdLst>
     <p:sldId id="307" r:id="rId2"/>
@@ -31,25 +31,27 @@
     <p:sldId id="1144" r:id="rId19"/>
     <p:sldId id="1091" r:id="rId20"/>
     <p:sldId id="1135" r:id="rId21"/>
-    <p:sldId id="1128" r:id="rId22"/>
+    <p:sldId id="1149" r:id="rId22"/>
     <p:sldId id="1140" r:id="rId23"/>
-    <p:sldId id="1141" r:id="rId24"/>
-    <p:sldId id="1142" r:id="rId25"/>
-    <p:sldId id="1143" r:id="rId26"/>
-    <p:sldId id="1145" r:id="rId27"/>
-    <p:sldId id="537" r:id="rId28"/>
-    <p:sldId id="536" r:id="rId29"/>
-    <p:sldId id="1014" r:id="rId30"/>
-    <p:sldId id="1148" r:id="rId31"/>
-    <p:sldId id="1013" r:id="rId32"/>
-    <p:sldId id="997" r:id="rId33"/>
-    <p:sldId id="998" r:id="rId34"/>
-    <p:sldId id="653" r:id="rId35"/>
+    <p:sldId id="1150" r:id="rId24"/>
+    <p:sldId id="1141" r:id="rId25"/>
+    <p:sldId id="1142" r:id="rId26"/>
+    <p:sldId id="1151" r:id="rId27"/>
+    <p:sldId id="1143" r:id="rId28"/>
+    <p:sldId id="1145" r:id="rId29"/>
+    <p:sldId id="537" r:id="rId30"/>
+    <p:sldId id="536" r:id="rId31"/>
+    <p:sldId id="1014" r:id="rId32"/>
+    <p:sldId id="1148" r:id="rId33"/>
+    <p:sldId id="1013" r:id="rId34"/>
+    <p:sldId id="997" r:id="rId35"/>
+    <p:sldId id="998" r:id="rId36"/>
+    <p:sldId id="653" r:id="rId37"/>
   </p:sldIdLst>
   <p:sldSz cx="12192000" cy="6858000"/>
   <p:notesSz cx="6858000" cy="9144000"/>
   <p:custDataLst>
-    <p:tags r:id="rId38"/>
+    <p:tags r:id="rId40"/>
   </p:custDataLst>
   <p:defaultTextStyle>
     <a:defPPr>
@@ -242,7 +244,7 @@
                 <a:latin typeface="微软雅黑" panose="020B0503020204020204" charset="-122"/>
                 <a:ea typeface="微软雅黑" panose="020B0503020204020204" charset="-122"/>
               </a:rPr>
-              <a:t>2022/12/26</a:t>
+              <a:t>2022/12/27</a:t>
             </a:fld>
             <a:endParaRPr lang="zh-CN" altLang="en-US">
               <a:latin typeface="微软雅黑" panose="020B0503020204020204" charset="-122"/>
@@ -425,7 +427,7 @@
           <a:p>
             <a:fld id="{1AC49D05-6128-4D0D-A32A-06A5E73B386C}" type="datetimeFigureOut">
               <a:rPr lang="zh-CN" altLang="en-US" smtClean="0"/>
-              <a:t>2022/12/26</a:t>
+              <a:t>2022/12/27</a:t>
             </a:fld>
             <a:endParaRPr lang="zh-CN" altLang="en-US"/>
           </a:p>
@@ -1087,7 +1089,7 @@
           <a:p>
             <a:fld id="{9EFD9D74-47D9-4702-A33C-335B63B48DBF}" type="datetimeFigureOut">
               <a:rPr lang="zh-CN" altLang="en-US" smtClean="0"/>
-              <a:t>2022/12/26</a:t>
+              <a:t>2022/12/27</a:t>
             </a:fld>
             <a:endParaRPr lang="zh-CN" altLang="en-US" dirty="0"/>
           </a:p>
@@ -1420,7 +1422,7 @@
           <a:p>
             <a:fld id="{760FBDFE-C587-4B4C-A407-44438C67B59E}" type="datetimeFigureOut">
               <a:rPr lang="zh-CN" altLang="en-US" smtClean="0"/>
-              <a:t>2022/12/26</a:t>
+              <a:t>2022/12/27</a:t>
             </a:fld>
             <a:endParaRPr lang="zh-CN" altLang="en-US"/>
           </a:p>
@@ -1593,7 +1595,7 @@
           <a:p>
             <a:fld id="{9EFD9D74-47D9-4702-A33C-335B63B48DBF}" type="datetimeFigureOut">
               <a:rPr lang="zh-CN" altLang="en-US" smtClean="0"/>
-              <a:t>2022/12/26</a:t>
+              <a:t>2022/12/27</a:t>
             </a:fld>
             <a:endParaRPr lang="zh-CN" altLang="en-US" dirty="0"/>
           </a:p>
@@ -2118,7 +2120,7 @@
           <a:p>
             <a:fld id="{760FBDFE-C587-4B4C-A407-44438C67B59E}" type="datetimeFigureOut">
               <a:rPr lang="zh-CN" altLang="en-US" smtClean="0"/>
-              <a:t>2022/12/26</a:t>
+              <a:t>2022/12/27</a:t>
             </a:fld>
             <a:endParaRPr lang="zh-CN" altLang="en-US"/>
           </a:p>
@@ -2866,7 +2868,7 @@
           <a:p>
             <a:fld id="{760FBDFE-C587-4B4C-A407-44438C67B59E}" type="datetimeFigureOut">
               <a:rPr lang="zh-CN" altLang="en-US" smtClean="0"/>
-              <a:t>2022/12/26</a:t>
+              <a:t>2022/12/27</a:t>
             </a:fld>
             <a:endParaRPr lang="zh-CN" altLang="en-US"/>
           </a:p>
@@ -3032,7 +3034,7 @@
           <a:p>
             <a:fld id="{760FBDFE-C587-4B4C-A407-44438C67B59E}" type="datetimeFigureOut">
               <a:rPr lang="zh-CN" altLang="en-US" smtClean="0"/>
-              <a:t>2022/12/26</a:t>
+              <a:t>2022/12/27</a:t>
             </a:fld>
             <a:endParaRPr lang="zh-CN" altLang="en-US"/>
           </a:p>
@@ -3146,7 +3148,7 @@
           <a:p>
             <a:fld id="{760FBDFE-C587-4B4C-A407-44438C67B59E}" type="datetimeFigureOut">
               <a:rPr lang="zh-CN" altLang="en-US" smtClean="0"/>
-              <a:t>2022/12/26</a:t>
+              <a:t>2022/12/27</a:t>
             </a:fld>
             <a:endParaRPr lang="zh-CN" altLang="en-US"/>
           </a:p>
@@ -3476,7 +3478,7 @@
           <a:p>
             <a:fld id="{9EFD9D74-47D9-4702-A33C-335B63B48DBF}" type="datetimeFigureOut">
               <a:rPr lang="zh-CN" altLang="en-US" smtClean="0"/>
-              <a:t>2022/12/26</a:t>
+              <a:t>2022/12/27</a:t>
             </a:fld>
             <a:endParaRPr lang="zh-CN" altLang="en-US" dirty="0"/>
           </a:p>
@@ -3989,7 +3991,7 @@
           <a:p>
             <a:fld id="{760FBDFE-C587-4B4C-A407-44438C67B59E}" type="datetimeFigureOut">
               <a:rPr lang="zh-CN" altLang="en-US" smtClean="0"/>
-              <a:t>2022/12/26</a:t>
+              <a:t>2022/12/27</a:t>
             </a:fld>
             <a:endParaRPr lang="zh-CN" altLang="en-US"/>
           </a:p>
@@ -4103,7 +4105,7 @@
           <a:p>
             <a:fld id="{760FBDFE-C587-4B4C-A407-44438C67B59E}" type="datetimeFigureOut">
               <a:rPr lang="zh-CN" altLang="en-US" smtClean="0"/>
-              <a:t>2022/12/26</a:t>
+              <a:t>2022/12/27</a:t>
             </a:fld>
             <a:endParaRPr lang="zh-CN" altLang="en-US"/>
           </a:p>
@@ -4391,7 +4393,7 @@
           <a:p>
             <a:fld id="{82F288E0-7875-42C4-84C8-98DBBD3BF4D2}" type="datetimeFigureOut">
               <a:rPr lang="zh-CN" altLang="en-US" smtClean="0"/>
-              <a:t>2022/12/26</a:t>
+              <a:t>2022/12/27</a:t>
             </a:fld>
             <a:endParaRPr lang="zh-CN" altLang="en-US"/>
           </a:p>
@@ -4850,7 +4852,7 @@
           <a:p>
             <a:fld id="{760FBDFE-C587-4B4C-A407-44438C67B59E}" type="datetimeFigureOut">
               <a:rPr lang="zh-CN" altLang="en-US" smtClean="0"/>
-              <a:t>2022/12/26</a:t>
+              <a:t>2022/12/27</a:t>
             </a:fld>
             <a:endParaRPr lang="zh-CN" altLang="en-US"/>
           </a:p>
@@ -5519,7 +5521,7 @@
           <a:p>
             <a:fld id="{9EFD9D74-47D9-4702-A33C-335B63B48DBF}" type="datetimeFigureOut">
               <a:rPr lang="zh-CN" altLang="en-US" smtClean="0"/>
-              <a:t>2022/12/26</a:t>
+              <a:t>2022/12/27</a:t>
             </a:fld>
             <a:endParaRPr lang="zh-CN" altLang="en-US" dirty="0"/>
           </a:p>
@@ -5667,7 +5669,7 @@
           <a:p>
             <a:fld id="{9EFD9D74-47D9-4702-A33C-335B63B48DBF}" type="datetimeFigureOut">
               <a:rPr lang="zh-CN" altLang="en-US" smtClean="0"/>
-              <a:t>2022/12/26</a:t>
+              <a:t>2022/12/27</a:t>
             </a:fld>
             <a:endParaRPr lang="zh-CN" altLang="en-US" dirty="0"/>
           </a:p>
@@ -10989,258 +10991,369 @@
           </a:extLst>
         </p:spPr>
       </p:pic>
-      <p:sp>
-        <p:nvSpPr>
-          <p:cNvPr id="2" name="文本框 1">
-            <a:extLst>
-              <a:ext uri="{FF2B5EF4-FFF2-40B4-BE49-F238E27FC236}">
-                <a16:creationId xmlns:a16="http://schemas.microsoft.com/office/drawing/2014/main" id="{8C296B29-A597-C5FD-5D83-E52CE45AF8BF}"/>
-              </a:ext>
-            </a:extLst>
-          </p:cNvPr>
-          <p:cNvSpPr txBox="1"/>
-          <p:nvPr/>
-        </p:nvSpPr>
-        <p:spPr>
-          <a:xfrm>
-            <a:off x="822325" y="4617612"/>
-            <a:ext cx="5801256" cy="1200329"/>
-          </a:xfrm>
-          <a:prstGeom prst="rect">
-            <a:avLst/>
-          </a:prstGeom>
-          <a:noFill/>
-        </p:spPr>
-        <p:txBody>
-          <a:bodyPr wrap="square" rtlCol="0">
-            <a:spAutoFit/>
-          </a:bodyPr>
-          <a:lstStyle/>
-          <a:p>
-            <a:r>
-              <a:rPr lang="zh-CN" altLang="en-US" b="0" i="0" dirty="0">
-                <a:solidFill>
-                  <a:srgbClr val="333333"/>
-                </a:solidFill>
-                <a:effectLst/>
-                <a:latin typeface="PingFang SC" panose="020B0400000000000000" pitchFamily="34" charset="-122"/>
-                <a:ea typeface="PingFang SC" panose="020B0400000000000000" pitchFamily="34" charset="-122"/>
-              </a:rPr>
-              <a:t>我们可以看出，因为步长为</a:t>
-            </a:r>
-            <a:r>
-              <a:rPr lang="en-US" altLang="zh-CN" b="0" i="0" dirty="0">
-                <a:solidFill>
-                  <a:srgbClr val="333333"/>
-                </a:solidFill>
-                <a:effectLst/>
-                <a:latin typeface="PingFang SC" panose="020B0400000000000000" pitchFamily="34" charset="-122"/>
-                <a:ea typeface="PingFang SC" panose="020B0400000000000000" pitchFamily="34" charset="-122"/>
-              </a:rPr>
-              <a:t>2</a:t>
-            </a:r>
-            <a:r>
-              <a:rPr lang="zh-CN" altLang="en-US" b="0" i="0" dirty="0">
-                <a:solidFill>
-                  <a:srgbClr val="333333"/>
-                </a:solidFill>
-                <a:effectLst/>
-                <a:latin typeface="PingFang SC" panose="020B0400000000000000" pitchFamily="34" charset="-122"/>
-                <a:ea typeface="PingFang SC" panose="020B0400000000000000" pitchFamily="34" charset="-122"/>
-              </a:rPr>
-              <a:t>，得到的</a:t>
-            </a:r>
-            <a:r>
-              <a:rPr lang="en" altLang="zh-CN" b="0" i="0" dirty="0">
-                <a:solidFill>
-                  <a:srgbClr val="333333"/>
-                </a:solidFill>
-                <a:effectLst/>
-                <a:latin typeface="PingFang SC" panose="020B0400000000000000" pitchFamily="34" charset="-122"/>
-                <a:ea typeface="PingFang SC" panose="020B0400000000000000" pitchFamily="34" charset="-122"/>
-              </a:rPr>
-              <a:t>feature map</a:t>
-            </a:r>
-            <a:r>
-              <a:rPr lang="zh-CN" altLang="en-US" b="0" i="0" dirty="0">
-                <a:solidFill>
-                  <a:srgbClr val="333333"/>
-                </a:solidFill>
-                <a:effectLst/>
-                <a:latin typeface="PingFang SC" panose="020B0400000000000000" pitchFamily="34" charset="-122"/>
-                <a:ea typeface="PingFang SC" panose="020B0400000000000000" pitchFamily="34" charset="-122"/>
-              </a:rPr>
-              <a:t>跳过了步长为</a:t>
-            </a:r>
-            <a:r>
-              <a:rPr lang="en-US" altLang="zh-CN" b="0" i="0" dirty="0">
-                <a:solidFill>
-                  <a:srgbClr val="333333"/>
-                </a:solidFill>
-                <a:effectLst/>
-                <a:latin typeface="PingFang SC" panose="020B0400000000000000" pitchFamily="34" charset="-122"/>
-                <a:ea typeface="PingFang SC" panose="020B0400000000000000" pitchFamily="34" charset="-122"/>
-              </a:rPr>
-              <a:t>1</a:t>
-            </a:r>
-            <a:r>
-              <a:rPr lang="zh-CN" altLang="en-US" b="0" i="0" dirty="0">
-                <a:solidFill>
-                  <a:srgbClr val="333333"/>
-                </a:solidFill>
-                <a:effectLst/>
-                <a:latin typeface="PingFang SC" panose="020B0400000000000000" pitchFamily="34" charset="-122"/>
-                <a:ea typeface="PingFang SC" panose="020B0400000000000000" pitchFamily="34" charset="-122"/>
-              </a:rPr>
-              <a:t>时相应的部分。因此，当我们反向计算误差项时，我们可以对步长为</a:t>
-            </a:r>
-            <a:r>
-              <a:rPr lang="en" altLang="zh-CN" b="0" i="0" dirty="0">
-                <a:solidFill>
-                  <a:srgbClr val="333333"/>
-                </a:solidFill>
-                <a:effectLst/>
-                <a:latin typeface="PingFang SC" panose="020B0400000000000000" pitchFamily="34" charset="-122"/>
-                <a:ea typeface="PingFang SC" panose="020B0400000000000000" pitchFamily="34" charset="-122"/>
-              </a:rPr>
-              <a:t>S</a:t>
-            </a:r>
-            <a:r>
-              <a:rPr lang="zh-CN" altLang="en-US" b="0" i="0" dirty="0">
-                <a:solidFill>
-                  <a:srgbClr val="333333"/>
-                </a:solidFill>
-                <a:effectLst/>
-                <a:latin typeface="PingFang SC" panose="020B0400000000000000" pitchFamily="34" charset="-122"/>
-                <a:ea typeface="PingFang SC" panose="020B0400000000000000" pitchFamily="34" charset="-122"/>
-              </a:rPr>
-              <a:t>的</a:t>
-            </a:r>
-            <a:r>
-              <a:rPr lang="en" altLang="zh-CN" b="0" i="0" dirty="0">
-                <a:solidFill>
-                  <a:srgbClr val="333333"/>
-                </a:solidFill>
-                <a:effectLst/>
-                <a:latin typeface="PingFang SC" panose="020B0400000000000000" pitchFamily="34" charset="-122"/>
-                <a:ea typeface="PingFang SC" panose="020B0400000000000000" pitchFamily="34" charset="-122"/>
-              </a:rPr>
-              <a:t>sensitivity map</a:t>
-            </a:r>
-            <a:r>
-              <a:rPr lang="zh-CN" altLang="en-US" b="0" i="0" dirty="0">
-                <a:solidFill>
-                  <a:srgbClr val="333333"/>
-                </a:solidFill>
-                <a:effectLst/>
-                <a:latin typeface="PingFang SC" panose="020B0400000000000000" pitchFamily="34" charset="-122"/>
-                <a:ea typeface="PingFang SC" panose="020B0400000000000000" pitchFamily="34" charset="-122"/>
-              </a:rPr>
-              <a:t>相应的位置进行补</a:t>
-            </a:r>
-            <a:r>
-              <a:rPr lang="en-US" altLang="zh-CN" b="0" i="0" dirty="0">
-                <a:solidFill>
-                  <a:srgbClr val="333333"/>
-                </a:solidFill>
-                <a:effectLst/>
-                <a:latin typeface="PingFang SC" panose="020B0400000000000000" pitchFamily="34" charset="-122"/>
-                <a:ea typeface="PingFang SC" panose="020B0400000000000000" pitchFamily="34" charset="-122"/>
-              </a:rPr>
-              <a:t>0</a:t>
-            </a:r>
-            <a:r>
-              <a:rPr lang="zh-CN" altLang="en-US" b="0" i="0" dirty="0">
-                <a:solidFill>
-                  <a:srgbClr val="333333"/>
-                </a:solidFill>
-                <a:effectLst/>
-                <a:latin typeface="PingFang SC" panose="020B0400000000000000" pitchFamily="34" charset="-122"/>
-                <a:ea typeface="PingFang SC" panose="020B0400000000000000" pitchFamily="34" charset="-122"/>
-              </a:rPr>
-              <a:t>，将其</a:t>
-            </a:r>
-            <a:r>
-              <a:rPr lang="en-US" altLang="zh-CN" b="0" i="0" dirty="0">
-                <a:solidFill>
-                  <a:srgbClr val="333333"/>
-                </a:solidFill>
-                <a:effectLst/>
-                <a:latin typeface="PingFang SC" panose="020B0400000000000000" pitchFamily="34" charset="-122"/>
-                <a:ea typeface="PingFang SC" panose="020B0400000000000000" pitchFamily="34" charset="-122"/>
-              </a:rPr>
-              <a:t>『</a:t>
-            </a:r>
-            <a:r>
-              <a:rPr lang="zh-CN" altLang="en-US" b="0" i="0" dirty="0">
-                <a:solidFill>
-                  <a:srgbClr val="333333"/>
-                </a:solidFill>
-                <a:effectLst/>
-                <a:latin typeface="PingFang SC" panose="020B0400000000000000" pitchFamily="34" charset="-122"/>
-                <a:ea typeface="PingFang SC" panose="020B0400000000000000" pitchFamily="34" charset="-122"/>
-              </a:rPr>
-              <a:t>还原</a:t>
-            </a:r>
-            <a:r>
-              <a:rPr lang="en-US" altLang="zh-CN" b="0" i="0" dirty="0">
-                <a:solidFill>
-                  <a:srgbClr val="333333"/>
-                </a:solidFill>
-                <a:effectLst/>
-                <a:latin typeface="PingFang SC" panose="020B0400000000000000" pitchFamily="34" charset="-122"/>
-                <a:ea typeface="PingFang SC" panose="020B0400000000000000" pitchFamily="34" charset="-122"/>
-              </a:rPr>
-              <a:t>』</a:t>
-            </a:r>
-            <a:r>
-              <a:rPr lang="zh-CN" altLang="en-US" b="0" i="0" dirty="0">
-                <a:solidFill>
-                  <a:srgbClr val="333333"/>
-                </a:solidFill>
-                <a:effectLst/>
-                <a:latin typeface="PingFang SC" panose="020B0400000000000000" pitchFamily="34" charset="-122"/>
-                <a:ea typeface="PingFang SC" panose="020B0400000000000000" pitchFamily="34" charset="-122"/>
-              </a:rPr>
-              <a:t>成步长为</a:t>
-            </a:r>
-            <a:r>
-              <a:rPr lang="en-US" altLang="zh-CN" b="0" i="0" dirty="0">
-                <a:solidFill>
-                  <a:srgbClr val="333333"/>
-                </a:solidFill>
-                <a:effectLst/>
-                <a:latin typeface="PingFang SC" panose="020B0400000000000000" pitchFamily="34" charset="-122"/>
-                <a:ea typeface="PingFang SC" panose="020B0400000000000000" pitchFamily="34" charset="-122"/>
-              </a:rPr>
-              <a:t>1</a:t>
-            </a:r>
-            <a:r>
-              <a:rPr lang="zh-CN" altLang="en-US" b="0" i="0" dirty="0">
-                <a:solidFill>
-                  <a:srgbClr val="333333"/>
-                </a:solidFill>
-                <a:effectLst/>
-                <a:latin typeface="PingFang SC" panose="020B0400000000000000" pitchFamily="34" charset="-122"/>
-                <a:ea typeface="PingFang SC" panose="020B0400000000000000" pitchFamily="34" charset="-122"/>
-              </a:rPr>
-              <a:t>时的</a:t>
-            </a:r>
-            <a:r>
-              <a:rPr lang="en" altLang="zh-CN" b="0" i="0" dirty="0">
-                <a:solidFill>
-                  <a:srgbClr val="333333"/>
-                </a:solidFill>
-                <a:effectLst/>
-                <a:latin typeface="PingFang SC" panose="020B0400000000000000" pitchFamily="34" charset="-122"/>
-                <a:ea typeface="PingFang SC" panose="020B0400000000000000" pitchFamily="34" charset="-122"/>
-              </a:rPr>
-              <a:t>sensitivity map</a:t>
-            </a:r>
-            <a:endParaRPr kumimoji="1" lang="zh-CN" altLang="en-US" dirty="0"/>
-          </a:p>
-        </p:txBody>
-      </p:sp>
+      <mc:AlternateContent xmlns:mc="http://schemas.openxmlformats.org/markup-compatibility/2006">
+        <mc:Choice xmlns:a14="http://schemas.microsoft.com/office/drawing/2010/main" Requires="a14">
+          <p:sp>
+            <p:nvSpPr>
+              <p:cNvPr id="2" name="文本框 1">
+                <a:extLst>
+                  <a:ext uri="{FF2B5EF4-FFF2-40B4-BE49-F238E27FC236}">
+                    <a16:creationId xmlns:a16="http://schemas.microsoft.com/office/drawing/2014/main" id="{8C296B29-A597-C5FD-5D83-E52CE45AF8BF}"/>
+                  </a:ext>
+                </a:extLst>
+              </p:cNvPr>
+              <p:cNvSpPr txBox="1"/>
+              <p:nvPr/>
+            </p:nvSpPr>
+            <p:spPr>
+              <a:xfrm>
+                <a:off x="822325" y="4617612"/>
+                <a:ext cx="5801256" cy="1205266"/>
+              </a:xfrm>
+              <a:prstGeom prst="rect">
+                <a:avLst/>
+              </a:prstGeom>
+              <a:noFill/>
+            </p:spPr>
+            <p:txBody>
+              <a:bodyPr wrap="square" rtlCol="0">
+                <a:spAutoFit/>
+              </a:bodyPr>
+              <a:lstStyle/>
+              <a:p>
+                <a:r>
+                  <a:rPr lang="zh-CN" altLang="en-US" b="0" i="0" dirty="0">
+                    <a:solidFill>
+                      <a:srgbClr val="333333"/>
+                    </a:solidFill>
+                    <a:effectLst/>
+                    <a:latin typeface="PingFang SC" panose="020B0400000000000000" pitchFamily="34" charset="-122"/>
+                    <a:ea typeface="PingFang SC" panose="020B0400000000000000" pitchFamily="34" charset="-122"/>
+                  </a:rPr>
+                  <a:t>我们可以看出，因为步长为</a:t>
+                </a:r>
+                <a:r>
+                  <a:rPr lang="en-US" altLang="zh-CN" b="0" i="0" dirty="0">
+                    <a:solidFill>
+                      <a:srgbClr val="333333"/>
+                    </a:solidFill>
+                    <a:effectLst/>
+                    <a:latin typeface="PingFang SC" panose="020B0400000000000000" pitchFamily="34" charset="-122"/>
+                    <a:ea typeface="PingFang SC" panose="020B0400000000000000" pitchFamily="34" charset="-122"/>
+                  </a:rPr>
+                  <a:t>2</a:t>
+                </a:r>
+                <a:r>
+                  <a:rPr lang="zh-CN" altLang="en-US" b="0" i="0" dirty="0">
+                    <a:solidFill>
+                      <a:srgbClr val="333333"/>
+                    </a:solidFill>
+                    <a:effectLst/>
+                    <a:latin typeface="PingFang SC" panose="020B0400000000000000" pitchFamily="34" charset="-122"/>
+                    <a:ea typeface="PingFang SC" panose="020B0400000000000000" pitchFamily="34" charset="-122"/>
+                  </a:rPr>
+                  <a:t>，得到的</a:t>
+                </a:r>
+                <a:r>
+                  <a:rPr lang="en" altLang="zh-CN" b="0" i="0" dirty="0">
+                    <a:solidFill>
+                      <a:srgbClr val="333333"/>
+                    </a:solidFill>
+                    <a:effectLst/>
+                    <a:latin typeface="PingFang SC" panose="020B0400000000000000" pitchFamily="34" charset="-122"/>
+                    <a:ea typeface="PingFang SC" panose="020B0400000000000000" pitchFamily="34" charset="-122"/>
+                  </a:rPr>
+                  <a:t>feature map</a:t>
+                </a:r>
+                <a:r>
+                  <a:rPr lang="zh-CN" altLang="en-US" b="0" i="0" dirty="0">
+                    <a:solidFill>
+                      <a:srgbClr val="333333"/>
+                    </a:solidFill>
+                    <a:effectLst/>
+                    <a:latin typeface="PingFang SC" panose="020B0400000000000000" pitchFamily="34" charset="-122"/>
+                    <a:ea typeface="PingFang SC" panose="020B0400000000000000" pitchFamily="34" charset="-122"/>
+                  </a:rPr>
+                  <a:t>跳过了步长为</a:t>
+                </a:r>
+                <a:r>
+                  <a:rPr lang="en-US" altLang="zh-CN" b="0" i="0" dirty="0">
+                    <a:solidFill>
+                      <a:srgbClr val="333333"/>
+                    </a:solidFill>
+                    <a:effectLst/>
+                    <a:latin typeface="PingFang SC" panose="020B0400000000000000" pitchFamily="34" charset="-122"/>
+                    <a:ea typeface="PingFang SC" panose="020B0400000000000000" pitchFamily="34" charset="-122"/>
+                  </a:rPr>
+                  <a:t>1</a:t>
+                </a:r>
+                <a:r>
+                  <a:rPr lang="zh-CN" altLang="en-US" b="0" i="0" dirty="0">
+                    <a:solidFill>
+                      <a:srgbClr val="333333"/>
+                    </a:solidFill>
+                    <a:effectLst/>
+                    <a:latin typeface="PingFang SC" panose="020B0400000000000000" pitchFamily="34" charset="-122"/>
+                    <a:ea typeface="PingFang SC" panose="020B0400000000000000" pitchFamily="34" charset="-122"/>
+                  </a:rPr>
+                  <a:t>时相应的部分。因此，当我们反向计算误差项时，我们可以对步长为</a:t>
+                </a:r>
+                <a:r>
+                  <a:rPr lang="en" altLang="zh-CN" b="0" i="0" dirty="0">
+                    <a:solidFill>
+                      <a:srgbClr val="333333"/>
+                    </a:solidFill>
+                    <a:effectLst/>
+                    <a:latin typeface="PingFang SC" panose="020B0400000000000000" pitchFamily="34" charset="-122"/>
+                    <a:ea typeface="PingFang SC" panose="020B0400000000000000" pitchFamily="34" charset="-122"/>
+                  </a:rPr>
+                  <a:t>S</a:t>
+                </a:r>
+                <a:r>
+                  <a:rPr lang="zh-CN" altLang="en-US" b="0" i="0" dirty="0">
+                    <a:solidFill>
+                      <a:srgbClr val="333333"/>
+                    </a:solidFill>
+                    <a:effectLst/>
+                    <a:latin typeface="PingFang SC" panose="020B0400000000000000" pitchFamily="34" charset="-122"/>
+                    <a:ea typeface="PingFang SC" panose="020B0400000000000000" pitchFamily="34" charset="-122"/>
+                  </a:rPr>
+                  <a:t>的</a:t>
+                </a:r>
+                <a14:m>
+                  <m:oMath xmlns:m="http://schemas.openxmlformats.org/officeDocument/2006/math">
+                    <m:sSup>
+                      <m:sSupPr>
+                        <m:ctrlPr>
+                          <a:rPr lang="en-US" altLang="zh-CN" b="0" i="1" smtClean="0">
+                            <a:solidFill>
+                              <a:srgbClr val="333333"/>
+                            </a:solidFill>
+                            <a:effectLst/>
+                            <a:latin typeface="Cambria Math" panose="02040503050406030204" pitchFamily="18" charset="0"/>
+                            <a:ea typeface="PingFang SC" panose="020B0400000000000000" pitchFamily="34" charset="-122"/>
+                          </a:rPr>
+                        </m:ctrlPr>
+                      </m:sSupPr>
+                      <m:e>
+                        <m:r>
+                          <a:rPr lang="en-US" altLang="zh-CN" b="0" i="1" smtClean="0">
+                            <a:solidFill>
+                              <a:srgbClr val="333333"/>
+                            </a:solidFill>
+                            <a:effectLst/>
+                            <a:latin typeface="Cambria Math" panose="02040503050406030204" pitchFamily="18" charset="0"/>
+                            <a:ea typeface="Cambria Math" panose="02040503050406030204" pitchFamily="18" charset="0"/>
+                          </a:rPr>
+                          <m:t>𝛿</m:t>
+                        </m:r>
+                      </m:e>
+                      <m:sup>
+                        <m:r>
+                          <a:rPr lang="en-US" altLang="zh-CN" b="0" i="1" smtClean="0">
+                            <a:solidFill>
+                              <a:srgbClr val="333333"/>
+                            </a:solidFill>
+                            <a:effectLst/>
+                            <a:latin typeface="Cambria Math" panose="02040503050406030204" pitchFamily="18" charset="0"/>
+                            <a:ea typeface="PingFang SC" panose="020B0400000000000000" pitchFamily="34" charset="-122"/>
+                          </a:rPr>
+                          <m:t>𝑙</m:t>
+                        </m:r>
+                      </m:sup>
+                    </m:sSup>
+                  </m:oMath>
+                </a14:m>
+                <a:r>
+                  <a:rPr lang="zh-CN" altLang="en-US" b="0" i="0" dirty="0">
+                    <a:solidFill>
+                      <a:srgbClr val="333333"/>
+                    </a:solidFill>
+                    <a:effectLst/>
+                    <a:latin typeface="PingFang SC" panose="020B0400000000000000" pitchFamily="34" charset="-122"/>
+                    <a:ea typeface="PingFang SC" panose="020B0400000000000000" pitchFamily="34" charset="-122"/>
+                  </a:rPr>
+                  <a:t>相应的位置进行补</a:t>
+                </a:r>
+                <a:r>
+                  <a:rPr lang="en-US" altLang="zh-CN" b="0" i="0" dirty="0">
+                    <a:solidFill>
+                      <a:srgbClr val="333333"/>
+                    </a:solidFill>
+                    <a:effectLst/>
+                    <a:latin typeface="PingFang SC" panose="020B0400000000000000" pitchFamily="34" charset="-122"/>
+                    <a:ea typeface="PingFang SC" panose="020B0400000000000000" pitchFamily="34" charset="-122"/>
+                  </a:rPr>
+                  <a:t>0</a:t>
+                </a:r>
+                <a:r>
+                  <a:rPr lang="zh-CN" altLang="en-US" b="0" i="0" dirty="0">
+                    <a:solidFill>
+                      <a:srgbClr val="333333"/>
+                    </a:solidFill>
+                    <a:effectLst/>
+                    <a:latin typeface="PingFang SC" panose="020B0400000000000000" pitchFamily="34" charset="-122"/>
+                    <a:ea typeface="PingFang SC" panose="020B0400000000000000" pitchFamily="34" charset="-122"/>
+                  </a:rPr>
+                  <a:t>，将其</a:t>
+                </a:r>
+                <a:r>
+                  <a:rPr lang="en-US" altLang="zh-CN" b="0" i="0" dirty="0">
+                    <a:solidFill>
+                      <a:srgbClr val="333333"/>
+                    </a:solidFill>
+                    <a:effectLst/>
+                    <a:latin typeface="PingFang SC" panose="020B0400000000000000" pitchFamily="34" charset="-122"/>
+                    <a:ea typeface="PingFang SC" panose="020B0400000000000000" pitchFamily="34" charset="-122"/>
+                  </a:rPr>
+                  <a:t>『</a:t>
+                </a:r>
+                <a:r>
+                  <a:rPr lang="zh-CN" altLang="en-US" b="0" i="0" dirty="0">
+                    <a:solidFill>
+                      <a:srgbClr val="333333"/>
+                    </a:solidFill>
+                    <a:effectLst/>
+                    <a:latin typeface="PingFang SC" panose="020B0400000000000000" pitchFamily="34" charset="-122"/>
+                    <a:ea typeface="PingFang SC" panose="020B0400000000000000" pitchFamily="34" charset="-122"/>
+                  </a:rPr>
+                  <a:t>还原</a:t>
+                </a:r>
+                <a:r>
+                  <a:rPr lang="en-US" altLang="zh-CN" b="0" i="0" dirty="0">
+                    <a:solidFill>
+                      <a:srgbClr val="333333"/>
+                    </a:solidFill>
+                    <a:effectLst/>
+                    <a:latin typeface="PingFang SC" panose="020B0400000000000000" pitchFamily="34" charset="-122"/>
+                    <a:ea typeface="PingFang SC" panose="020B0400000000000000" pitchFamily="34" charset="-122"/>
+                  </a:rPr>
+                  <a:t>』</a:t>
+                </a:r>
+                <a:r>
+                  <a:rPr lang="zh-CN" altLang="en-US" b="0" i="0" dirty="0">
+                    <a:solidFill>
+                      <a:srgbClr val="333333"/>
+                    </a:solidFill>
+                    <a:effectLst/>
+                    <a:latin typeface="PingFang SC" panose="020B0400000000000000" pitchFamily="34" charset="-122"/>
+                    <a:ea typeface="PingFang SC" panose="020B0400000000000000" pitchFamily="34" charset="-122"/>
+                  </a:rPr>
+                  <a:t>成步长为</a:t>
+                </a:r>
+                <a:r>
+                  <a:rPr lang="en-US" altLang="zh-CN" b="0" i="0" dirty="0">
+                    <a:solidFill>
+                      <a:srgbClr val="333333"/>
+                    </a:solidFill>
+                    <a:effectLst/>
+                    <a:latin typeface="PingFang SC" panose="020B0400000000000000" pitchFamily="34" charset="-122"/>
+                    <a:ea typeface="PingFang SC" panose="020B0400000000000000" pitchFamily="34" charset="-122"/>
+                  </a:rPr>
+                  <a:t>1</a:t>
+                </a:r>
+                <a:r>
+                  <a:rPr lang="zh-CN" altLang="en-US" b="0" i="0" dirty="0">
+                    <a:solidFill>
+                      <a:srgbClr val="333333"/>
+                    </a:solidFill>
+                    <a:effectLst/>
+                    <a:latin typeface="PingFang SC" panose="020B0400000000000000" pitchFamily="34" charset="-122"/>
+                    <a:ea typeface="PingFang SC" panose="020B0400000000000000" pitchFamily="34" charset="-122"/>
+                  </a:rPr>
+                  <a:t>时的</a:t>
+                </a:r>
+                <a14:m>
+                  <m:oMath xmlns:m="http://schemas.openxmlformats.org/officeDocument/2006/math">
+                    <m:sSup>
+                      <m:sSupPr>
+                        <m:ctrlPr>
+                          <a:rPr lang="en-US" altLang="zh-CN" i="1">
+                            <a:solidFill>
+                              <a:srgbClr val="333333"/>
+                            </a:solidFill>
+                            <a:latin typeface="Cambria Math" panose="02040503050406030204" pitchFamily="18" charset="0"/>
+                            <a:ea typeface="PingFang SC" panose="020B0400000000000000" pitchFamily="34" charset="-122"/>
+                          </a:rPr>
+                        </m:ctrlPr>
+                      </m:sSupPr>
+                      <m:e>
+                        <m:r>
+                          <a:rPr lang="en-US" altLang="zh-CN" i="1">
+                            <a:solidFill>
+                              <a:srgbClr val="333333"/>
+                            </a:solidFill>
+                            <a:latin typeface="Cambria Math" panose="02040503050406030204" pitchFamily="18" charset="0"/>
+                            <a:ea typeface="Cambria Math" panose="02040503050406030204" pitchFamily="18" charset="0"/>
+                          </a:rPr>
+                          <m:t>𝛿</m:t>
+                        </m:r>
+                      </m:e>
+                      <m:sup>
+                        <m:r>
+                          <a:rPr lang="en-US" altLang="zh-CN" i="1">
+                            <a:solidFill>
+                              <a:srgbClr val="333333"/>
+                            </a:solidFill>
+                            <a:latin typeface="Cambria Math" panose="02040503050406030204" pitchFamily="18" charset="0"/>
+                            <a:ea typeface="PingFang SC" panose="020B0400000000000000" pitchFamily="34" charset="-122"/>
+                          </a:rPr>
+                          <m:t>𝑙</m:t>
+                        </m:r>
+                      </m:sup>
+                    </m:sSup>
+                  </m:oMath>
+                </a14:m>
+                <a:endParaRPr kumimoji="1" lang="zh-CN" altLang="en-US" dirty="0"/>
+              </a:p>
+            </p:txBody>
+          </p:sp>
+        </mc:Choice>
+        <mc:Fallback>
+          <p:sp>
+            <p:nvSpPr>
+              <p:cNvPr id="2" name="文本框 1">
+                <a:extLst>
+                  <a:ext uri="{FF2B5EF4-FFF2-40B4-BE49-F238E27FC236}">
+                    <a16:creationId xmlns:a16="http://schemas.microsoft.com/office/drawing/2014/main" id="{8C296B29-A597-C5FD-5D83-E52CE45AF8BF}"/>
+                  </a:ext>
+                </a:extLst>
+              </p:cNvPr>
+              <p:cNvSpPr txBox="1">
+                <a:spLocks noRot="1" noChangeAspect="1" noMove="1" noResize="1" noEditPoints="1" noAdjustHandles="1" noChangeArrowheads="1" noChangeShapeType="1" noTextEdit="1"/>
+              </p:cNvSpPr>
+              <p:nvPr/>
+            </p:nvSpPr>
+            <p:spPr>
+              <a:xfrm>
+                <a:off x="822325" y="4617612"/>
+                <a:ext cx="5801256" cy="1205266"/>
+              </a:xfrm>
+              <a:prstGeom prst="rect">
+                <a:avLst/>
+              </a:prstGeom>
+              <a:blipFill>
+                <a:blip r:embed="rId4"/>
+                <a:stretch>
+                  <a:fillRect l="-873" t="-2083" r="-218" b="-7292"/>
+                </a:stretch>
+              </a:blipFill>
+            </p:spPr>
+            <p:txBody>
+              <a:bodyPr/>
+              <a:lstStyle/>
+              <a:p>
+                <a:r>
+                  <a:rPr lang="zh-CN" altLang="en-US">
+                    <a:noFill/>
+                  </a:rPr>
+                  <a:t> </a:t>
+                </a:r>
+              </a:p>
+            </p:txBody>
+          </p:sp>
+        </mc:Fallback>
+      </mc:AlternateContent>
     </p:spTree>
     <p:custDataLst>
       <p:tags r:id="rId1"/>
@@ -14792,9 +14905,70 @@
               <a:buChar char="•"/>
             </a:pPr>
             <a:r>
-              <a:rPr lang="en-US" altLang="zh-CN" dirty="0"/>
-              <a:t>TODO</a:t>
-            </a:r>
+              <a:rPr lang="zh-CN" altLang="en-US" b="0" i="0" dirty="0">
+                <a:solidFill>
+                  <a:srgbClr val="333333"/>
+                </a:solidFill>
+                <a:effectLst/>
+                <a:latin typeface="PingFang SC" panose="020B0400000000000000" pitchFamily="34" charset="-122"/>
+                <a:ea typeface="PingFang SC" panose="020B0400000000000000" pitchFamily="34" charset="-122"/>
+              </a:rPr>
+              <a:t>我们要在得到本层的误差项的情况下，计算本层的</a:t>
+            </a:r>
+            <a:r>
+              <a:rPr lang="en" altLang="zh-CN" dirty="0">
+                <a:solidFill>
+                  <a:srgbClr val="333333"/>
+                </a:solidFill>
+                <a:latin typeface="PingFang SC" panose="020B0400000000000000" pitchFamily="34" charset="-122"/>
+                <a:ea typeface="PingFang SC" panose="020B0400000000000000" pitchFamily="34" charset="-122"/>
+              </a:rPr>
+              <a:t>F</a:t>
+            </a:r>
+            <a:r>
+              <a:rPr lang="en" altLang="zh-CN" b="0" i="0" dirty="0">
+                <a:solidFill>
+                  <a:srgbClr val="333333"/>
+                </a:solidFill>
+                <a:effectLst/>
+                <a:latin typeface="PingFang SC" panose="020B0400000000000000" pitchFamily="34" charset="-122"/>
+                <a:ea typeface="PingFang SC" panose="020B0400000000000000" pitchFamily="34" charset="-122"/>
+              </a:rPr>
+              <a:t>ilter</a:t>
+            </a:r>
+            <a:r>
+              <a:rPr lang="zh-CN" altLang="en-US" b="0" i="0" dirty="0">
+                <a:solidFill>
+                  <a:srgbClr val="333333"/>
+                </a:solidFill>
+                <a:effectLst/>
+                <a:latin typeface="PingFang SC" panose="020B0400000000000000" pitchFamily="34" charset="-122"/>
+                <a:ea typeface="PingFang SC" panose="020B0400000000000000" pitchFamily="34" charset="-122"/>
+              </a:rPr>
+              <a:t>的权重的梯度</a:t>
+            </a:r>
+            <a:endParaRPr lang="en-US" altLang="zh-CN" b="0" i="0" dirty="0">
+              <a:solidFill>
+                <a:srgbClr val="333333"/>
+              </a:solidFill>
+              <a:effectLst/>
+              <a:latin typeface="PingFang SC" panose="020B0400000000000000" pitchFamily="34" charset="-122"/>
+              <a:ea typeface="PingFang SC" panose="020B0400000000000000" pitchFamily="34" charset="-122"/>
+            </a:endParaRPr>
+          </a:p>
+          <a:p>
+            <a:pPr marL="285750" indent="-285750">
+              <a:buFont typeface="Arial" panose="020B0604020202020204" pitchFamily="34" charset="0"/>
+              <a:buChar char="•"/>
+            </a:pPr>
+            <a:endParaRPr lang="en-US" altLang="zh-CN" b="0" i="0" dirty="0">
+              <a:solidFill>
+                <a:srgbClr val="333333"/>
+              </a:solidFill>
+              <a:effectLst/>
+              <a:latin typeface="PingFang SC" panose="020B0400000000000000" pitchFamily="34" charset="-122"/>
+              <a:ea typeface="PingFang SC" panose="020B0400000000000000" pitchFamily="34" charset="-122"/>
+            </a:endParaRPr>
           </a:p>
           <a:p>
             <a:pPr marL="285750" indent="-285750">
@@ -14808,10 +14982,35 @@
               <a:buFont typeface="Arial" panose="020B0604020202020204" pitchFamily="34" charset="0"/>
               <a:buChar char="•"/>
             </a:pPr>
-            <a:r>
-              <a:rPr lang="zh-CN" altLang="en-US" dirty="0"/>
-              <a:t>自学、互学、展学</a:t>
-            </a:r>
+            <a:endParaRPr lang="en-US" altLang="zh-CN" dirty="0"/>
+          </a:p>
+          <a:p>
+            <a:pPr marL="285750" indent="-285750">
+              <a:buFont typeface="Arial" panose="020B0604020202020204" pitchFamily="34" charset="0"/>
+              <a:buChar char="•"/>
+            </a:pPr>
+            <a:endParaRPr lang="en-US" altLang="zh-CN" dirty="0"/>
+          </a:p>
+          <a:p>
+            <a:pPr marL="285750" indent="-285750">
+              <a:buFont typeface="Arial" panose="020B0604020202020204" pitchFamily="34" charset="0"/>
+              <a:buChar char="•"/>
+            </a:pPr>
+            <a:endParaRPr lang="en-US" altLang="zh-CN" dirty="0"/>
+          </a:p>
+          <a:p>
+            <a:pPr marL="285750" indent="-285750">
+              <a:buFont typeface="Arial" panose="020B0604020202020204" pitchFamily="34" charset="0"/>
+              <a:buChar char="•"/>
+            </a:pPr>
+            <a:endParaRPr lang="en-US" altLang="zh-CN" dirty="0"/>
+          </a:p>
+          <a:p>
+            <a:pPr marL="285750" indent="-285750">
+              <a:buFont typeface="Arial" panose="020B0604020202020204" pitchFamily="34" charset="0"/>
+              <a:buChar char="•"/>
+            </a:pPr>
+            <a:endParaRPr lang="en-US" altLang="zh-CN" dirty="0"/>
           </a:p>
           <a:p>
             <a:pPr marL="285750" indent="-285750">
@@ -14878,13 +15077,96 @@
           </a:p>
         </p:txBody>
       </p:sp>
+      <p:pic>
+        <p:nvPicPr>
+          <p:cNvPr id="1026" name="Picture 2">
+            <a:extLst>
+              <a:ext uri="{FF2B5EF4-FFF2-40B4-BE49-F238E27FC236}">
+                <a16:creationId xmlns:a16="http://schemas.microsoft.com/office/drawing/2014/main" id="{268855A7-E16E-C610-3146-E59ED9C896E3}"/>
+              </a:ext>
+            </a:extLst>
+          </p:cNvPr>
+          <p:cNvPicPr>
+            <a:picLocks noChangeAspect="1" noChangeArrowheads="1"/>
+          </p:cNvPicPr>
+          <p:nvPr/>
+        </p:nvPicPr>
+        <p:blipFill>
+          <a:blip r:embed="rId3">
+            <a:extLst>
+              <a:ext uri="{28A0092B-C50C-407E-A947-70E740481C1C}">
+                <a14:useLocalDpi xmlns:a14="http://schemas.microsoft.com/office/drawing/2010/main" val="0"/>
+              </a:ext>
+            </a:extLst>
+          </a:blip>
+          <a:srcRect/>
+          <a:stretch>
+            <a:fillRect/>
+          </a:stretch>
+        </p:blipFill>
+        <p:spPr bwMode="auto">
+          <a:xfrm>
+            <a:off x="1095269" y="2209800"/>
+            <a:ext cx="3608475" cy="1945193"/>
+          </a:xfrm>
+          <a:prstGeom prst="rect">
+            <a:avLst/>
+          </a:prstGeom>
+          <a:noFill/>
+          <a:extLst>
+            <a:ext uri="{909E8E84-426E-40DD-AFC4-6F175D3DCCD1}">
+              <a14:hiddenFill xmlns:a14="http://schemas.microsoft.com/office/drawing/2010/main">
+                <a:solidFill>
+                  <a:srgbClr val="FFFFFF"/>
+                </a:solidFill>
+              </a14:hiddenFill>
+            </a:ext>
+          </a:extLst>
+        </p:spPr>
+      </p:pic>
+      <p:pic>
+        <p:nvPicPr>
+          <p:cNvPr id="4" name="图片 3">
+            <a:extLst>
+              <a:ext uri="{FF2B5EF4-FFF2-40B4-BE49-F238E27FC236}">
+                <a16:creationId xmlns:a16="http://schemas.microsoft.com/office/drawing/2014/main" id="{2CE0C760-2D22-FD4F-1E86-4B7A2BC8474D}"/>
+              </a:ext>
+            </a:extLst>
+          </p:cNvPr>
+          <p:cNvPicPr>
+            <a:picLocks noChangeAspect="1"/>
+          </p:cNvPicPr>
+          <p:nvPr/>
+        </p:nvPicPr>
+        <p:blipFill>
+          <a:blip r:embed="rId4">
+            <a:extLst>
+              <a:ext uri="{28A0092B-C50C-407E-A947-70E740481C1C}">
+                <a14:useLocalDpi xmlns:a14="http://schemas.microsoft.com/office/drawing/2010/main" val="0"/>
+              </a:ext>
+            </a:extLst>
+          </a:blip>
+          <a:stretch>
+            <a:fillRect/>
+          </a:stretch>
+        </p:blipFill>
+        <p:spPr>
+          <a:xfrm>
+            <a:off x="764265" y="4287950"/>
+            <a:ext cx="7878958" cy="2044270"/>
+          </a:xfrm>
+          <a:prstGeom prst="rect">
+            <a:avLst/>
+          </a:prstGeom>
+        </p:spPr>
+      </p:pic>
     </p:spTree>
     <p:custDataLst>
       <p:tags r:id="rId1"/>
     </p:custDataLst>
     <p:extLst>
       <p:ext uri="{BB962C8B-B14F-4D97-AF65-F5344CB8AC3E}">
-        <p14:creationId xmlns:p14="http://schemas.microsoft.com/office/powerpoint/2010/main" val="3505814721"/>
+        <p14:creationId xmlns:p14="http://schemas.microsoft.com/office/powerpoint/2010/main" val="2381278985"/>
       </p:ext>
     </p:extLst>
   </p:cSld>
@@ -14958,326 +15240,706 @@
           </a:p>
         </p:txBody>
       </p:sp>
-      <p:sp>
-        <p:nvSpPr>
-          <p:cNvPr id="6" name="文本占位符 1">
+      <mc:AlternateContent xmlns:mc="http://schemas.openxmlformats.org/markup-compatibility/2006">
+        <mc:Choice xmlns:a14="http://schemas.microsoft.com/office/drawing/2010/main" Requires="a14">
+          <p:sp>
+            <p:nvSpPr>
+              <p:cNvPr id="6" name="文本占位符 1">
+                <a:extLst>
+                  <a:ext uri="{FF2B5EF4-FFF2-40B4-BE49-F238E27FC236}">
+                    <a16:creationId xmlns:a16="http://schemas.microsoft.com/office/drawing/2014/main" id="{BA88068A-4FDC-6963-46A5-ADEC46CDA15E}"/>
+                  </a:ext>
+                </a:extLst>
+              </p:cNvPr>
+              <p:cNvSpPr txBox="1">
+                <a:spLocks/>
+              </p:cNvSpPr>
+              <p:nvPr/>
+            </p:nvSpPr>
+            <p:spPr>
+              <a:xfrm>
+                <a:off x="822325" y="1778635"/>
+                <a:ext cx="10852150" cy="4553585"/>
+              </a:xfrm>
+            </p:spPr>
+            <p:txBody>
+              <a:bodyPr lIns="101600" tIns="38100" rIns="76200" bIns="38100">
+                <a:noAutofit/>
+              </a:bodyPr>
+              <a:lstStyle>
+                <a:lvl1pPr marL="0" indent="0" algn="l" defTabSz="914400" rtl="0" eaLnBrk="1" fontAlgn="auto" latinLnBrk="0" hangingPunct="1">
+                  <a:lnSpc>
+                    <a:spcPct val="130000"/>
+                  </a:lnSpc>
+                  <a:spcBef>
+                    <a:spcPts val="0"/>
+                  </a:spcBef>
+                  <a:spcAft>
+                    <a:spcPts val="1000"/>
+                  </a:spcAft>
+                  <a:buFont typeface="Arial" panose="020B0604020202020204" pitchFamily="34" charset="0"/>
+                  <a:buNone/>
+                  <a:defRPr kumimoji="0" lang="zh-CN" altLang="en-US" sz="1600" b="0" i="0" u="none" strike="noStrike" kern="1200" cap="none" spc="150" normalizeH="0" baseline="0" noProof="1">
+                    <a:solidFill>
+                      <a:schemeClr val="tx1"/>
+                    </a:solidFill>
+                    <a:uFillTx/>
+                    <a:latin typeface="+mn-lt"/>
+                    <a:ea typeface="+mn-ea"/>
+                    <a:cs typeface="+mn-cs"/>
+                    <a:sym typeface="+mn-ea"/>
+                  </a:defRPr>
+                </a:lvl1pPr>
+                <a:lvl2pPr marL="457200" indent="0" algn="l" defTabSz="914400" rtl="0" eaLnBrk="1" fontAlgn="auto" latinLnBrk="0" hangingPunct="1">
+                  <a:lnSpc>
+                    <a:spcPct val="130000"/>
+                  </a:lnSpc>
+                  <a:spcBef>
+                    <a:spcPts val="0"/>
+                  </a:spcBef>
+                  <a:spcAft>
+                    <a:spcPts val="1000"/>
+                  </a:spcAft>
+                  <a:buFont typeface="Arial" panose="020B0604020202020204" pitchFamily="34" charset="0"/>
+                  <a:buNone/>
+                  <a:tabLst>
+                    <a:tab pos="1609725" algn="l"/>
+                  </a:tabLst>
+                  <a:defRPr sz="2000" u="none" strike="noStrike" kern="1200" cap="none" spc="150" normalizeH="0" baseline="0">
+                    <a:solidFill>
+                      <a:schemeClr val="tx1">
+                        <a:tint val="75000"/>
+                      </a:schemeClr>
+                    </a:solidFill>
+                    <a:uFillTx/>
+                    <a:latin typeface="+mn-lt"/>
+                    <a:ea typeface="+mn-ea"/>
+                    <a:cs typeface="+mn-cs"/>
+                  </a:defRPr>
+                </a:lvl2pPr>
+                <a:lvl3pPr marL="914400" indent="0" algn="l" defTabSz="914400" rtl="0" eaLnBrk="1" fontAlgn="auto" latinLnBrk="0" hangingPunct="1">
+                  <a:lnSpc>
+                    <a:spcPct val="130000"/>
+                  </a:lnSpc>
+                  <a:spcBef>
+                    <a:spcPts val="0"/>
+                  </a:spcBef>
+                  <a:spcAft>
+                    <a:spcPts val="1000"/>
+                  </a:spcAft>
+                  <a:buFont typeface="Arial" panose="020B0604020202020204" pitchFamily="34" charset="0"/>
+                  <a:buNone/>
+                  <a:defRPr sz="1800" u="none" strike="noStrike" kern="1200" cap="none" spc="150" normalizeH="0" baseline="0">
+                    <a:solidFill>
+                      <a:schemeClr val="tx1">
+                        <a:tint val="75000"/>
+                      </a:schemeClr>
+                    </a:solidFill>
+                    <a:uFillTx/>
+                    <a:latin typeface="+mn-lt"/>
+                    <a:ea typeface="+mn-ea"/>
+                    <a:cs typeface="+mn-cs"/>
+                  </a:defRPr>
+                </a:lvl3pPr>
+                <a:lvl4pPr marL="1371600" indent="0" algn="l" defTabSz="914400" rtl="0" eaLnBrk="1" fontAlgn="auto" latinLnBrk="0" hangingPunct="1">
+                  <a:lnSpc>
+                    <a:spcPct val="130000"/>
+                  </a:lnSpc>
+                  <a:spcBef>
+                    <a:spcPts val="0"/>
+                  </a:spcBef>
+                  <a:spcAft>
+                    <a:spcPts val="1000"/>
+                  </a:spcAft>
+                  <a:buFont typeface="Arial" panose="020B0604020202020204" pitchFamily="34" charset="0"/>
+                  <a:buNone/>
+                  <a:defRPr sz="1600" u="none" strike="noStrike" kern="1200" cap="none" spc="150" normalizeH="0" baseline="0">
+                    <a:solidFill>
+                      <a:schemeClr val="tx1">
+                        <a:tint val="75000"/>
+                      </a:schemeClr>
+                    </a:solidFill>
+                    <a:uFillTx/>
+                    <a:latin typeface="+mn-lt"/>
+                    <a:ea typeface="+mn-ea"/>
+                    <a:cs typeface="+mn-cs"/>
+                  </a:defRPr>
+                </a:lvl4pPr>
+                <a:lvl5pPr marL="1828800" indent="0" algn="l" defTabSz="914400" rtl="0" eaLnBrk="1" fontAlgn="auto" latinLnBrk="0" hangingPunct="1">
+                  <a:lnSpc>
+                    <a:spcPct val="130000"/>
+                  </a:lnSpc>
+                  <a:spcBef>
+                    <a:spcPts val="0"/>
+                  </a:spcBef>
+                  <a:spcAft>
+                    <a:spcPts val="1000"/>
+                  </a:spcAft>
+                  <a:buFont typeface="Arial" panose="020B0604020202020204" pitchFamily="34" charset="0"/>
+                  <a:buNone/>
+                  <a:defRPr sz="1600" u="none" strike="noStrike" kern="1200" cap="none" spc="150" normalizeH="0" baseline="0">
+                    <a:solidFill>
+                      <a:schemeClr val="tx1">
+                        <a:tint val="75000"/>
+                      </a:schemeClr>
+                    </a:solidFill>
+                    <a:uFillTx/>
+                    <a:latin typeface="+mn-lt"/>
+                    <a:ea typeface="+mn-ea"/>
+                    <a:cs typeface="+mn-cs"/>
+                  </a:defRPr>
+                </a:lvl5pPr>
+                <a:lvl6pPr marL="2286000" indent="0" algn="l" defTabSz="914400" rtl="0" eaLnBrk="1" latinLnBrk="0" hangingPunct="1">
+                  <a:lnSpc>
+                    <a:spcPct val="90000"/>
+                  </a:lnSpc>
+                  <a:spcBef>
+                    <a:spcPts val="500"/>
+                  </a:spcBef>
+                  <a:buFont typeface="Arial" panose="020B0604020202020204" pitchFamily="34" charset="0"/>
+                  <a:buNone/>
+                  <a:defRPr sz="1600" kern="1200">
+                    <a:solidFill>
+                      <a:schemeClr val="tx1">
+                        <a:tint val="75000"/>
+                      </a:schemeClr>
+                    </a:solidFill>
+                    <a:latin typeface="+mn-lt"/>
+                    <a:ea typeface="+mn-ea"/>
+                    <a:cs typeface="+mn-cs"/>
+                  </a:defRPr>
+                </a:lvl6pPr>
+                <a:lvl7pPr marL="2743200" indent="0" algn="l" defTabSz="914400" rtl="0" eaLnBrk="1" latinLnBrk="0" hangingPunct="1">
+                  <a:lnSpc>
+                    <a:spcPct val="90000"/>
+                  </a:lnSpc>
+                  <a:spcBef>
+                    <a:spcPts val="500"/>
+                  </a:spcBef>
+                  <a:buFont typeface="Arial" panose="020B0604020202020204" pitchFamily="34" charset="0"/>
+                  <a:buNone/>
+                  <a:defRPr sz="1600" kern="1200">
+                    <a:solidFill>
+                      <a:schemeClr val="tx1">
+                        <a:tint val="75000"/>
+                      </a:schemeClr>
+                    </a:solidFill>
+                    <a:latin typeface="+mn-lt"/>
+                    <a:ea typeface="+mn-ea"/>
+                    <a:cs typeface="+mn-cs"/>
+                  </a:defRPr>
+                </a:lvl7pPr>
+                <a:lvl8pPr marL="3200400" indent="0" algn="l" defTabSz="914400" rtl="0" eaLnBrk="1" latinLnBrk="0" hangingPunct="1">
+                  <a:lnSpc>
+                    <a:spcPct val="90000"/>
+                  </a:lnSpc>
+                  <a:spcBef>
+                    <a:spcPts val="500"/>
+                  </a:spcBef>
+                  <a:buFont typeface="Arial" panose="020B0604020202020204" pitchFamily="34" charset="0"/>
+                  <a:buNone/>
+                  <a:defRPr sz="1600" kern="1200">
+                    <a:solidFill>
+                      <a:schemeClr val="tx1">
+                        <a:tint val="75000"/>
+                      </a:schemeClr>
+                    </a:solidFill>
+                    <a:latin typeface="+mn-lt"/>
+                    <a:ea typeface="+mn-ea"/>
+                    <a:cs typeface="+mn-cs"/>
+                  </a:defRPr>
+                </a:lvl8pPr>
+                <a:lvl9pPr marL="3657600" indent="0" algn="l" defTabSz="914400" rtl="0" eaLnBrk="1" latinLnBrk="0" hangingPunct="1">
+                  <a:lnSpc>
+                    <a:spcPct val="90000"/>
+                  </a:lnSpc>
+                  <a:spcBef>
+                    <a:spcPts val="500"/>
+                  </a:spcBef>
+                  <a:buFont typeface="Arial" panose="020B0604020202020204" pitchFamily="34" charset="0"/>
+                  <a:buNone/>
+                  <a:defRPr sz="1600" kern="1200">
+                    <a:solidFill>
+                      <a:schemeClr val="tx1">
+                        <a:tint val="75000"/>
+                      </a:schemeClr>
+                    </a:solidFill>
+                    <a:latin typeface="+mn-lt"/>
+                    <a:ea typeface="+mn-ea"/>
+                    <a:cs typeface="+mn-cs"/>
+                  </a:defRPr>
+                </a:lvl9pPr>
+              </a:lstStyle>
+              <a:p>
+                <a:pPr marL="285750" indent="-285750">
+                  <a:buFont typeface="Arial" panose="020B0604020202020204" pitchFamily="34" charset="0"/>
+                  <a:buChar char="•"/>
+                </a:pPr>
+                <a:r>
+                  <a:rPr lang="zh-CN" altLang="en-US" dirty="0"/>
+                  <a:t>计算</a:t>
+                </a:r>
+                <a14:m>
+                  <m:oMath xmlns:m="http://schemas.openxmlformats.org/officeDocument/2006/math">
+                    <m:f>
+                      <m:fPr>
+                        <m:ctrlPr>
+                          <a:rPr lang="en-US" altLang="zh-CN" i="1" smtClean="0">
+                            <a:latin typeface="Cambria Math" panose="02040503050406030204" pitchFamily="18" charset="0"/>
+                          </a:rPr>
+                        </m:ctrlPr>
+                      </m:fPr>
+                      <m:num>
+                        <m:r>
+                          <a:rPr lang="en-US" altLang="zh-CN" b="0" i="1" smtClean="0">
+                            <a:latin typeface="Cambria Math" panose="02040503050406030204" pitchFamily="18" charset="0"/>
+                          </a:rPr>
+                          <m:t>𝑑𝐸</m:t>
+                        </m:r>
+                      </m:num>
+                      <m:den>
+                        <m:r>
+                          <a:rPr lang="en-US" altLang="zh-CN" b="0" i="1" smtClean="0">
+                            <a:latin typeface="Cambria Math" panose="02040503050406030204" pitchFamily="18" charset="0"/>
+                          </a:rPr>
+                          <m:t>𝑑</m:t>
+                        </m:r>
+                        <m:sSub>
+                          <m:sSubPr>
+                            <m:ctrlPr>
+                              <a:rPr lang="en-US" altLang="zh-CN" b="0" i="1" smtClean="0">
+                                <a:latin typeface="Cambria Math" panose="02040503050406030204" pitchFamily="18" charset="0"/>
+                              </a:rPr>
+                            </m:ctrlPr>
+                          </m:sSubPr>
+                          <m:e>
+                            <m:r>
+                              <a:rPr lang="en-US" altLang="zh-CN" b="0" i="1" smtClean="0">
+                                <a:latin typeface="Cambria Math" panose="02040503050406030204" pitchFamily="18" charset="0"/>
+                              </a:rPr>
+                              <m:t>𝑤</m:t>
+                            </m:r>
+                          </m:e>
+                          <m:sub>
+                            <m:r>
+                              <a:rPr lang="en-US" altLang="zh-CN" b="0" i="1" smtClean="0">
+                                <a:latin typeface="Cambria Math" panose="02040503050406030204" pitchFamily="18" charset="0"/>
+                              </a:rPr>
+                              <m:t>1,1</m:t>
+                            </m:r>
+                          </m:sub>
+                        </m:sSub>
+                      </m:den>
+                    </m:f>
+                  </m:oMath>
+                </a14:m>
+                <a:r>
+                  <a:rPr lang="zh-CN" altLang="en-US" dirty="0"/>
+                  <a:t>？</a:t>
+                </a:r>
+                <a:endParaRPr lang="en-US" altLang="zh-CN" dirty="0"/>
+              </a:p>
+              <a:p>
+                <a:pPr marL="742950" lvl="1" indent="-285750">
+                  <a:buFont typeface="Arial" panose="020B0604020202020204" pitchFamily="34" charset="0"/>
+                  <a:buChar char="•"/>
+                </a:pPr>
+                <a14:m>
+                  <m:oMath xmlns:m="http://schemas.openxmlformats.org/officeDocument/2006/math">
+                    <m:sSub>
+                      <m:sSubPr>
+                        <m:ctrlPr>
+                          <a:rPr lang="en-US" altLang="zh-CN" i="1" smtClean="0">
+                            <a:latin typeface="Cambria Math" panose="02040503050406030204" pitchFamily="18" charset="0"/>
+                          </a:rPr>
+                        </m:ctrlPr>
+                      </m:sSubPr>
+                      <m:e>
+                        <m:r>
+                          <a:rPr lang="en-US" altLang="zh-CN" b="0" i="1" smtClean="0">
+                            <a:latin typeface="Cambria Math" panose="02040503050406030204" pitchFamily="18" charset="0"/>
+                          </a:rPr>
+                          <m:t>𝑤</m:t>
+                        </m:r>
+                      </m:e>
+                      <m:sub>
+                        <m:r>
+                          <a:rPr lang="en-US" altLang="zh-CN" b="0" i="1" smtClean="0">
+                            <a:latin typeface="Cambria Math" panose="02040503050406030204" pitchFamily="18" charset="0"/>
+                          </a:rPr>
+                          <m:t>1,1</m:t>
+                        </m:r>
+                      </m:sub>
+                    </m:sSub>
+                    <m:r>
+                      <a:rPr lang="zh-CN" altLang="en-US" i="1">
+                        <a:latin typeface="Cambria Math" panose="02040503050406030204" pitchFamily="18" charset="0"/>
+                      </a:rPr>
+                      <m:t>对</m:t>
+                    </m:r>
+                    <m:r>
+                      <a:rPr lang="zh-CN" altLang="en-US" i="1" smtClean="0">
+                        <a:latin typeface="Cambria Math" panose="02040503050406030204" pitchFamily="18" charset="0"/>
+                      </a:rPr>
+                      <m:t>哪几个</m:t>
+                    </m:r>
+                    <m:sSup>
+                      <m:sSupPr>
+                        <m:ctrlPr>
+                          <a:rPr lang="en-US" altLang="zh-CN" i="1" smtClean="0">
+                            <a:latin typeface="Cambria Math" panose="02040503050406030204" pitchFamily="18" charset="0"/>
+                          </a:rPr>
+                        </m:ctrlPr>
+                      </m:sSupPr>
+                      <m:e>
+                        <m:sSub>
+                          <m:sSubPr>
+                            <m:ctrlPr>
+                              <a:rPr lang="en-US" altLang="zh-CN" i="1">
+                                <a:latin typeface="Cambria Math" panose="02040503050406030204" pitchFamily="18" charset="0"/>
+                              </a:rPr>
+                            </m:ctrlPr>
+                          </m:sSubPr>
+                          <m:e>
+                            <m:r>
+                              <a:rPr lang="en-US" altLang="zh-CN" i="1">
+                                <a:latin typeface="Cambria Math" panose="02040503050406030204" pitchFamily="18" charset="0"/>
+                              </a:rPr>
+                              <m:t>𝑛𝑒𝑡</m:t>
+                            </m:r>
+                          </m:e>
+                          <m:sub>
+                            <m:r>
+                              <a:rPr lang="en-US" altLang="zh-CN" i="1">
+                                <a:latin typeface="Cambria Math" panose="02040503050406030204" pitchFamily="18" charset="0"/>
+                              </a:rPr>
+                              <m:t>𝑖</m:t>
+                            </m:r>
+                            <m:r>
+                              <a:rPr lang="en-US" altLang="zh-CN" i="1">
+                                <a:latin typeface="Cambria Math" panose="02040503050406030204" pitchFamily="18" charset="0"/>
+                              </a:rPr>
+                              <m:t>,</m:t>
+                            </m:r>
+                            <m:r>
+                              <a:rPr lang="en-US" altLang="zh-CN" i="1">
+                                <a:latin typeface="Cambria Math" panose="02040503050406030204" pitchFamily="18" charset="0"/>
+                              </a:rPr>
+                              <m:t>𝑗</m:t>
+                            </m:r>
+                          </m:sub>
+                        </m:sSub>
+                      </m:e>
+                      <m:sup>
+                        <m:r>
+                          <a:rPr lang="en-US" altLang="zh-CN" b="0" i="1" smtClean="0">
+                            <a:latin typeface="Cambria Math" panose="02040503050406030204" pitchFamily="18" charset="0"/>
+                          </a:rPr>
+                          <m:t>𝑙</m:t>
+                        </m:r>
+                      </m:sup>
+                    </m:sSup>
+                    <m:r>
+                      <a:rPr lang="zh-CN" altLang="en-US" i="1">
+                        <a:latin typeface="Cambria Math" panose="02040503050406030204" pitchFamily="18" charset="0"/>
+                      </a:rPr>
+                      <m:t>有</m:t>
+                    </m:r>
+                    <m:r>
+                      <a:rPr lang="zh-CN" altLang="en-US" i="1" smtClean="0">
+                        <a:latin typeface="Cambria Math" panose="02040503050406030204" pitchFamily="18" charset="0"/>
+                      </a:rPr>
+                      <m:t>影响</m:t>
+                    </m:r>
+                    <m:r>
+                      <a:rPr lang="zh-CN" altLang="en-US" b="0" i="1" smtClean="0">
+                        <a:latin typeface="Cambria Math" panose="02040503050406030204" pitchFamily="18" charset="0"/>
+                      </a:rPr>
+                      <m:t>？</m:t>
+                    </m:r>
+                  </m:oMath>
+                </a14:m>
+                <a:endParaRPr lang="en-US" altLang="zh-CN" dirty="0"/>
+              </a:p>
+              <a:p>
+                <a:pPr marL="285750" indent="-285750">
+                  <a:buFont typeface="Arial" panose="020B0604020202020204" pitchFamily="34" charset="0"/>
+                  <a:buChar char="•"/>
+                </a:pPr>
+                <a:endParaRPr lang="en-US" altLang="zh-CN" dirty="0"/>
+              </a:p>
+              <a:p>
+                <a:pPr marL="285750" indent="-285750">
+                  <a:buFont typeface="Arial" panose="020B0604020202020204" pitchFamily="34" charset="0"/>
+                  <a:buChar char="•"/>
+                </a:pPr>
+                <a:endParaRPr lang="en-US" altLang="zh-CN" dirty="0"/>
+              </a:p>
+              <a:p>
+                <a:pPr marL="285750" indent="-285750">
+                  <a:buFont typeface="Arial" panose="020B0604020202020204" pitchFamily="34" charset="0"/>
+                  <a:buChar char="•"/>
+                </a:pPr>
+                <a:endParaRPr lang="en-US" altLang="zh-CN" dirty="0"/>
+              </a:p>
+              <a:p>
+                <a:pPr marL="285750" indent="-285750">
+                  <a:buFont typeface="Arial" panose="020B0604020202020204" pitchFamily="34" charset="0"/>
+                  <a:buChar char="•"/>
+                </a:pPr>
+                <a:endParaRPr lang="en-US" altLang="zh-CN" dirty="0"/>
+              </a:p>
+              <a:p>
+                <a:pPr marL="285750" indent="-285750">
+                  <a:buFont typeface="Arial" panose="020B0604020202020204" pitchFamily="34" charset="0"/>
+                  <a:buChar char="•"/>
+                </a:pPr>
+                <a:endParaRPr lang="en-US" altLang="zh-CN" dirty="0"/>
+              </a:p>
+              <a:p>
+                <a:pPr marL="285750" indent="-285750">
+                  <a:buFont typeface="Arial" panose="020B0604020202020204" pitchFamily="34" charset="0"/>
+                  <a:buChar char="•"/>
+                </a:pPr>
+                <a:endParaRPr lang="en-US" altLang="zh-CN" dirty="0"/>
+              </a:p>
+              <a:p>
+                <a:pPr marL="285750" indent="-285750">
+                  <a:buFont typeface="Arial" panose="020B0604020202020204" pitchFamily="34" charset="0"/>
+                  <a:buChar char="•"/>
+                </a:pPr>
+                <a:r>
+                  <a:rPr lang="zh-CN" altLang="en-US" dirty="0"/>
+                  <a:t>自学、互学、展学</a:t>
+                </a:r>
+              </a:p>
+              <a:p>
+                <a:pPr marL="285750" indent="-285750">
+                  <a:buFont typeface="Arial" panose="020B0604020202020204" pitchFamily="34" charset="0"/>
+                  <a:buChar char="•"/>
+                </a:pPr>
+                <a:endParaRPr lang="zh-CN" altLang="en-US" dirty="0"/>
+              </a:p>
+              <a:p>
+                <a:pPr marL="285750" indent="-285750">
+                  <a:buFont typeface="Arial" panose="020B0604020202020204" pitchFamily="34" charset="0"/>
+                  <a:buChar char="•"/>
+                </a:pPr>
+                <a:endParaRPr lang="en-US" altLang="zh-CN" dirty="0"/>
+              </a:p>
+              <a:p>
+                <a:pPr marL="285750" indent="-285750">
+                  <a:buFont typeface="Arial" panose="020B0604020202020204" pitchFamily="34" charset="0"/>
+                  <a:buChar char="•"/>
+                </a:pPr>
+                <a:endParaRPr lang="zh-CN" altLang="en-US" dirty="0"/>
+              </a:p>
+              <a:p>
+                <a:pPr marL="285750" indent="-285750">
+                  <a:buFont typeface="Arial" panose="020B0604020202020204" pitchFamily="34" charset="0"/>
+                  <a:buChar char="•"/>
+                </a:pPr>
+                <a:endParaRPr lang="zh-CN" altLang="en-US" dirty="0"/>
+              </a:p>
+              <a:p>
+                <a:pPr marL="285750" indent="-285750">
+                  <a:buFont typeface="Arial" panose="020B0604020202020204" pitchFamily="34" charset="0"/>
+                  <a:buChar char="•"/>
+                </a:pPr>
+                <a:endParaRPr lang="zh-CN" altLang="en-US" dirty="0"/>
+              </a:p>
+              <a:p>
+                <a:pPr marL="285750" indent="-285750">
+                  <a:buFont typeface="Arial" panose="020B0604020202020204" pitchFamily="34" charset="0"/>
+                  <a:buChar char="•"/>
+                </a:pPr>
+                <a:endParaRPr lang="zh-CN" altLang="en-US" dirty="0"/>
+              </a:p>
+              <a:p>
+                <a:pPr marL="285750" indent="-285750">
+                  <a:buFont typeface="Arial" panose="020B0604020202020204" pitchFamily="34" charset="0"/>
+                  <a:buChar char="•"/>
+                </a:pPr>
+                <a:endParaRPr lang="zh-CN" altLang="en-US" dirty="0"/>
+              </a:p>
+              <a:p>
+                <a:pPr marL="285750" indent="-285750">
+                  <a:buFont typeface="Arial" panose="020B0604020202020204" pitchFamily="34" charset="0"/>
+                  <a:buChar char="•"/>
+                </a:pPr>
+                <a:endParaRPr lang="zh-CN" altLang="en-US" dirty="0"/>
+              </a:p>
+              <a:p>
+                <a:pPr marL="285750" indent="-285750">
+                  <a:buFont typeface="Arial" panose="020B0604020202020204" pitchFamily="34" charset="0"/>
+                  <a:buChar char="•"/>
+                </a:pPr>
+                <a:endParaRPr lang="zh-CN" altLang="en-US" dirty="0"/>
+              </a:p>
+            </p:txBody>
+          </p:sp>
+        </mc:Choice>
+        <mc:Fallback>
+          <p:sp>
+            <p:nvSpPr>
+              <p:cNvPr id="6" name="文本占位符 1">
+                <a:extLst>
+                  <a:ext uri="{FF2B5EF4-FFF2-40B4-BE49-F238E27FC236}">
+                    <a16:creationId xmlns:a16="http://schemas.microsoft.com/office/drawing/2014/main" id="{BA88068A-4FDC-6963-46A5-ADEC46CDA15E}"/>
+                  </a:ext>
+                </a:extLst>
+              </p:cNvPr>
+              <p:cNvSpPr txBox="1">
+                <a:spLocks noRot="1" noChangeAspect="1" noMove="1" noResize="1" noEditPoints="1" noAdjustHandles="1" noChangeArrowheads="1" noChangeShapeType="1" noTextEdit="1"/>
+              </p:cNvSpPr>
+              <p:nvPr/>
+            </p:nvSpPr>
+            <p:spPr>
+              <a:xfrm>
+                <a:off x="822325" y="1778635"/>
+                <a:ext cx="10852150" cy="4553585"/>
+              </a:xfrm>
+              <a:blipFill>
+                <a:blip r:embed="rId3"/>
+                <a:stretch>
+                  <a:fillRect/>
+                </a:stretch>
+              </a:blipFill>
+            </p:spPr>
+            <p:txBody>
+              <a:bodyPr/>
+              <a:lstStyle/>
+              <a:p>
+                <a:r>
+                  <a:rPr lang="zh-CN" altLang="en-US">
+                    <a:noFill/>
+                  </a:rPr>
+                  <a:t> </a:t>
+                </a:r>
+              </a:p>
+            </p:txBody>
+          </p:sp>
+        </mc:Fallback>
+      </mc:AlternateContent>
+      <p:pic>
+        <p:nvPicPr>
+          <p:cNvPr id="2" name="Picture 2">
             <a:extLst>
               <a:ext uri="{FF2B5EF4-FFF2-40B4-BE49-F238E27FC236}">
-                <a16:creationId xmlns:a16="http://schemas.microsoft.com/office/drawing/2014/main" id="{BA88068A-4FDC-6963-46A5-ADEC46CDA15E}"/>
+                <a16:creationId xmlns:a16="http://schemas.microsoft.com/office/drawing/2014/main" id="{B7AE44FF-9887-BAAD-8AE4-5CA09069976B}"/>
               </a:ext>
             </a:extLst>
           </p:cNvPr>
-          <p:cNvSpPr txBox="1">
-            <a:spLocks/>
-          </p:cNvSpPr>
+          <p:cNvPicPr>
+            <a:picLocks noChangeAspect="1" noChangeArrowheads="1"/>
+          </p:cNvPicPr>
           <p:nvPr/>
-        </p:nvSpPr>
+        </p:nvPicPr>
+        <p:blipFill>
+          <a:blip r:embed="rId4">
+            <a:extLst>
+              <a:ext uri="{28A0092B-C50C-407E-A947-70E740481C1C}">
+                <a14:useLocalDpi xmlns:a14="http://schemas.microsoft.com/office/drawing/2010/main" val="0"/>
+              </a:ext>
+            </a:extLst>
+          </a:blip>
+          <a:srcRect/>
+          <a:stretch>
+            <a:fillRect/>
+          </a:stretch>
+        </p:blipFill>
+        <p:spPr bwMode="auto">
+          <a:xfrm>
+            <a:off x="7676940" y="1483807"/>
+            <a:ext cx="3608475" cy="1945193"/>
+          </a:xfrm>
+          <a:prstGeom prst="rect">
+            <a:avLst/>
+          </a:prstGeom>
+          <a:noFill/>
+          <a:extLst>
+            <a:ext uri="{909E8E84-426E-40DD-AFC4-6F175D3DCCD1}">
+              <a14:hiddenFill xmlns:a14="http://schemas.microsoft.com/office/drawing/2010/main">
+                <a:solidFill>
+                  <a:srgbClr val="FFFFFF"/>
+                </a:solidFill>
+              </a14:hiddenFill>
+            </a:ext>
+          </a:extLst>
+        </p:spPr>
+      </p:pic>
+      <p:pic>
+        <p:nvPicPr>
+          <p:cNvPr id="5" name="图片 4">
+            <a:extLst>
+              <a:ext uri="{FF2B5EF4-FFF2-40B4-BE49-F238E27FC236}">
+                <a16:creationId xmlns:a16="http://schemas.microsoft.com/office/drawing/2014/main" id="{EEAC0051-C5EC-7D3D-5E70-7280F7739B5C}"/>
+              </a:ext>
+            </a:extLst>
+          </p:cNvPr>
+          <p:cNvPicPr>
+            <a:picLocks noChangeAspect="1"/>
+          </p:cNvPicPr>
+          <p:nvPr/>
+        </p:nvPicPr>
+        <p:blipFill>
+          <a:blip r:embed="rId5">
+            <a:extLst>
+              <a:ext uri="{28A0092B-C50C-407E-A947-70E740481C1C}">
+                <a14:useLocalDpi xmlns:a14="http://schemas.microsoft.com/office/drawing/2010/main" val="0"/>
+              </a:ext>
+            </a:extLst>
+          </a:blip>
+          <a:stretch>
+            <a:fillRect/>
+          </a:stretch>
+        </p:blipFill>
         <p:spPr>
           <a:xfrm>
-            <a:off x="822325" y="1778635"/>
-            <a:ext cx="10852150" cy="4553585"/>
+            <a:off x="517525" y="3086011"/>
+            <a:ext cx="4898991" cy="1708699"/>
           </a:xfrm>
+          <a:prstGeom prst="rect">
+            <a:avLst/>
+          </a:prstGeom>
         </p:spPr>
-        <p:txBody>
-          <a:bodyPr lIns="101600" tIns="38100" rIns="76200" bIns="38100">
-            <a:noAutofit/>
-          </a:bodyPr>
-          <a:lstStyle>
-            <a:lvl1pPr marL="0" indent="0" algn="l" defTabSz="914400" rtl="0" eaLnBrk="1" fontAlgn="auto" latinLnBrk="0" hangingPunct="1">
-              <a:lnSpc>
-                <a:spcPct val="130000"/>
-              </a:lnSpc>
-              <a:spcBef>
-                <a:spcPts val="0"/>
-              </a:spcBef>
-              <a:spcAft>
-                <a:spcPts val="1000"/>
-              </a:spcAft>
-              <a:buFont typeface="Arial" panose="020B0604020202020204" pitchFamily="34" charset="0"/>
-              <a:buNone/>
-              <a:defRPr kumimoji="0" lang="zh-CN" altLang="en-US" sz="1600" b="0" i="0" u="none" strike="noStrike" kern="1200" cap="none" spc="150" normalizeH="0" baseline="0" noProof="1">
-                <a:solidFill>
-                  <a:schemeClr val="tx1"/>
-                </a:solidFill>
-                <a:uFillTx/>
-                <a:latin typeface="+mn-lt"/>
-                <a:ea typeface="+mn-ea"/>
-                <a:cs typeface="+mn-cs"/>
-                <a:sym typeface="+mn-ea"/>
-              </a:defRPr>
-            </a:lvl1pPr>
-            <a:lvl2pPr marL="457200" indent="0" algn="l" defTabSz="914400" rtl="0" eaLnBrk="1" fontAlgn="auto" latinLnBrk="0" hangingPunct="1">
-              <a:lnSpc>
-                <a:spcPct val="130000"/>
-              </a:lnSpc>
-              <a:spcBef>
-                <a:spcPts val="0"/>
-              </a:spcBef>
-              <a:spcAft>
-                <a:spcPts val="1000"/>
-              </a:spcAft>
-              <a:buFont typeface="Arial" panose="020B0604020202020204" pitchFamily="34" charset="0"/>
-              <a:buNone/>
-              <a:tabLst>
-                <a:tab pos="1609725" algn="l"/>
-              </a:tabLst>
-              <a:defRPr sz="2000" u="none" strike="noStrike" kern="1200" cap="none" spc="150" normalizeH="0" baseline="0">
-                <a:solidFill>
-                  <a:schemeClr val="tx1">
-                    <a:tint val="75000"/>
-                  </a:schemeClr>
-                </a:solidFill>
-                <a:uFillTx/>
-                <a:latin typeface="+mn-lt"/>
-                <a:ea typeface="+mn-ea"/>
-                <a:cs typeface="+mn-cs"/>
-              </a:defRPr>
-            </a:lvl2pPr>
-            <a:lvl3pPr marL="914400" indent="0" algn="l" defTabSz="914400" rtl="0" eaLnBrk="1" fontAlgn="auto" latinLnBrk="0" hangingPunct="1">
-              <a:lnSpc>
-                <a:spcPct val="130000"/>
-              </a:lnSpc>
-              <a:spcBef>
-                <a:spcPts val="0"/>
-              </a:spcBef>
-              <a:spcAft>
-                <a:spcPts val="1000"/>
-              </a:spcAft>
-              <a:buFont typeface="Arial" panose="020B0604020202020204" pitchFamily="34" charset="0"/>
-              <a:buNone/>
-              <a:defRPr sz="1800" u="none" strike="noStrike" kern="1200" cap="none" spc="150" normalizeH="0" baseline="0">
-                <a:solidFill>
-                  <a:schemeClr val="tx1">
-                    <a:tint val="75000"/>
-                  </a:schemeClr>
-                </a:solidFill>
-                <a:uFillTx/>
-                <a:latin typeface="+mn-lt"/>
-                <a:ea typeface="+mn-ea"/>
-                <a:cs typeface="+mn-cs"/>
-              </a:defRPr>
-            </a:lvl3pPr>
-            <a:lvl4pPr marL="1371600" indent="0" algn="l" defTabSz="914400" rtl="0" eaLnBrk="1" fontAlgn="auto" latinLnBrk="0" hangingPunct="1">
-              <a:lnSpc>
-                <a:spcPct val="130000"/>
-              </a:lnSpc>
-              <a:spcBef>
-                <a:spcPts val="0"/>
-              </a:spcBef>
-              <a:spcAft>
-                <a:spcPts val="1000"/>
-              </a:spcAft>
-              <a:buFont typeface="Arial" panose="020B0604020202020204" pitchFamily="34" charset="0"/>
-              <a:buNone/>
-              <a:defRPr sz="1600" u="none" strike="noStrike" kern="1200" cap="none" spc="150" normalizeH="0" baseline="0">
-                <a:solidFill>
-                  <a:schemeClr val="tx1">
-                    <a:tint val="75000"/>
-                  </a:schemeClr>
-                </a:solidFill>
-                <a:uFillTx/>
-                <a:latin typeface="+mn-lt"/>
-                <a:ea typeface="+mn-ea"/>
-                <a:cs typeface="+mn-cs"/>
-              </a:defRPr>
-            </a:lvl4pPr>
-            <a:lvl5pPr marL="1828800" indent="0" algn="l" defTabSz="914400" rtl="0" eaLnBrk="1" fontAlgn="auto" latinLnBrk="0" hangingPunct="1">
-              <a:lnSpc>
-                <a:spcPct val="130000"/>
-              </a:lnSpc>
-              <a:spcBef>
-                <a:spcPts val="0"/>
-              </a:spcBef>
-              <a:spcAft>
-                <a:spcPts val="1000"/>
-              </a:spcAft>
-              <a:buFont typeface="Arial" panose="020B0604020202020204" pitchFamily="34" charset="0"/>
-              <a:buNone/>
-              <a:defRPr sz="1600" u="none" strike="noStrike" kern="1200" cap="none" spc="150" normalizeH="0" baseline="0">
-                <a:solidFill>
-                  <a:schemeClr val="tx1">
-                    <a:tint val="75000"/>
-                  </a:schemeClr>
-                </a:solidFill>
-                <a:uFillTx/>
-                <a:latin typeface="+mn-lt"/>
-                <a:ea typeface="+mn-ea"/>
-                <a:cs typeface="+mn-cs"/>
-              </a:defRPr>
-            </a:lvl5pPr>
-            <a:lvl6pPr marL="2286000" indent="0" algn="l" defTabSz="914400" rtl="0" eaLnBrk="1" latinLnBrk="0" hangingPunct="1">
-              <a:lnSpc>
-                <a:spcPct val="90000"/>
-              </a:lnSpc>
-              <a:spcBef>
-                <a:spcPts val="500"/>
-              </a:spcBef>
-              <a:buFont typeface="Arial" panose="020B0604020202020204" pitchFamily="34" charset="0"/>
-              <a:buNone/>
-              <a:defRPr sz="1600" kern="1200">
-                <a:solidFill>
-                  <a:schemeClr val="tx1">
-                    <a:tint val="75000"/>
-                  </a:schemeClr>
-                </a:solidFill>
-                <a:latin typeface="+mn-lt"/>
-                <a:ea typeface="+mn-ea"/>
-                <a:cs typeface="+mn-cs"/>
-              </a:defRPr>
-            </a:lvl6pPr>
-            <a:lvl7pPr marL="2743200" indent="0" algn="l" defTabSz="914400" rtl="0" eaLnBrk="1" latinLnBrk="0" hangingPunct="1">
-              <a:lnSpc>
-                <a:spcPct val="90000"/>
-              </a:lnSpc>
-              <a:spcBef>
-                <a:spcPts val="500"/>
-              </a:spcBef>
-              <a:buFont typeface="Arial" panose="020B0604020202020204" pitchFamily="34" charset="0"/>
-              <a:buNone/>
-              <a:defRPr sz="1600" kern="1200">
-                <a:solidFill>
-                  <a:schemeClr val="tx1">
-                    <a:tint val="75000"/>
-                  </a:schemeClr>
-                </a:solidFill>
-                <a:latin typeface="+mn-lt"/>
-                <a:ea typeface="+mn-ea"/>
-                <a:cs typeface="+mn-cs"/>
-              </a:defRPr>
-            </a:lvl7pPr>
-            <a:lvl8pPr marL="3200400" indent="0" algn="l" defTabSz="914400" rtl="0" eaLnBrk="1" latinLnBrk="0" hangingPunct="1">
-              <a:lnSpc>
-                <a:spcPct val="90000"/>
-              </a:lnSpc>
-              <a:spcBef>
-                <a:spcPts val="500"/>
-              </a:spcBef>
-              <a:buFont typeface="Arial" panose="020B0604020202020204" pitchFamily="34" charset="0"/>
-              <a:buNone/>
-              <a:defRPr sz="1600" kern="1200">
-                <a:solidFill>
-                  <a:schemeClr val="tx1">
-                    <a:tint val="75000"/>
-                  </a:schemeClr>
-                </a:solidFill>
-                <a:latin typeface="+mn-lt"/>
-                <a:ea typeface="+mn-ea"/>
-                <a:cs typeface="+mn-cs"/>
-              </a:defRPr>
-            </a:lvl8pPr>
-            <a:lvl9pPr marL="3657600" indent="0" algn="l" defTabSz="914400" rtl="0" eaLnBrk="1" latinLnBrk="0" hangingPunct="1">
-              <a:lnSpc>
-                <a:spcPct val="90000"/>
-              </a:lnSpc>
-              <a:spcBef>
-                <a:spcPts val="500"/>
-              </a:spcBef>
-              <a:buFont typeface="Arial" panose="020B0604020202020204" pitchFamily="34" charset="0"/>
-              <a:buNone/>
-              <a:defRPr sz="1600" kern="1200">
-                <a:solidFill>
-                  <a:schemeClr val="tx1">
-                    <a:tint val="75000"/>
-                  </a:schemeClr>
-                </a:solidFill>
-                <a:latin typeface="+mn-lt"/>
-                <a:ea typeface="+mn-ea"/>
-                <a:cs typeface="+mn-cs"/>
-              </a:defRPr>
-            </a:lvl9pPr>
-          </a:lstStyle>
-          <a:p>
-            <a:pPr marL="285750" indent="-285750">
-              <a:buFont typeface="Arial" panose="020B0604020202020204" pitchFamily="34" charset="0"/>
-              <a:buChar char="•"/>
-            </a:pPr>
-            <a:r>
-              <a:rPr lang="en-US" altLang="zh-CN" dirty="0"/>
-              <a:t>TODO</a:t>
-            </a:r>
-          </a:p>
-          <a:p>
-            <a:pPr marL="285750" indent="-285750">
-              <a:buFont typeface="Arial" panose="020B0604020202020204" pitchFamily="34" charset="0"/>
-              <a:buChar char="•"/>
-            </a:pPr>
-            <a:endParaRPr lang="en-US" altLang="zh-CN" dirty="0"/>
-          </a:p>
-          <a:p>
-            <a:pPr marL="285750" indent="-285750">
-              <a:buFont typeface="Arial" panose="020B0604020202020204" pitchFamily="34" charset="0"/>
-              <a:buChar char="•"/>
-            </a:pPr>
-            <a:r>
-              <a:rPr lang="zh-CN" altLang="en-US" dirty="0"/>
-              <a:t>自学、互学、展学</a:t>
-            </a:r>
-          </a:p>
-          <a:p>
-            <a:pPr marL="285750" indent="-285750">
-              <a:buFont typeface="Arial" panose="020B0604020202020204" pitchFamily="34" charset="0"/>
-              <a:buChar char="•"/>
-            </a:pPr>
-            <a:endParaRPr lang="zh-CN" altLang="en-US" dirty="0"/>
-          </a:p>
-          <a:p>
-            <a:pPr marL="285750" indent="-285750">
-              <a:buFont typeface="Arial" panose="020B0604020202020204" pitchFamily="34" charset="0"/>
-              <a:buChar char="•"/>
-            </a:pPr>
-            <a:endParaRPr lang="en-US" altLang="zh-CN" dirty="0"/>
-          </a:p>
-          <a:p>
-            <a:pPr marL="285750" indent="-285750">
-              <a:buFont typeface="Arial" panose="020B0604020202020204" pitchFamily="34" charset="0"/>
-              <a:buChar char="•"/>
-            </a:pPr>
-            <a:endParaRPr lang="zh-CN" altLang="en-US" dirty="0"/>
-          </a:p>
-          <a:p>
-            <a:pPr marL="285750" indent="-285750">
-              <a:buFont typeface="Arial" panose="020B0604020202020204" pitchFamily="34" charset="0"/>
-              <a:buChar char="•"/>
-            </a:pPr>
-            <a:endParaRPr lang="zh-CN" altLang="en-US" dirty="0"/>
-          </a:p>
-          <a:p>
-            <a:pPr marL="285750" indent="-285750">
-              <a:buFont typeface="Arial" panose="020B0604020202020204" pitchFamily="34" charset="0"/>
-              <a:buChar char="•"/>
-            </a:pPr>
-            <a:endParaRPr lang="zh-CN" altLang="en-US" dirty="0"/>
-          </a:p>
-          <a:p>
-            <a:pPr marL="285750" indent="-285750">
-              <a:buFont typeface="Arial" panose="020B0604020202020204" pitchFamily="34" charset="0"/>
-              <a:buChar char="•"/>
-            </a:pPr>
-            <a:endParaRPr lang="zh-CN" altLang="en-US" dirty="0"/>
-          </a:p>
-          <a:p>
-            <a:pPr marL="285750" indent="-285750">
-              <a:buFont typeface="Arial" panose="020B0604020202020204" pitchFamily="34" charset="0"/>
-              <a:buChar char="•"/>
-            </a:pPr>
-            <a:endParaRPr lang="zh-CN" altLang="en-US" dirty="0"/>
-          </a:p>
-          <a:p>
-            <a:pPr marL="285750" indent="-285750">
-              <a:buFont typeface="Arial" panose="020B0604020202020204" pitchFamily="34" charset="0"/>
-              <a:buChar char="•"/>
-            </a:pPr>
-            <a:endParaRPr lang="zh-CN" altLang="en-US" dirty="0"/>
-          </a:p>
-          <a:p>
-            <a:pPr marL="285750" indent="-285750">
-              <a:buFont typeface="Arial" panose="020B0604020202020204" pitchFamily="34" charset="0"/>
-              <a:buChar char="•"/>
-            </a:pPr>
-            <a:endParaRPr lang="zh-CN" altLang="en-US" dirty="0"/>
-          </a:p>
-        </p:txBody>
-      </p:sp>
+      </p:pic>
+      <p:pic>
+        <p:nvPicPr>
+          <p:cNvPr id="8" name="图片 7">
+            <a:extLst>
+              <a:ext uri="{FF2B5EF4-FFF2-40B4-BE49-F238E27FC236}">
+                <a16:creationId xmlns:a16="http://schemas.microsoft.com/office/drawing/2014/main" id="{95BFF3AF-7137-69B6-4254-A9D84D507FE4}"/>
+              </a:ext>
+            </a:extLst>
+          </p:cNvPr>
+          <p:cNvPicPr>
+            <a:picLocks noChangeAspect="1"/>
+          </p:cNvPicPr>
+          <p:nvPr/>
+        </p:nvPicPr>
+        <p:blipFill>
+          <a:blip r:embed="rId6">
+            <a:extLst>
+              <a:ext uri="{28A0092B-C50C-407E-A947-70E740481C1C}">
+                <a14:useLocalDpi xmlns:a14="http://schemas.microsoft.com/office/drawing/2010/main" val="0"/>
+              </a:ext>
+            </a:extLst>
+          </a:blip>
+          <a:stretch>
+            <a:fillRect/>
+          </a:stretch>
+        </p:blipFill>
+        <p:spPr>
+          <a:xfrm>
+            <a:off x="5532314" y="4003126"/>
+            <a:ext cx="5753101" cy="2213324"/>
+          </a:xfrm>
+          <a:prstGeom prst="rect">
+            <a:avLst/>
+          </a:prstGeom>
+        </p:spPr>
+      </p:pic>
     </p:spTree>
     <p:custDataLst>
       <p:tags r:id="rId1"/>
@@ -15358,323 +16020,913 @@
           </a:p>
         </p:txBody>
       </p:sp>
-      <p:sp>
-        <p:nvSpPr>
-          <p:cNvPr id="6" name="文本占位符 1">
+      <mc:AlternateContent xmlns:mc="http://schemas.openxmlformats.org/markup-compatibility/2006">
+        <mc:Choice xmlns:a14="http://schemas.microsoft.com/office/drawing/2010/main" Requires="a14">
+          <p:sp>
+            <p:nvSpPr>
+              <p:cNvPr id="6" name="文本占位符 1">
+                <a:extLst>
+                  <a:ext uri="{FF2B5EF4-FFF2-40B4-BE49-F238E27FC236}">
+                    <a16:creationId xmlns:a16="http://schemas.microsoft.com/office/drawing/2014/main" id="{BA88068A-4FDC-6963-46A5-ADEC46CDA15E}"/>
+                  </a:ext>
+                </a:extLst>
+              </p:cNvPr>
+              <p:cNvSpPr txBox="1">
+                <a:spLocks/>
+              </p:cNvSpPr>
+              <p:nvPr/>
+            </p:nvSpPr>
+            <p:spPr>
+              <a:xfrm>
+                <a:off x="822325" y="1778635"/>
+                <a:ext cx="10852150" cy="4553585"/>
+              </a:xfrm>
+            </p:spPr>
+            <p:txBody>
+              <a:bodyPr lIns="101600" tIns="38100" rIns="76200" bIns="38100">
+                <a:noAutofit/>
+              </a:bodyPr>
+              <a:lstStyle>
+                <a:lvl1pPr marL="0" indent="0" algn="l" defTabSz="914400" rtl="0" eaLnBrk="1" fontAlgn="auto" latinLnBrk="0" hangingPunct="1">
+                  <a:lnSpc>
+                    <a:spcPct val="130000"/>
+                  </a:lnSpc>
+                  <a:spcBef>
+                    <a:spcPts val="0"/>
+                  </a:spcBef>
+                  <a:spcAft>
+                    <a:spcPts val="1000"/>
+                  </a:spcAft>
+                  <a:buFont typeface="Arial" panose="020B0604020202020204" pitchFamily="34" charset="0"/>
+                  <a:buNone/>
+                  <a:defRPr kumimoji="0" lang="zh-CN" altLang="en-US" sz="1600" b="0" i="0" u="none" strike="noStrike" kern="1200" cap="none" spc="150" normalizeH="0" baseline="0" noProof="1">
+                    <a:solidFill>
+                      <a:schemeClr val="tx1"/>
+                    </a:solidFill>
+                    <a:uFillTx/>
+                    <a:latin typeface="+mn-lt"/>
+                    <a:ea typeface="+mn-ea"/>
+                    <a:cs typeface="+mn-cs"/>
+                    <a:sym typeface="+mn-ea"/>
+                  </a:defRPr>
+                </a:lvl1pPr>
+                <a:lvl2pPr marL="457200" indent="0" algn="l" defTabSz="914400" rtl="0" eaLnBrk="1" fontAlgn="auto" latinLnBrk="0" hangingPunct="1">
+                  <a:lnSpc>
+                    <a:spcPct val="130000"/>
+                  </a:lnSpc>
+                  <a:spcBef>
+                    <a:spcPts val="0"/>
+                  </a:spcBef>
+                  <a:spcAft>
+                    <a:spcPts val="1000"/>
+                  </a:spcAft>
+                  <a:buFont typeface="Arial" panose="020B0604020202020204" pitchFamily="34" charset="0"/>
+                  <a:buNone/>
+                  <a:tabLst>
+                    <a:tab pos="1609725" algn="l"/>
+                  </a:tabLst>
+                  <a:defRPr sz="2000" u="none" strike="noStrike" kern="1200" cap="none" spc="150" normalizeH="0" baseline="0">
+                    <a:solidFill>
+                      <a:schemeClr val="tx1">
+                        <a:tint val="75000"/>
+                      </a:schemeClr>
+                    </a:solidFill>
+                    <a:uFillTx/>
+                    <a:latin typeface="+mn-lt"/>
+                    <a:ea typeface="+mn-ea"/>
+                    <a:cs typeface="+mn-cs"/>
+                  </a:defRPr>
+                </a:lvl2pPr>
+                <a:lvl3pPr marL="914400" indent="0" algn="l" defTabSz="914400" rtl="0" eaLnBrk="1" fontAlgn="auto" latinLnBrk="0" hangingPunct="1">
+                  <a:lnSpc>
+                    <a:spcPct val="130000"/>
+                  </a:lnSpc>
+                  <a:spcBef>
+                    <a:spcPts val="0"/>
+                  </a:spcBef>
+                  <a:spcAft>
+                    <a:spcPts val="1000"/>
+                  </a:spcAft>
+                  <a:buFont typeface="Arial" panose="020B0604020202020204" pitchFamily="34" charset="0"/>
+                  <a:buNone/>
+                  <a:defRPr sz="1800" u="none" strike="noStrike" kern="1200" cap="none" spc="150" normalizeH="0" baseline="0">
+                    <a:solidFill>
+                      <a:schemeClr val="tx1">
+                        <a:tint val="75000"/>
+                      </a:schemeClr>
+                    </a:solidFill>
+                    <a:uFillTx/>
+                    <a:latin typeface="+mn-lt"/>
+                    <a:ea typeface="+mn-ea"/>
+                    <a:cs typeface="+mn-cs"/>
+                  </a:defRPr>
+                </a:lvl3pPr>
+                <a:lvl4pPr marL="1371600" indent="0" algn="l" defTabSz="914400" rtl="0" eaLnBrk="1" fontAlgn="auto" latinLnBrk="0" hangingPunct="1">
+                  <a:lnSpc>
+                    <a:spcPct val="130000"/>
+                  </a:lnSpc>
+                  <a:spcBef>
+                    <a:spcPts val="0"/>
+                  </a:spcBef>
+                  <a:spcAft>
+                    <a:spcPts val="1000"/>
+                  </a:spcAft>
+                  <a:buFont typeface="Arial" panose="020B0604020202020204" pitchFamily="34" charset="0"/>
+                  <a:buNone/>
+                  <a:defRPr sz="1600" u="none" strike="noStrike" kern="1200" cap="none" spc="150" normalizeH="0" baseline="0">
+                    <a:solidFill>
+                      <a:schemeClr val="tx1">
+                        <a:tint val="75000"/>
+                      </a:schemeClr>
+                    </a:solidFill>
+                    <a:uFillTx/>
+                    <a:latin typeface="+mn-lt"/>
+                    <a:ea typeface="+mn-ea"/>
+                    <a:cs typeface="+mn-cs"/>
+                  </a:defRPr>
+                </a:lvl4pPr>
+                <a:lvl5pPr marL="1828800" indent="0" algn="l" defTabSz="914400" rtl="0" eaLnBrk="1" fontAlgn="auto" latinLnBrk="0" hangingPunct="1">
+                  <a:lnSpc>
+                    <a:spcPct val="130000"/>
+                  </a:lnSpc>
+                  <a:spcBef>
+                    <a:spcPts val="0"/>
+                  </a:spcBef>
+                  <a:spcAft>
+                    <a:spcPts val="1000"/>
+                  </a:spcAft>
+                  <a:buFont typeface="Arial" panose="020B0604020202020204" pitchFamily="34" charset="0"/>
+                  <a:buNone/>
+                  <a:defRPr sz="1600" u="none" strike="noStrike" kern="1200" cap="none" spc="150" normalizeH="0" baseline="0">
+                    <a:solidFill>
+                      <a:schemeClr val="tx1">
+                        <a:tint val="75000"/>
+                      </a:schemeClr>
+                    </a:solidFill>
+                    <a:uFillTx/>
+                    <a:latin typeface="+mn-lt"/>
+                    <a:ea typeface="+mn-ea"/>
+                    <a:cs typeface="+mn-cs"/>
+                  </a:defRPr>
+                </a:lvl5pPr>
+                <a:lvl6pPr marL="2286000" indent="0" algn="l" defTabSz="914400" rtl="0" eaLnBrk="1" latinLnBrk="0" hangingPunct="1">
+                  <a:lnSpc>
+                    <a:spcPct val="90000"/>
+                  </a:lnSpc>
+                  <a:spcBef>
+                    <a:spcPts val="500"/>
+                  </a:spcBef>
+                  <a:buFont typeface="Arial" panose="020B0604020202020204" pitchFamily="34" charset="0"/>
+                  <a:buNone/>
+                  <a:defRPr sz="1600" kern="1200">
+                    <a:solidFill>
+                      <a:schemeClr val="tx1">
+                        <a:tint val="75000"/>
+                      </a:schemeClr>
+                    </a:solidFill>
+                    <a:latin typeface="+mn-lt"/>
+                    <a:ea typeface="+mn-ea"/>
+                    <a:cs typeface="+mn-cs"/>
+                  </a:defRPr>
+                </a:lvl6pPr>
+                <a:lvl7pPr marL="2743200" indent="0" algn="l" defTabSz="914400" rtl="0" eaLnBrk="1" latinLnBrk="0" hangingPunct="1">
+                  <a:lnSpc>
+                    <a:spcPct val="90000"/>
+                  </a:lnSpc>
+                  <a:spcBef>
+                    <a:spcPts val="500"/>
+                  </a:spcBef>
+                  <a:buFont typeface="Arial" panose="020B0604020202020204" pitchFamily="34" charset="0"/>
+                  <a:buNone/>
+                  <a:defRPr sz="1600" kern="1200">
+                    <a:solidFill>
+                      <a:schemeClr val="tx1">
+                        <a:tint val="75000"/>
+                      </a:schemeClr>
+                    </a:solidFill>
+                    <a:latin typeface="+mn-lt"/>
+                    <a:ea typeface="+mn-ea"/>
+                    <a:cs typeface="+mn-cs"/>
+                  </a:defRPr>
+                </a:lvl7pPr>
+                <a:lvl8pPr marL="3200400" indent="0" algn="l" defTabSz="914400" rtl="0" eaLnBrk="1" latinLnBrk="0" hangingPunct="1">
+                  <a:lnSpc>
+                    <a:spcPct val="90000"/>
+                  </a:lnSpc>
+                  <a:spcBef>
+                    <a:spcPts val="500"/>
+                  </a:spcBef>
+                  <a:buFont typeface="Arial" panose="020B0604020202020204" pitchFamily="34" charset="0"/>
+                  <a:buNone/>
+                  <a:defRPr sz="1600" kern="1200">
+                    <a:solidFill>
+                      <a:schemeClr val="tx1">
+                        <a:tint val="75000"/>
+                      </a:schemeClr>
+                    </a:solidFill>
+                    <a:latin typeface="+mn-lt"/>
+                    <a:ea typeface="+mn-ea"/>
+                    <a:cs typeface="+mn-cs"/>
+                  </a:defRPr>
+                </a:lvl8pPr>
+                <a:lvl9pPr marL="3657600" indent="0" algn="l" defTabSz="914400" rtl="0" eaLnBrk="1" latinLnBrk="0" hangingPunct="1">
+                  <a:lnSpc>
+                    <a:spcPct val="90000"/>
+                  </a:lnSpc>
+                  <a:spcBef>
+                    <a:spcPts val="500"/>
+                  </a:spcBef>
+                  <a:buFont typeface="Arial" panose="020B0604020202020204" pitchFamily="34" charset="0"/>
+                  <a:buNone/>
+                  <a:defRPr sz="1600" kern="1200">
+                    <a:solidFill>
+                      <a:schemeClr val="tx1">
+                        <a:tint val="75000"/>
+                      </a:schemeClr>
+                    </a:solidFill>
+                    <a:latin typeface="+mn-lt"/>
+                    <a:ea typeface="+mn-ea"/>
+                    <a:cs typeface="+mn-cs"/>
+                  </a:defRPr>
+                </a:lvl9pPr>
+              </a:lstStyle>
+              <a:p>
+                <a:pPr marL="285750" indent="-285750">
+                  <a:buFont typeface="Arial" panose="020B0604020202020204" pitchFamily="34" charset="0"/>
+                  <a:buChar char="•"/>
+                </a:pPr>
+                <a:r>
+                  <a:rPr lang="zh-CN" altLang="en-US" dirty="0"/>
+                  <a:t>计算</a:t>
+                </a:r>
+                <a14:m>
+                  <m:oMath xmlns:m="http://schemas.openxmlformats.org/officeDocument/2006/math">
+                    <m:f>
+                      <m:fPr>
+                        <m:ctrlPr>
+                          <a:rPr lang="en-US" altLang="zh-CN" i="1" smtClean="0">
+                            <a:latin typeface="Cambria Math" panose="02040503050406030204" pitchFamily="18" charset="0"/>
+                          </a:rPr>
+                        </m:ctrlPr>
+                      </m:fPr>
+                      <m:num>
+                        <m:r>
+                          <a:rPr lang="en-US" altLang="zh-CN" b="0" i="1" smtClean="0">
+                            <a:latin typeface="Cambria Math" panose="02040503050406030204" pitchFamily="18" charset="0"/>
+                          </a:rPr>
+                          <m:t>𝑑𝐸</m:t>
+                        </m:r>
+                      </m:num>
+                      <m:den>
+                        <m:r>
+                          <a:rPr lang="en-US" altLang="zh-CN" b="0" i="1" smtClean="0">
+                            <a:latin typeface="Cambria Math" panose="02040503050406030204" pitchFamily="18" charset="0"/>
+                          </a:rPr>
+                          <m:t>𝑑</m:t>
+                        </m:r>
+                        <m:sSub>
+                          <m:sSubPr>
+                            <m:ctrlPr>
+                              <a:rPr lang="en-US" altLang="zh-CN" b="0" i="1" smtClean="0">
+                                <a:latin typeface="Cambria Math" panose="02040503050406030204" pitchFamily="18" charset="0"/>
+                              </a:rPr>
+                            </m:ctrlPr>
+                          </m:sSubPr>
+                          <m:e>
+                            <m:r>
+                              <a:rPr lang="en-US" altLang="zh-CN" b="0" i="1" smtClean="0">
+                                <a:latin typeface="Cambria Math" panose="02040503050406030204" pitchFamily="18" charset="0"/>
+                              </a:rPr>
+                              <m:t>𝑤</m:t>
+                            </m:r>
+                          </m:e>
+                          <m:sub>
+                            <m:r>
+                              <a:rPr lang="en-US" altLang="zh-CN" b="0" i="1" smtClean="0">
+                                <a:latin typeface="Cambria Math" panose="02040503050406030204" pitchFamily="18" charset="0"/>
+                              </a:rPr>
+                              <m:t>1,2</m:t>
+                            </m:r>
+                          </m:sub>
+                        </m:sSub>
+                      </m:den>
+                    </m:f>
+                  </m:oMath>
+                </a14:m>
+                <a:r>
+                  <a:rPr lang="zh-CN" altLang="en-US" dirty="0"/>
+                  <a:t>？</a:t>
+                </a:r>
+                <a:endParaRPr lang="en-US" altLang="zh-CN" dirty="0"/>
+              </a:p>
+              <a:p>
+                <a:pPr marL="285750" indent="-285750">
+                  <a:buFont typeface="Arial" panose="020B0604020202020204" pitchFamily="34" charset="0"/>
+                  <a:buChar char="•"/>
+                </a:pPr>
+                <a:r>
+                  <a:rPr lang="zh-CN" altLang="en-US" b="0" i="0" dirty="0">
+                    <a:solidFill>
+                      <a:srgbClr val="333333"/>
+                    </a:solidFill>
+                    <a:effectLst/>
+                    <a:latin typeface="PingFang SC" panose="020B0400000000000000" pitchFamily="34" charset="-122"/>
+                    <a:ea typeface="PingFang SC" panose="020B0400000000000000" pitchFamily="34" charset="-122"/>
+                  </a:rPr>
+                  <a:t>实际上，每个权重项导数的计算都是类似的，我们不一一举例了</a:t>
+                </a:r>
+                <a:endParaRPr lang="en-US" altLang="zh-CN" b="0" i="0" dirty="0">
+                  <a:solidFill>
+                    <a:srgbClr val="333333"/>
+                  </a:solidFill>
+                  <a:effectLst/>
+                  <a:latin typeface="PingFang SC" panose="020B0400000000000000" pitchFamily="34" charset="-122"/>
+                  <a:ea typeface="PingFang SC" panose="020B0400000000000000" pitchFamily="34" charset="-122"/>
+                </a:endParaRPr>
+              </a:p>
+              <a:p>
+                <a:pPr marL="285750" indent="-285750">
+                  <a:buFont typeface="Arial" panose="020B0604020202020204" pitchFamily="34" charset="0"/>
+                  <a:buChar char="•"/>
+                </a:pPr>
+                <a:r>
+                  <a:rPr lang="zh-CN" altLang="en-US" b="0" i="0" dirty="0">
+                    <a:solidFill>
+                      <a:srgbClr val="333333"/>
+                    </a:solidFill>
+                    <a:effectLst/>
+                    <a:latin typeface="PingFang SC" panose="020B0400000000000000" pitchFamily="34" charset="-122"/>
+                    <a:ea typeface="PingFang SC" panose="020B0400000000000000" pitchFamily="34" charset="-122"/>
+                  </a:rPr>
+                  <a:t>现在，是我们再次发挥想象力的时候，我们发现计算</a:t>
+                </a:r>
+                <a14:m>
+                  <m:oMath xmlns:m="http://schemas.openxmlformats.org/officeDocument/2006/math">
+                    <m:f>
+                      <m:fPr>
+                        <m:ctrlPr>
+                          <a:rPr lang="en-US" altLang="zh-CN" b="0" i="1" smtClean="0">
+                            <a:solidFill>
+                              <a:srgbClr val="333333"/>
+                            </a:solidFill>
+                            <a:effectLst/>
+                            <a:latin typeface="Cambria Math" panose="02040503050406030204" pitchFamily="18" charset="0"/>
+                            <a:ea typeface="PingFang SC" panose="020B0400000000000000" pitchFamily="34" charset="-122"/>
+                          </a:rPr>
+                        </m:ctrlPr>
+                      </m:fPr>
+                      <m:num>
+                        <m:r>
+                          <m:rPr>
+                            <m:sty m:val="p"/>
+                          </m:rPr>
+                          <a:rPr lang="en-US" altLang="zh-CN" i="1">
+                            <a:solidFill>
+                              <a:srgbClr val="333333"/>
+                            </a:solidFill>
+                            <a:latin typeface="Cambria Math" panose="02040503050406030204" pitchFamily="18" charset="0"/>
+                            <a:ea typeface="PingFang SC" panose="020B0400000000000000" pitchFamily="34" charset="-122"/>
+                          </a:rPr>
+                          <m:t>d</m:t>
+                        </m:r>
+                        <m:r>
+                          <a:rPr lang="en-US" altLang="zh-CN" b="0" i="1" smtClean="0">
+                            <a:solidFill>
+                              <a:srgbClr val="333333"/>
+                            </a:solidFill>
+                            <a:latin typeface="Cambria Math" panose="02040503050406030204" pitchFamily="18" charset="0"/>
+                            <a:ea typeface="PingFang SC" panose="020B0400000000000000" pitchFamily="34" charset="-122"/>
+                          </a:rPr>
+                          <m:t>𝐸</m:t>
+                        </m:r>
+                      </m:num>
+                      <m:den>
+                        <m:r>
+                          <a:rPr lang="en-US" altLang="zh-CN" b="0" i="1" smtClean="0">
+                            <a:solidFill>
+                              <a:srgbClr val="333333"/>
+                            </a:solidFill>
+                            <a:effectLst/>
+                            <a:latin typeface="Cambria Math" panose="02040503050406030204" pitchFamily="18" charset="0"/>
+                            <a:ea typeface="PingFang SC" panose="020B0400000000000000" pitchFamily="34" charset="-122"/>
+                          </a:rPr>
+                          <m:t>𝑑</m:t>
+                        </m:r>
+                        <m:sSub>
+                          <m:sSubPr>
+                            <m:ctrlPr>
+                              <a:rPr lang="en-US" altLang="zh-CN" b="0" i="1" smtClean="0">
+                                <a:solidFill>
+                                  <a:srgbClr val="333333"/>
+                                </a:solidFill>
+                                <a:effectLst/>
+                                <a:latin typeface="Cambria Math" panose="02040503050406030204" pitchFamily="18" charset="0"/>
+                                <a:ea typeface="PingFang SC" panose="020B0400000000000000" pitchFamily="34" charset="-122"/>
+                              </a:rPr>
+                            </m:ctrlPr>
+                          </m:sSubPr>
+                          <m:e>
+                            <m:r>
+                              <a:rPr lang="en-US" altLang="zh-CN" b="0" i="1" smtClean="0">
+                                <a:solidFill>
+                                  <a:srgbClr val="333333"/>
+                                </a:solidFill>
+                                <a:effectLst/>
+                                <a:latin typeface="Cambria Math" panose="02040503050406030204" pitchFamily="18" charset="0"/>
+                                <a:ea typeface="PingFang SC" panose="020B0400000000000000" pitchFamily="34" charset="-122"/>
+                              </a:rPr>
+                              <m:t>𝑤</m:t>
+                            </m:r>
+                          </m:e>
+                          <m:sub>
+                            <m:r>
+                              <a:rPr lang="en-US" altLang="zh-CN" b="0" i="1" smtClean="0">
+                                <a:solidFill>
+                                  <a:srgbClr val="333333"/>
+                                </a:solidFill>
+                                <a:effectLst/>
+                                <a:latin typeface="Cambria Math" panose="02040503050406030204" pitchFamily="18" charset="0"/>
+                                <a:ea typeface="PingFang SC" panose="020B0400000000000000" pitchFamily="34" charset="-122"/>
+                              </a:rPr>
+                              <m:t>𝑖</m:t>
+                            </m:r>
+                            <m:r>
+                              <a:rPr lang="en-US" altLang="zh-CN" b="0" i="1" smtClean="0">
+                                <a:solidFill>
+                                  <a:srgbClr val="333333"/>
+                                </a:solidFill>
+                                <a:effectLst/>
+                                <a:latin typeface="Cambria Math" panose="02040503050406030204" pitchFamily="18" charset="0"/>
+                                <a:ea typeface="PingFang SC" panose="020B0400000000000000" pitchFamily="34" charset="-122"/>
+                              </a:rPr>
+                              <m:t>,</m:t>
+                            </m:r>
+                            <m:r>
+                              <a:rPr lang="en-US" altLang="zh-CN" b="0" i="1" smtClean="0">
+                                <a:solidFill>
+                                  <a:srgbClr val="333333"/>
+                                </a:solidFill>
+                                <a:effectLst/>
+                                <a:latin typeface="Cambria Math" panose="02040503050406030204" pitchFamily="18" charset="0"/>
+                                <a:ea typeface="PingFang SC" panose="020B0400000000000000" pitchFamily="34" charset="-122"/>
+                              </a:rPr>
+                              <m:t>𝑗</m:t>
+                            </m:r>
+                          </m:sub>
+                        </m:sSub>
+                      </m:den>
+                    </m:f>
+                    <m:r>
+                      <a:rPr lang="zh-CN" altLang="en-US" i="1">
+                        <a:solidFill>
+                          <a:srgbClr val="333333"/>
+                        </a:solidFill>
+                        <a:latin typeface="Cambria Math" panose="02040503050406030204" pitchFamily="18" charset="0"/>
+                        <a:ea typeface="PingFang SC" panose="020B0400000000000000" pitchFamily="34" charset="-122"/>
+                      </a:rPr>
+                      <m:t>的</m:t>
+                    </m:r>
+                  </m:oMath>
+                </a14:m>
+                <a:r>
+                  <a:rPr lang="zh-CN" altLang="en-US" b="0" i="0" dirty="0">
+                    <a:solidFill>
+                      <a:srgbClr val="333333"/>
+                    </a:solidFill>
+                    <a:effectLst/>
+                    <a:latin typeface="PingFang SC" panose="020B0400000000000000" pitchFamily="34" charset="-122"/>
+                    <a:ea typeface="PingFang SC" panose="020B0400000000000000" pitchFamily="34" charset="-122"/>
+                  </a:rPr>
+                  <a:t>规律是：</a:t>
+                </a:r>
+                <a:endParaRPr lang="en-US" altLang="zh-CN" dirty="0"/>
+              </a:p>
+              <a:p>
+                <a:pPr marL="285750" indent="-285750">
+                  <a:buFont typeface="Arial" panose="020B0604020202020204" pitchFamily="34" charset="0"/>
+                  <a:buChar char="•"/>
+                </a:pPr>
+                <a:endParaRPr lang="en-US" altLang="zh-CN" dirty="0"/>
+              </a:p>
+              <a:p>
+                <a:pPr marL="285750" indent="-285750">
+                  <a:buFont typeface="Arial" panose="020B0604020202020204" pitchFamily="34" charset="0"/>
+                  <a:buChar char="•"/>
+                </a:pPr>
+                <a:endParaRPr lang="en-US" altLang="zh-CN" dirty="0"/>
+              </a:p>
+              <a:p>
+                <a:pPr marL="285750" indent="-285750">
+                  <a:buFont typeface="Arial" panose="020B0604020202020204" pitchFamily="34" charset="0"/>
+                  <a:buChar char="•"/>
+                </a:pPr>
+                <a:r>
+                  <a:rPr lang="zh-CN" altLang="en-US" dirty="0"/>
+                  <a:t>自学、互学、展学</a:t>
+                </a:r>
+              </a:p>
+              <a:p>
+                <a:pPr marL="285750" indent="-285750">
+                  <a:buFont typeface="Arial" panose="020B0604020202020204" pitchFamily="34" charset="0"/>
+                  <a:buChar char="•"/>
+                </a:pPr>
+                <a:endParaRPr lang="zh-CN" altLang="en-US" dirty="0"/>
+              </a:p>
+              <a:p>
+                <a:pPr marL="285750" indent="-285750">
+                  <a:buFont typeface="Arial" panose="020B0604020202020204" pitchFamily="34" charset="0"/>
+                  <a:buChar char="•"/>
+                </a:pPr>
+                <a:endParaRPr lang="en-US" altLang="zh-CN" dirty="0"/>
+              </a:p>
+              <a:p>
+                <a:pPr marL="285750" indent="-285750">
+                  <a:buFont typeface="Arial" panose="020B0604020202020204" pitchFamily="34" charset="0"/>
+                  <a:buChar char="•"/>
+                </a:pPr>
+                <a:endParaRPr lang="zh-CN" altLang="en-US" dirty="0"/>
+              </a:p>
+              <a:p>
+                <a:pPr marL="285750" indent="-285750">
+                  <a:buFont typeface="Arial" panose="020B0604020202020204" pitchFamily="34" charset="0"/>
+                  <a:buChar char="•"/>
+                </a:pPr>
+                <a:endParaRPr lang="zh-CN" altLang="en-US" dirty="0"/>
+              </a:p>
+              <a:p>
+                <a:pPr marL="285750" indent="-285750">
+                  <a:buFont typeface="Arial" panose="020B0604020202020204" pitchFamily="34" charset="0"/>
+                  <a:buChar char="•"/>
+                </a:pPr>
+                <a:endParaRPr lang="zh-CN" altLang="en-US" dirty="0"/>
+              </a:p>
+              <a:p>
+                <a:pPr marL="285750" indent="-285750">
+                  <a:buFont typeface="Arial" panose="020B0604020202020204" pitchFamily="34" charset="0"/>
+                  <a:buChar char="•"/>
+                </a:pPr>
+                <a:endParaRPr lang="zh-CN" altLang="en-US" dirty="0"/>
+              </a:p>
+              <a:p>
+                <a:pPr marL="285750" indent="-285750">
+                  <a:buFont typeface="Arial" panose="020B0604020202020204" pitchFamily="34" charset="0"/>
+                  <a:buChar char="•"/>
+                </a:pPr>
+                <a:endParaRPr lang="zh-CN" altLang="en-US" dirty="0"/>
+              </a:p>
+              <a:p>
+                <a:pPr marL="285750" indent="-285750">
+                  <a:buFont typeface="Arial" panose="020B0604020202020204" pitchFamily="34" charset="0"/>
+                  <a:buChar char="•"/>
+                </a:pPr>
+                <a:endParaRPr lang="zh-CN" altLang="en-US" dirty="0"/>
+              </a:p>
+              <a:p>
+                <a:pPr marL="285750" indent="-285750">
+                  <a:buFont typeface="Arial" panose="020B0604020202020204" pitchFamily="34" charset="0"/>
+                  <a:buChar char="•"/>
+                </a:pPr>
+                <a:endParaRPr lang="zh-CN" altLang="en-US" dirty="0"/>
+              </a:p>
+            </p:txBody>
+          </p:sp>
+        </mc:Choice>
+        <mc:Fallback>
+          <p:sp>
+            <p:nvSpPr>
+              <p:cNvPr id="6" name="文本占位符 1">
+                <a:extLst>
+                  <a:ext uri="{FF2B5EF4-FFF2-40B4-BE49-F238E27FC236}">
+                    <a16:creationId xmlns:a16="http://schemas.microsoft.com/office/drawing/2014/main" id="{BA88068A-4FDC-6963-46A5-ADEC46CDA15E}"/>
+                  </a:ext>
+                </a:extLst>
+              </p:cNvPr>
+              <p:cNvSpPr txBox="1">
+                <a:spLocks noRot="1" noChangeAspect="1" noMove="1" noResize="1" noEditPoints="1" noAdjustHandles="1" noChangeArrowheads="1" noChangeShapeType="1" noTextEdit="1"/>
+              </p:cNvSpPr>
+              <p:nvPr/>
+            </p:nvSpPr>
+            <p:spPr>
+              <a:xfrm>
+                <a:off x="822325" y="1778635"/>
+                <a:ext cx="10852150" cy="4553585"/>
+              </a:xfrm>
+              <a:blipFill>
+                <a:blip r:embed="rId3"/>
+                <a:stretch>
+                  <a:fillRect/>
+                </a:stretch>
+              </a:blipFill>
+            </p:spPr>
+            <p:txBody>
+              <a:bodyPr/>
+              <a:lstStyle/>
+              <a:p>
+                <a:r>
+                  <a:rPr lang="zh-CN" altLang="en-US">
+                    <a:noFill/>
+                  </a:rPr>
+                  <a:t> </a:t>
+                </a:r>
+              </a:p>
+            </p:txBody>
+          </p:sp>
+        </mc:Fallback>
+      </mc:AlternateContent>
+      <p:pic>
+        <p:nvPicPr>
+          <p:cNvPr id="2" name="Picture 2">
             <a:extLst>
               <a:ext uri="{FF2B5EF4-FFF2-40B4-BE49-F238E27FC236}">
-                <a16:creationId xmlns:a16="http://schemas.microsoft.com/office/drawing/2014/main" id="{BA88068A-4FDC-6963-46A5-ADEC46CDA15E}"/>
+                <a16:creationId xmlns:a16="http://schemas.microsoft.com/office/drawing/2014/main" id="{B7AE44FF-9887-BAAD-8AE4-5CA09069976B}"/>
               </a:ext>
             </a:extLst>
           </p:cNvPr>
-          <p:cNvSpPr txBox="1">
-            <a:spLocks/>
-          </p:cNvSpPr>
+          <p:cNvPicPr>
+            <a:picLocks noChangeAspect="1" noChangeArrowheads="1"/>
+          </p:cNvPicPr>
+          <p:nvPr/>
+        </p:nvPicPr>
+        <p:blipFill>
+          <a:blip r:embed="rId4">
+            <a:extLst>
+              <a:ext uri="{28A0092B-C50C-407E-A947-70E740481C1C}">
+                <a14:useLocalDpi xmlns:a14="http://schemas.microsoft.com/office/drawing/2010/main" val="0"/>
+              </a:ext>
+            </a:extLst>
+          </a:blip>
+          <a:srcRect/>
+          <a:stretch>
+            <a:fillRect/>
+          </a:stretch>
+        </p:blipFill>
+        <p:spPr bwMode="auto">
+          <a:xfrm>
+            <a:off x="7913644" y="1483807"/>
+            <a:ext cx="3608475" cy="1945193"/>
+          </a:xfrm>
+          <a:prstGeom prst="rect">
+            <a:avLst/>
+          </a:prstGeom>
+          <a:noFill/>
+          <a:extLst>
+            <a:ext uri="{909E8E84-426E-40DD-AFC4-6F175D3DCCD1}">
+              <a14:hiddenFill xmlns:a14="http://schemas.microsoft.com/office/drawing/2010/main">
+                <a:solidFill>
+                  <a:srgbClr val="FFFFFF"/>
+                </a:solidFill>
+              </a14:hiddenFill>
+            </a:ext>
+          </a:extLst>
+        </p:spPr>
+      </p:pic>
+      <p:pic>
+        <p:nvPicPr>
+          <p:cNvPr id="7" name="图片 6">
+            <a:extLst>
+              <a:ext uri="{FF2B5EF4-FFF2-40B4-BE49-F238E27FC236}">
+                <a16:creationId xmlns:a16="http://schemas.microsoft.com/office/drawing/2014/main" id="{80D8C9BB-D485-A45B-34BB-69A66CDB1494}"/>
+              </a:ext>
+            </a:extLst>
+          </p:cNvPr>
+          <p:cNvPicPr>
+            <a:picLocks noChangeAspect="1"/>
+          </p:cNvPicPr>
+          <p:nvPr/>
+        </p:nvPicPr>
+        <p:blipFill>
+          <a:blip r:embed="rId5">
+            <a:extLst>
+              <a:ext uri="{28A0092B-C50C-407E-A947-70E740481C1C}">
+                <a14:useLocalDpi xmlns:a14="http://schemas.microsoft.com/office/drawing/2010/main" val="0"/>
+              </a:ext>
+            </a:extLst>
+          </a:blip>
+          <a:stretch>
+            <a:fillRect/>
+          </a:stretch>
+        </p:blipFill>
+        <p:spPr>
+          <a:xfrm>
+            <a:off x="2719388" y="1378585"/>
+            <a:ext cx="5041900" cy="800100"/>
+          </a:xfrm>
+          <a:prstGeom prst="rect">
+            <a:avLst/>
+          </a:prstGeom>
+        </p:spPr>
+      </p:pic>
+      <p:pic>
+        <p:nvPicPr>
+          <p:cNvPr id="4098" name="Picture 2">
+            <a:extLst>
+              <a:ext uri="{FF2B5EF4-FFF2-40B4-BE49-F238E27FC236}">
+                <a16:creationId xmlns:a16="http://schemas.microsoft.com/office/drawing/2014/main" id="{992C145B-4EAE-0EBE-BED0-64A7281328E7}"/>
+              </a:ext>
+            </a:extLst>
+          </p:cNvPr>
+          <p:cNvPicPr>
+            <a:picLocks noChangeAspect="1" noChangeArrowheads="1"/>
+          </p:cNvPicPr>
+          <p:nvPr/>
+        </p:nvPicPr>
+        <p:blipFill>
+          <a:blip r:embed="rId6">
+            <a:extLst>
+              <a:ext uri="{28A0092B-C50C-407E-A947-70E740481C1C}">
+                <a14:useLocalDpi xmlns:a14="http://schemas.microsoft.com/office/drawing/2010/main" val="0"/>
+              </a:ext>
+            </a:extLst>
+          </a:blip>
+          <a:srcRect/>
+          <a:stretch>
+            <a:fillRect/>
+          </a:stretch>
+        </p:blipFill>
+        <p:spPr bwMode="auto">
+          <a:xfrm>
+            <a:off x="4187923" y="4052988"/>
+            <a:ext cx="5155920" cy="2642409"/>
+          </a:xfrm>
+          <a:prstGeom prst="rect">
+            <a:avLst/>
+          </a:prstGeom>
+          <a:noFill/>
+          <a:extLst>
+            <a:ext uri="{909E8E84-426E-40DD-AFC4-6F175D3DCCD1}">
+              <a14:hiddenFill xmlns:a14="http://schemas.microsoft.com/office/drawing/2010/main">
+                <a:solidFill>
+                  <a:srgbClr val="FFFFFF"/>
+                </a:solidFill>
+              </a14:hiddenFill>
+            </a:ext>
+          </a:extLst>
+        </p:spPr>
+      </p:pic>
+      <p:pic>
+        <p:nvPicPr>
+          <p:cNvPr id="10" name="图片 9">
+            <a:extLst>
+              <a:ext uri="{FF2B5EF4-FFF2-40B4-BE49-F238E27FC236}">
+                <a16:creationId xmlns:a16="http://schemas.microsoft.com/office/drawing/2014/main" id="{CAA0D6A0-4077-7AA4-DA22-276161A1C002}"/>
+              </a:ext>
+            </a:extLst>
+          </p:cNvPr>
+          <p:cNvPicPr>
+            <a:picLocks noChangeAspect="1"/>
+          </p:cNvPicPr>
+          <p:nvPr/>
+        </p:nvPicPr>
+        <p:blipFill>
+          <a:blip r:embed="rId7">
+            <a:extLst>
+              <a:ext uri="{28A0092B-C50C-407E-A947-70E740481C1C}">
+                <a14:useLocalDpi xmlns:a14="http://schemas.microsoft.com/office/drawing/2010/main" val="0"/>
+              </a:ext>
+            </a:extLst>
+          </a:blip>
+          <a:stretch>
+            <a:fillRect/>
+          </a:stretch>
+        </p:blipFill>
+        <p:spPr>
+          <a:xfrm>
+            <a:off x="669881" y="3427928"/>
+            <a:ext cx="3086100" cy="876300"/>
+          </a:xfrm>
+          <a:prstGeom prst="rect">
+            <a:avLst/>
+          </a:prstGeom>
+        </p:spPr>
+      </p:pic>
+      <p:sp>
+        <p:nvSpPr>
+          <p:cNvPr id="11" name="文本框 10">
+            <a:extLst>
+              <a:ext uri="{FF2B5EF4-FFF2-40B4-BE49-F238E27FC236}">
+                <a16:creationId xmlns:a16="http://schemas.microsoft.com/office/drawing/2014/main" id="{4A5E139E-F2FA-DE38-6F30-DA47B1FD3A6F}"/>
+              </a:ext>
+            </a:extLst>
+          </p:cNvPr>
+          <p:cNvSpPr txBox="1"/>
           <p:nvPr/>
         </p:nvSpPr>
         <p:spPr>
           <a:xfrm>
-            <a:off x="822325" y="1778635"/>
-            <a:ext cx="10852150" cy="4553585"/>
+            <a:off x="4006894" y="3623257"/>
+            <a:ext cx="7508787" cy="369332"/>
           </a:xfrm>
+          <a:prstGeom prst="rect">
+            <a:avLst/>
+          </a:prstGeom>
+          <a:noFill/>
         </p:spPr>
         <p:txBody>
-          <a:bodyPr lIns="101600" tIns="38100" rIns="76200" bIns="38100">
-            <a:noAutofit/>
+          <a:bodyPr wrap="none" rtlCol="0">
+            <a:spAutoFit/>
           </a:bodyPr>
-          <a:lstStyle>
-            <a:lvl1pPr marL="0" indent="0" algn="l" defTabSz="914400" rtl="0" eaLnBrk="1" fontAlgn="auto" latinLnBrk="0" hangingPunct="1">
-              <a:lnSpc>
-                <a:spcPct val="130000"/>
-              </a:lnSpc>
-              <a:spcBef>
-                <a:spcPts val="0"/>
-              </a:spcBef>
-              <a:spcAft>
-                <a:spcPts val="1000"/>
-              </a:spcAft>
-              <a:buFont typeface="Arial" panose="020B0604020202020204" pitchFamily="34" charset="0"/>
-              <a:buNone/>
-              <a:defRPr kumimoji="0" lang="zh-CN" altLang="en-US" sz="1600" b="0" i="0" u="none" strike="noStrike" kern="1200" cap="none" spc="150" normalizeH="0" baseline="0" noProof="1">
-                <a:solidFill>
-                  <a:schemeClr val="tx1"/>
-                </a:solidFill>
-                <a:uFillTx/>
-                <a:latin typeface="+mn-lt"/>
-                <a:ea typeface="+mn-ea"/>
-                <a:cs typeface="+mn-cs"/>
-                <a:sym typeface="+mn-ea"/>
-              </a:defRPr>
-            </a:lvl1pPr>
-            <a:lvl2pPr marL="457200" indent="0" algn="l" defTabSz="914400" rtl="0" eaLnBrk="1" fontAlgn="auto" latinLnBrk="0" hangingPunct="1">
-              <a:lnSpc>
-                <a:spcPct val="130000"/>
-              </a:lnSpc>
-              <a:spcBef>
-                <a:spcPts val="0"/>
-              </a:spcBef>
-              <a:spcAft>
-                <a:spcPts val="1000"/>
-              </a:spcAft>
-              <a:buFont typeface="Arial" panose="020B0604020202020204" pitchFamily="34" charset="0"/>
-              <a:buNone/>
-              <a:tabLst>
-                <a:tab pos="1609725" algn="l"/>
-              </a:tabLst>
-              <a:defRPr sz="2000" u="none" strike="noStrike" kern="1200" cap="none" spc="150" normalizeH="0" baseline="0">
-                <a:solidFill>
-                  <a:schemeClr val="tx1">
-                    <a:tint val="75000"/>
-                  </a:schemeClr>
-                </a:solidFill>
-                <a:uFillTx/>
-                <a:latin typeface="+mn-lt"/>
-                <a:ea typeface="+mn-ea"/>
-                <a:cs typeface="+mn-cs"/>
-              </a:defRPr>
-            </a:lvl2pPr>
-            <a:lvl3pPr marL="914400" indent="0" algn="l" defTabSz="914400" rtl="0" eaLnBrk="1" fontAlgn="auto" latinLnBrk="0" hangingPunct="1">
-              <a:lnSpc>
-                <a:spcPct val="130000"/>
-              </a:lnSpc>
-              <a:spcBef>
-                <a:spcPts val="0"/>
-              </a:spcBef>
-              <a:spcAft>
-                <a:spcPts val="1000"/>
-              </a:spcAft>
-              <a:buFont typeface="Arial" panose="020B0604020202020204" pitchFamily="34" charset="0"/>
-              <a:buNone/>
-              <a:defRPr sz="1800" u="none" strike="noStrike" kern="1200" cap="none" spc="150" normalizeH="0" baseline="0">
-                <a:solidFill>
-                  <a:schemeClr val="tx1">
-                    <a:tint val="75000"/>
-                  </a:schemeClr>
-                </a:solidFill>
-                <a:uFillTx/>
-                <a:latin typeface="+mn-lt"/>
-                <a:ea typeface="+mn-ea"/>
-                <a:cs typeface="+mn-cs"/>
-              </a:defRPr>
-            </a:lvl3pPr>
-            <a:lvl4pPr marL="1371600" indent="0" algn="l" defTabSz="914400" rtl="0" eaLnBrk="1" fontAlgn="auto" latinLnBrk="0" hangingPunct="1">
-              <a:lnSpc>
-                <a:spcPct val="130000"/>
-              </a:lnSpc>
-              <a:spcBef>
-                <a:spcPts val="0"/>
-              </a:spcBef>
-              <a:spcAft>
-                <a:spcPts val="1000"/>
-              </a:spcAft>
-              <a:buFont typeface="Arial" panose="020B0604020202020204" pitchFamily="34" charset="0"/>
-              <a:buNone/>
-              <a:defRPr sz="1600" u="none" strike="noStrike" kern="1200" cap="none" spc="150" normalizeH="0" baseline="0">
-                <a:solidFill>
-                  <a:schemeClr val="tx1">
-                    <a:tint val="75000"/>
-                  </a:schemeClr>
-                </a:solidFill>
-                <a:uFillTx/>
-                <a:latin typeface="+mn-lt"/>
-                <a:ea typeface="+mn-ea"/>
-                <a:cs typeface="+mn-cs"/>
-              </a:defRPr>
-            </a:lvl4pPr>
-            <a:lvl5pPr marL="1828800" indent="0" algn="l" defTabSz="914400" rtl="0" eaLnBrk="1" fontAlgn="auto" latinLnBrk="0" hangingPunct="1">
-              <a:lnSpc>
-                <a:spcPct val="130000"/>
-              </a:lnSpc>
-              <a:spcBef>
-                <a:spcPts val="0"/>
-              </a:spcBef>
-              <a:spcAft>
-                <a:spcPts val="1000"/>
-              </a:spcAft>
-              <a:buFont typeface="Arial" panose="020B0604020202020204" pitchFamily="34" charset="0"/>
-              <a:buNone/>
-              <a:defRPr sz="1600" u="none" strike="noStrike" kern="1200" cap="none" spc="150" normalizeH="0" baseline="0">
-                <a:solidFill>
-                  <a:schemeClr val="tx1">
-                    <a:tint val="75000"/>
-                  </a:schemeClr>
-                </a:solidFill>
-                <a:uFillTx/>
-                <a:latin typeface="+mn-lt"/>
-                <a:ea typeface="+mn-ea"/>
-                <a:cs typeface="+mn-cs"/>
-              </a:defRPr>
-            </a:lvl5pPr>
-            <a:lvl6pPr marL="2286000" indent="0" algn="l" defTabSz="914400" rtl="0" eaLnBrk="1" latinLnBrk="0" hangingPunct="1">
-              <a:lnSpc>
-                <a:spcPct val="90000"/>
-              </a:lnSpc>
-              <a:spcBef>
-                <a:spcPts val="500"/>
-              </a:spcBef>
-              <a:buFont typeface="Arial" panose="020B0604020202020204" pitchFamily="34" charset="0"/>
-              <a:buNone/>
-              <a:defRPr sz="1600" kern="1200">
-                <a:solidFill>
-                  <a:schemeClr val="tx1">
-                    <a:tint val="75000"/>
-                  </a:schemeClr>
-                </a:solidFill>
-                <a:latin typeface="+mn-lt"/>
-                <a:ea typeface="+mn-ea"/>
-                <a:cs typeface="+mn-cs"/>
-              </a:defRPr>
-            </a:lvl6pPr>
-            <a:lvl7pPr marL="2743200" indent="0" algn="l" defTabSz="914400" rtl="0" eaLnBrk="1" latinLnBrk="0" hangingPunct="1">
-              <a:lnSpc>
-                <a:spcPct val="90000"/>
-              </a:lnSpc>
-              <a:spcBef>
-                <a:spcPts val="500"/>
-              </a:spcBef>
-              <a:buFont typeface="Arial" panose="020B0604020202020204" pitchFamily="34" charset="0"/>
-              <a:buNone/>
-              <a:defRPr sz="1600" kern="1200">
-                <a:solidFill>
-                  <a:schemeClr val="tx1">
-                    <a:tint val="75000"/>
-                  </a:schemeClr>
-                </a:solidFill>
-                <a:latin typeface="+mn-lt"/>
-                <a:ea typeface="+mn-ea"/>
-                <a:cs typeface="+mn-cs"/>
-              </a:defRPr>
-            </a:lvl7pPr>
-            <a:lvl8pPr marL="3200400" indent="0" algn="l" defTabSz="914400" rtl="0" eaLnBrk="1" latinLnBrk="0" hangingPunct="1">
-              <a:lnSpc>
-                <a:spcPct val="90000"/>
-              </a:lnSpc>
-              <a:spcBef>
-                <a:spcPts val="500"/>
-              </a:spcBef>
-              <a:buFont typeface="Arial" panose="020B0604020202020204" pitchFamily="34" charset="0"/>
-              <a:buNone/>
-              <a:defRPr sz="1600" kern="1200">
-                <a:solidFill>
-                  <a:schemeClr val="tx1">
-                    <a:tint val="75000"/>
-                  </a:schemeClr>
-                </a:solidFill>
-                <a:latin typeface="+mn-lt"/>
-                <a:ea typeface="+mn-ea"/>
-                <a:cs typeface="+mn-cs"/>
-              </a:defRPr>
-            </a:lvl8pPr>
-            <a:lvl9pPr marL="3657600" indent="0" algn="l" defTabSz="914400" rtl="0" eaLnBrk="1" latinLnBrk="0" hangingPunct="1">
-              <a:lnSpc>
-                <a:spcPct val="90000"/>
-              </a:lnSpc>
-              <a:spcBef>
-                <a:spcPts val="500"/>
-              </a:spcBef>
-              <a:buFont typeface="Arial" panose="020B0604020202020204" pitchFamily="34" charset="0"/>
-              <a:buNone/>
-              <a:defRPr sz="1600" kern="1200">
-                <a:solidFill>
-                  <a:schemeClr val="tx1">
-                    <a:tint val="75000"/>
-                  </a:schemeClr>
-                </a:solidFill>
-                <a:latin typeface="+mn-lt"/>
-                <a:ea typeface="+mn-ea"/>
-                <a:cs typeface="+mn-cs"/>
-              </a:defRPr>
-            </a:lvl9pPr>
-          </a:lstStyle>
-          <a:p>
-            <a:pPr marL="285750" indent="-285750">
-              <a:buFont typeface="Arial" panose="020B0604020202020204" pitchFamily="34" charset="0"/>
-              <a:buChar char="•"/>
-            </a:pPr>
-            <a:r>
-              <a:rPr lang="en-US" altLang="zh-CN" dirty="0"/>
-              <a:t>TODO</a:t>
-            </a:r>
-          </a:p>
-          <a:p>
-            <a:pPr marL="285750" indent="-285750">
-              <a:buFont typeface="Arial" panose="020B0604020202020204" pitchFamily="34" charset="0"/>
-              <a:buChar char="•"/>
-            </a:pPr>
-            <a:endParaRPr lang="en-US" altLang="zh-CN" dirty="0"/>
-          </a:p>
-          <a:p>
-            <a:pPr marL="285750" indent="-285750">
-              <a:buFont typeface="Arial" panose="020B0604020202020204" pitchFamily="34" charset="0"/>
-              <a:buChar char="•"/>
-            </a:pPr>
-            <a:r>
-              <a:rPr lang="zh-CN" altLang="en-US" dirty="0"/>
-              <a:t>自学、互学、展学</a:t>
-            </a:r>
-          </a:p>
-          <a:p>
-            <a:pPr marL="285750" indent="-285750">
-              <a:buFont typeface="Arial" panose="020B0604020202020204" pitchFamily="34" charset="0"/>
-              <a:buChar char="•"/>
-            </a:pPr>
-            <a:endParaRPr lang="zh-CN" altLang="en-US" dirty="0"/>
-          </a:p>
-          <a:p>
-            <a:pPr marL="285750" indent="-285750">
-              <a:buFont typeface="Arial" panose="020B0604020202020204" pitchFamily="34" charset="0"/>
-              <a:buChar char="•"/>
-            </a:pPr>
-            <a:endParaRPr lang="en-US" altLang="zh-CN" dirty="0"/>
-          </a:p>
-          <a:p>
-            <a:pPr marL="285750" indent="-285750">
-              <a:buFont typeface="Arial" panose="020B0604020202020204" pitchFamily="34" charset="0"/>
-              <a:buChar char="•"/>
-            </a:pPr>
-            <a:endParaRPr lang="zh-CN" altLang="en-US" dirty="0"/>
-          </a:p>
-          <a:p>
-            <a:pPr marL="285750" indent="-285750">
-              <a:buFont typeface="Arial" panose="020B0604020202020204" pitchFamily="34" charset="0"/>
-              <a:buChar char="•"/>
-            </a:pPr>
-            <a:endParaRPr lang="zh-CN" altLang="en-US" dirty="0"/>
-          </a:p>
-          <a:p>
-            <a:pPr marL="285750" indent="-285750">
-              <a:buFont typeface="Arial" panose="020B0604020202020204" pitchFamily="34" charset="0"/>
-              <a:buChar char="•"/>
-            </a:pPr>
-            <a:endParaRPr lang="zh-CN" altLang="en-US" dirty="0"/>
-          </a:p>
-          <a:p>
-            <a:pPr marL="285750" indent="-285750">
-              <a:buFont typeface="Arial" panose="020B0604020202020204" pitchFamily="34" charset="0"/>
-              <a:buChar char="•"/>
-            </a:pPr>
-            <a:endParaRPr lang="zh-CN" altLang="en-US" dirty="0"/>
-          </a:p>
-          <a:p>
-            <a:pPr marL="285750" indent="-285750">
-              <a:buFont typeface="Arial" panose="020B0604020202020204" pitchFamily="34" charset="0"/>
-              <a:buChar char="•"/>
-            </a:pPr>
-            <a:endParaRPr lang="zh-CN" altLang="en-US" dirty="0"/>
-          </a:p>
-          <a:p>
-            <a:pPr marL="285750" indent="-285750">
-              <a:buFont typeface="Arial" panose="020B0604020202020204" pitchFamily="34" charset="0"/>
-              <a:buChar char="•"/>
-            </a:pPr>
-            <a:endParaRPr lang="zh-CN" altLang="en-US" dirty="0"/>
-          </a:p>
-          <a:p>
-            <a:pPr marL="285750" indent="-285750">
-              <a:buFont typeface="Arial" panose="020B0604020202020204" pitchFamily="34" charset="0"/>
-              <a:buChar char="•"/>
-            </a:pPr>
-            <a:endParaRPr lang="zh-CN" altLang="en-US" dirty="0"/>
+          <a:lstStyle/>
+          <a:p>
+            <a:r>
+              <a:rPr lang="zh-CN" altLang="en-US" b="0" i="0" dirty="0">
+                <a:solidFill>
+                  <a:srgbClr val="333333"/>
+                </a:solidFill>
+                <a:effectLst/>
+                <a:latin typeface="PingFang SC" panose="020B0400000000000000" pitchFamily="34" charset="-122"/>
+                <a:ea typeface="PingFang SC" panose="020B0400000000000000" pitchFamily="34" charset="-122"/>
+              </a:rPr>
+              <a:t>也就是用</a:t>
+            </a:r>
+            <a:r>
+              <a:rPr lang="zh-CN" altLang="en" b="0" i="0" dirty="0">
+                <a:solidFill>
+                  <a:srgbClr val="333333"/>
+                </a:solidFill>
+                <a:effectLst/>
+                <a:latin typeface="PingFang SC" panose="020B0400000000000000" pitchFamily="34" charset="-122"/>
+                <a:ea typeface="PingFang SC" panose="020B0400000000000000" pitchFamily="34" charset="-122"/>
+              </a:rPr>
+              <a:t>误差项</a:t>
+            </a:r>
+            <a:r>
+              <a:rPr lang="zh-CN" altLang="en-US" b="0" i="0" dirty="0">
+                <a:solidFill>
+                  <a:srgbClr val="333333"/>
+                </a:solidFill>
+                <a:effectLst/>
+                <a:latin typeface="PingFang SC" panose="020B0400000000000000" pitchFamily="34" charset="-122"/>
+                <a:ea typeface="PingFang SC" panose="020B0400000000000000" pitchFamily="34" charset="-122"/>
+              </a:rPr>
+              <a:t>作为卷积核，在</a:t>
+            </a:r>
+            <a:r>
+              <a:rPr lang="en" altLang="zh-CN" b="0" i="0" dirty="0">
+                <a:solidFill>
+                  <a:srgbClr val="333333"/>
+                </a:solidFill>
+                <a:effectLst/>
+                <a:latin typeface="PingFang SC" panose="020B0400000000000000" pitchFamily="34" charset="-122"/>
+                <a:ea typeface="PingFang SC" panose="020B0400000000000000" pitchFamily="34" charset="-122"/>
+              </a:rPr>
+              <a:t>input</a:t>
+            </a:r>
+            <a:r>
+              <a:rPr lang="zh-CN" altLang="en-US" b="0" i="0" dirty="0">
+                <a:solidFill>
+                  <a:srgbClr val="333333"/>
+                </a:solidFill>
+                <a:effectLst/>
+                <a:latin typeface="PingFang SC" panose="020B0400000000000000" pitchFamily="34" charset="-122"/>
+                <a:ea typeface="PingFang SC" panose="020B0400000000000000" pitchFamily="34" charset="-122"/>
+              </a:rPr>
+              <a:t>上进行</a:t>
+            </a:r>
+            <a:r>
+              <a:rPr lang="zh-CN" altLang="en" b="0" i="0" dirty="0">
+                <a:solidFill>
+                  <a:srgbClr val="333333"/>
+                </a:solidFill>
+                <a:effectLst/>
+                <a:latin typeface="PingFang SC" panose="020B0400000000000000" pitchFamily="34" charset="-122"/>
+                <a:ea typeface="PingFang SC" panose="020B0400000000000000" pitchFamily="34" charset="-122"/>
+              </a:rPr>
+              <a:t>互相关</a:t>
+            </a:r>
+            <a:r>
+              <a:rPr lang="zh-CN" altLang="en-US" b="0" i="0" dirty="0">
+                <a:solidFill>
+                  <a:srgbClr val="333333"/>
+                </a:solidFill>
+                <a:effectLst/>
+                <a:latin typeface="PingFang SC" panose="020B0400000000000000" pitchFamily="34" charset="-122"/>
+                <a:ea typeface="PingFang SC" panose="020B0400000000000000" pitchFamily="34" charset="-122"/>
+              </a:rPr>
+              <a:t>操作</a:t>
+            </a:r>
+            <a:r>
+              <a:rPr lang="zh-CN" altLang="en" b="0" i="0" dirty="0">
+                <a:solidFill>
+                  <a:srgbClr val="333333"/>
+                </a:solidFill>
+                <a:effectLst/>
+                <a:latin typeface="PingFang SC" panose="020B0400000000000000" pitchFamily="34" charset="-122"/>
+                <a:ea typeface="PingFang SC" panose="020B0400000000000000" pitchFamily="34" charset="-122"/>
+              </a:rPr>
+              <a:t>，</a:t>
+            </a:r>
+            <a:r>
+              <a:rPr lang="zh-CN" altLang="en-US" b="0" i="0" dirty="0">
+                <a:solidFill>
+                  <a:srgbClr val="333333"/>
+                </a:solidFill>
+                <a:effectLst/>
+                <a:latin typeface="PingFang SC" panose="020B0400000000000000" pitchFamily="34" charset="-122"/>
+                <a:ea typeface="PingFang SC" panose="020B0400000000000000" pitchFamily="34" charset="-122"/>
+              </a:rPr>
+              <a:t>如下图所示：</a:t>
+            </a:r>
+            <a:endParaRPr kumimoji="1" lang="zh-CN" altLang="en-US" dirty="0"/>
           </a:p>
         </p:txBody>
       </p:sp>
@@ -15684,7 +16936,7 @@
     </p:custDataLst>
     <p:extLst>
       <p:ext uri="{BB962C8B-B14F-4D97-AF65-F5344CB8AC3E}">
-        <p14:creationId xmlns:p14="http://schemas.microsoft.com/office/powerpoint/2010/main" val="2625875975"/>
+        <p14:creationId xmlns:p14="http://schemas.microsoft.com/office/powerpoint/2010/main" val="1547491706"/>
       </p:ext>
     </p:extLst>
   </p:cSld>
@@ -15991,10 +17243,7 @@
               <a:buFont typeface="Arial" panose="020B0604020202020204" pitchFamily="34" charset="0"/>
               <a:buChar char="•"/>
             </a:pPr>
-            <a:r>
-              <a:rPr lang="en-US" altLang="zh-CN" dirty="0"/>
-              <a:t>TODO</a:t>
-            </a:r>
+            <a:endParaRPr lang="en-US" altLang="zh-CN" dirty="0"/>
           </a:p>
           <a:p>
             <a:pPr marL="285750" indent="-285750">
@@ -16008,10 +17257,14 @@
               <a:buFont typeface="Arial" panose="020B0604020202020204" pitchFamily="34" charset="0"/>
               <a:buChar char="•"/>
             </a:pPr>
-            <a:r>
-              <a:rPr lang="zh-CN" altLang="en-US" dirty="0"/>
-              <a:t>自学、互学、展学</a:t>
-            </a:r>
+            <a:endParaRPr lang="zh-CN" altLang="en-US" dirty="0"/>
+          </a:p>
+          <a:p>
+            <a:pPr marL="285750" indent="-285750">
+              <a:buFont typeface="Arial" panose="020B0604020202020204" pitchFamily="34" charset="0"/>
+              <a:buChar char="•"/>
+            </a:pPr>
+            <a:endParaRPr lang="en-US" altLang="zh-CN" dirty="0"/>
           </a:p>
           <a:p>
             <a:pPr marL="285750" indent="-285750">
@@ -16025,7 +17278,7 @@
               <a:buFont typeface="Arial" panose="020B0604020202020204" pitchFamily="34" charset="0"/>
               <a:buChar char="•"/>
             </a:pPr>
-            <a:endParaRPr lang="en-US" altLang="zh-CN" dirty="0"/>
+            <a:endParaRPr lang="zh-CN" altLang="en-US" dirty="0"/>
           </a:p>
           <a:p>
             <a:pPr marL="285750" indent="-285750">
@@ -16062,29 +17315,87 @@
             </a:pPr>
             <a:endParaRPr lang="zh-CN" altLang="en-US" dirty="0"/>
           </a:p>
-          <a:p>
-            <a:pPr marL="285750" indent="-285750">
-              <a:buFont typeface="Arial" panose="020B0604020202020204" pitchFamily="34" charset="0"/>
-              <a:buChar char="•"/>
-            </a:pPr>
-            <a:endParaRPr lang="zh-CN" altLang="en-US" dirty="0"/>
-          </a:p>
-          <a:p>
-            <a:pPr marL="285750" indent="-285750">
-              <a:buFont typeface="Arial" panose="020B0604020202020204" pitchFamily="34" charset="0"/>
-              <a:buChar char="•"/>
-            </a:pPr>
-            <a:endParaRPr lang="zh-CN" altLang="en-US" dirty="0"/>
-          </a:p>
         </p:txBody>
       </p:sp>
+      <p:pic>
+        <p:nvPicPr>
+          <p:cNvPr id="7" name="图片 6">
+            <a:extLst>
+              <a:ext uri="{FF2B5EF4-FFF2-40B4-BE49-F238E27FC236}">
+                <a16:creationId xmlns:a16="http://schemas.microsoft.com/office/drawing/2014/main" id="{A18C500B-28CE-1E02-7B14-502B235013C5}"/>
+              </a:ext>
+            </a:extLst>
+          </p:cNvPr>
+          <p:cNvPicPr>
+            <a:picLocks noChangeAspect="1"/>
+          </p:cNvPicPr>
+          <p:nvPr/>
+        </p:nvPicPr>
+        <p:blipFill>
+          <a:blip r:embed="rId3">
+            <a:extLst>
+              <a:ext uri="{28A0092B-C50C-407E-A947-70E740481C1C}">
+                <a14:useLocalDpi xmlns:a14="http://schemas.microsoft.com/office/drawing/2010/main" val="0"/>
+              </a:ext>
+            </a:extLst>
+          </a:blip>
+          <a:stretch>
+            <a:fillRect/>
+          </a:stretch>
+        </p:blipFill>
+        <p:spPr>
+          <a:xfrm>
+            <a:off x="1072417" y="1489528"/>
+            <a:ext cx="2565400" cy="850900"/>
+          </a:xfrm>
+          <a:prstGeom prst="rect">
+            <a:avLst/>
+          </a:prstGeom>
+        </p:spPr>
+      </p:pic>
+      <p:pic>
+        <p:nvPicPr>
+          <p:cNvPr id="9" name="图片 8">
+            <a:extLst>
+              <a:ext uri="{FF2B5EF4-FFF2-40B4-BE49-F238E27FC236}">
+                <a16:creationId xmlns:a16="http://schemas.microsoft.com/office/drawing/2014/main" id="{00AF63D6-C93E-3463-E997-3956C99A1B20}"/>
+              </a:ext>
+            </a:extLst>
+          </p:cNvPr>
+          <p:cNvPicPr>
+            <a:picLocks noChangeAspect="1"/>
+          </p:cNvPicPr>
+          <p:nvPr/>
+        </p:nvPicPr>
+        <p:blipFill>
+          <a:blip r:embed="rId4">
+            <a:extLst>
+              <a:ext uri="{28A0092B-C50C-407E-A947-70E740481C1C}">
+                <a14:useLocalDpi xmlns:a14="http://schemas.microsoft.com/office/drawing/2010/main" val="0"/>
+              </a:ext>
+            </a:extLst>
+          </a:blip>
+          <a:stretch>
+            <a:fillRect/>
+          </a:stretch>
+        </p:blipFill>
+        <p:spPr>
+          <a:xfrm>
+            <a:off x="1000230" y="2465945"/>
+            <a:ext cx="7772400" cy="2540590"/>
+          </a:xfrm>
+          <a:prstGeom prst="rect">
+            <a:avLst/>
+          </a:prstGeom>
+        </p:spPr>
+      </p:pic>
     </p:spTree>
     <p:custDataLst>
       <p:tags r:id="rId1"/>
     </p:custDataLst>
     <p:extLst>
       <p:ext uri="{BB962C8B-B14F-4D97-AF65-F5344CB8AC3E}">
-        <p14:creationId xmlns:p14="http://schemas.microsoft.com/office/powerpoint/2010/main" val="1732873005"/>
+        <p14:creationId xmlns:p14="http://schemas.microsoft.com/office/powerpoint/2010/main" val="2625875975"/>
       </p:ext>
     </p:extLst>
   </p:cSld>
@@ -16392,15 +17703,20 @@
               <a:buChar char="•"/>
             </a:pPr>
             <a:r>
+              <a:rPr lang="zh-CN" altLang="en-US" dirty="0"/>
+              <a:t>如何处理步长为</a:t>
+            </a:r>
+            <a:r>
               <a:rPr lang="en-US" altLang="zh-CN" dirty="0"/>
-              <a:t>TODO</a:t>
-            </a:r>
-          </a:p>
-          <a:p>
-            <a:pPr marL="285750" indent="-285750">
-              <a:buFont typeface="Arial" panose="020B0604020202020204" pitchFamily="34" charset="0"/>
-              <a:buChar char="•"/>
-            </a:pPr>
+              <a:t>2</a:t>
+            </a:r>
+            <a:r>
+              <a:rPr lang="zh-CN" altLang="en-US" dirty="0"/>
+              <a:t>的情况？</a:t>
+            </a:r>
+            <a:endParaRPr lang="en-US" altLang="zh-CN" dirty="0"/>
+          </a:p>
+          <a:p>
             <a:endParaRPr lang="en-US" altLang="zh-CN" dirty="0"/>
           </a:p>
           <a:p>
@@ -16425,7 +17741,7 @@
               <a:buFont typeface="Arial" panose="020B0604020202020204" pitchFamily="34" charset="0"/>
               <a:buChar char="•"/>
             </a:pPr>
-            <a:endParaRPr lang="en-US" altLang="zh-CN" dirty="0"/>
+            <a:endParaRPr lang="zh-CN" altLang="en-US" dirty="0"/>
           </a:p>
           <a:p>
             <a:pPr marL="285750" indent="-285750">
@@ -16462,340 +17778,361 @@
             </a:pPr>
             <a:endParaRPr lang="zh-CN" altLang="en-US" dirty="0"/>
           </a:p>
-          <a:p>
-            <a:pPr marL="285750" indent="-285750">
-              <a:buFont typeface="Arial" panose="020B0604020202020204" pitchFamily="34" charset="0"/>
-              <a:buChar char="•"/>
-            </a:pPr>
-            <a:endParaRPr lang="zh-CN" altLang="en-US" dirty="0"/>
-          </a:p>
-          <a:p>
-            <a:pPr marL="285750" indent="-285750">
-              <a:buFont typeface="Arial" panose="020B0604020202020204" pitchFamily="34" charset="0"/>
-              <a:buChar char="•"/>
-            </a:pPr>
-            <a:endParaRPr lang="zh-CN" altLang="en-US" dirty="0"/>
-          </a:p>
         </p:txBody>
       </p:sp>
+      <p:pic>
+        <p:nvPicPr>
+          <p:cNvPr id="2" name="Picture 2">
+            <a:extLst>
+              <a:ext uri="{FF2B5EF4-FFF2-40B4-BE49-F238E27FC236}">
+                <a16:creationId xmlns:a16="http://schemas.microsoft.com/office/drawing/2014/main" id="{CB21F4E6-E1CC-6064-C54D-42BB7BB1C9C4}"/>
+              </a:ext>
+            </a:extLst>
+          </p:cNvPr>
+          <p:cNvPicPr>
+            <a:picLocks noChangeAspect="1" noChangeArrowheads="1"/>
+          </p:cNvPicPr>
+          <p:nvPr/>
+        </p:nvPicPr>
+        <p:blipFill>
+          <a:blip r:embed="rId3">
+            <a:extLst>
+              <a:ext uri="{28A0092B-C50C-407E-A947-70E740481C1C}">
+                <a14:useLocalDpi xmlns:a14="http://schemas.microsoft.com/office/drawing/2010/main" val="0"/>
+              </a:ext>
+            </a:extLst>
+          </a:blip>
+          <a:srcRect/>
+          <a:stretch>
+            <a:fillRect/>
+          </a:stretch>
+        </p:blipFill>
+        <p:spPr bwMode="auto">
+          <a:xfrm>
+            <a:off x="7433695" y="1289550"/>
+            <a:ext cx="3986597" cy="4373311"/>
+          </a:xfrm>
+          <a:prstGeom prst="rect">
+            <a:avLst/>
+          </a:prstGeom>
+          <a:noFill/>
+          <a:extLst>
+            <a:ext uri="{909E8E84-426E-40DD-AFC4-6F175D3DCCD1}">
+              <a14:hiddenFill xmlns:a14="http://schemas.microsoft.com/office/drawing/2010/main">
+                <a:solidFill>
+                  <a:srgbClr val="FFFFFF"/>
+                </a:solidFill>
+              </a14:hiddenFill>
+            </a:ext>
+          </a:extLst>
+        </p:spPr>
+      </p:pic>
+      <mc:AlternateContent xmlns:mc="http://schemas.openxmlformats.org/markup-compatibility/2006">
+        <mc:Choice xmlns:a14="http://schemas.microsoft.com/office/drawing/2010/main" Requires="a14">
+          <p:sp>
+            <p:nvSpPr>
+              <p:cNvPr id="4" name="文本框 3">
+                <a:extLst>
+                  <a:ext uri="{FF2B5EF4-FFF2-40B4-BE49-F238E27FC236}">
+                    <a16:creationId xmlns:a16="http://schemas.microsoft.com/office/drawing/2014/main" id="{39AD8D5F-2042-5B5E-4FFC-F36AEE0FE151}"/>
+                  </a:ext>
+                </a:extLst>
+              </p:cNvPr>
+              <p:cNvSpPr txBox="1"/>
+              <p:nvPr/>
+            </p:nvSpPr>
+            <p:spPr>
+              <a:xfrm>
+                <a:off x="1004835" y="4055427"/>
+                <a:ext cx="5870518" cy="651269"/>
+              </a:xfrm>
+              <a:prstGeom prst="rect">
+                <a:avLst/>
+              </a:prstGeom>
+              <a:noFill/>
+            </p:spPr>
+            <p:txBody>
+              <a:bodyPr wrap="none" rtlCol="0">
+                <a:spAutoFit/>
+              </a:bodyPr>
+              <a:lstStyle/>
+              <a:p>
+                <a:r>
+                  <a:rPr lang="zh-CN" altLang="en-US" b="0" i="0" dirty="0">
+                    <a:solidFill>
+                      <a:srgbClr val="333333"/>
+                    </a:solidFill>
+                    <a:effectLst/>
+                    <a:latin typeface="PingFang SC" panose="020B0400000000000000" pitchFamily="34" charset="-122"/>
+                    <a:ea typeface="PingFang SC" panose="020B0400000000000000" pitchFamily="34" charset="-122"/>
+                  </a:rPr>
+                  <a:t>对于步长为</a:t>
+                </a:r>
+                <a:r>
+                  <a:rPr lang="en" altLang="zh-CN" b="0" i="0" dirty="0">
+                    <a:solidFill>
+                      <a:srgbClr val="333333"/>
+                    </a:solidFill>
+                    <a:effectLst/>
+                    <a:latin typeface="PingFang SC" panose="020B0400000000000000" pitchFamily="34" charset="-122"/>
+                    <a:ea typeface="PingFang SC" panose="020B0400000000000000" pitchFamily="34" charset="-122"/>
+                  </a:rPr>
+                  <a:t>S</a:t>
+                </a:r>
+                <a:r>
+                  <a:rPr lang="zh-CN" altLang="en-US" b="0" i="0" dirty="0">
+                    <a:solidFill>
+                      <a:srgbClr val="333333"/>
+                    </a:solidFill>
+                    <a:effectLst/>
+                    <a:latin typeface="PingFang SC" panose="020B0400000000000000" pitchFamily="34" charset="-122"/>
+                    <a:ea typeface="PingFang SC" panose="020B0400000000000000" pitchFamily="34" charset="-122"/>
+                  </a:rPr>
+                  <a:t>的卷积层，处理方法与传递误差项时一样：</a:t>
+                </a:r>
+                <a:br>
+                  <a:rPr lang="en-US" altLang="zh-CN" b="0" i="0" dirty="0">
+                    <a:solidFill>
+                      <a:srgbClr val="333333"/>
+                    </a:solidFill>
+                    <a:effectLst/>
+                    <a:latin typeface="PingFang SC" panose="020B0400000000000000" pitchFamily="34" charset="-122"/>
+                    <a:ea typeface="PingFang SC" panose="020B0400000000000000" pitchFamily="34" charset="-122"/>
+                  </a:rPr>
+                </a:br>
+                <a:r>
+                  <a:rPr lang="zh-CN" altLang="en-US" b="0" i="0" dirty="0">
+                    <a:solidFill>
+                      <a:srgbClr val="333333"/>
+                    </a:solidFill>
+                    <a:effectLst/>
+                    <a:latin typeface="PingFang SC" panose="020B0400000000000000" pitchFamily="34" charset="-122"/>
+                    <a:ea typeface="PingFang SC" panose="020B0400000000000000" pitchFamily="34" charset="-122"/>
+                  </a:rPr>
+                  <a:t>通过对</a:t>
+                </a:r>
+                <a14:m>
+                  <m:oMath xmlns:m="http://schemas.openxmlformats.org/officeDocument/2006/math">
+                    <m:sSup>
+                      <m:sSupPr>
+                        <m:ctrlPr>
+                          <a:rPr lang="en-US" altLang="zh-CN" b="0" i="1" smtClean="0">
+                            <a:solidFill>
+                              <a:srgbClr val="333333"/>
+                            </a:solidFill>
+                            <a:effectLst/>
+                            <a:latin typeface="Cambria Math" panose="02040503050406030204" pitchFamily="18" charset="0"/>
+                            <a:ea typeface="PingFang SC" panose="020B0400000000000000" pitchFamily="34" charset="-122"/>
+                          </a:rPr>
+                        </m:ctrlPr>
+                      </m:sSupPr>
+                      <m:e>
+                        <m:r>
+                          <a:rPr lang="en-US" altLang="zh-CN" i="1">
+                            <a:solidFill>
+                              <a:srgbClr val="333333"/>
+                            </a:solidFill>
+                            <a:latin typeface="Cambria Math" panose="02040503050406030204" pitchFamily="18" charset="0"/>
+                            <a:ea typeface="PingFang SC" panose="020B0400000000000000" pitchFamily="34" charset="-122"/>
+                          </a:rPr>
+                          <m:t>𝛿</m:t>
+                        </m:r>
+                      </m:e>
+                      <m:sup>
+                        <m:r>
+                          <a:rPr lang="en-US" altLang="zh-CN" b="0" i="1" smtClean="0">
+                            <a:solidFill>
+                              <a:srgbClr val="333333"/>
+                            </a:solidFill>
+                            <a:effectLst/>
+                            <a:latin typeface="Cambria Math" panose="02040503050406030204" pitchFamily="18" charset="0"/>
+                            <a:ea typeface="PingFang SC" panose="020B0400000000000000" pitchFamily="34" charset="-122"/>
+                          </a:rPr>
+                          <m:t>𝑙</m:t>
+                        </m:r>
+                      </m:sup>
+                    </m:sSup>
+                  </m:oMath>
+                </a14:m>
+                <a:r>
+                  <a:rPr lang="zh-CN" altLang="en-US" b="0" i="0" dirty="0">
+                    <a:solidFill>
+                      <a:srgbClr val="333333"/>
+                    </a:solidFill>
+                    <a:effectLst/>
+                    <a:latin typeface="PingFang SC" panose="020B0400000000000000" pitchFamily="34" charset="-122"/>
+                    <a:ea typeface="PingFang SC" panose="020B0400000000000000" pitchFamily="34" charset="-122"/>
+                  </a:rPr>
+                  <a:t>补</a:t>
+                </a:r>
+                <a:r>
+                  <a:rPr lang="en-US" altLang="zh-CN" b="0" i="0" dirty="0">
+                    <a:solidFill>
+                      <a:srgbClr val="333333"/>
+                    </a:solidFill>
+                    <a:effectLst/>
+                    <a:latin typeface="PingFang SC" panose="020B0400000000000000" pitchFamily="34" charset="-122"/>
+                    <a:ea typeface="PingFang SC" panose="020B0400000000000000" pitchFamily="34" charset="-122"/>
+                  </a:rPr>
+                  <a:t>0</a:t>
+                </a:r>
+                <a:r>
+                  <a:rPr lang="zh-CN" altLang="en-US" dirty="0">
+                    <a:solidFill>
+                      <a:srgbClr val="333333"/>
+                    </a:solidFill>
+                    <a:latin typeface="PingFang SC" panose="020B0400000000000000" pitchFamily="34" charset="-122"/>
+                    <a:ea typeface="PingFang SC" panose="020B0400000000000000" pitchFamily="34" charset="-122"/>
+                  </a:rPr>
+                  <a:t>，</a:t>
+                </a:r>
+                <a:r>
+                  <a:rPr lang="zh-CN" altLang="en-US" b="0" i="0" dirty="0">
+                    <a:solidFill>
+                      <a:srgbClr val="333333"/>
+                    </a:solidFill>
+                    <a:effectLst/>
+                    <a:latin typeface="PingFang SC" panose="020B0400000000000000" pitchFamily="34" charset="-122"/>
+                    <a:ea typeface="PingFang SC" panose="020B0400000000000000" pitchFamily="34" charset="-122"/>
+                  </a:rPr>
+                  <a:t>将</a:t>
+                </a:r>
+                <a:r>
+                  <a:rPr lang="zh-CN" altLang="en" b="0" i="0" dirty="0">
+                    <a:solidFill>
+                      <a:srgbClr val="333333"/>
+                    </a:solidFill>
+                    <a:effectLst/>
+                    <a:latin typeface="PingFang SC" panose="020B0400000000000000" pitchFamily="34" charset="-122"/>
+                    <a:ea typeface="PingFang SC" panose="020B0400000000000000" pitchFamily="34" charset="-122"/>
+                  </a:rPr>
+                  <a:t>其</a:t>
+                </a:r>
+                <a:r>
+                  <a:rPr lang="en" altLang="zh-CN" b="0" i="0" dirty="0">
+                    <a:solidFill>
+                      <a:srgbClr val="333333"/>
+                    </a:solidFill>
+                    <a:effectLst/>
+                    <a:latin typeface="PingFang SC" panose="020B0400000000000000" pitchFamily="34" charset="-122"/>
+                    <a:ea typeface="PingFang SC" panose="020B0400000000000000" pitchFamily="34" charset="-122"/>
+                  </a:rPr>
+                  <a:t>『</a:t>
+                </a:r>
+                <a:r>
+                  <a:rPr lang="zh-CN" altLang="en-US" b="0" i="0" dirty="0">
+                    <a:solidFill>
+                      <a:srgbClr val="333333"/>
+                    </a:solidFill>
+                    <a:effectLst/>
+                    <a:latin typeface="PingFang SC" panose="020B0400000000000000" pitchFamily="34" charset="-122"/>
+                    <a:ea typeface="PingFang SC" panose="020B0400000000000000" pitchFamily="34" charset="-122"/>
+                  </a:rPr>
+                  <a:t>还原</a:t>
+                </a:r>
+                <a:r>
+                  <a:rPr lang="en-US" altLang="zh-CN" b="0" i="0" dirty="0">
+                    <a:solidFill>
+                      <a:srgbClr val="333333"/>
+                    </a:solidFill>
+                    <a:effectLst/>
+                    <a:latin typeface="PingFang SC" panose="020B0400000000000000" pitchFamily="34" charset="-122"/>
+                    <a:ea typeface="PingFang SC" panose="020B0400000000000000" pitchFamily="34" charset="-122"/>
+                  </a:rPr>
+                  <a:t>』</a:t>
+                </a:r>
+                <a:r>
+                  <a:rPr lang="zh-CN" altLang="en-US" b="0" i="0" dirty="0">
+                    <a:solidFill>
+                      <a:srgbClr val="333333"/>
+                    </a:solidFill>
+                    <a:effectLst/>
+                    <a:latin typeface="PingFang SC" panose="020B0400000000000000" pitchFamily="34" charset="-122"/>
+                    <a:ea typeface="PingFang SC" panose="020B0400000000000000" pitchFamily="34" charset="-122"/>
+                  </a:rPr>
+                  <a:t>成步长为</a:t>
+                </a:r>
+                <a:r>
+                  <a:rPr lang="en-US" altLang="zh-CN" b="0" i="0" dirty="0">
+                    <a:solidFill>
+                      <a:srgbClr val="333333"/>
+                    </a:solidFill>
+                    <a:effectLst/>
+                    <a:latin typeface="PingFang SC" panose="020B0400000000000000" pitchFamily="34" charset="-122"/>
+                    <a:ea typeface="PingFang SC" panose="020B0400000000000000" pitchFamily="34" charset="-122"/>
+                  </a:rPr>
+                  <a:t>1</a:t>
+                </a:r>
+                <a:r>
+                  <a:rPr lang="zh-CN" altLang="en-US" b="0" i="0" dirty="0">
+                    <a:solidFill>
+                      <a:srgbClr val="333333"/>
+                    </a:solidFill>
+                    <a:effectLst/>
+                    <a:latin typeface="PingFang SC" panose="020B0400000000000000" pitchFamily="34" charset="-122"/>
+                    <a:ea typeface="PingFang SC" panose="020B0400000000000000" pitchFamily="34" charset="-122"/>
+                  </a:rPr>
+                  <a:t>的情况</a:t>
+                </a:r>
+                <a:endParaRPr lang="zh-CN" altLang="en-US" dirty="0"/>
+              </a:p>
+            </p:txBody>
+          </p:sp>
+        </mc:Choice>
+        <mc:Fallback>
+          <p:sp>
+            <p:nvSpPr>
+              <p:cNvPr id="4" name="文本框 3">
+                <a:extLst>
+                  <a:ext uri="{FF2B5EF4-FFF2-40B4-BE49-F238E27FC236}">
+                    <a16:creationId xmlns:a16="http://schemas.microsoft.com/office/drawing/2014/main" id="{39AD8D5F-2042-5B5E-4FFC-F36AEE0FE151}"/>
+                  </a:ext>
+                </a:extLst>
+              </p:cNvPr>
+              <p:cNvSpPr txBox="1">
+                <a:spLocks noRot="1" noChangeAspect="1" noMove="1" noResize="1" noEditPoints="1" noAdjustHandles="1" noChangeArrowheads="1" noChangeShapeType="1" noTextEdit="1"/>
+              </p:cNvSpPr>
+              <p:nvPr/>
+            </p:nvSpPr>
+            <p:spPr>
+              <a:xfrm>
+                <a:off x="1004835" y="4055427"/>
+                <a:ext cx="5870518" cy="651269"/>
+              </a:xfrm>
+              <a:prstGeom prst="rect">
+                <a:avLst/>
+              </a:prstGeom>
+              <a:blipFill>
+                <a:blip r:embed="rId4"/>
+                <a:stretch>
+                  <a:fillRect l="-1080" t="-3846" b="-15385"/>
+                </a:stretch>
+              </a:blipFill>
+            </p:spPr>
+            <p:txBody>
+              <a:bodyPr/>
+              <a:lstStyle/>
+              <a:p>
+                <a:r>
+                  <a:rPr lang="zh-CN" altLang="en-US">
+                    <a:noFill/>
+                  </a:rPr>
+                  <a:t> </a:t>
+                </a:r>
+              </a:p>
+            </p:txBody>
+          </p:sp>
+        </mc:Fallback>
+      </mc:AlternateContent>
     </p:spTree>
     <p:custDataLst>
       <p:tags r:id="rId1"/>
     </p:custDataLst>
     <p:extLst>
       <p:ext uri="{BB962C8B-B14F-4D97-AF65-F5344CB8AC3E}">
-        <p14:creationId xmlns:p14="http://schemas.microsoft.com/office/powerpoint/2010/main" val="519778867"/>
+        <p14:creationId xmlns:p14="http://schemas.microsoft.com/office/powerpoint/2010/main" val="1732873005"/>
       </p:ext>
     </p:extLst>
-  </p:cSld>
-  <p:clrMapOvr>
-    <a:masterClrMapping/>
-  </p:clrMapOvr>
-</p:sld>
-</file>
-
-<file path=ppt/slides/slide26.xml><?xml version="1.0" encoding="utf-8"?>
-<p:sld xmlns:a="http://schemas.openxmlformats.org/drawingml/2006/main" xmlns:r="http://schemas.openxmlformats.org/officeDocument/2006/relationships" xmlns:p="http://schemas.openxmlformats.org/presentationml/2006/main">
-  <p:cSld>
-    <p:spTree>
-      <p:nvGrpSpPr>
-        <p:cNvPr id="1" name=""/>
-        <p:cNvGrpSpPr/>
-        <p:nvPr/>
-      </p:nvGrpSpPr>
-      <p:grpSpPr>
-        <a:xfrm>
-          <a:off x="0" y="0"/>
-          <a:ext cx="0" cy="0"/>
-          <a:chOff x="0" y="0"/>
-          <a:chExt cx="0" cy="0"/>
-        </a:xfrm>
-      </p:grpSpPr>
-      <p:sp>
-        <p:nvSpPr>
-          <p:cNvPr id="2" name="标题 1"/>
-          <p:cNvSpPr>
-            <a:spLocks noGrp="1"/>
-          </p:cNvSpPr>
-          <p:nvPr>
-            <p:ph type="title"/>
-          </p:nvPr>
-        </p:nvSpPr>
-        <p:spPr/>
-        <p:txBody>
-          <a:bodyPr/>
-          <a:lstStyle/>
-          <a:p>
-            <a:r>
-              <a:rPr lang="zh-CN" altLang="en-US" dirty="0">
-                <a:sym typeface="+mn-ea"/>
-              </a:rPr>
-              <a:t>任务：实现</a:t>
-            </a:r>
-            <a:r>
-              <a:rPr lang="zh-CN" altLang="en-US" dirty="0"/>
-              <a:t>计算</a:t>
-            </a:r>
-            <a:r>
-              <a:rPr kumimoji="1" lang="en-US" altLang="zh-CN" dirty="0">
-                <a:solidFill>
-                  <a:srgbClr val="333333"/>
-                </a:solidFill>
-                <a:latin typeface="verdana" panose="020B0604030504040204" pitchFamily="34" charset="0"/>
-              </a:rPr>
-              <a:t>Filter</a:t>
-            </a:r>
-            <a:r>
-              <a:rPr kumimoji="1" lang="zh-CN" altLang="en-US" dirty="0">
-                <a:solidFill>
-                  <a:srgbClr val="333333"/>
-                </a:solidFill>
-                <a:latin typeface="verdana" panose="020B0604030504040204" pitchFamily="34" charset="0"/>
-              </a:rPr>
-              <a:t>每个权重值的梯度</a:t>
-            </a:r>
-            <a:endParaRPr lang="en-US" altLang="zh-CN" dirty="0"/>
-          </a:p>
-        </p:txBody>
-      </p:sp>
-    </p:spTree>
-    <p:custDataLst>
-      <p:tags r:id="rId1"/>
-    </p:custDataLst>
-    <p:extLst>
-      <p:ext uri="{BB962C8B-B14F-4D97-AF65-F5344CB8AC3E}">
-        <p14:creationId xmlns:p14="http://schemas.microsoft.com/office/powerpoint/2010/main" val="3375828254"/>
-      </p:ext>
-    </p:extLst>
-  </p:cSld>
-  <p:clrMapOvr>
-    <a:masterClrMapping/>
-  </p:clrMapOvr>
-</p:sld>
-</file>
-
-<file path=ppt/slides/slide27.xml><?xml version="1.0" encoding="utf-8"?>
-<p:sld xmlns:a="http://schemas.openxmlformats.org/drawingml/2006/main" xmlns:r="http://schemas.openxmlformats.org/officeDocument/2006/relationships" xmlns:p="http://schemas.openxmlformats.org/presentationml/2006/main">
-  <p:cSld>
-    <p:spTree>
-      <p:nvGrpSpPr>
-        <p:cNvPr id="1" name=""/>
-        <p:cNvGrpSpPr/>
-        <p:nvPr/>
-      </p:nvGrpSpPr>
-      <p:grpSpPr>
-        <a:xfrm>
-          <a:off x="0" y="0"/>
-          <a:ext cx="0" cy="0"/>
-          <a:chOff x="0" y="0"/>
-          <a:chExt cx="0" cy="0"/>
-        </a:xfrm>
-      </p:grpSpPr>
-      <p:sp>
-        <p:nvSpPr>
-          <p:cNvPr id="2" name="标题 1"/>
-          <p:cNvSpPr>
-            <a:spLocks noGrp="1"/>
-          </p:cNvSpPr>
-          <p:nvPr>
-            <p:ph type="title"/>
-          </p:nvPr>
-        </p:nvSpPr>
-        <p:spPr/>
-        <p:txBody>
-          <a:bodyPr/>
-          <a:lstStyle/>
-          <a:p>
-            <a:r>
-              <a:rPr lang="zh-CN" altLang="en-US"/>
-              <a:t>总结</a:t>
-            </a:r>
-          </a:p>
-        </p:txBody>
-      </p:sp>
-    </p:spTree>
-    <p:custDataLst>
-      <p:tags r:id="rId1"/>
-    </p:custDataLst>
-  </p:cSld>
-  <p:clrMapOvr>
-    <a:masterClrMapping/>
-  </p:clrMapOvr>
-</p:sld>
-</file>
-
-<file path=ppt/slides/slide28.xml><?xml version="1.0" encoding="utf-8"?>
-<p:sld xmlns:a="http://schemas.openxmlformats.org/drawingml/2006/main" xmlns:r="http://schemas.openxmlformats.org/officeDocument/2006/relationships" xmlns:p="http://schemas.openxmlformats.org/presentationml/2006/main">
-  <p:cSld>
-    <p:spTree>
-      <p:nvGrpSpPr>
-        <p:cNvPr id="1" name=""/>
-        <p:cNvGrpSpPr/>
-        <p:nvPr/>
-      </p:nvGrpSpPr>
-      <p:grpSpPr>
-        <a:xfrm>
-          <a:off x="0" y="0"/>
-          <a:ext cx="0" cy="0"/>
-          <a:chOff x="0" y="0"/>
-          <a:chExt cx="0" cy="0"/>
-        </a:xfrm>
-      </p:grpSpPr>
-      <p:sp>
-        <p:nvSpPr>
-          <p:cNvPr id="2" name="文本占位符 1"/>
-          <p:cNvSpPr>
-            <a:spLocks noGrp="1"/>
-          </p:cNvSpPr>
-          <p:nvPr>
-            <p:ph type="body" idx="1"/>
-          </p:nvPr>
-        </p:nvSpPr>
-        <p:spPr/>
-        <p:txBody>
-          <a:bodyPr/>
-          <a:lstStyle/>
-          <a:p>
-            <a:pPr marL="285750" indent="-285750">
-              <a:buFont typeface="Arial" panose="020B0604020202020204" pitchFamily="34" charset="0"/>
-              <a:buChar char="•"/>
-            </a:pPr>
-            <a:r>
-              <a:rPr lang="en-US" dirty="0" err="1"/>
-              <a:t>请总结本节课的内容</a:t>
-            </a:r>
-            <a:r>
-              <a:rPr lang="zh-CN" altLang="en-US" dirty="0"/>
-              <a:t>？</a:t>
-            </a:r>
-            <a:endParaRPr lang="en-US" dirty="0"/>
-          </a:p>
-          <a:p>
-            <a:pPr marL="285750" indent="-285750">
-              <a:buFont typeface="Arial" panose="020B0604020202020204" pitchFamily="34" charset="0"/>
-              <a:buChar char="•"/>
-            </a:pPr>
-            <a:r>
-              <a:rPr lang="en-US" dirty="0" err="1"/>
-              <a:t>请回答开始的问题</a:t>
-            </a:r>
-            <a:r>
-              <a:rPr lang="zh-CN" altLang="en-US" dirty="0"/>
-              <a:t>？</a:t>
-            </a:r>
-            <a:endParaRPr lang="en-US" altLang="zh-CN" dirty="0"/>
-          </a:p>
-          <a:p>
-            <a:endParaRPr dirty="0">
-              <a:solidFill>
-                <a:schemeClr val="bg2"/>
-              </a:solidFill>
-              <a:sym typeface="+mn-ea"/>
-            </a:endParaRPr>
-          </a:p>
-          <a:p>
-            <a:pPr marL="285750" indent="-285750">
-              <a:buFont typeface="Arial" panose="020B0604020202020204" pitchFamily="34" charset="0"/>
-              <a:buChar char="•"/>
-            </a:pPr>
-            <a:r>
-              <a:rPr lang="zh-CN" altLang="en-US" dirty="0"/>
-              <a:t>自学、展学</a:t>
-            </a:r>
-            <a:endParaRPr lang="en-US" altLang="zh-CN" dirty="0"/>
-          </a:p>
-          <a:p>
-            <a:pPr marL="285750" indent="-285750">
-              <a:buFont typeface="Arial" panose="020B0604020202020204" pitchFamily="34" charset="0"/>
-              <a:buChar char="•"/>
-            </a:pPr>
-            <a:endParaRPr dirty="0">
-              <a:sym typeface="+mn-ea"/>
-            </a:endParaRPr>
-          </a:p>
-        </p:txBody>
-      </p:sp>
-      <p:sp>
-        <p:nvSpPr>
-          <p:cNvPr id="3" name="标题 2"/>
-          <p:cNvSpPr>
-            <a:spLocks noGrp="1"/>
-          </p:cNvSpPr>
-          <p:nvPr>
-            <p:ph type="title"/>
-          </p:nvPr>
-        </p:nvSpPr>
-        <p:spPr/>
-        <p:txBody>
-          <a:bodyPr/>
-          <a:lstStyle/>
-          <a:p>
-            <a:r>
-              <a:rPr lang="zh-CN" altLang="en-US"/>
-              <a:t>总结</a:t>
-            </a:r>
-          </a:p>
-        </p:txBody>
-      </p:sp>
-      <p:graphicFrame>
-        <p:nvGraphicFramePr>
-          <p:cNvPr id="4" name="对象 3">
-            <a:hlinkClick r:id="" action="ppaction://ole?verb=0"/>
-          </p:cNvPr>
-          <p:cNvGraphicFramePr>
-            <a:graphicFrameLocks noChangeAspect="1"/>
-          </p:cNvGraphicFramePr>
-          <p:nvPr/>
-        </p:nvGraphicFramePr>
-        <p:xfrm>
-          <a:off x="5638800" y="3244850"/>
-          <a:ext cx="914400" cy="368300"/>
-        </p:xfrm>
-        <a:graphic>
-          <a:graphicData uri="http://schemas.openxmlformats.org/presentationml/2006/ole">
-            <mc:AlternateContent xmlns:mc="http://schemas.openxmlformats.org/markup-compatibility/2006">
-              <mc:Choice xmlns:v="urn:schemas-microsoft-com:vml" Requires="v">
-                <p:oleObj r:id="rId3" imgW="914400" imgH="368300" progId="Equation.KSEE3">
-                  <p:embed/>
-                </p:oleObj>
-              </mc:Choice>
-              <mc:Fallback>
-                <p:oleObj r:id="rId3" imgW="914400" imgH="368300" progId="Equation.KSEE3">
-                  <p:embed/>
-                  <p:pic>
-                    <p:nvPicPr>
-                      <p:cNvPr id="4" name="对象 3">
-                        <a:hlinkClick r:id="" action="ppaction://ole?verb=0"/>
-                      </p:cNvPr>
-                      <p:cNvPicPr/>
-                      <p:nvPr/>
-                    </p:nvPicPr>
-                    <p:blipFill>
-                      <a:blip r:embed="rId4"/>
-                      <a:stretch>
-                        <a:fillRect/>
-                      </a:stretch>
-                    </p:blipFill>
-                    <p:spPr>
-                      <a:xfrm>
-                        <a:off x="5638800" y="3244850"/>
-                        <a:ext cx="914400" cy="368300"/>
-                      </a:xfrm>
-                      <a:prstGeom prst="rect">
-                        <a:avLst/>
-                      </a:prstGeom>
-                    </p:spPr>
-                  </p:pic>
-                </p:oleObj>
-              </mc:Fallback>
-            </mc:AlternateContent>
-          </a:graphicData>
-        </a:graphic>
-      </p:graphicFrame>
-    </p:spTree>
-    <p:custDataLst>
-      <p:tags r:id="rId1"/>
-    </p:custDataLst>
   </p:cSld>
   <p:clrMapOvr>
     <a:masterClrMapping/>
@@ -16821,7 +18158,7 @@
                             </p:stCondLst>
                             <p:childTnLst>
                               <p:par>
-                                <p:cTn id="5" presetID="1" presetClass="entr" presetSubtype="0" fill="hold" grpId="0" nodeType="clickEffect">
+                                <p:cTn id="5" presetID="1" presetClass="entr" presetSubtype="0" fill="hold" nodeType="clickEffect">
                                   <p:stCondLst>
                                     <p:cond delay="0"/>
                                   </p:stCondLst>
@@ -16834,60 +18171,7 @@
                                           </p:stCondLst>
                                         </p:cTn>
                                         <p:tgtEl>
-                                          <p:spTgt spid="2">
-                                            <p:txEl>
-                                              <p:pRg st="0" end="0"/>
-                                            </p:txEl>
-                                          </p:spTgt>
-                                        </p:tgtEl>
-                                        <p:attrNameLst>
-                                          <p:attrName>style.visibility</p:attrName>
-                                        </p:attrNameLst>
-                                      </p:cBhvr>
-                                      <p:to>
-                                        <p:strVal val="visible"/>
-                                      </p:to>
-                                    </p:set>
-                                  </p:childTnLst>
-                                </p:cTn>
-                              </p:par>
-                            </p:childTnLst>
-                          </p:cTn>
-                        </p:par>
-                      </p:childTnLst>
-                    </p:cTn>
-                  </p:par>
-                  <p:par>
-                    <p:cTn id="7" fill="hold">
-                      <p:stCondLst>
-                        <p:cond delay="indefinite"/>
-                      </p:stCondLst>
-                      <p:childTnLst>
-                        <p:par>
-                          <p:cTn id="8" fill="hold">
-                            <p:stCondLst>
-                              <p:cond delay="0"/>
-                            </p:stCondLst>
-                            <p:childTnLst>
-                              <p:par>
-                                <p:cTn id="9" presetID="1" presetClass="entr" presetSubtype="0" fill="hold" grpId="0" nodeType="clickEffect">
-                                  <p:stCondLst>
-                                    <p:cond delay="0"/>
-                                  </p:stCondLst>
-                                  <p:childTnLst>
-                                    <p:set>
-                                      <p:cBhvr>
-                                        <p:cTn id="10" dur="1" fill="hold">
-                                          <p:stCondLst>
-                                            <p:cond delay="0"/>
-                                          </p:stCondLst>
-                                        </p:cTn>
-                                        <p:tgtEl>
-                                          <p:spTgt spid="2">
-                                            <p:txEl>
-                                              <p:pRg st="1" end="1"/>
-                                            </p:txEl>
-                                          </p:spTgt>
+                                          <p:spTgt spid="2"/>
                                         </p:tgtEl>
                                         <p:attrNameLst>
                                           <p:attrName>style.visibility</p:attrName>
@@ -16927,10 +18211,1135 @@
         </p:cTn>
       </p:par>
     </p:tnLst>
-    <p:bldLst>
-      <p:bldP spid="2" grpId="0" uiExpand="1" build="p"/>
-    </p:bldLst>
   </p:timing>
+</p:sld>
+</file>
+
+<file path=ppt/slides/slide26.xml><?xml version="1.0" encoding="utf-8"?>
+<p:sld xmlns:a="http://schemas.openxmlformats.org/drawingml/2006/main" xmlns:r="http://schemas.openxmlformats.org/officeDocument/2006/relationships" xmlns:p="http://schemas.openxmlformats.org/presentationml/2006/main">
+  <p:cSld>
+    <p:spTree>
+      <p:nvGrpSpPr>
+        <p:cNvPr id="1" name=""/>
+        <p:cNvGrpSpPr/>
+        <p:nvPr/>
+      </p:nvGrpSpPr>
+      <p:grpSpPr>
+        <a:xfrm>
+          <a:off x="0" y="0"/>
+          <a:ext cx="0" cy="0"/>
+          <a:chOff x="0" y="0"/>
+          <a:chExt cx="0" cy="0"/>
+        </a:xfrm>
+      </p:grpSpPr>
+      <p:sp>
+        <p:nvSpPr>
+          <p:cNvPr id="3" name="标题 2"/>
+          <p:cNvSpPr>
+            <a:spLocks noGrp="1"/>
+          </p:cNvSpPr>
+          <p:nvPr>
+            <p:ph type="title"/>
+          </p:nvPr>
+        </p:nvSpPr>
+        <p:spPr/>
+        <p:txBody>
+          <a:bodyPr/>
+          <a:lstStyle/>
+          <a:p>
+            <a:r>
+              <a:rPr lang="zh-CN" altLang="en-US" dirty="0"/>
+              <a:t>主问题：如何计算</a:t>
+            </a:r>
+            <a:r>
+              <a:rPr kumimoji="1" lang="en-US" altLang="zh-CN" dirty="0">
+                <a:solidFill>
+                  <a:srgbClr val="333333"/>
+                </a:solidFill>
+                <a:latin typeface="verdana" panose="020B0604030504040204" pitchFamily="34" charset="0"/>
+              </a:rPr>
+              <a:t>Filter</a:t>
+            </a:r>
+            <a:r>
+              <a:rPr kumimoji="1" lang="zh-CN" altLang="en-US" dirty="0">
+                <a:solidFill>
+                  <a:srgbClr val="333333"/>
+                </a:solidFill>
+                <a:latin typeface="verdana" panose="020B0604030504040204" pitchFamily="34" charset="0"/>
+              </a:rPr>
+              <a:t>每个权重值的梯度</a:t>
+            </a:r>
+            <a:r>
+              <a:rPr lang="zh-CN" altLang="en-US" dirty="0"/>
+              <a:t>？</a:t>
+            </a:r>
+            <a:endParaRPr dirty="0">
+              <a:sym typeface="+mn-ea"/>
+            </a:endParaRPr>
+          </a:p>
+        </p:txBody>
+      </p:sp>
+      <p:sp>
+        <p:nvSpPr>
+          <p:cNvPr id="6" name="文本占位符 1">
+            <a:extLst>
+              <a:ext uri="{FF2B5EF4-FFF2-40B4-BE49-F238E27FC236}">
+                <a16:creationId xmlns:a16="http://schemas.microsoft.com/office/drawing/2014/main" id="{BA88068A-4FDC-6963-46A5-ADEC46CDA15E}"/>
+              </a:ext>
+            </a:extLst>
+          </p:cNvPr>
+          <p:cNvSpPr txBox="1">
+            <a:spLocks/>
+          </p:cNvSpPr>
+          <p:nvPr/>
+        </p:nvSpPr>
+        <p:spPr>
+          <a:xfrm>
+            <a:off x="822325" y="1778635"/>
+            <a:ext cx="10852150" cy="4553585"/>
+          </a:xfrm>
+        </p:spPr>
+        <p:txBody>
+          <a:bodyPr lIns="101600" tIns="38100" rIns="76200" bIns="38100">
+            <a:noAutofit/>
+          </a:bodyPr>
+          <a:lstStyle>
+            <a:lvl1pPr marL="0" indent="0" algn="l" defTabSz="914400" rtl="0" eaLnBrk="1" fontAlgn="auto" latinLnBrk="0" hangingPunct="1">
+              <a:lnSpc>
+                <a:spcPct val="130000"/>
+              </a:lnSpc>
+              <a:spcBef>
+                <a:spcPts val="0"/>
+              </a:spcBef>
+              <a:spcAft>
+                <a:spcPts val="1000"/>
+              </a:spcAft>
+              <a:buFont typeface="Arial" panose="020B0604020202020204" pitchFamily="34" charset="0"/>
+              <a:buNone/>
+              <a:defRPr kumimoji="0" lang="zh-CN" altLang="en-US" sz="1600" b="0" i="0" u="none" strike="noStrike" kern="1200" cap="none" spc="150" normalizeH="0" baseline="0" noProof="1">
+                <a:solidFill>
+                  <a:schemeClr val="tx1"/>
+                </a:solidFill>
+                <a:uFillTx/>
+                <a:latin typeface="+mn-lt"/>
+                <a:ea typeface="+mn-ea"/>
+                <a:cs typeface="+mn-cs"/>
+                <a:sym typeface="+mn-ea"/>
+              </a:defRPr>
+            </a:lvl1pPr>
+            <a:lvl2pPr marL="457200" indent="0" algn="l" defTabSz="914400" rtl="0" eaLnBrk="1" fontAlgn="auto" latinLnBrk="0" hangingPunct="1">
+              <a:lnSpc>
+                <a:spcPct val="130000"/>
+              </a:lnSpc>
+              <a:spcBef>
+                <a:spcPts val="0"/>
+              </a:spcBef>
+              <a:spcAft>
+                <a:spcPts val="1000"/>
+              </a:spcAft>
+              <a:buFont typeface="Arial" panose="020B0604020202020204" pitchFamily="34" charset="0"/>
+              <a:buNone/>
+              <a:tabLst>
+                <a:tab pos="1609725" algn="l"/>
+              </a:tabLst>
+              <a:defRPr sz="2000" u="none" strike="noStrike" kern="1200" cap="none" spc="150" normalizeH="0" baseline="0">
+                <a:solidFill>
+                  <a:schemeClr val="tx1">
+                    <a:tint val="75000"/>
+                  </a:schemeClr>
+                </a:solidFill>
+                <a:uFillTx/>
+                <a:latin typeface="+mn-lt"/>
+                <a:ea typeface="+mn-ea"/>
+                <a:cs typeface="+mn-cs"/>
+              </a:defRPr>
+            </a:lvl2pPr>
+            <a:lvl3pPr marL="914400" indent="0" algn="l" defTabSz="914400" rtl="0" eaLnBrk="1" fontAlgn="auto" latinLnBrk="0" hangingPunct="1">
+              <a:lnSpc>
+                <a:spcPct val="130000"/>
+              </a:lnSpc>
+              <a:spcBef>
+                <a:spcPts val="0"/>
+              </a:spcBef>
+              <a:spcAft>
+                <a:spcPts val="1000"/>
+              </a:spcAft>
+              <a:buFont typeface="Arial" panose="020B0604020202020204" pitchFamily="34" charset="0"/>
+              <a:buNone/>
+              <a:defRPr sz="1800" u="none" strike="noStrike" kern="1200" cap="none" spc="150" normalizeH="0" baseline="0">
+                <a:solidFill>
+                  <a:schemeClr val="tx1">
+                    <a:tint val="75000"/>
+                  </a:schemeClr>
+                </a:solidFill>
+                <a:uFillTx/>
+                <a:latin typeface="+mn-lt"/>
+                <a:ea typeface="+mn-ea"/>
+                <a:cs typeface="+mn-cs"/>
+              </a:defRPr>
+            </a:lvl3pPr>
+            <a:lvl4pPr marL="1371600" indent="0" algn="l" defTabSz="914400" rtl="0" eaLnBrk="1" fontAlgn="auto" latinLnBrk="0" hangingPunct="1">
+              <a:lnSpc>
+                <a:spcPct val="130000"/>
+              </a:lnSpc>
+              <a:spcBef>
+                <a:spcPts val="0"/>
+              </a:spcBef>
+              <a:spcAft>
+                <a:spcPts val="1000"/>
+              </a:spcAft>
+              <a:buFont typeface="Arial" panose="020B0604020202020204" pitchFamily="34" charset="0"/>
+              <a:buNone/>
+              <a:defRPr sz="1600" u="none" strike="noStrike" kern="1200" cap="none" spc="150" normalizeH="0" baseline="0">
+                <a:solidFill>
+                  <a:schemeClr val="tx1">
+                    <a:tint val="75000"/>
+                  </a:schemeClr>
+                </a:solidFill>
+                <a:uFillTx/>
+                <a:latin typeface="+mn-lt"/>
+                <a:ea typeface="+mn-ea"/>
+                <a:cs typeface="+mn-cs"/>
+              </a:defRPr>
+            </a:lvl4pPr>
+            <a:lvl5pPr marL="1828800" indent="0" algn="l" defTabSz="914400" rtl="0" eaLnBrk="1" fontAlgn="auto" latinLnBrk="0" hangingPunct="1">
+              <a:lnSpc>
+                <a:spcPct val="130000"/>
+              </a:lnSpc>
+              <a:spcBef>
+                <a:spcPts val="0"/>
+              </a:spcBef>
+              <a:spcAft>
+                <a:spcPts val="1000"/>
+              </a:spcAft>
+              <a:buFont typeface="Arial" panose="020B0604020202020204" pitchFamily="34" charset="0"/>
+              <a:buNone/>
+              <a:defRPr sz="1600" u="none" strike="noStrike" kern="1200" cap="none" spc="150" normalizeH="0" baseline="0">
+                <a:solidFill>
+                  <a:schemeClr val="tx1">
+                    <a:tint val="75000"/>
+                  </a:schemeClr>
+                </a:solidFill>
+                <a:uFillTx/>
+                <a:latin typeface="+mn-lt"/>
+                <a:ea typeface="+mn-ea"/>
+                <a:cs typeface="+mn-cs"/>
+              </a:defRPr>
+            </a:lvl5pPr>
+            <a:lvl6pPr marL="2286000" indent="0" algn="l" defTabSz="914400" rtl="0" eaLnBrk="1" latinLnBrk="0" hangingPunct="1">
+              <a:lnSpc>
+                <a:spcPct val="90000"/>
+              </a:lnSpc>
+              <a:spcBef>
+                <a:spcPts val="500"/>
+              </a:spcBef>
+              <a:buFont typeface="Arial" panose="020B0604020202020204" pitchFamily="34" charset="0"/>
+              <a:buNone/>
+              <a:defRPr sz="1600" kern="1200">
+                <a:solidFill>
+                  <a:schemeClr val="tx1">
+                    <a:tint val="75000"/>
+                  </a:schemeClr>
+                </a:solidFill>
+                <a:latin typeface="+mn-lt"/>
+                <a:ea typeface="+mn-ea"/>
+                <a:cs typeface="+mn-cs"/>
+              </a:defRPr>
+            </a:lvl6pPr>
+            <a:lvl7pPr marL="2743200" indent="0" algn="l" defTabSz="914400" rtl="0" eaLnBrk="1" latinLnBrk="0" hangingPunct="1">
+              <a:lnSpc>
+                <a:spcPct val="90000"/>
+              </a:lnSpc>
+              <a:spcBef>
+                <a:spcPts val="500"/>
+              </a:spcBef>
+              <a:buFont typeface="Arial" panose="020B0604020202020204" pitchFamily="34" charset="0"/>
+              <a:buNone/>
+              <a:defRPr sz="1600" kern="1200">
+                <a:solidFill>
+                  <a:schemeClr val="tx1">
+                    <a:tint val="75000"/>
+                  </a:schemeClr>
+                </a:solidFill>
+                <a:latin typeface="+mn-lt"/>
+                <a:ea typeface="+mn-ea"/>
+                <a:cs typeface="+mn-cs"/>
+              </a:defRPr>
+            </a:lvl7pPr>
+            <a:lvl8pPr marL="3200400" indent="0" algn="l" defTabSz="914400" rtl="0" eaLnBrk="1" latinLnBrk="0" hangingPunct="1">
+              <a:lnSpc>
+                <a:spcPct val="90000"/>
+              </a:lnSpc>
+              <a:spcBef>
+                <a:spcPts val="500"/>
+              </a:spcBef>
+              <a:buFont typeface="Arial" panose="020B0604020202020204" pitchFamily="34" charset="0"/>
+              <a:buNone/>
+              <a:defRPr sz="1600" kern="1200">
+                <a:solidFill>
+                  <a:schemeClr val="tx1">
+                    <a:tint val="75000"/>
+                  </a:schemeClr>
+                </a:solidFill>
+                <a:latin typeface="+mn-lt"/>
+                <a:ea typeface="+mn-ea"/>
+                <a:cs typeface="+mn-cs"/>
+              </a:defRPr>
+            </a:lvl8pPr>
+            <a:lvl9pPr marL="3657600" indent="0" algn="l" defTabSz="914400" rtl="0" eaLnBrk="1" latinLnBrk="0" hangingPunct="1">
+              <a:lnSpc>
+                <a:spcPct val="90000"/>
+              </a:lnSpc>
+              <a:spcBef>
+                <a:spcPts val="500"/>
+              </a:spcBef>
+              <a:buFont typeface="Arial" panose="020B0604020202020204" pitchFamily="34" charset="0"/>
+              <a:buNone/>
+              <a:defRPr sz="1600" kern="1200">
+                <a:solidFill>
+                  <a:schemeClr val="tx1">
+                    <a:tint val="75000"/>
+                  </a:schemeClr>
+                </a:solidFill>
+                <a:latin typeface="+mn-lt"/>
+                <a:ea typeface="+mn-ea"/>
+                <a:cs typeface="+mn-cs"/>
+              </a:defRPr>
+            </a:lvl9pPr>
+          </a:lstStyle>
+          <a:p>
+            <a:pPr marL="285750" indent="-285750">
+              <a:buFont typeface="Arial" panose="020B0604020202020204" pitchFamily="34" charset="0"/>
+              <a:buChar char="•"/>
+            </a:pPr>
+            <a:r>
+              <a:rPr lang="zh-CN" altLang="en-US" b="0" i="0" dirty="0">
+                <a:solidFill>
+                  <a:srgbClr val="333333"/>
+                </a:solidFill>
+                <a:effectLst/>
+                <a:latin typeface="PingFang SC" panose="020B0400000000000000" pitchFamily="34" charset="-122"/>
+                <a:ea typeface="PingFang SC" panose="020B0400000000000000" pitchFamily="34" charset="-122"/>
+              </a:rPr>
+              <a:t>对于</a:t>
+            </a:r>
+            <a:r>
+              <a:rPr lang="en-US" altLang="zh-CN" b="0" i="0" dirty="0">
+                <a:solidFill>
+                  <a:srgbClr val="333333"/>
+                </a:solidFill>
+                <a:effectLst/>
+                <a:latin typeface="PingFang SC" panose="020B0400000000000000" pitchFamily="34" charset="-122"/>
+                <a:ea typeface="PingFang SC" panose="020B0400000000000000" pitchFamily="34" charset="-122"/>
+              </a:rPr>
+              <a:t>Filter</a:t>
+            </a:r>
+            <a:r>
+              <a:rPr lang="zh-CN" altLang="en-US" b="0" i="0" dirty="0">
+                <a:solidFill>
+                  <a:srgbClr val="333333"/>
+                </a:solidFill>
+                <a:effectLst/>
+                <a:latin typeface="PingFang SC" panose="020B0400000000000000" pitchFamily="34" charset="-122"/>
+                <a:ea typeface="PingFang SC" panose="020B0400000000000000" pitchFamily="34" charset="-122"/>
+              </a:rPr>
+              <a:t>个数为</a:t>
+            </a:r>
+            <a:r>
+              <a:rPr lang="en-US" altLang="zh-CN" b="0" i="0" dirty="0">
+                <a:solidFill>
+                  <a:srgbClr val="333333"/>
+                </a:solidFill>
+                <a:effectLst/>
+                <a:latin typeface="PingFang SC" panose="020B0400000000000000" pitchFamily="34" charset="-122"/>
+                <a:ea typeface="PingFang SC" panose="020B0400000000000000" pitchFamily="34" charset="-122"/>
+              </a:rPr>
+              <a:t>N</a:t>
+            </a:r>
+            <a:r>
+              <a:rPr lang="zh-CN" altLang="en-US" b="0" i="0" dirty="0">
+                <a:solidFill>
+                  <a:srgbClr val="333333"/>
+                </a:solidFill>
+                <a:effectLst/>
+                <a:latin typeface="PingFang SC" panose="020B0400000000000000" pitchFamily="34" charset="-122"/>
+                <a:ea typeface="PingFang SC" panose="020B0400000000000000" pitchFamily="34" charset="-122"/>
+              </a:rPr>
+              <a:t>和每个</a:t>
+            </a:r>
+            <a:r>
+              <a:rPr lang="en-US" altLang="zh-CN" b="0" i="0" dirty="0">
+                <a:solidFill>
+                  <a:srgbClr val="333333"/>
+                </a:solidFill>
+                <a:effectLst/>
+                <a:latin typeface="PingFang SC" panose="020B0400000000000000" pitchFamily="34" charset="-122"/>
+                <a:ea typeface="PingFang SC" panose="020B0400000000000000" pitchFamily="34" charset="-122"/>
+              </a:rPr>
+              <a:t>Filter</a:t>
+            </a:r>
+            <a:r>
+              <a:rPr lang="zh-CN" altLang="en-US" b="0" i="0" dirty="0">
+                <a:solidFill>
+                  <a:srgbClr val="333333"/>
+                </a:solidFill>
+                <a:effectLst/>
+                <a:latin typeface="PingFang SC" panose="020B0400000000000000" pitchFamily="34" charset="-122"/>
+                <a:ea typeface="PingFang SC" panose="020B0400000000000000" pitchFamily="34" charset="-122"/>
+              </a:rPr>
+              <a:t>的深度为</a:t>
+            </a:r>
+            <a:r>
+              <a:rPr lang="en-US" altLang="zh-CN" b="0" i="0" dirty="0">
+                <a:solidFill>
+                  <a:srgbClr val="333333"/>
+                </a:solidFill>
+                <a:effectLst/>
+                <a:latin typeface="PingFang SC" panose="020B0400000000000000" pitchFamily="34" charset="-122"/>
+                <a:ea typeface="PingFang SC" panose="020B0400000000000000" pitchFamily="34" charset="-122"/>
+              </a:rPr>
+              <a:t>D</a:t>
+            </a:r>
+            <a:r>
+              <a:rPr lang="zh-CN" altLang="en-US" b="0" i="0" dirty="0">
+                <a:solidFill>
+                  <a:srgbClr val="333333"/>
+                </a:solidFill>
+                <a:effectLst/>
+                <a:latin typeface="PingFang SC" panose="020B0400000000000000" pitchFamily="34" charset="-122"/>
+                <a:ea typeface="PingFang SC" panose="020B0400000000000000" pitchFamily="34" charset="-122"/>
+              </a:rPr>
+              <a:t>的情况，因为</a:t>
+            </a:r>
+            <a:r>
+              <a:rPr lang="zh-CN" altLang="en-US" b="0" i="0" dirty="0">
+                <a:solidFill>
+                  <a:srgbClr val="121212"/>
+                </a:solidFill>
+                <a:effectLst/>
+                <a:latin typeface="-apple-system"/>
+              </a:rPr>
+              <a:t>每个都对应输出图像的对应深度的</a:t>
+            </a:r>
+            <a:r>
+              <a:rPr lang="en-US" altLang="zh-CN" b="0" i="0" dirty="0">
+                <a:solidFill>
+                  <a:srgbClr val="121212"/>
+                </a:solidFill>
+                <a:effectLst/>
+                <a:latin typeface="-apple-system"/>
+              </a:rPr>
+              <a:t>Feature map</a:t>
+            </a:r>
+            <a:r>
+              <a:rPr lang="zh-CN" altLang="en-US" b="0" i="0" dirty="0">
+                <a:solidFill>
+                  <a:srgbClr val="121212"/>
+                </a:solidFill>
+                <a:effectLst/>
+                <a:latin typeface="-apple-system"/>
+              </a:rPr>
+              <a:t>和输入图像的对应深度的</a:t>
+            </a:r>
+            <a:r>
+              <a:rPr lang="en-US" altLang="zh-CN" b="0" i="0" dirty="0">
+                <a:solidFill>
+                  <a:srgbClr val="121212"/>
+                </a:solidFill>
+                <a:effectLst/>
+                <a:latin typeface="-apple-system"/>
+              </a:rPr>
+              <a:t>Feature map</a:t>
+            </a:r>
+            <a:r>
+              <a:rPr lang="zh-CN" altLang="en-US" b="0" i="0" dirty="0">
+                <a:solidFill>
+                  <a:srgbClr val="121212"/>
+                </a:solidFill>
+                <a:effectLst/>
+                <a:latin typeface="-apple-system"/>
+              </a:rPr>
+              <a:t>，每一个二维</a:t>
+            </a:r>
+            <a:r>
+              <a:rPr lang="en-US" altLang="zh-CN" b="0" i="0" dirty="0">
+                <a:solidFill>
+                  <a:srgbClr val="121212"/>
+                </a:solidFill>
+                <a:effectLst/>
+                <a:latin typeface="-apple-system"/>
+              </a:rPr>
+              <a:t>Filter</a:t>
+            </a:r>
+            <a:r>
+              <a:rPr lang="zh-CN" altLang="en-US" b="0" i="0" dirty="0">
+                <a:solidFill>
+                  <a:srgbClr val="121212"/>
+                </a:solidFill>
+                <a:effectLst/>
+                <a:latin typeface="-apple-system"/>
+              </a:rPr>
+              <a:t>只涉及到一次二维卷积运算</a:t>
+            </a:r>
+            <a:endParaRPr lang="en-US" altLang="zh-CN" b="0" i="0" dirty="0">
+              <a:solidFill>
+                <a:srgbClr val="121212"/>
+              </a:solidFill>
+              <a:effectLst/>
+              <a:latin typeface="-apple-system"/>
+            </a:endParaRPr>
+          </a:p>
+          <a:p>
+            <a:pPr marL="285750" indent="-285750">
+              <a:buFont typeface="Arial" panose="020B0604020202020204" pitchFamily="34" charset="0"/>
+              <a:buChar char="•"/>
+            </a:pPr>
+            <a:r>
+              <a:rPr lang="zh-CN" altLang="en-US" b="0" i="0" dirty="0">
+                <a:solidFill>
+                  <a:srgbClr val="121212"/>
+                </a:solidFill>
+                <a:effectLst/>
+                <a:latin typeface="-apple-system"/>
+              </a:rPr>
+              <a:t>那求得整个卷积核的导数，只需分析</a:t>
+            </a:r>
+            <a:r>
+              <a:rPr lang="en-US" altLang="zh-CN" b="0" i="0" dirty="0">
+                <a:solidFill>
+                  <a:srgbClr val="121212"/>
+                </a:solidFill>
+                <a:effectLst/>
+                <a:latin typeface="-apple-system"/>
+              </a:rPr>
+              <a:t>N×D</a:t>
+            </a:r>
+            <a:r>
+              <a:rPr lang="zh-CN" altLang="en-US" b="0" i="0" dirty="0">
+                <a:solidFill>
+                  <a:srgbClr val="121212"/>
+                </a:solidFill>
+                <a:effectLst/>
+                <a:latin typeface="-apple-system"/>
+              </a:rPr>
+              <a:t>次二维</a:t>
+            </a:r>
+            <a:r>
+              <a:rPr lang="en-US" altLang="zh-CN" b="0" i="0" dirty="0">
+                <a:solidFill>
+                  <a:srgbClr val="121212"/>
+                </a:solidFill>
+                <a:effectLst/>
+                <a:latin typeface="-apple-system"/>
+              </a:rPr>
+              <a:t>Filter</a:t>
+            </a:r>
+            <a:r>
+              <a:rPr lang="zh-CN" altLang="en-US" b="0" i="0" dirty="0">
+                <a:solidFill>
+                  <a:srgbClr val="121212"/>
+                </a:solidFill>
+                <a:effectLst/>
+                <a:latin typeface="-apple-system"/>
+              </a:rPr>
+              <a:t>中每个二维</a:t>
+            </a:r>
+            <a:r>
+              <a:rPr lang="en-US" altLang="zh-CN" b="0" i="0" dirty="0">
+                <a:solidFill>
+                  <a:srgbClr val="121212"/>
+                </a:solidFill>
+                <a:effectLst/>
+                <a:latin typeface="-apple-system"/>
+              </a:rPr>
+              <a:t>Filter</a:t>
+            </a:r>
+            <a:r>
+              <a:rPr lang="zh-CN" altLang="en-US" b="0" i="0" dirty="0">
+                <a:solidFill>
+                  <a:srgbClr val="121212"/>
+                </a:solidFill>
+                <a:effectLst/>
+                <a:latin typeface="-apple-system"/>
+              </a:rPr>
+              <a:t>的导数，再将其组合成</a:t>
+            </a:r>
+            <a:r>
+              <a:rPr lang="en-US" altLang="zh-CN" b="0" i="0" dirty="0">
+                <a:solidFill>
+                  <a:srgbClr val="121212"/>
+                </a:solidFill>
+                <a:effectLst/>
+                <a:latin typeface="-apple-system"/>
+              </a:rPr>
+              <a:t>4</a:t>
+            </a:r>
+            <a:r>
+              <a:rPr lang="zh-CN" altLang="en-US" b="0" i="0" dirty="0">
+                <a:solidFill>
+                  <a:srgbClr val="121212"/>
+                </a:solidFill>
+                <a:effectLst/>
+                <a:latin typeface="-apple-system"/>
+              </a:rPr>
+              <a:t>维张量即可</a:t>
+            </a:r>
+            <a:endParaRPr lang="en-US" altLang="zh-CN" dirty="0"/>
+          </a:p>
+          <a:p>
+            <a:endParaRPr lang="zh-CN" altLang="en-US" dirty="0"/>
+          </a:p>
+          <a:p>
+            <a:pPr marL="285750" indent="-285750">
+              <a:buFont typeface="Arial" panose="020B0604020202020204" pitchFamily="34" charset="0"/>
+              <a:buChar char="•"/>
+            </a:pPr>
+            <a:endParaRPr lang="en-US" altLang="zh-CN" dirty="0"/>
+          </a:p>
+          <a:p>
+            <a:pPr marL="285750" indent="-285750">
+              <a:buFont typeface="Arial" panose="020B0604020202020204" pitchFamily="34" charset="0"/>
+              <a:buChar char="•"/>
+            </a:pPr>
+            <a:endParaRPr lang="zh-CN" altLang="en-US" dirty="0"/>
+          </a:p>
+          <a:p>
+            <a:pPr marL="285750" indent="-285750">
+              <a:buFont typeface="Arial" panose="020B0604020202020204" pitchFamily="34" charset="0"/>
+              <a:buChar char="•"/>
+            </a:pPr>
+            <a:endParaRPr lang="zh-CN" altLang="en-US" dirty="0"/>
+          </a:p>
+          <a:p>
+            <a:pPr marL="285750" indent="-285750">
+              <a:buFont typeface="Arial" panose="020B0604020202020204" pitchFamily="34" charset="0"/>
+              <a:buChar char="•"/>
+            </a:pPr>
+            <a:endParaRPr lang="zh-CN" altLang="en-US" dirty="0"/>
+          </a:p>
+          <a:p>
+            <a:pPr marL="285750" indent="-285750">
+              <a:buFont typeface="Arial" panose="020B0604020202020204" pitchFamily="34" charset="0"/>
+              <a:buChar char="•"/>
+            </a:pPr>
+            <a:endParaRPr lang="zh-CN" altLang="en-US" dirty="0"/>
+          </a:p>
+          <a:p>
+            <a:pPr marL="285750" indent="-285750">
+              <a:buFont typeface="Arial" panose="020B0604020202020204" pitchFamily="34" charset="0"/>
+              <a:buChar char="•"/>
+            </a:pPr>
+            <a:endParaRPr lang="zh-CN" altLang="en-US" dirty="0"/>
+          </a:p>
+          <a:p>
+            <a:pPr marL="285750" indent="-285750">
+              <a:buFont typeface="Arial" panose="020B0604020202020204" pitchFamily="34" charset="0"/>
+              <a:buChar char="•"/>
+            </a:pPr>
+            <a:endParaRPr lang="zh-CN" altLang="en-US" dirty="0"/>
+          </a:p>
+          <a:p>
+            <a:pPr marL="285750" indent="-285750">
+              <a:buFont typeface="Arial" panose="020B0604020202020204" pitchFamily="34" charset="0"/>
+              <a:buChar char="•"/>
+            </a:pPr>
+            <a:endParaRPr lang="zh-CN" altLang="en-US" dirty="0"/>
+          </a:p>
+        </p:txBody>
+      </p:sp>
+    </p:spTree>
+    <p:custDataLst>
+      <p:tags r:id="rId1"/>
+    </p:custDataLst>
+    <p:extLst>
+      <p:ext uri="{BB962C8B-B14F-4D97-AF65-F5344CB8AC3E}">
+        <p14:creationId xmlns:p14="http://schemas.microsoft.com/office/powerpoint/2010/main" val="3298517590"/>
+      </p:ext>
+    </p:extLst>
+  </p:cSld>
+  <p:clrMapOvr>
+    <a:masterClrMapping/>
+  </p:clrMapOvr>
+</p:sld>
+</file>
+
+<file path=ppt/slides/slide27.xml><?xml version="1.0" encoding="utf-8"?>
+<p:sld xmlns:a="http://schemas.openxmlformats.org/drawingml/2006/main" xmlns:r="http://schemas.openxmlformats.org/officeDocument/2006/relationships" xmlns:p="http://schemas.openxmlformats.org/presentationml/2006/main">
+  <p:cSld>
+    <p:spTree>
+      <p:nvGrpSpPr>
+        <p:cNvPr id="1" name=""/>
+        <p:cNvGrpSpPr/>
+        <p:nvPr/>
+      </p:nvGrpSpPr>
+      <p:grpSpPr>
+        <a:xfrm>
+          <a:off x="0" y="0"/>
+          <a:ext cx="0" cy="0"/>
+          <a:chOff x="0" y="0"/>
+          <a:chExt cx="0" cy="0"/>
+        </a:xfrm>
+      </p:grpSpPr>
+      <p:sp>
+        <p:nvSpPr>
+          <p:cNvPr id="3" name="标题 2"/>
+          <p:cNvSpPr>
+            <a:spLocks noGrp="1"/>
+          </p:cNvSpPr>
+          <p:nvPr>
+            <p:ph type="title"/>
+          </p:nvPr>
+        </p:nvSpPr>
+        <p:spPr/>
+        <p:txBody>
+          <a:bodyPr/>
+          <a:lstStyle/>
+          <a:p>
+            <a:r>
+              <a:rPr lang="zh-CN" altLang="en-US" dirty="0"/>
+              <a:t>主问题：如何计算</a:t>
+            </a:r>
+            <a:r>
+              <a:rPr kumimoji="1" lang="en-US" altLang="zh-CN" dirty="0">
+                <a:solidFill>
+                  <a:srgbClr val="333333"/>
+                </a:solidFill>
+                <a:latin typeface="verdana" panose="020B0604030504040204" pitchFamily="34" charset="0"/>
+              </a:rPr>
+              <a:t>Filter</a:t>
+            </a:r>
+            <a:r>
+              <a:rPr kumimoji="1" lang="zh-CN" altLang="en-US" dirty="0">
+                <a:solidFill>
+                  <a:srgbClr val="333333"/>
+                </a:solidFill>
+                <a:latin typeface="verdana" panose="020B0604030504040204" pitchFamily="34" charset="0"/>
+              </a:rPr>
+              <a:t>每个权重值的梯度</a:t>
+            </a:r>
+            <a:r>
+              <a:rPr lang="zh-CN" altLang="en-US" dirty="0"/>
+              <a:t>？</a:t>
+            </a:r>
+            <a:endParaRPr dirty="0">
+              <a:sym typeface="+mn-ea"/>
+            </a:endParaRPr>
+          </a:p>
+        </p:txBody>
+      </p:sp>
+      <p:sp>
+        <p:nvSpPr>
+          <p:cNvPr id="6" name="文本占位符 1">
+            <a:extLst>
+              <a:ext uri="{FF2B5EF4-FFF2-40B4-BE49-F238E27FC236}">
+                <a16:creationId xmlns:a16="http://schemas.microsoft.com/office/drawing/2014/main" id="{BA88068A-4FDC-6963-46A5-ADEC46CDA15E}"/>
+              </a:ext>
+            </a:extLst>
+          </p:cNvPr>
+          <p:cNvSpPr txBox="1">
+            <a:spLocks/>
+          </p:cNvSpPr>
+          <p:nvPr/>
+        </p:nvSpPr>
+        <p:spPr>
+          <a:xfrm>
+            <a:off x="822325" y="1778635"/>
+            <a:ext cx="10852150" cy="4553585"/>
+          </a:xfrm>
+        </p:spPr>
+        <p:txBody>
+          <a:bodyPr lIns="101600" tIns="38100" rIns="76200" bIns="38100">
+            <a:noAutofit/>
+          </a:bodyPr>
+          <a:lstStyle>
+            <a:lvl1pPr marL="0" indent="0" algn="l" defTabSz="914400" rtl="0" eaLnBrk="1" fontAlgn="auto" latinLnBrk="0" hangingPunct="1">
+              <a:lnSpc>
+                <a:spcPct val="130000"/>
+              </a:lnSpc>
+              <a:spcBef>
+                <a:spcPts val="0"/>
+              </a:spcBef>
+              <a:spcAft>
+                <a:spcPts val="1000"/>
+              </a:spcAft>
+              <a:buFont typeface="Arial" panose="020B0604020202020204" pitchFamily="34" charset="0"/>
+              <a:buNone/>
+              <a:defRPr kumimoji="0" lang="zh-CN" altLang="en-US" sz="1600" b="0" i="0" u="none" strike="noStrike" kern="1200" cap="none" spc="150" normalizeH="0" baseline="0" noProof="1">
+                <a:solidFill>
+                  <a:schemeClr val="tx1"/>
+                </a:solidFill>
+                <a:uFillTx/>
+                <a:latin typeface="+mn-lt"/>
+                <a:ea typeface="+mn-ea"/>
+                <a:cs typeface="+mn-cs"/>
+                <a:sym typeface="+mn-ea"/>
+              </a:defRPr>
+            </a:lvl1pPr>
+            <a:lvl2pPr marL="457200" indent="0" algn="l" defTabSz="914400" rtl="0" eaLnBrk="1" fontAlgn="auto" latinLnBrk="0" hangingPunct="1">
+              <a:lnSpc>
+                <a:spcPct val="130000"/>
+              </a:lnSpc>
+              <a:spcBef>
+                <a:spcPts val="0"/>
+              </a:spcBef>
+              <a:spcAft>
+                <a:spcPts val="1000"/>
+              </a:spcAft>
+              <a:buFont typeface="Arial" panose="020B0604020202020204" pitchFamily="34" charset="0"/>
+              <a:buNone/>
+              <a:tabLst>
+                <a:tab pos="1609725" algn="l"/>
+              </a:tabLst>
+              <a:defRPr sz="2000" u="none" strike="noStrike" kern="1200" cap="none" spc="150" normalizeH="0" baseline="0">
+                <a:solidFill>
+                  <a:schemeClr val="tx1">
+                    <a:tint val="75000"/>
+                  </a:schemeClr>
+                </a:solidFill>
+                <a:uFillTx/>
+                <a:latin typeface="+mn-lt"/>
+                <a:ea typeface="+mn-ea"/>
+                <a:cs typeface="+mn-cs"/>
+              </a:defRPr>
+            </a:lvl2pPr>
+            <a:lvl3pPr marL="914400" indent="0" algn="l" defTabSz="914400" rtl="0" eaLnBrk="1" fontAlgn="auto" latinLnBrk="0" hangingPunct="1">
+              <a:lnSpc>
+                <a:spcPct val="130000"/>
+              </a:lnSpc>
+              <a:spcBef>
+                <a:spcPts val="0"/>
+              </a:spcBef>
+              <a:spcAft>
+                <a:spcPts val="1000"/>
+              </a:spcAft>
+              <a:buFont typeface="Arial" panose="020B0604020202020204" pitchFamily="34" charset="0"/>
+              <a:buNone/>
+              <a:defRPr sz="1800" u="none" strike="noStrike" kern="1200" cap="none" spc="150" normalizeH="0" baseline="0">
+                <a:solidFill>
+                  <a:schemeClr val="tx1">
+                    <a:tint val="75000"/>
+                  </a:schemeClr>
+                </a:solidFill>
+                <a:uFillTx/>
+                <a:latin typeface="+mn-lt"/>
+                <a:ea typeface="+mn-ea"/>
+                <a:cs typeface="+mn-cs"/>
+              </a:defRPr>
+            </a:lvl3pPr>
+            <a:lvl4pPr marL="1371600" indent="0" algn="l" defTabSz="914400" rtl="0" eaLnBrk="1" fontAlgn="auto" latinLnBrk="0" hangingPunct="1">
+              <a:lnSpc>
+                <a:spcPct val="130000"/>
+              </a:lnSpc>
+              <a:spcBef>
+                <a:spcPts val="0"/>
+              </a:spcBef>
+              <a:spcAft>
+                <a:spcPts val="1000"/>
+              </a:spcAft>
+              <a:buFont typeface="Arial" panose="020B0604020202020204" pitchFamily="34" charset="0"/>
+              <a:buNone/>
+              <a:defRPr sz="1600" u="none" strike="noStrike" kern="1200" cap="none" spc="150" normalizeH="0" baseline="0">
+                <a:solidFill>
+                  <a:schemeClr val="tx1">
+                    <a:tint val="75000"/>
+                  </a:schemeClr>
+                </a:solidFill>
+                <a:uFillTx/>
+                <a:latin typeface="+mn-lt"/>
+                <a:ea typeface="+mn-ea"/>
+                <a:cs typeface="+mn-cs"/>
+              </a:defRPr>
+            </a:lvl4pPr>
+            <a:lvl5pPr marL="1828800" indent="0" algn="l" defTabSz="914400" rtl="0" eaLnBrk="1" fontAlgn="auto" latinLnBrk="0" hangingPunct="1">
+              <a:lnSpc>
+                <a:spcPct val="130000"/>
+              </a:lnSpc>
+              <a:spcBef>
+                <a:spcPts val="0"/>
+              </a:spcBef>
+              <a:spcAft>
+                <a:spcPts val="1000"/>
+              </a:spcAft>
+              <a:buFont typeface="Arial" panose="020B0604020202020204" pitchFamily="34" charset="0"/>
+              <a:buNone/>
+              <a:defRPr sz="1600" u="none" strike="noStrike" kern="1200" cap="none" spc="150" normalizeH="0" baseline="0">
+                <a:solidFill>
+                  <a:schemeClr val="tx1">
+                    <a:tint val="75000"/>
+                  </a:schemeClr>
+                </a:solidFill>
+                <a:uFillTx/>
+                <a:latin typeface="+mn-lt"/>
+                <a:ea typeface="+mn-ea"/>
+                <a:cs typeface="+mn-cs"/>
+              </a:defRPr>
+            </a:lvl5pPr>
+            <a:lvl6pPr marL="2286000" indent="0" algn="l" defTabSz="914400" rtl="0" eaLnBrk="1" latinLnBrk="0" hangingPunct="1">
+              <a:lnSpc>
+                <a:spcPct val="90000"/>
+              </a:lnSpc>
+              <a:spcBef>
+                <a:spcPts val="500"/>
+              </a:spcBef>
+              <a:buFont typeface="Arial" panose="020B0604020202020204" pitchFamily="34" charset="0"/>
+              <a:buNone/>
+              <a:defRPr sz="1600" kern="1200">
+                <a:solidFill>
+                  <a:schemeClr val="tx1">
+                    <a:tint val="75000"/>
+                  </a:schemeClr>
+                </a:solidFill>
+                <a:latin typeface="+mn-lt"/>
+                <a:ea typeface="+mn-ea"/>
+                <a:cs typeface="+mn-cs"/>
+              </a:defRPr>
+            </a:lvl6pPr>
+            <a:lvl7pPr marL="2743200" indent="0" algn="l" defTabSz="914400" rtl="0" eaLnBrk="1" latinLnBrk="0" hangingPunct="1">
+              <a:lnSpc>
+                <a:spcPct val="90000"/>
+              </a:lnSpc>
+              <a:spcBef>
+                <a:spcPts val="500"/>
+              </a:spcBef>
+              <a:buFont typeface="Arial" panose="020B0604020202020204" pitchFamily="34" charset="0"/>
+              <a:buNone/>
+              <a:defRPr sz="1600" kern="1200">
+                <a:solidFill>
+                  <a:schemeClr val="tx1">
+                    <a:tint val="75000"/>
+                  </a:schemeClr>
+                </a:solidFill>
+                <a:latin typeface="+mn-lt"/>
+                <a:ea typeface="+mn-ea"/>
+                <a:cs typeface="+mn-cs"/>
+              </a:defRPr>
+            </a:lvl7pPr>
+            <a:lvl8pPr marL="3200400" indent="0" algn="l" defTabSz="914400" rtl="0" eaLnBrk="1" latinLnBrk="0" hangingPunct="1">
+              <a:lnSpc>
+                <a:spcPct val="90000"/>
+              </a:lnSpc>
+              <a:spcBef>
+                <a:spcPts val="500"/>
+              </a:spcBef>
+              <a:buFont typeface="Arial" panose="020B0604020202020204" pitchFamily="34" charset="0"/>
+              <a:buNone/>
+              <a:defRPr sz="1600" kern="1200">
+                <a:solidFill>
+                  <a:schemeClr val="tx1">
+                    <a:tint val="75000"/>
+                  </a:schemeClr>
+                </a:solidFill>
+                <a:latin typeface="+mn-lt"/>
+                <a:ea typeface="+mn-ea"/>
+                <a:cs typeface="+mn-cs"/>
+              </a:defRPr>
+            </a:lvl8pPr>
+            <a:lvl9pPr marL="3657600" indent="0" algn="l" defTabSz="914400" rtl="0" eaLnBrk="1" latinLnBrk="0" hangingPunct="1">
+              <a:lnSpc>
+                <a:spcPct val="90000"/>
+              </a:lnSpc>
+              <a:spcBef>
+                <a:spcPts val="500"/>
+              </a:spcBef>
+              <a:buFont typeface="Arial" panose="020B0604020202020204" pitchFamily="34" charset="0"/>
+              <a:buNone/>
+              <a:defRPr sz="1600" kern="1200">
+                <a:solidFill>
+                  <a:schemeClr val="tx1">
+                    <a:tint val="75000"/>
+                  </a:schemeClr>
+                </a:solidFill>
+                <a:latin typeface="+mn-lt"/>
+                <a:ea typeface="+mn-ea"/>
+                <a:cs typeface="+mn-cs"/>
+              </a:defRPr>
+            </a:lvl9pPr>
+          </a:lstStyle>
+          <a:p>
+            <a:pPr marL="285750" indent="-285750">
+              <a:buFont typeface="Arial" panose="020B0604020202020204" pitchFamily="34" charset="0"/>
+              <a:buChar char="•"/>
+            </a:pPr>
+            <a:r>
+              <a:rPr lang="en-US" altLang="zh-CN" dirty="0"/>
+              <a:t>TODO</a:t>
+            </a:r>
+          </a:p>
+          <a:p>
+            <a:pPr marL="285750" indent="-285750">
+              <a:buFont typeface="Arial" panose="020B0604020202020204" pitchFamily="34" charset="0"/>
+              <a:buChar char="•"/>
+            </a:pPr>
+            <a:endParaRPr lang="en-US" altLang="zh-CN" dirty="0"/>
+          </a:p>
+          <a:p>
+            <a:pPr marL="285750" indent="-285750">
+              <a:buFont typeface="Arial" panose="020B0604020202020204" pitchFamily="34" charset="0"/>
+              <a:buChar char="•"/>
+            </a:pPr>
+            <a:r>
+              <a:rPr lang="zh-CN" altLang="en-US" dirty="0"/>
+              <a:t>自学、互学、展学</a:t>
+            </a:r>
+          </a:p>
+          <a:p>
+            <a:pPr marL="285750" indent="-285750">
+              <a:buFont typeface="Arial" panose="020B0604020202020204" pitchFamily="34" charset="0"/>
+              <a:buChar char="•"/>
+            </a:pPr>
+            <a:endParaRPr lang="zh-CN" altLang="en-US" dirty="0"/>
+          </a:p>
+          <a:p>
+            <a:pPr marL="285750" indent="-285750">
+              <a:buFont typeface="Arial" panose="020B0604020202020204" pitchFamily="34" charset="0"/>
+              <a:buChar char="•"/>
+            </a:pPr>
+            <a:endParaRPr lang="en-US" altLang="zh-CN" dirty="0"/>
+          </a:p>
+          <a:p>
+            <a:pPr marL="285750" indent="-285750">
+              <a:buFont typeface="Arial" panose="020B0604020202020204" pitchFamily="34" charset="0"/>
+              <a:buChar char="•"/>
+            </a:pPr>
+            <a:endParaRPr lang="zh-CN" altLang="en-US" dirty="0"/>
+          </a:p>
+          <a:p>
+            <a:pPr marL="285750" indent="-285750">
+              <a:buFont typeface="Arial" panose="020B0604020202020204" pitchFamily="34" charset="0"/>
+              <a:buChar char="•"/>
+            </a:pPr>
+            <a:endParaRPr lang="zh-CN" altLang="en-US" dirty="0"/>
+          </a:p>
+          <a:p>
+            <a:pPr marL="285750" indent="-285750">
+              <a:buFont typeface="Arial" panose="020B0604020202020204" pitchFamily="34" charset="0"/>
+              <a:buChar char="•"/>
+            </a:pPr>
+            <a:endParaRPr lang="zh-CN" altLang="en-US" dirty="0"/>
+          </a:p>
+          <a:p>
+            <a:pPr marL="285750" indent="-285750">
+              <a:buFont typeface="Arial" panose="020B0604020202020204" pitchFamily="34" charset="0"/>
+              <a:buChar char="•"/>
+            </a:pPr>
+            <a:endParaRPr lang="zh-CN" altLang="en-US" dirty="0"/>
+          </a:p>
+          <a:p>
+            <a:pPr marL="285750" indent="-285750">
+              <a:buFont typeface="Arial" panose="020B0604020202020204" pitchFamily="34" charset="0"/>
+              <a:buChar char="•"/>
+            </a:pPr>
+            <a:endParaRPr lang="zh-CN" altLang="en-US" dirty="0"/>
+          </a:p>
+          <a:p>
+            <a:pPr marL="285750" indent="-285750">
+              <a:buFont typeface="Arial" panose="020B0604020202020204" pitchFamily="34" charset="0"/>
+              <a:buChar char="•"/>
+            </a:pPr>
+            <a:endParaRPr lang="zh-CN" altLang="en-US" dirty="0"/>
+          </a:p>
+          <a:p>
+            <a:pPr marL="285750" indent="-285750">
+              <a:buFont typeface="Arial" panose="020B0604020202020204" pitchFamily="34" charset="0"/>
+              <a:buChar char="•"/>
+            </a:pPr>
+            <a:endParaRPr lang="zh-CN" altLang="en-US" dirty="0"/>
+          </a:p>
+        </p:txBody>
+      </p:sp>
+    </p:spTree>
+    <p:custDataLst>
+      <p:tags r:id="rId1"/>
+    </p:custDataLst>
+    <p:extLst>
+      <p:ext uri="{BB962C8B-B14F-4D97-AF65-F5344CB8AC3E}">
+        <p14:creationId xmlns:p14="http://schemas.microsoft.com/office/powerpoint/2010/main" val="519778867"/>
+      </p:ext>
+    </p:extLst>
+  </p:cSld>
+  <p:clrMapOvr>
+    <a:masterClrMapping/>
+  </p:clrMapOvr>
+</p:sld>
+</file>
+
+<file path=ppt/slides/slide28.xml><?xml version="1.0" encoding="utf-8"?>
+<p:sld xmlns:a="http://schemas.openxmlformats.org/drawingml/2006/main" xmlns:r="http://schemas.openxmlformats.org/officeDocument/2006/relationships" xmlns:p="http://schemas.openxmlformats.org/presentationml/2006/main">
+  <p:cSld>
+    <p:spTree>
+      <p:nvGrpSpPr>
+        <p:cNvPr id="1" name=""/>
+        <p:cNvGrpSpPr/>
+        <p:nvPr/>
+      </p:nvGrpSpPr>
+      <p:grpSpPr>
+        <a:xfrm>
+          <a:off x="0" y="0"/>
+          <a:ext cx="0" cy="0"/>
+          <a:chOff x="0" y="0"/>
+          <a:chExt cx="0" cy="0"/>
+        </a:xfrm>
+      </p:grpSpPr>
+      <p:sp>
+        <p:nvSpPr>
+          <p:cNvPr id="2" name="标题 1"/>
+          <p:cNvSpPr>
+            <a:spLocks noGrp="1"/>
+          </p:cNvSpPr>
+          <p:nvPr>
+            <p:ph type="title"/>
+          </p:nvPr>
+        </p:nvSpPr>
+        <p:spPr/>
+        <p:txBody>
+          <a:bodyPr/>
+          <a:lstStyle/>
+          <a:p>
+            <a:r>
+              <a:rPr lang="zh-CN" altLang="en-US" dirty="0">
+                <a:sym typeface="+mn-ea"/>
+              </a:rPr>
+              <a:t>任务：实现</a:t>
+            </a:r>
+            <a:r>
+              <a:rPr lang="zh-CN" altLang="en-US" dirty="0"/>
+              <a:t>计算</a:t>
+            </a:r>
+            <a:r>
+              <a:rPr kumimoji="1" lang="en-US" altLang="zh-CN" dirty="0">
+                <a:solidFill>
+                  <a:srgbClr val="333333"/>
+                </a:solidFill>
+                <a:latin typeface="verdana" panose="020B0604030504040204" pitchFamily="34" charset="0"/>
+              </a:rPr>
+              <a:t>Filter</a:t>
+            </a:r>
+            <a:r>
+              <a:rPr kumimoji="1" lang="zh-CN" altLang="en-US" dirty="0">
+                <a:solidFill>
+                  <a:srgbClr val="333333"/>
+                </a:solidFill>
+                <a:latin typeface="verdana" panose="020B0604030504040204" pitchFamily="34" charset="0"/>
+              </a:rPr>
+              <a:t>每个权重值的梯度</a:t>
+            </a:r>
+            <a:endParaRPr lang="en-US" altLang="zh-CN" dirty="0"/>
+          </a:p>
+        </p:txBody>
+      </p:sp>
+    </p:spTree>
+    <p:custDataLst>
+      <p:tags r:id="rId1"/>
+    </p:custDataLst>
+    <p:extLst>
+      <p:ext uri="{BB962C8B-B14F-4D97-AF65-F5344CB8AC3E}">
+        <p14:creationId xmlns:p14="http://schemas.microsoft.com/office/powerpoint/2010/main" val="3375828254"/>
+      </p:ext>
+    </p:extLst>
+  </p:cSld>
+  <p:clrMapOvr>
+    <a:masterClrMapping/>
+  </p:clrMapOvr>
 </p:sld>
 </file>
 
@@ -16953,144 +19362,7 @@
       </p:grpSpPr>
       <p:sp>
         <p:nvSpPr>
-          <p:cNvPr id="2" name="文本占位符 1"/>
-          <p:cNvSpPr>
-            <a:spLocks noGrp="1"/>
-          </p:cNvSpPr>
-          <p:nvPr>
-            <p:ph type="body" idx="1"/>
-          </p:nvPr>
-        </p:nvSpPr>
-        <p:spPr/>
-        <p:txBody>
-          <a:bodyPr/>
-          <a:lstStyle/>
-          <a:p>
-            <a:pPr marL="285750" indent="-285750" algn="l">
-              <a:buFont typeface="Arial" panose="020B0604020202020204" pitchFamily="34" charset="0"/>
-              <a:buChar char="•"/>
-            </a:pPr>
-            <a:r>
-              <a:rPr lang="zh-CN" altLang="en-US" b="0" i="0" dirty="0">
-                <a:solidFill>
-                  <a:srgbClr val="000000"/>
-                </a:solidFill>
-                <a:effectLst/>
-                <a:latin typeface="PingFang SC" panose="020B0400000000000000" pitchFamily="34" charset="-122"/>
-                <a:ea typeface="PingFang SC" panose="020B0400000000000000" pitchFamily="34" charset="-122"/>
-                <a:hlinkClick r:id="rId3"/>
-              </a:rPr>
-              <a:t>零基础入门深度学习 </a:t>
-            </a:r>
-            <a:r>
-              <a:rPr lang="en-US" altLang="zh-CN" b="0" i="0" dirty="0">
-                <a:solidFill>
-                  <a:srgbClr val="000000"/>
-                </a:solidFill>
-                <a:effectLst/>
-                <a:latin typeface="PingFang SC" panose="020B0400000000000000" pitchFamily="34" charset="-122"/>
-                <a:ea typeface="PingFang SC" panose="020B0400000000000000" pitchFamily="34" charset="-122"/>
-                <a:hlinkClick r:id="rId3"/>
-              </a:rPr>
-              <a:t>| </a:t>
-            </a:r>
-            <a:r>
-              <a:rPr lang="zh-CN" altLang="en-US" b="0" i="0" dirty="0">
-                <a:solidFill>
-                  <a:srgbClr val="000000"/>
-                </a:solidFill>
-                <a:effectLst/>
-                <a:latin typeface="PingFang SC" panose="020B0400000000000000" pitchFamily="34" charset="-122"/>
-                <a:ea typeface="PingFang SC" panose="020B0400000000000000" pitchFamily="34" charset="-122"/>
-                <a:hlinkClick r:id="rId3"/>
-              </a:rPr>
-              <a:t>第四章：卷积神经网络</a:t>
-            </a:r>
-            <a:endParaRPr lang="en-US" altLang="zh-CN" b="0" i="0" dirty="0">
-              <a:solidFill>
-                <a:srgbClr val="000000"/>
-              </a:solidFill>
-              <a:effectLst/>
-              <a:latin typeface="PingFang SC" panose="020B0400000000000000" pitchFamily="34" charset="-122"/>
-              <a:ea typeface="PingFang SC" panose="020B0400000000000000" pitchFamily="34" charset="-122"/>
-            </a:endParaRPr>
-          </a:p>
-          <a:p>
-            <a:pPr marL="285750" indent="-285750" algn="l">
-              <a:buFont typeface="Arial" panose="020B0604020202020204" pitchFamily="34" charset="0"/>
-              <a:buChar char="•"/>
-            </a:pPr>
-            <a:r>
-              <a:rPr lang="zh-CN" altLang="en-US" b="0" i="0" dirty="0">
-                <a:solidFill>
-                  <a:srgbClr val="000000"/>
-                </a:solidFill>
-                <a:effectLst/>
-                <a:latin typeface="PingFang SC" panose="020B0400000000000000" pitchFamily="34" charset="-122"/>
-                <a:ea typeface="PingFang SC" panose="020B0400000000000000" pitchFamily="34" charset="-122"/>
-                <a:hlinkClick r:id="rId4"/>
-              </a:rPr>
-              <a:t>卷积神经网络</a:t>
-            </a:r>
-            <a:r>
-              <a:rPr lang="en-US" altLang="zh-CN" b="0" i="0" dirty="0">
-                <a:solidFill>
-                  <a:srgbClr val="000000"/>
-                </a:solidFill>
-                <a:effectLst/>
-                <a:latin typeface="PingFang SC" panose="020B0400000000000000" pitchFamily="34" charset="-122"/>
-                <a:ea typeface="PingFang SC" panose="020B0400000000000000" pitchFamily="34" charset="-122"/>
-                <a:hlinkClick r:id="rId4"/>
-              </a:rPr>
-              <a:t>(</a:t>
-            </a:r>
-            <a:r>
-              <a:rPr lang="en" altLang="zh-CN" b="0" i="0" dirty="0">
-                <a:solidFill>
-                  <a:srgbClr val="000000"/>
-                </a:solidFill>
-                <a:effectLst/>
-                <a:latin typeface="PingFang SC" panose="020B0400000000000000" pitchFamily="34" charset="-122"/>
-                <a:ea typeface="PingFang SC" panose="020B0400000000000000" pitchFamily="34" charset="-122"/>
-                <a:hlinkClick r:id="rId4"/>
-              </a:rPr>
-              <a:t>CNN)</a:t>
-            </a:r>
-            <a:r>
-              <a:rPr lang="zh-CN" altLang="en-US" b="0" i="0" dirty="0">
-                <a:solidFill>
-                  <a:srgbClr val="000000"/>
-                </a:solidFill>
-                <a:effectLst/>
-                <a:latin typeface="PingFang SC" panose="020B0400000000000000" pitchFamily="34" charset="-122"/>
-                <a:ea typeface="PingFang SC" panose="020B0400000000000000" pitchFamily="34" charset="-122"/>
-                <a:hlinkClick r:id="rId4"/>
-              </a:rPr>
-              <a:t>反向传播算法推导</a:t>
-            </a:r>
-            <a:endParaRPr lang="zh-CN" altLang="en-US" b="0" i="0" dirty="0">
-              <a:solidFill>
-                <a:srgbClr val="000000"/>
-              </a:solidFill>
-              <a:effectLst/>
-              <a:latin typeface="PingFang SC" panose="020B0400000000000000" pitchFamily="34" charset="-122"/>
-              <a:ea typeface="PingFang SC" panose="020B0400000000000000" pitchFamily="34" charset="-122"/>
-            </a:endParaRPr>
-          </a:p>
-          <a:p>
-            <a:pPr marL="285750" indent="-285750">
-              <a:buFont typeface="Arial" panose="020B0604020202020204" pitchFamily="34" charset="0"/>
-              <a:buChar char="•"/>
-            </a:pPr>
-            <a:endParaRPr dirty="0">
-              <a:sym typeface="+mn-ea"/>
-            </a:endParaRPr>
-          </a:p>
-        </p:txBody>
-      </p:sp>
-      <p:sp>
-        <p:nvSpPr>
-          <p:cNvPr id="3" name="标题 2"/>
+          <p:cNvPr id="2" name="标题 1"/>
           <p:cNvSpPr>
             <a:spLocks noGrp="1"/>
           </p:cNvSpPr>
@@ -17104,76 +19376,16 @@
           <a:lstStyle/>
           <a:p>
             <a:r>
-              <a:rPr lang="zh-CN" altLang="en-US" dirty="0"/>
-              <a:t>参考资料</a:t>
+              <a:rPr lang="zh-CN" altLang="en-US"/>
+              <a:t>总结</a:t>
             </a:r>
           </a:p>
         </p:txBody>
       </p:sp>
-      <p:graphicFrame>
-        <p:nvGraphicFramePr>
-          <p:cNvPr id="4" name="对象 3">
-            <a:hlinkClick r:id="" action="ppaction://ole?verb=0"/>
-          </p:cNvPr>
-          <p:cNvGraphicFramePr>
-            <a:graphicFrameLocks noChangeAspect="1"/>
-          </p:cNvGraphicFramePr>
-          <p:nvPr/>
-        </p:nvGraphicFramePr>
-        <p:xfrm>
-          <a:off x="5638800" y="3244850"/>
-          <a:ext cx="914400" cy="368300"/>
-        </p:xfrm>
-        <a:graphic>
-          <a:graphicData uri="http://schemas.openxmlformats.org/presentationml/2006/ole">
-            <mc:AlternateContent xmlns:mc="http://schemas.openxmlformats.org/markup-compatibility/2006">
-              <mc:Choice xmlns:v="urn:schemas-microsoft-com:vml" Requires="v">
-                <p:oleObj r:id="rId5" imgW="914400" imgH="368300" progId="Equation.KSEE3">
-                  <p:embed/>
-                </p:oleObj>
-              </mc:Choice>
-              <mc:Fallback>
-                <p:oleObj r:id="rId5" imgW="914400" imgH="368300" progId="Equation.KSEE3">
-                  <p:embed/>
-                  <p:pic>
-                    <p:nvPicPr>
-                      <p:cNvPr id="4" name="对象 3">
-                        <a:hlinkClick r:id="" action="ppaction://ole?verb=0"/>
-                      </p:cNvPr>
-                      <p:cNvPicPr/>
-                      <p:nvPr/>
-                    </p:nvPicPr>
-                    <p:blipFill>
-                      <a:blip r:embed="rId6"/>
-                      <a:stretch>
-                        <a:fillRect/>
-                      </a:stretch>
-                    </p:blipFill>
-                    <p:spPr>
-                      <a:xfrm>
-                        <a:off x="5638800" y="3244850"/>
-                        <a:ext cx="914400" cy="368300"/>
-                      </a:xfrm>
-                      <a:prstGeom prst="rect">
-                        <a:avLst/>
-                      </a:prstGeom>
-                    </p:spPr>
-                  </p:pic>
-                </p:oleObj>
-              </mc:Fallback>
-            </mc:AlternateContent>
-          </a:graphicData>
-        </a:graphic>
-      </p:graphicFrame>
     </p:spTree>
     <p:custDataLst>
       <p:tags r:id="rId1"/>
     </p:custDataLst>
-    <p:extLst>
-      <p:ext uri="{BB962C8B-B14F-4D97-AF65-F5344CB8AC3E}">
-        <p14:creationId xmlns:p14="http://schemas.microsoft.com/office/powerpoint/2010/main" val="2517994622"/>
-      </p:ext>
-    </p:extLst>
   </p:cSld>
   <p:clrMapOvr>
     <a:masterClrMapping/>
@@ -17622,6 +19834,563 @@
           <a:bodyPr/>
           <a:lstStyle/>
           <a:p>
+            <a:pPr marL="285750" indent="-285750">
+              <a:buFont typeface="Arial" panose="020B0604020202020204" pitchFamily="34" charset="0"/>
+              <a:buChar char="•"/>
+            </a:pPr>
+            <a:r>
+              <a:rPr lang="en-US" dirty="0" err="1"/>
+              <a:t>请总结本节课的内容</a:t>
+            </a:r>
+            <a:r>
+              <a:rPr lang="zh-CN" altLang="en-US" dirty="0"/>
+              <a:t>？</a:t>
+            </a:r>
+            <a:endParaRPr lang="en-US" dirty="0"/>
+          </a:p>
+          <a:p>
+            <a:pPr marL="285750" indent="-285750">
+              <a:buFont typeface="Arial" panose="020B0604020202020204" pitchFamily="34" charset="0"/>
+              <a:buChar char="•"/>
+            </a:pPr>
+            <a:r>
+              <a:rPr lang="en-US" dirty="0" err="1"/>
+              <a:t>请回答开始的问题</a:t>
+            </a:r>
+            <a:r>
+              <a:rPr lang="zh-CN" altLang="en-US" dirty="0"/>
+              <a:t>？</a:t>
+            </a:r>
+            <a:endParaRPr lang="en-US" altLang="zh-CN" dirty="0"/>
+          </a:p>
+          <a:p>
+            <a:endParaRPr dirty="0">
+              <a:solidFill>
+                <a:schemeClr val="bg2"/>
+              </a:solidFill>
+              <a:sym typeface="+mn-ea"/>
+            </a:endParaRPr>
+          </a:p>
+          <a:p>
+            <a:pPr marL="285750" indent="-285750">
+              <a:buFont typeface="Arial" panose="020B0604020202020204" pitchFamily="34" charset="0"/>
+              <a:buChar char="•"/>
+            </a:pPr>
+            <a:r>
+              <a:rPr lang="zh-CN" altLang="en-US" dirty="0"/>
+              <a:t>自学、展学</a:t>
+            </a:r>
+            <a:endParaRPr lang="en-US" altLang="zh-CN" dirty="0"/>
+          </a:p>
+          <a:p>
+            <a:pPr marL="285750" indent="-285750">
+              <a:buFont typeface="Arial" panose="020B0604020202020204" pitchFamily="34" charset="0"/>
+              <a:buChar char="•"/>
+            </a:pPr>
+            <a:endParaRPr dirty="0">
+              <a:sym typeface="+mn-ea"/>
+            </a:endParaRPr>
+          </a:p>
+        </p:txBody>
+      </p:sp>
+      <p:sp>
+        <p:nvSpPr>
+          <p:cNvPr id="3" name="标题 2"/>
+          <p:cNvSpPr>
+            <a:spLocks noGrp="1"/>
+          </p:cNvSpPr>
+          <p:nvPr>
+            <p:ph type="title"/>
+          </p:nvPr>
+        </p:nvSpPr>
+        <p:spPr/>
+        <p:txBody>
+          <a:bodyPr/>
+          <a:lstStyle/>
+          <a:p>
+            <a:r>
+              <a:rPr lang="zh-CN" altLang="en-US"/>
+              <a:t>总结</a:t>
+            </a:r>
+          </a:p>
+        </p:txBody>
+      </p:sp>
+      <p:graphicFrame>
+        <p:nvGraphicFramePr>
+          <p:cNvPr id="4" name="对象 3">
+            <a:hlinkClick r:id="" action="ppaction://ole?verb=0"/>
+          </p:cNvPr>
+          <p:cNvGraphicFramePr>
+            <a:graphicFrameLocks noChangeAspect="1"/>
+          </p:cNvGraphicFramePr>
+          <p:nvPr/>
+        </p:nvGraphicFramePr>
+        <p:xfrm>
+          <a:off x="5638800" y="3244850"/>
+          <a:ext cx="914400" cy="368300"/>
+        </p:xfrm>
+        <a:graphic>
+          <a:graphicData uri="http://schemas.openxmlformats.org/presentationml/2006/ole">
+            <mc:AlternateContent xmlns:mc="http://schemas.openxmlformats.org/markup-compatibility/2006">
+              <mc:Choice xmlns:v="urn:schemas-microsoft-com:vml" Requires="v">
+                <p:oleObj r:id="rId3" imgW="914400" imgH="368300" progId="Equation.KSEE3">
+                  <p:embed/>
+                </p:oleObj>
+              </mc:Choice>
+              <mc:Fallback>
+                <p:oleObj r:id="rId3" imgW="914400" imgH="368300" progId="Equation.KSEE3">
+                  <p:embed/>
+                  <p:pic>
+                    <p:nvPicPr>
+                      <p:cNvPr id="4" name="对象 3">
+                        <a:hlinkClick r:id="" action="ppaction://ole?verb=0"/>
+                      </p:cNvPr>
+                      <p:cNvPicPr/>
+                      <p:nvPr/>
+                    </p:nvPicPr>
+                    <p:blipFill>
+                      <a:blip r:embed="rId4"/>
+                      <a:stretch>
+                        <a:fillRect/>
+                      </a:stretch>
+                    </p:blipFill>
+                    <p:spPr>
+                      <a:xfrm>
+                        <a:off x="5638800" y="3244850"/>
+                        <a:ext cx="914400" cy="368300"/>
+                      </a:xfrm>
+                      <a:prstGeom prst="rect">
+                        <a:avLst/>
+                      </a:prstGeom>
+                    </p:spPr>
+                  </p:pic>
+                </p:oleObj>
+              </mc:Fallback>
+            </mc:AlternateContent>
+          </a:graphicData>
+        </a:graphic>
+      </p:graphicFrame>
+    </p:spTree>
+    <p:custDataLst>
+      <p:tags r:id="rId1"/>
+    </p:custDataLst>
+  </p:cSld>
+  <p:clrMapOvr>
+    <a:masterClrMapping/>
+  </p:clrMapOvr>
+  <p:timing>
+    <p:tnLst>
+      <p:par>
+        <p:cTn id="1" dur="indefinite" restart="never" nodeType="tmRoot">
+          <p:childTnLst>
+            <p:seq concurrent="1" nextAc="seek">
+              <p:cTn id="2" dur="indefinite" nodeType="mainSeq">
+                <p:childTnLst>
+                  <p:par>
+                    <p:cTn id="3" fill="hold">
+                      <p:stCondLst>
+                        <p:cond delay="indefinite"/>
+                      </p:stCondLst>
+                      <p:childTnLst>
+                        <p:par>
+                          <p:cTn id="4" fill="hold">
+                            <p:stCondLst>
+                              <p:cond delay="0"/>
+                            </p:stCondLst>
+                            <p:childTnLst>
+                              <p:par>
+                                <p:cTn id="5" presetID="1" presetClass="entr" presetSubtype="0" fill="hold" grpId="0" nodeType="clickEffect">
+                                  <p:stCondLst>
+                                    <p:cond delay="0"/>
+                                  </p:stCondLst>
+                                  <p:childTnLst>
+                                    <p:set>
+                                      <p:cBhvr>
+                                        <p:cTn id="6" dur="1" fill="hold">
+                                          <p:stCondLst>
+                                            <p:cond delay="0"/>
+                                          </p:stCondLst>
+                                        </p:cTn>
+                                        <p:tgtEl>
+                                          <p:spTgt spid="2">
+                                            <p:txEl>
+                                              <p:pRg st="0" end="0"/>
+                                            </p:txEl>
+                                          </p:spTgt>
+                                        </p:tgtEl>
+                                        <p:attrNameLst>
+                                          <p:attrName>style.visibility</p:attrName>
+                                        </p:attrNameLst>
+                                      </p:cBhvr>
+                                      <p:to>
+                                        <p:strVal val="visible"/>
+                                      </p:to>
+                                    </p:set>
+                                  </p:childTnLst>
+                                </p:cTn>
+                              </p:par>
+                            </p:childTnLst>
+                          </p:cTn>
+                        </p:par>
+                      </p:childTnLst>
+                    </p:cTn>
+                  </p:par>
+                  <p:par>
+                    <p:cTn id="7" fill="hold">
+                      <p:stCondLst>
+                        <p:cond delay="indefinite"/>
+                      </p:stCondLst>
+                      <p:childTnLst>
+                        <p:par>
+                          <p:cTn id="8" fill="hold">
+                            <p:stCondLst>
+                              <p:cond delay="0"/>
+                            </p:stCondLst>
+                            <p:childTnLst>
+                              <p:par>
+                                <p:cTn id="9" presetID="1" presetClass="entr" presetSubtype="0" fill="hold" grpId="0" nodeType="clickEffect">
+                                  <p:stCondLst>
+                                    <p:cond delay="0"/>
+                                  </p:stCondLst>
+                                  <p:childTnLst>
+                                    <p:set>
+                                      <p:cBhvr>
+                                        <p:cTn id="10" dur="1" fill="hold">
+                                          <p:stCondLst>
+                                            <p:cond delay="0"/>
+                                          </p:stCondLst>
+                                        </p:cTn>
+                                        <p:tgtEl>
+                                          <p:spTgt spid="2">
+                                            <p:txEl>
+                                              <p:pRg st="1" end="1"/>
+                                            </p:txEl>
+                                          </p:spTgt>
+                                        </p:tgtEl>
+                                        <p:attrNameLst>
+                                          <p:attrName>style.visibility</p:attrName>
+                                        </p:attrNameLst>
+                                      </p:cBhvr>
+                                      <p:to>
+                                        <p:strVal val="visible"/>
+                                      </p:to>
+                                    </p:set>
+                                  </p:childTnLst>
+                                </p:cTn>
+                              </p:par>
+                            </p:childTnLst>
+                          </p:cTn>
+                        </p:par>
+                      </p:childTnLst>
+                    </p:cTn>
+                  </p:par>
+                </p:childTnLst>
+              </p:cTn>
+              <p:prevCondLst>
+                <p:cond evt="onPrev" delay="0">
+                  <p:tgtEl>
+                    <p:sldTgt/>
+                  </p:tgtEl>
+                </p:cond>
+              </p:prevCondLst>
+              <p:nextCondLst>
+                <p:cond evt="onNext" delay="0">
+                  <p:tgtEl>
+                    <p:sldTgt/>
+                  </p:tgtEl>
+                </p:cond>
+              </p:nextCondLst>
+            </p:seq>
+          </p:childTnLst>
+        </p:cTn>
+      </p:par>
+    </p:tnLst>
+    <p:bldLst>
+      <p:bldP spid="2" grpId="0" uiExpand="1" build="p"/>
+    </p:bldLst>
+  </p:timing>
+</p:sld>
+</file>
+
+<file path=ppt/slides/slide31.xml><?xml version="1.0" encoding="utf-8"?>
+<p:sld xmlns:a="http://schemas.openxmlformats.org/drawingml/2006/main" xmlns:r="http://schemas.openxmlformats.org/officeDocument/2006/relationships" xmlns:p="http://schemas.openxmlformats.org/presentationml/2006/main">
+  <p:cSld>
+    <p:spTree>
+      <p:nvGrpSpPr>
+        <p:cNvPr id="1" name=""/>
+        <p:cNvGrpSpPr/>
+        <p:nvPr/>
+      </p:nvGrpSpPr>
+      <p:grpSpPr>
+        <a:xfrm>
+          <a:off x="0" y="0"/>
+          <a:ext cx="0" cy="0"/>
+          <a:chOff x="0" y="0"/>
+          <a:chExt cx="0" cy="0"/>
+        </a:xfrm>
+      </p:grpSpPr>
+      <p:sp>
+        <p:nvSpPr>
+          <p:cNvPr id="2" name="文本占位符 1"/>
+          <p:cNvSpPr>
+            <a:spLocks noGrp="1"/>
+          </p:cNvSpPr>
+          <p:nvPr>
+            <p:ph type="body" idx="1"/>
+          </p:nvPr>
+        </p:nvSpPr>
+        <p:spPr/>
+        <p:txBody>
+          <a:bodyPr/>
+          <a:lstStyle/>
+          <a:p>
+            <a:pPr marL="285750" indent="-285750" algn="l">
+              <a:buFont typeface="Arial" panose="020B0604020202020204" pitchFamily="34" charset="0"/>
+              <a:buChar char="•"/>
+            </a:pPr>
+            <a:r>
+              <a:rPr lang="zh-CN" altLang="en-US" b="0" i="0" dirty="0">
+                <a:solidFill>
+                  <a:srgbClr val="000000"/>
+                </a:solidFill>
+                <a:effectLst/>
+                <a:latin typeface="PingFang SC" panose="020B0400000000000000" pitchFamily="34" charset="-122"/>
+                <a:ea typeface="PingFang SC" panose="020B0400000000000000" pitchFamily="34" charset="-122"/>
+                <a:hlinkClick r:id="rId3"/>
+              </a:rPr>
+              <a:t>零基础入门深度学习 </a:t>
+            </a:r>
+            <a:r>
+              <a:rPr lang="en-US" altLang="zh-CN" b="0" i="0" dirty="0">
+                <a:solidFill>
+                  <a:srgbClr val="000000"/>
+                </a:solidFill>
+                <a:effectLst/>
+                <a:latin typeface="PingFang SC" panose="020B0400000000000000" pitchFamily="34" charset="-122"/>
+                <a:ea typeface="PingFang SC" panose="020B0400000000000000" pitchFamily="34" charset="-122"/>
+                <a:hlinkClick r:id="rId3"/>
+              </a:rPr>
+              <a:t>| </a:t>
+            </a:r>
+            <a:r>
+              <a:rPr lang="zh-CN" altLang="en-US" b="0" i="0" dirty="0">
+                <a:solidFill>
+                  <a:srgbClr val="000000"/>
+                </a:solidFill>
+                <a:effectLst/>
+                <a:latin typeface="PingFang SC" panose="020B0400000000000000" pitchFamily="34" charset="-122"/>
+                <a:ea typeface="PingFang SC" panose="020B0400000000000000" pitchFamily="34" charset="-122"/>
+                <a:hlinkClick r:id="rId3"/>
+              </a:rPr>
+              <a:t>第四章：卷积神经网络</a:t>
+            </a:r>
+            <a:endParaRPr lang="en-US" altLang="zh-CN" b="0" i="0" dirty="0">
+              <a:solidFill>
+                <a:srgbClr val="000000"/>
+              </a:solidFill>
+              <a:effectLst/>
+              <a:latin typeface="PingFang SC" panose="020B0400000000000000" pitchFamily="34" charset="-122"/>
+              <a:ea typeface="PingFang SC" panose="020B0400000000000000" pitchFamily="34" charset="-122"/>
+            </a:endParaRPr>
+          </a:p>
+          <a:p>
+            <a:pPr marL="285750" indent="-285750" algn="l">
+              <a:buFont typeface="Arial" panose="020B0604020202020204" pitchFamily="34" charset="0"/>
+              <a:buChar char="•"/>
+            </a:pPr>
+            <a:r>
+              <a:rPr lang="zh-CN" altLang="en-US" b="0" i="0" dirty="0">
+                <a:solidFill>
+                  <a:srgbClr val="000000"/>
+                </a:solidFill>
+                <a:effectLst/>
+                <a:latin typeface="PingFang SC" panose="020B0400000000000000" pitchFamily="34" charset="-122"/>
+                <a:ea typeface="PingFang SC" panose="020B0400000000000000" pitchFamily="34" charset="-122"/>
+                <a:hlinkClick r:id="rId4"/>
+              </a:rPr>
+              <a:t>卷积神经网络</a:t>
+            </a:r>
+            <a:r>
+              <a:rPr lang="en-US" altLang="zh-CN" b="0" i="0" dirty="0">
+                <a:solidFill>
+                  <a:srgbClr val="000000"/>
+                </a:solidFill>
+                <a:effectLst/>
+                <a:latin typeface="PingFang SC" panose="020B0400000000000000" pitchFamily="34" charset="-122"/>
+                <a:ea typeface="PingFang SC" panose="020B0400000000000000" pitchFamily="34" charset="-122"/>
+                <a:hlinkClick r:id="rId4"/>
+              </a:rPr>
+              <a:t>(</a:t>
+            </a:r>
+            <a:r>
+              <a:rPr lang="en" altLang="zh-CN" b="0" i="0" dirty="0">
+                <a:solidFill>
+                  <a:srgbClr val="000000"/>
+                </a:solidFill>
+                <a:effectLst/>
+                <a:latin typeface="PingFang SC" panose="020B0400000000000000" pitchFamily="34" charset="-122"/>
+                <a:ea typeface="PingFang SC" panose="020B0400000000000000" pitchFamily="34" charset="-122"/>
+                <a:hlinkClick r:id="rId4"/>
+              </a:rPr>
+              <a:t>CNN)</a:t>
+            </a:r>
+            <a:r>
+              <a:rPr lang="zh-CN" altLang="en-US" b="0" i="0" dirty="0">
+                <a:solidFill>
+                  <a:srgbClr val="000000"/>
+                </a:solidFill>
+                <a:effectLst/>
+                <a:latin typeface="PingFang SC" panose="020B0400000000000000" pitchFamily="34" charset="-122"/>
+                <a:ea typeface="PingFang SC" panose="020B0400000000000000" pitchFamily="34" charset="-122"/>
+                <a:hlinkClick r:id="rId4"/>
+              </a:rPr>
+              <a:t>反向传播算法推导</a:t>
+            </a:r>
+            <a:endParaRPr lang="zh-CN" altLang="en-US" b="0" i="0" dirty="0">
+              <a:solidFill>
+                <a:srgbClr val="000000"/>
+              </a:solidFill>
+              <a:effectLst/>
+              <a:latin typeface="PingFang SC" panose="020B0400000000000000" pitchFamily="34" charset="-122"/>
+              <a:ea typeface="PingFang SC" panose="020B0400000000000000" pitchFamily="34" charset="-122"/>
+            </a:endParaRPr>
+          </a:p>
+          <a:p>
+            <a:pPr marL="285750" indent="-285750">
+              <a:buFont typeface="Arial" panose="020B0604020202020204" pitchFamily="34" charset="0"/>
+              <a:buChar char="•"/>
+            </a:pPr>
+            <a:endParaRPr dirty="0">
+              <a:sym typeface="+mn-ea"/>
+            </a:endParaRPr>
+          </a:p>
+        </p:txBody>
+      </p:sp>
+      <p:sp>
+        <p:nvSpPr>
+          <p:cNvPr id="3" name="标题 2"/>
+          <p:cNvSpPr>
+            <a:spLocks noGrp="1"/>
+          </p:cNvSpPr>
+          <p:nvPr>
+            <p:ph type="title"/>
+          </p:nvPr>
+        </p:nvSpPr>
+        <p:spPr/>
+        <p:txBody>
+          <a:bodyPr/>
+          <a:lstStyle/>
+          <a:p>
+            <a:r>
+              <a:rPr lang="zh-CN" altLang="en-US" dirty="0"/>
+              <a:t>参考资料</a:t>
+            </a:r>
+          </a:p>
+        </p:txBody>
+      </p:sp>
+      <p:graphicFrame>
+        <p:nvGraphicFramePr>
+          <p:cNvPr id="4" name="对象 3">
+            <a:hlinkClick r:id="" action="ppaction://ole?verb=0"/>
+          </p:cNvPr>
+          <p:cNvGraphicFramePr>
+            <a:graphicFrameLocks noChangeAspect="1"/>
+          </p:cNvGraphicFramePr>
+          <p:nvPr/>
+        </p:nvGraphicFramePr>
+        <p:xfrm>
+          <a:off x="5638800" y="3244850"/>
+          <a:ext cx="914400" cy="368300"/>
+        </p:xfrm>
+        <a:graphic>
+          <a:graphicData uri="http://schemas.openxmlformats.org/presentationml/2006/ole">
+            <mc:AlternateContent xmlns:mc="http://schemas.openxmlformats.org/markup-compatibility/2006">
+              <mc:Choice xmlns:v="urn:schemas-microsoft-com:vml" Requires="v">
+                <p:oleObj r:id="rId5" imgW="914400" imgH="368300" progId="Equation.KSEE3">
+                  <p:embed/>
+                </p:oleObj>
+              </mc:Choice>
+              <mc:Fallback>
+                <p:oleObj r:id="rId5" imgW="914400" imgH="368300" progId="Equation.KSEE3">
+                  <p:embed/>
+                  <p:pic>
+                    <p:nvPicPr>
+                      <p:cNvPr id="4" name="对象 3">
+                        <a:hlinkClick r:id="" action="ppaction://ole?verb=0"/>
+                      </p:cNvPr>
+                      <p:cNvPicPr/>
+                      <p:nvPr/>
+                    </p:nvPicPr>
+                    <p:blipFill>
+                      <a:blip r:embed="rId6"/>
+                      <a:stretch>
+                        <a:fillRect/>
+                      </a:stretch>
+                    </p:blipFill>
+                    <p:spPr>
+                      <a:xfrm>
+                        <a:off x="5638800" y="3244850"/>
+                        <a:ext cx="914400" cy="368300"/>
+                      </a:xfrm>
+                      <a:prstGeom prst="rect">
+                        <a:avLst/>
+                      </a:prstGeom>
+                    </p:spPr>
+                  </p:pic>
+                </p:oleObj>
+              </mc:Fallback>
+            </mc:AlternateContent>
+          </a:graphicData>
+        </a:graphic>
+      </p:graphicFrame>
+    </p:spTree>
+    <p:custDataLst>
+      <p:tags r:id="rId1"/>
+    </p:custDataLst>
+    <p:extLst>
+      <p:ext uri="{BB962C8B-B14F-4D97-AF65-F5344CB8AC3E}">
+        <p14:creationId xmlns:p14="http://schemas.microsoft.com/office/powerpoint/2010/main" val="2517994622"/>
+      </p:ext>
+    </p:extLst>
+  </p:cSld>
+  <p:clrMapOvr>
+    <a:masterClrMapping/>
+  </p:clrMapOvr>
+</p:sld>
+</file>
+
+<file path=ppt/slides/slide32.xml><?xml version="1.0" encoding="utf-8"?>
+<p:sld xmlns:a="http://schemas.openxmlformats.org/drawingml/2006/main" xmlns:r="http://schemas.openxmlformats.org/officeDocument/2006/relationships" xmlns:p="http://schemas.openxmlformats.org/presentationml/2006/main">
+  <p:cSld>
+    <p:spTree>
+      <p:nvGrpSpPr>
+        <p:cNvPr id="1" name=""/>
+        <p:cNvGrpSpPr/>
+        <p:nvPr/>
+      </p:nvGrpSpPr>
+      <p:grpSpPr>
+        <a:xfrm>
+          <a:off x="0" y="0"/>
+          <a:ext cx="0" cy="0"/>
+          <a:chOff x="0" y="0"/>
+          <a:chExt cx="0" cy="0"/>
+        </a:xfrm>
+      </p:grpSpPr>
+      <p:sp>
+        <p:nvSpPr>
+          <p:cNvPr id="2" name="文本占位符 1"/>
+          <p:cNvSpPr>
+            <a:spLocks noGrp="1"/>
+          </p:cNvSpPr>
+          <p:nvPr>
+            <p:ph type="body" idx="1"/>
+          </p:nvPr>
+        </p:nvSpPr>
+        <p:spPr/>
+        <p:txBody>
+          <a:bodyPr/>
+          <a:lstStyle/>
+          <a:p>
             <a:pPr marL="285750" indent="-285750" algn="l">
               <a:buFont typeface="Arial" panose="020B0604020202020204" pitchFamily="34" charset="0"/>
               <a:buChar char="•"/>
@@ -17838,120 +20607,6 @@
 </p:sld>
 </file>
 
-<file path=ppt/slides/slide31.xml><?xml version="1.0" encoding="utf-8"?>
-<p:sld xmlns:a="http://schemas.openxmlformats.org/drawingml/2006/main" xmlns:r="http://schemas.openxmlformats.org/officeDocument/2006/relationships" xmlns:p="http://schemas.openxmlformats.org/presentationml/2006/main">
-  <p:cSld>
-    <p:spTree>
-      <p:nvGrpSpPr>
-        <p:cNvPr id="1" name=""/>
-        <p:cNvGrpSpPr/>
-        <p:nvPr/>
-      </p:nvGrpSpPr>
-      <p:grpSpPr>
-        <a:xfrm>
-          <a:off x="0" y="0"/>
-          <a:ext cx="0" cy="0"/>
-          <a:chOff x="0" y="0"/>
-          <a:chExt cx="0" cy="0"/>
-        </a:xfrm>
-      </p:grpSpPr>
-      <p:sp>
-        <p:nvSpPr>
-          <p:cNvPr id="2" name="文本占位符 1"/>
-          <p:cNvSpPr>
-            <a:spLocks noGrp="1"/>
-          </p:cNvSpPr>
-          <p:nvPr>
-            <p:ph type="body" idx="1"/>
-          </p:nvPr>
-        </p:nvSpPr>
-        <p:spPr/>
-        <p:txBody>
-          <a:bodyPr/>
-          <a:lstStyle/>
-          <a:p>
-            <a:pPr marL="285750" indent="-285750">
-              <a:buFont typeface="Arial" panose="020B0604020202020204" pitchFamily="34" charset="0"/>
-              <a:buChar char="•"/>
-            </a:pPr>
-            <a:r>
-              <a:rPr lang="zh-CN" altLang="en-US" dirty="0">
-                <a:sym typeface="+mn-ea"/>
-              </a:rPr>
-              <a:t>卷积层的后向传播推导</a:t>
-            </a:r>
-            <a:endParaRPr dirty="0">
-              <a:sym typeface="+mn-ea"/>
-            </a:endParaRPr>
-          </a:p>
-        </p:txBody>
-      </p:sp>
-      <p:sp>
-        <p:nvSpPr>
-          <p:cNvPr id="3" name="标题 2"/>
-          <p:cNvSpPr>
-            <a:spLocks noGrp="1"/>
-          </p:cNvSpPr>
-          <p:nvPr>
-            <p:ph type="title"/>
-          </p:nvPr>
-        </p:nvSpPr>
-        <p:spPr/>
-        <p:txBody>
-          <a:bodyPr/>
-          <a:lstStyle/>
-          <a:p>
-            <a:r>
-              <a:rPr lang="zh-CN" altLang="en-US"/>
-              <a:t>下节课预告</a:t>
-            </a:r>
-          </a:p>
-        </p:txBody>
-      </p:sp>
-    </p:spTree>
-    <p:custDataLst>
-      <p:tags r:id="rId1"/>
-    </p:custDataLst>
-    <p:extLst>
-      <p:ext uri="{BB962C8B-B14F-4D97-AF65-F5344CB8AC3E}">
-        <p14:creationId xmlns:p14="http://schemas.microsoft.com/office/powerpoint/2010/main" val="1027050507"/>
-      </p:ext>
-    </p:extLst>
-  </p:cSld>
-  <p:clrMapOvr>
-    <a:masterClrMapping/>
-  </p:clrMapOvr>
-</p:sld>
-</file>
-
-<file path=ppt/slides/slide32.xml><?xml version="1.0" encoding="utf-8"?>
-<p:sld xmlns:a="http://schemas.openxmlformats.org/drawingml/2006/main" xmlns:r="http://schemas.openxmlformats.org/officeDocument/2006/relationships" xmlns:p="http://schemas.openxmlformats.org/presentationml/2006/main">
-  <p:cSld>
-    <p:spTree>
-      <p:nvGrpSpPr>
-        <p:cNvPr id="1" name=""/>
-        <p:cNvGrpSpPr/>
-        <p:nvPr/>
-      </p:nvGrpSpPr>
-      <p:grpSpPr>
-        <a:xfrm>
-          <a:off x="0" y="0"/>
-          <a:ext cx="0" cy="0"/>
-          <a:chOff x="0" y="0"/>
-          <a:chExt cx="0" cy="0"/>
-        </a:xfrm>
-      </p:grpSpPr>
-    </p:spTree>
-    <p:custDataLst>
-      <p:tags r:id="rId1"/>
-    </p:custDataLst>
-  </p:cSld>
-  <p:clrMapOvr>
-    <a:masterClrMapping/>
-  </p:clrMapOvr>
-</p:sld>
-</file>
-
 <file path=ppt/slides/slide33.xml><?xml version="1.0" encoding="utf-8"?>
 <p:sld xmlns:a="http://schemas.openxmlformats.org/drawingml/2006/main" xmlns:r="http://schemas.openxmlformats.org/officeDocument/2006/relationships" xmlns:p="http://schemas.openxmlformats.org/presentationml/2006/main">
   <p:cSld>
@@ -17988,7 +20643,15 @@
               <a:buFont typeface="Arial" panose="020B0604020202020204" pitchFamily="34" charset="0"/>
               <a:buChar char="•"/>
             </a:pPr>
-            <a:endParaRPr lang="en-US" altLang="zh-CN" dirty="0"/>
+            <a:r>
+              <a:rPr lang="zh-CN" altLang="en-US" dirty="0">
+                <a:sym typeface="+mn-ea"/>
+              </a:rPr>
+              <a:t>卷积层的后向传播推导</a:t>
+            </a:r>
+            <a:endParaRPr dirty="0">
+              <a:sym typeface="+mn-ea"/>
+            </a:endParaRPr>
           </a:p>
         </p:txBody>
       </p:sp>
@@ -18008,6 +20671,112 @@
           <a:lstStyle/>
           <a:p>
             <a:r>
+              <a:rPr lang="zh-CN" altLang="en-US"/>
+              <a:t>下节课预告</a:t>
+            </a:r>
+          </a:p>
+        </p:txBody>
+      </p:sp>
+    </p:spTree>
+    <p:custDataLst>
+      <p:tags r:id="rId1"/>
+    </p:custDataLst>
+    <p:extLst>
+      <p:ext uri="{BB962C8B-B14F-4D97-AF65-F5344CB8AC3E}">
+        <p14:creationId xmlns:p14="http://schemas.microsoft.com/office/powerpoint/2010/main" val="1027050507"/>
+      </p:ext>
+    </p:extLst>
+  </p:cSld>
+  <p:clrMapOvr>
+    <a:masterClrMapping/>
+  </p:clrMapOvr>
+</p:sld>
+</file>
+
+<file path=ppt/slides/slide34.xml><?xml version="1.0" encoding="utf-8"?>
+<p:sld xmlns:a="http://schemas.openxmlformats.org/drawingml/2006/main" xmlns:r="http://schemas.openxmlformats.org/officeDocument/2006/relationships" xmlns:p="http://schemas.openxmlformats.org/presentationml/2006/main">
+  <p:cSld>
+    <p:spTree>
+      <p:nvGrpSpPr>
+        <p:cNvPr id="1" name=""/>
+        <p:cNvGrpSpPr/>
+        <p:nvPr/>
+      </p:nvGrpSpPr>
+      <p:grpSpPr>
+        <a:xfrm>
+          <a:off x="0" y="0"/>
+          <a:ext cx="0" cy="0"/>
+          <a:chOff x="0" y="0"/>
+          <a:chExt cx="0" cy="0"/>
+        </a:xfrm>
+      </p:grpSpPr>
+    </p:spTree>
+    <p:custDataLst>
+      <p:tags r:id="rId1"/>
+    </p:custDataLst>
+  </p:cSld>
+  <p:clrMapOvr>
+    <a:masterClrMapping/>
+  </p:clrMapOvr>
+</p:sld>
+</file>
+
+<file path=ppt/slides/slide35.xml><?xml version="1.0" encoding="utf-8"?>
+<p:sld xmlns:a="http://schemas.openxmlformats.org/drawingml/2006/main" xmlns:r="http://schemas.openxmlformats.org/officeDocument/2006/relationships" xmlns:p="http://schemas.openxmlformats.org/presentationml/2006/main">
+  <p:cSld>
+    <p:spTree>
+      <p:nvGrpSpPr>
+        <p:cNvPr id="1" name=""/>
+        <p:cNvGrpSpPr/>
+        <p:nvPr/>
+      </p:nvGrpSpPr>
+      <p:grpSpPr>
+        <a:xfrm>
+          <a:off x="0" y="0"/>
+          <a:ext cx="0" cy="0"/>
+          <a:chOff x="0" y="0"/>
+          <a:chExt cx="0" cy="0"/>
+        </a:xfrm>
+      </p:grpSpPr>
+      <p:sp>
+        <p:nvSpPr>
+          <p:cNvPr id="2" name="文本占位符 1"/>
+          <p:cNvSpPr>
+            <a:spLocks noGrp="1"/>
+          </p:cNvSpPr>
+          <p:nvPr>
+            <p:ph type="body" idx="1"/>
+          </p:nvPr>
+        </p:nvSpPr>
+        <p:spPr/>
+        <p:txBody>
+          <a:bodyPr/>
+          <a:lstStyle/>
+          <a:p>
+            <a:pPr marL="285750" indent="-285750">
+              <a:buFont typeface="Arial" panose="020B0604020202020204" pitchFamily="34" charset="0"/>
+              <a:buChar char="•"/>
+            </a:pPr>
+            <a:endParaRPr lang="en-US" altLang="zh-CN" dirty="0"/>
+          </a:p>
+        </p:txBody>
+      </p:sp>
+      <p:sp>
+        <p:nvSpPr>
+          <p:cNvPr id="3" name="标题 2"/>
+          <p:cNvSpPr>
+            <a:spLocks noGrp="1"/>
+          </p:cNvSpPr>
+          <p:nvPr>
+            <p:ph type="title"/>
+          </p:nvPr>
+        </p:nvSpPr>
+        <p:spPr/>
+        <p:txBody>
+          <a:bodyPr/>
+          <a:lstStyle/>
+          <a:p>
+            <a:r>
               <a:rPr lang="zh-CN" altLang="en-US" dirty="0"/>
               <a:t>问答</a:t>
             </a:r>
@@ -18025,7 +20794,7 @@
 </p:sld>
 </file>
 
-<file path=ppt/slides/slide34.xml><?xml version="1.0" encoding="utf-8"?>
+<file path=ppt/slides/slide36.xml><?xml version="1.0" encoding="utf-8"?>
 <p:sld xmlns:a="http://schemas.openxmlformats.org/drawingml/2006/main" xmlns:r="http://schemas.openxmlformats.org/officeDocument/2006/relationships" xmlns:p="http://schemas.openxmlformats.org/presentationml/2006/main">
   <p:cSld>
     <p:spTree>
@@ -20300,6 +23069,24 @@
 </file>
 
 <file path=ppt/tags/tag103.xml><?xml version="1.0" encoding="utf-8"?>
+<p:tagLst xmlns:a="http://schemas.openxmlformats.org/drawingml/2006/main" xmlns:r="http://schemas.openxmlformats.org/officeDocument/2006/relationships" xmlns:p="http://schemas.openxmlformats.org/presentationml/2006/main">
+  <p:tag name="KSO_WM_BEAUTIFY_FLAG" val="#wm#"/>
+  <p:tag name="KSO_WM_TEMPLATE_CATEGORY" val="custom"/>
+  <p:tag name="KSO_WM_TEMPLATE_INDEX" val="20187308"/>
+  <p:tag name="KSO_WM_SPECIAL_SOURCE" val="bdnull"/>
+</p:tagLst>
+</file>
+
+<file path=ppt/tags/tag104.xml><?xml version="1.0" encoding="utf-8"?>
+<p:tagLst xmlns:a="http://schemas.openxmlformats.org/drawingml/2006/main" xmlns:r="http://schemas.openxmlformats.org/officeDocument/2006/relationships" xmlns:p="http://schemas.openxmlformats.org/presentationml/2006/main">
+  <p:tag name="KSO_WM_BEAUTIFY_FLAG" val="#wm#"/>
+  <p:tag name="KSO_WM_TEMPLATE_CATEGORY" val="custom"/>
+  <p:tag name="KSO_WM_TEMPLATE_INDEX" val="20187308"/>
+  <p:tag name="KSO_WM_SPECIAL_SOURCE" val="bdnull"/>
+</p:tagLst>
+</file>
+
+<file path=ppt/tags/tag105.xml><?xml version="1.0" encoding="utf-8"?>
 <p:tagLst xmlns:a="http://schemas.openxmlformats.org/drawingml/2006/main" xmlns:r="http://schemas.openxmlformats.org/officeDocument/2006/relationships" xmlns:p="http://schemas.openxmlformats.org/presentationml/2006/main">
   <p:tag name="KSO_WM_BEAUTIFY_FLAG" val="#wm#"/>
   <p:tag name="KSO_WM_TEMPLATE_CATEGORY" val="custom"/>

--- a/lessons/10_conv_layer_backward/ppt/卷积层的后向传播推导.pptx
+++ b/lessons/10_conv_layer_backward/ppt/卷积层的后向传播推导.pptx
@@ -5,10 +5,10 @@
     <p:sldMasterId id="2147483648" r:id="rId1"/>
   </p:sldMasterIdLst>
   <p:notesMasterIdLst>
-    <p:notesMasterId r:id="rId38"/>
+    <p:notesMasterId r:id="rId39"/>
   </p:notesMasterIdLst>
   <p:handoutMasterIdLst>
-    <p:handoutMasterId r:id="rId39"/>
+    <p:handoutMasterId r:id="rId40"/>
   </p:handoutMasterIdLst>
   <p:sldIdLst>
     <p:sldId id="307" r:id="rId2"/>
@@ -39,19 +39,20 @@
     <p:sldId id="1151" r:id="rId27"/>
     <p:sldId id="1143" r:id="rId28"/>
     <p:sldId id="1145" r:id="rId29"/>
-    <p:sldId id="537" r:id="rId30"/>
-    <p:sldId id="536" r:id="rId31"/>
-    <p:sldId id="1014" r:id="rId32"/>
-    <p:sldId id="1148" r:id="rId33"/>
-    <p:sldId id="1013" r:id="rId34"/>
-    <p:sldId id="997" r:id="rId35"/>
-    <p:sldId id="998" r:id="rId36"/>
-    <p:sldId id="653" r:id="rId37"/>
+    <p:sldId id="1152" r:id="rId30"/>
+    <p:sldId id="537" r:id="rId31"/>
+    <p:sldId id="536" r:id="rId32"/>
+    <p:sldId id="1014" r:id="rId33"/>
+    <p:sldId id="1148" r:id="rId34"/>
+    <p:sldId id="1013" r:id="rId35"/>
+    <p:sldId id="997" r:id="rId36"/>
+    <p:sldId id="998" r:id="rId37"/>
+    <p:sldId id="653" r:id="rId38"/>
   </p:sldIdLst>
   <p:sldSz cx="12192000" cy="6858000"/>
   <p:notesSz cx="6858000" cy="9144000"/>
   <p:custDataLst>
-    <p:tags r:id="rId40"/>
+    <p:tags r:id="rId41"/>
   </p:custDataLst>
   <p:defaultTextStyle>
     <a:defPPr>
@@ -15152,7 +15153,7 @@
         </p:blipFill>
         <p:spPr>
           <a:xfrm>
-            <a:off x="764265" y="4287950"/>
+            <a:off x="764265" y="4172180"/>
             <a:ext cx="7878958" cy="2044270"/>
           </a:xfrm>
           <a:prstGeom prst="rect">
@@ -15173,6 +15174,175 @@
   <p:clrMapOvr>
     <a:masterClrMapping/>
   </p:clrMapOvr>
+  <p:timing>
+    <p:tnLst>
+      <p:par>
+        <p:cTn id="1" dur="indefinite" restart="never" nodeType="tmRoot">
+          <p:childTnLst>
+            <p:seq concurrent="1" nextAc="seek">
+              <p:cTn id="2" dur="indefinite" nodeType="mainSeq">
+                <p:childTnLst>
+                  <p:par>
+                    <p:cTn id="3" fill="hold">
+                      <p:stCondLst>
+                        <p:cond delay="indefinite"/>
+                      </p:stCondLst>
+                      <p:childTnLst>
+                        <p:par>
+                          <p:cTn id="4" fill="hold">
+                            <p:stCondLst>
+                              <p:cond delay="0"/>
+                            </p:stCondLst>
+                            <p:childTnLst>
+                              <p:par>
+                                <p:cTn id="5" presetID="1" presetClass="entr" presetSubtype="0" fill="hold" nodeType="clickEffect">
+                                  <p:stCondLst>
+                                    <p:cond delay="0"/>
+                                  </p:stCondLst>
+                                  <p:childTnLst>
+                                    <p:set>
+                                      <p:cBhvr>
+                                        <p:cTn id="6" dur="1" fill="hold">
+                                          <p:stCondLst>
+                                            <p:cond delay="0"/>
+                                          </p:stCondLst>
+                                        </p:cTn>
+                                        <p:tgtEl>
+                                          <p:spTgt spid="6">
+                                            <p:txEl>
+                                              <p:pRg st="0" end="0"/>
+                                            </p:txEl>
+                                          </p:spTgt>
+                                        </p:tgtEl>
+                                        <p:attrNameLst>
+                                          <p:attrName>style.visibility</p:attrName>
+                                        </p:attrNameLst>
+                                      </p:cBhvr>
+                                      <p:to>
+                                        <p:strVal val="visible"/>
+                                      </p:to>
+                                    </p:set>
+                                  </p:childTnLst>
+                                </p:cTn>
+                              </p:par>
+                            </p:childTnLst>
+                          </p:cTn>
+                        </p:par>
+                      </p:childTnLst>
+                    </p:cTn>
+                  </p:par>
+                  <p:par>
+                    <p:cTn id="7" fill="hold">
+                      <p:stCondLst>
+                        <p:cond delay="indefinite"/>
+                      </p:stCondLst>
+                      <p:childTnLst>
+                        <p:par>
+                          <p:cTn id="8" fill="hold">
+                            <p:stCondLst>
+                              <p:cond delay="0"/>
+                            </p:stCondLst>
+                            <p:childTnLst>
+                              <p:par>
+                                <p:cTn id="9" presetID="1" presetClass="entr" presetSubtype="0" fill="hold" nodeType="clickEffect">
+                                  <p:stCondLst>
+                                    <p:cond delay="0"/>
+                                  </p:stCondLst>
+                                  <p:childTnLst>
+                                    <p:set>
+                                      <p:cBhvr>
+                                        <p:cTn id="10" dur="1" fill="hold">
+                                          <p:stCondLst>
+                                            <p:cond delay="0"/>
+                                          </p:stCondLst>
+                                        </p:cTn>
+                                        <p:tgtEl>
+                                          <p:spTgt spid="1026"/>
+                                        </p:tgtEl>
+                                        <p:attrNameLst>
+                                          <p:attrName>style.visibility</p:attrName>
+                                        </p:attrNameLst>
+                                      </p:cBhvr>
+                                      <p:to>
+                                        <p:strVal val="visible"/>
+                                      </p:to>
+                                    </p:set>
+                                  </p:childTnLst>
+                                </p:cTn>
+                              </p:par>
+                            </p:childTnLst>
+                          </p:cTn>
+                        </p:par>
+                      </p:childTnLst>
+                    </p:cTn>
+                  </p:par>
+                  <p:par>
+                    <p:cTn id="11" fill="hold">
+                      <p:stCondLst>
+                        <p:cond delay="indefinite"/>
+                      </p:stCondLst>
+                      <p:childTnLst>
+                        <p:par>
+                          <p:cTn id="12" fill="hold">
+                            <p:stCondLst>
+                              <p:cond delay="0"/>
+                            </p:stCondLst>
+                            <p:childTnLst>
+                              <p:par>
+                                <p:cTn id="13" presetID="1" presetClass="entr" presetSubtype="0" fill="hold" nodeType="clickEffect">
+                                  <p:stCondLst>
+                                    <p:cond delay="0"/>
+                                  </p:stCondLst>
+                                  <p:childTnLst>
+                                    <p:set>
+                                      <p:cBhvr>
+                                        <p:cTn id="14" dur="1" fill="hold">
+                                          <p:stCondLst>
+                                            <p:cond delay="0"/>
+                                          </p:stCondLst>
+                                        </p:cTn>
+                                        <p:tgtEl>
+                                          <p:spTgt spid="4"/>
+                                        </p:tgtEl>
+                                        <p:attrNameLst>
+                                          <p:attrName>style.visibility</p:attrName>
+                                        </p:attrNameLst>
+                                      </p:cBhvr>
+                                      <p:to>
+                                        <p:strVal val="visible"/>
+                                      </p:to>
+                                    </p:set>
+                                  </p:childTnLst>
+                                </p:cTn>
+                              </p:par>
+                            </p:childTnLst>
+                          </p:cTn>
+                        </p:par>
+                      </p:childTnLst>
+                    </p:cTn>
+                  </p:par>
+                </p:childTnLst>
+              </p:cTn>
+              <p:prevCondLst>
+                <p:cond evt="onPrev" delay="0">
+                  <p:tgtEl>
+                    <p:sldTgt/>
+                  </p:tgtEl>
+                </p:cond>
+              </p:prevCondLst>
+              <p:nextCondLst>
+                <p:cond evt="onNext" delay="0">
+                  <p:tgtEl>
+                    <p:sldTgt/>
+                  </p:tgtEl>
+                </p:cond>
+              </p:nextCondLst>
+            </p:seq>
+          </p:childTnLst>
+        </p:cTn>
+      </p:par>
+    </p:tnLst>
+  </p:timing>
 </p:sld>
 </file>
 
@@ -15953,6 +16123,269 @@
   <p:clrMapOvr>
     <a:masterClrMapping/>
   </p:clrMapOvr>
+  <p:timing>
+    <p:tnLst>
+      <p:par>
+        <p:cTn id="1" dur="indefinite" restart="never" nodeType="tmRoot">
+          <p:childTnLst>
+            <p:seq concurrent="1" nextAc="seek">
+              <p:cTn id="2" dur="indefinite" nodeType="mainSeq">
+                <p:childTnLst>
+                  <p:par>
+                    <p:cTn id="3" fill="hold">
+                      <p:stCondLst>
+                        <p:cond delay="indefinite"/>
+                      </p:stCondLst>
+                      <p:childTnLst>
+                        <p:par>
+                          <p:cTn id="4" fill="hold">
+                            <p:stCondLst>
+                              <p:cond delay="0"/>
+                            </p:stCondLst>
+                            <p:childTnLst>
+                              <p:par>
+                                <p:cTn id="5" presetID="1" presetClass="entr" presetSubtype="0" fill="hold" nodeType="clickEffect">
+                                  <p:stCondLst>
+                                    <p:cond delay="0"/>
+                                  </p:stCondLst>
+                                  <p:childTnLst>
+                                    <p:set>
+                                      <p:cBhvr>
+                                        <p:cTn id="6" dur="1" fill="hold">
+                                          <p:stCondLst>
+                                            <p:cond delay="0"/>
+                                          </p:stCondLst>
+                                        </p:cTn>
+                                        <p:tgtEl>
+                                          <p:spTgt spid="2"/>
+                                        </p:tgtEl>
+                                        <p:attrNameLst>
+                                          <p:attrName>style.visibility</p:attrName>
+                                        </p:attrNameLst>
+                                      </p:cBhvr>
+                                      <p:to>
+                                        <p:strVal val="visible"/>
+                                      </p:to>
+                                    </p:set>
+                                  </p:childTnLst>
+                                </p:cTn>
+                              </p:par>
+                            </p:childTnLst>
+                          </p:cTn>
+                        </p:par>
+                      </p:childTnLst>
+                    </p:cTn>
+                  </p:par>
+                  <p:par>
+                    <p:cTn id="7" fill="hold">
+                      <p:stCondLst>
+                        <p:cond delay="indefinite"/>
+                      </p:stCondLst>
+                      <p:childTnLst>
+                        <p:par>
+                          <p:cTn id="8" fill="hold">
+                            <p:stCondLst>
+                              <p:cond delay="0"/>
+                            </p:stCondLst>
+                            <p:childTnLst>
+                              <p:par>
+                                <p:cTn id="9" presetID="1" presetClass="entr" presetSubtype="0" fill="hold" nodeType="clickEffect">
+                                  <p:stCondLst>
+                                    <p:cond delay="0"/>
+                                  </p:stCondLst>
+                                  <p:childTnLst>
+                                    <p:set>
+                                      <p:cBhvr>
+                                        <p:cTn id="10" dur="1" fill="hold">
+                                          <p:stCondLst>
+                                            <p:cond delay="0"/>
+                                          </p:stCondLst>
+                                        </p:cTn>
+                                        <p:tgtEl>
+                                          <p:spTgt spid="6">
+                                            <p:txEl>
+                                              <p:pRg st="0" end="0"/>
+                                            </p:txEl>
+                                          </p:spTgt>
+                                        </p:tgtEl>
+                                        <p:attrNameLst>
+                                          <p:attrName>style.visibility</p:attrName>
+                                        </p:attrNameLst>
+                                      </p:cBhvr>
+                                      <p:to>
+                                        <p:strVal val="visible"/>
+                                      </p:to>
+                                    </p:set>
+                                  </p:childTnLst>
+                                </p:cTn>
+                              </p:par>
+                            </p:childTnLst>
+                          </p:cTn>
+                        </p:par>
+                      </p:childTnLst>
+                    </p:cTn>
+                  </p:par>
+                  <p:par>
+                    <p:cTn id="11" fill="hold">
+                      <p:stCondLst>
+                        <p:cond delay="indefinite"/>
+                      </p:stCondLst>
+                      <p:childTnLst>
+                        <p:par>
+                          <p:cTn id="12" fill="hold">
+                            <p:stCondLst>
+                              <p:cond delay="0"/>
+                            </p:stCondLst>
+                            <p:childTnLst>
+                              <p:par>
+                                <p:cTn id="13" presetID="1" presetClass="entr" presetSubtype="0" fill="hold" nodeType="clickEffect">
+                                  <p:stCondLst>
+                                    <p:cond delay="0"/>
+                                  </p:stCondLst>
+                                  <p:childTnLst>
+                                    <p:set>
+                                      <p:cBhvr>
+                                        <p:cTn id="14" dur="1" fill="hold">
+                                          <p:stCondLst>
+                                            <p:cond delay="0"/>
+                                          </p:stCondLst>
+                                        </p:cTn>
+                                        <p:tgtEl>
+                                          <p:spTgt spid="6">
+                                            <p:txEl>
+                                              <p:pRg st="1" end="1"/>
+                                            </p:txEl>
+                                          </p:spTgt>
+                                        </p:tgtEl>
+                                        <p:attrNameLst>
+                                          <p:attrName>style.visibility</p:attrName>
+                                        </p:attrNameLst>
+                                      </p:cBhvr>
+                                      <p:to>
+                                        <p:strVal val="visible"/>
+                                      </p:to>
+                                    </p:set>
+                                  </p:childTnLst>
+                                </p:cTn>
+                              </p:par>
+                            </p:childTnLst>
+                          </p:cTn>
+                        </p:par>
+                      </p:childTnLst>
+                    </p:cTn>
+                  </p:par>
+                  <p:par>
+                    <p:cTn id="15" fill="hold">
+                      <p:stCondLst>
+                        <p:cond delay="indefinite"/>
+                      </p:stCondLst>
+                      <p:childTnLst>
+                        <p:par>
+                          <p:cTn id="16" fill="hold">
+                            <p:stCondLst>
+                              <p:cond delay="0"/>
+                            </p:stCondLst>
+                            <p:childTnLst>
+                              <p:par>
+                                <p:cTn id="17" presetID="1" presetClass="entr" presetSubtype="0" fill="hold" nodeType="clickEffect">
+                                  <p:stCondLst>
+                                    <p:cond delay="0"/>
+                                  </p:stCondLst>
+                                  <p:childTnLst>
+                                    <p:set>
+                                      <p:cBhvr>
+                                        <p:cTn id="18" dur="1" fill="hold">
+                                          <p:stCondLst>
+                                            <p:cond delay="0"/>
+                                          </p:stCondLst>
+                                        </p:cTn>
+                                        <p:tgtEl>
+                                          <p:spTgt spid="5"/>
+                                        </p:tgtEl>
+                                        <p:attrNameLst>
+                                          <p:attrName>style.visibility</p:attrName>
+                                        </p:attrNameLst>
+                                      </p:cBhvr>
+                                      <p:to>
+                                        <p:strVal val="visible"/>
+                                      </p:to>
+                                    </p:set>
+                                  </p:childTnLst>
+                                </p:cTn>
+                              </p:par>
+                            </p:childTnLst>
+                          </p:cTn>
+                        </p:par>
+                      </p:childTnLst>
+                    </p:cTn>
+                  </p:par>
+                  <p:par>
+                    <p:cTn id="19" fill="hold">
+                      <p:stCondLst>
+                        <p:cond delay="indefinite"/>
+                      </p:stCondLst>
+                      <p:childTnLst>
+                        <p:par>
+                          <p:cTn id="20" fill="hold">
+                            <p:stCondLst>
+                              <p:cond delay="0"/>
+                            </p:stCondLst>
+                            <p:childTnLst>
+                              <p:par>
+                                <p:cTn id="21" presetID="1" presetClass="entr" presetSubtype="0" fill="hold" nodeType="clickEffect">
+                                  <p:stCondLst>
+                                    <p:cond delay="0"/>
+                                  </p:stCondLst>
+                                  <p:childTnLst>
+                                    <p:set>
+                                      <p:cBhvr>
+                                        <p:cTn id="22" dur="1" fill="hold">
+                                          <p:stCondLst>
+                                            <p:cond delay="0"/>
+                                          </p:stCondLst>
+                                        </p:cTn>
+                                        <p:tgtEl>
+                                          <p:spTgt spid="8"/>
+                                        </p:tgtEl>
+                                        <p:attrNameLst>
+                                          <p:attrName>style.visibility</p:attrName>
+                                        </p:attrNameLst>
+                                      </p:cBhvr>
+                                      <p:to>
+                                        <p:strVal val="visible"/>
+                                      </p:to>
+                                    </p:set>
+                                  </p:childTnLst>
+                                </p:cTn>
+                              </p:par>
+                            </p:childTnLst>
+                          </p:cTn>
+                        </p:par>
+                      </p:childTnLst>
+                    </p:cTn>
+                  </p:par>
+                </p:childTnLst>
+              </p:cTn>
+              <p:prevCondLst>
+                <p:cond evt="onPrev" delay="0">
+                  <p:tgtEl>
+                    <p:sldTgt/>
+                  </p:tgtEl>
+                </p:cond>
+              </p:prevCondLst>
+              <p:nextCondLst>
+                <p:cond evt="onNext" delay="0">
+                  <p:tgtEl>
+                    <p:sldTgt/>
+                  </p:tgtEl>
+                </p:cond>
+              </p:nextCondLst>
+            </p:seq>
+          </p:childTnLst>
+        </p:cTn>
+      </p:par>
+    </p:tnLst>
+  </p:timing>
 </p:sld>
 </file>
 
@@ -16943,6 +17376,411 @@
   <p:clrMapOvr>
     <a:masterClrMapping/>
   </p:clrMapOvr>
+  <p:timing>
+    <p:tnLst>
+      <p:par>
+        <p:cTn id="1" dur="indefinite" restart="never" nodeType="tmRoot">
+          <p:childTnLst>
+            <p:seq concurrent="1" nextAc="seek">
+              <p:cTn id="2" dur="indefinite" nodeType="mainSeq">
+                <p:childTnLst>
+                  <p:par>
+                    <p:cTn id="3" fill="hold">
+                      <p:stCondLst>
+                        <p:cond delay="indefinite"/>
+                      </p:stCondLst>
+                      <p:childTnLst>
+                        <p:par>
+                          <p:cTn id="4" fill="hold">
+                            <p:stCondLst>
+                              <p:cond delay="0"/>
+                            </p:stCondLst>
+                            <p:childTnLst>
+                              <p:par>
+                                <p:cTn id="5" presetID="1" presetClass="entr" presetSubtype="0" fill="hold" nodeType="clickEffect">
+                                  <p:stCondLst>
+                                    <p:cond delay="0"/>
+                                  </p:stCondLst>
+                                  <p:childTnLst>
+                                    <p:set>
+                                      <p:cBhvr>
+                                        <p:cTn id="6" dur="1" fill="hold">
+                                          <p:stCondLst>
+                                            <p:cond delay="0"/>
+                                          </p:stCondLst>
+                                        </p:cTn>
+                                        <p:tgtEl>
+                                          <p:spTgt spid="2"/>
+                                        </p:tgtEl>
+                                        <p:attrNameLst>
+                                          <p:attrName>style.visibility</p:attrName>
+                                        </p:attrNameLst>
+                                      </p:cBhvr>
+                                      <p:to>
+                                        <p:strVal val="visible"/>
+                                      </p:to>
+                                    </p:set>
+                                  </p:childTnLst>
+                                </p:cTn>
+                              </p:par>
+                            </p:childTnLst>
+                          </p:cTn>
+                        </p:par>
+                      </p:childTnLst>
+                    </p:cTn>
+                  </p:par>
+                  <p:par>
+                    <p:cTn id="7" fill="hold">
+                      <p:stCondLst>
+                        <p:cond delay="indefinite"/>
+                      </p:stCondLst>
+                      <p:childTnLst>
+                        <p:par>
+                          <p:cTn id="8" fill="hold">
+                            <p:stCondLst>
+                              <p:cond delay="0"/>
+                            </p:stCondLst>
+                            <p:childTnLst>
+                              <p:par>
+                                <p:cTn id="9" presetID="1" presetClass="entr" presetSubtype="0" fill="hold" nodeType="clickEffect">
+                                  <p:stCondLst>
+                                    <p:cond delay="0"/>
+                                  </p:stCondLst>
+                                  <p:childTnLst>
+                                    <p:set>
+                                      <p:cBhvr>
+                                        <p:cTn id="10" dur="1" fill="hold">
+                                          <p:stCondLst>
+                                            <p:cond delay="0"/>
+                                          </p:stCondLst>
+                                        </p:cTn>
+                                        <p:tgtEl>
+                                          <p:spTgt spid="6">
+                                            <p:txEl>
+                                              <p:pRg st="0" end="0"/>
+                                            </p:txEl>
+                                          </p:spTgt>
+                                        </p:tgtEl>
+                                        <p:attrNameLst>
+                                          <p:attrName>style.visibility</p:attrName>
+                                        </p:attrNameLst>
+                                      </p:cBhvr>
+                                      <p:to>
+                                        <p:strVal val="visible"/>
+                                      </p:to>
+                                    </p:set>
+                                  </p:childTnLst>
+                                </p:cTn>
+                              </p:par>
+                            </p:childTnLst>
+                          </p:cTn>
+                        </p:par>
+                      </p:childTnLst>
+                    </p:cTn>
+                  </p:par>
+                  <p:par>
+                    <p:cTn id="11" fill="hold">
+                      <p:stCondLst>
+                        <p:cond delay="indefinite"/>
+                      </p:stCondLst>
+                      <p:childTnLst>
+                        <p:par>
+                          <p:cTn id="12" fill="hold">
+                            <p:stCondLst>
+                              <p:cond delay="0"/>
+                            </p:stCondLst>
+                            <p:childTnLst>
+                              <p:par>
+                                <p:cTn id="13" presetID="1" presetClass="entr" presetSubtype="0" fill="hold" nodeType="clickEffect">
+                                  <p:stCondLst>
+                                    <p:cond delay="0"/>
+                                  </p:stCondLst>
+                                  <p:childTnLst>
+                                    <p:set>
+                                      <p:cBhvr>
+                                        <p:cTn id="14" dur="1" fill="hold">
+                                          <p:stCondLst>
+                                            <p:cond delay="0"/>
+                                          </p:stCondLst>
+                                        </p:cTn>
+                                        <p:tgtEl>
+                                          <p:spTgt spid="7"/>
+                                        </p:tgtEl>
+                                        <p:attrNameLst>
+                                          <p:attrName>style.visibility</p:attrName>
+                                        </p:attrNameLst>
+                                      </p:cBhvr>
+                                      <p:to>
+                                        <p:strVal val="visible"/>
+                                      </p:to>
+                                    </p:set>
+                                  </p:childTnLst>
+                                </p:cTn>
+                              </p:par>
+                            </p:childTnLst>
+                          </p:cTn>
+                        </p:par>
+                      </p:childTnLst>
+                    </p:cTn>
+                  </p:par>
+                  <p:par>
+                    <p:cTn id="15" fill="hold">
+                      <p:stCondLst>
+                        <p:cond delay="indefinite"/>
+                      </p:stCondLst>
+                      <p:childTnLst>
+                        <p:par>
+                          <p:cTn id="16" fill="hold">
+                            <p:stCondLst>
+                              <p:cond delay="0"/>
+                            </p:stCondLst>
+                            <p:childTnLst>
+                              <p:par>
+                                <p:cTn id="17" presetID="1" presetClass="entr" presetSubtype="0" fill="hold" nodeType="clickEffect">
+                                  <p:stCondLst>
+                                    <p:cond delay="0"/>
+                                  </p:stCondLst>
+                                  <p:childTnLst>
+                                    <p:set>
+                                      <p:cBhvr>
+                                        <p:cTn id="18" dur="1" fill="hold">
+                                          <p:stCondLst>
+                                            <p:cond delay="0"/>
+                                          </p:stCondLst>
+                                        </p:cTn>
+                                        <p:tgtEl>
+                                          <p:spTgt spid="6">
+                                            <p:txEl>
+                                              <p:pRg st="1" end="1"/>
+                                            </p:txEl>
+                                          </p:spTgt>
+                                        </p:tgtEl>
+                                        <p:attrNameLst>
+                                          <p:attrName>style.visibility</p:attrName>
+                                        </p:attrNameLst>
+                                      </p:cBhvr>
+                                      <p:to>
+                                        <p:strVal val="visible"/>
+                                      </p:to>
+                                    </p:set>
+                                  </p:childTnLst>
+                                </p:cTn>
+                              </p:par>
+                            </p:childTnLst>
+                          </p:cTn>
+                        </p:par>
+                      </p:childTnLst>
+                    </p:cTn>
+                  </p:par>
+                  <p:par>
+                    <p:cTn id="19" fill="hold">
+                      <p:stCondLst>
+                        <p:cond delay="indefinite"/>
+                      </p:stCondLst>
+                      <p:childTnLst>
+                        <p:par>
+                          <p:cTn id="20" fill="hold">
+                            <p:stCondLst>
+                              <p:cond delay="0"/>
+                            </p:stCondLst>
+                            <p:childTnLst>
+                              <p:par>
+                                <p:cTn id="21" presetID="1" presetClass="entr" presetSubtype="0" fill="hold" nodeType="clickEffect">
+                                  <p:stCondLst>
+                                    <p:cond delay="0"/>
+                                  </p:stCondLst>
+                                  <p:childTnLst>
+                                    <p:set>
+                                      <p:cBhvr>
+                                        <p:cTn id="22" dur="1" fill="hold">
+                                          <p:stCondLst>
+                                            <p:cond delay="0"/>
+                                          </p:stCondLst>
+                                        </p:cTn>
+                                        <p:tgtEl>
+                                          <p:spTgt spid="6">
+                                            <p:txEl>
+                                              <p:pRg st="2" end="2"/>
+                                            </p:txEl>
+                                          </p:spTgt>
+                                        </p:tgtEl>
+                                        <p:attrNameLst>
+                                          <p:attrName>style.visibility</p:attrName>
+                                        </p:attrNameLst>
+                                      </p:cBhvr>
+                                      <p:to>
+                                        <p:strVal val="visible"/>
+                                      </p:to>
+                                    </p:set>
+                                  </p:childTnLst>
+                                </p:cTn>
+                              </p:par>
+                            </p:childTnLst>
+                          </p:cTn>
+                        </p:par>
+                      </p:childTnLst>
+                    </p:cTn>
+                  </p:par>
+                  <p:par>
+                    <p:cTn id="23" fill="hold">
+                      <p:stCondLst>
+                        <p:cond delay="indefinite"/>
+                      </p:stCondLst>
+                      <p:childTnLst>
+                        <p:par>
+                          <p:cTn id="24" fill="hold">
+                            <p:stCondLst>
+                              <p:cond delay="0"/>
+                            </p:stCondLst>
+                            <p:childTnLst>
+                              <p:par>
+                                <p:cTn id="25" presetID="1" presetClass="entr" presetSubtype="0" fill="hold" nodeType="clickEffect">
+                                  <p:stCondLst>
+                                    <p:cond delay="0"/>
+                                  </p:stCondLst>
+                                  <p:childTnLst>
+                                    <p:set>
+                                      <p:cBhvr>
+                                        <p:cTn id="26" dur="1" fill="hold">
+                                          <p:stCondLst>
+                                            <p:cond delay="0"/>
+                                          </p:stCondLst>
+                                        </p:cTn>
+                                        <p:tgtEl>
+                                          <p:spTgt spid="10"/>
+                                        </p:tgtEl>
+                                        <p:attrNameLst>
+                                          <p:attrName>style.visibility</p:attrName>
+                                        </p:attrNameLst>
+                                      </p:cBhvr>
+                                      <p:to>
+                                        <p:strVal val="visible"/>
+                                      </p:to>
+                                    </p:set>
+                                  </p:childTnLst>
+                                </p:cTn>
+                              </p:par>
+                            </p:childTnLst>
+                          </p:cTn>
+                        </p:par>
+                      </p:childTnLst>
+                    </p:cTn>
+                  </p:par>
+                  <p:par>
+                    <p:cTn id="27" fill="hold">
+                      <p:stCondLst>
+                        <p:cond delay="indefinite"/>
+                      </p:stCondLst>
+                      <p:childTnLst>
+                        <p:par>
+                          <p:cTn id="28" fill="hold">
+                            <p:stCondLst>
+                              <p:cond delay="0"/>
+                            </p:stCondLst>
+                            <p:childTnLst>
+                              <p:par>
+                                <p:cTn id="29" presetID="1" presetClass="entr" presetSubtype="0" fill="hold" grpId="0" nodeType="clickEffect">
+                                  <p:stCondLst>
+                                    <p:cond delay="0"/>
+                                  </p:stCondLst>
+                                  <p:childTnLst>
+                                    <p:set>
+                                      <p:cBhvr>
+                                        <p:cTn id="30" dur="1" fill="hold">
+                                          <p:stCondLst>
+                                            <p:cond delay="0"/>
+                                          </p:stCondLst>
+                                        </p:cTn>
+                                        <p:tgtEl>
+                                          <p:spTgt spid="11"/>
+                                        </p:tgtEl>
+                                        <p:attrNameLst>
+                                          <p:attrName>style.visibility</p:attrName>
+                                        </p:attrNameLst>
+                                      </p:cBhvr>
+                                      <p:to>
+                                        <p:strVal val="visible"/>
+                                      </p:to>
+                                    </p:set>
+                                  </p:childTnLst>
+                                </p:cTn>
+                              </p:par>
+                            </p:childTnLst>
+                          </p:cTn>
+                        </p:par>
+                      </p:childTnLst>
+                    </p:cTn>
+                  </p:par>
+                  <p:par>
+                    <p:cTn id="31" fill="hold">
+                      <p:stCondLst>
+                        <p:cond delay="indefinite"/>
+                      </p:stCondLst>
+                      <p:childTnLst>
+                        <p:par>
+                          <p:cTn id="32" fill="hold">
+                            <p:stCondLst>
+                              <p:cond delay="0"/>
+                            </p:stCondLst>
+                            <p:childTnLst>
+                              <p:par>
+                                <p:cTn id="33" presetID="1" presetClass="entr" presetSubtype="0" fill="hold" nodeType="clickEffect">
+                                  <p:stCondLst>
+                                    <p:cond delay="0"/>
+                                  </p:stCondLst>
+                                  <p:childTnLst>
+                                    <p:set>
+                                      <p:cBhvr>
+                                        <p:cTn id="34" dur="1" fill="hold">
+                                          <p:stCondLst>
+                                            <p:cond delay="0"/>
+                                          </p:stCondLst>
+                                        </p:cTn>
+                                        <p:tgtEl>
+                                          <p:spTgt spid="4098"/>
+                                        </p:tgtEl>
+                                        <p:attrNameLst>
+                                          <p:attrName>style.visibility</p:attrName>
+                                        </p:attrNameLst>
+                                      </p:cBhvr>
+                                      <p:to>
+                                        <p:strVal val="visible"/>
+                                      </p:to>
+                                    </p:set>
+                                  </p:childTnLst>
+                                </p:cTn>
+                              </p:par>
+                            </p:childTnLst>
+                          </p:cTn>
+                        </p:par>
+                      </p:childTnLst>
+                    </p:cTn>
+                  </p:par>
+                </p:childTnLst>
+              </p:cTn>
+              <p:prevCondLst>
+                <p:cond evt="onPrev" delay="0">
+                  <p:tgtEl>
+                    <p:sldTgt/>
+                  </p:tgtEl>
+                </p:cond>
+              </p:prevCondLst>
+              <p:nextCondLst>
+                <p:cond evt="onNext" delay="0">
+                  <p:tgtEl>
+                    <p:sldTgt/>
+                  </p:tgtEl>
+                </p:cond>
+              </p:nextCondLst>
+            </p:seq>
+          </p:childTnLst>
+        </p:cTn>
+      </p:par>
+    </p:tnLst>
+    <p:bldLst>
+      <p:bldP spid="11" grpId="0"/>
+    </p:bldLst>
+  </p:timing>
 </p:sld>
 </file>
 
@@ -17402,6 +18240,126 @@
   <p:clrMapOvr>
     <a:masterClrMapping/>
   </p:clrMapOvr>
+  <p:timing>
+    <p:tnLst>
+      <p:par>
+        <p:cTn id="1" dur="indefinite" restart="never" nodeType="tmRoot">
+          <p:childTnLst>
+            <p:seq concurrent="1" nextAc="seek">
+              <p:cTn id="2" dur="indefinite" nodeType="mainSeq">
+                <p:childTnLst>
+                  <p:par>
+                    <p:cTn id="3" fill="hold">
+                      <p:stCondLst>
+                        <p:cond delay="indefinite"/>
+                      </p:stCondLst>
+                      <p:childTnLst>
+                        <p:par>
+                          <p:cTn id="4" fill="hold">
+                            <p:stCondLst>
+                              <p:cond delay="0"/>
+                            </p:stCondLst>
+                            <p:childTnLst>
+                              <p:par>
+                                <p:cTn id="5" presetID="1" presetClass="entr" presetSubtype="0" fill="hold" nodeType="clickEffect">
+                                  <p:stCondLst>
+                                    <p:cond delay="0"/>
+                                  </p:stCondLst>
+                                  <p:childTnLst>
+                                    <p:set>
+                                      <p:cBhvr>
+                                        <p:cTn id="6" dur="1" fill="hold">
+                                          <p:stCondLst>
+                                            <p:cond delay="0"/>
+                                          </p:stCondLst>
+                                        </p:cTn>
+                                        <p:tgtEl>
+                                          <p:spTgt spid="7"/>
+                                        </p:tgtEl>
+                                        <p:attrNameLst>
+                                          <p:attrName>style.visibility</p:attrName>
+                                        </p:attrNameLst>
+                                      </p:cBhvr>
+                                      <p:to>
+                                        <p:strVal val="visible"/>
+                                      </p:to>
+                                    </p:set>
+                                  </p:childTnLst>
+                                </p:cTn>
+                              </p:par>
+                            </p:childTnLst>
+                          </p:cTn>
+                        </p:par>
+                      </p:childTnLst>
+                    </p:cTn>
+                  </p:par>
+                  <p:par>
+                    <p:cTn id="7" fill="hold">
+                      <p:stCondLst>
+                        <p:cond delay="indefinite"/>
+                      </p:stCondLst>
+                      <p:childTnLst>
+                        <p:par>
+                          <p:cTn id="8" fill="hold">
+                            <p:stCondLst>
+                              <p:cond delay="0"/>
+                            </p:stCondLst>
+                            <p:childTnLst>
+                              <p:par>
+                                <p:cTn id="9" presetID="1" presetClass="entr" presetSubtype="0" fill="hold" nodeType="clickEffect">
+                                  <p:stCondLst>
+                                    <p:cond delay="0"/>
+                                  </p:stCondLst>
+                                  <p:childTnLst>
+                                    <p:set>
+                                      <p:cBhvr>
+                                        <p:cTn id="10" dur="1" fill="hold">
+                                          <p:stCondLst>
+                                            <p:cond delay="0"/>
+                                          </p:stCondLst>
+                                        </p:cTn>
+                                        <p:tgtEl>
+                                          <p:spTgt spid="9"/>
+                                        </p:tgtEl>
+                                        <p:attrNameLst>
+                                          <p:attrName>style.visibility</p:attrName>
+                                        </p:attrNameLst>
+                                      </p:cBhvr>
+                                      <p:to>
+                                        <p:strVal val="visible"/>
+                                      </p:to>
+                                    </p:set>
+                                  </p:childTnLst>
+                                </p:cTn>
+                              </p:par>
+                            </p:childTnLst>
+                          </p:cTn>
+                        </p:par>
+                      </p:childTnLst>
+                    </p:cTn>
+                  </p:par>
+                </p:childTnLst>
+              </p:cTn>
+              <p:prevCondLst>
+                <p:cond evt="onPrev" delay="0">
+                  <p:tgtEl>
+                    <p:sldTgt/>
+                  </p:tgtEl>
+                </p:cond>
+              </p:prevCondLst>
+              <p:nextCondLst>
+                <p:cond evt="onNext" delay="0">
+                  <p:tgtEl>
+                    <p:sldTgt/>
+                  </p:tgtEl>
+                </p:cond>
+              </p:nextCondLst>
+            </p:seq>
+          </p:childTnLst>
+        </p:cTn>
+      </p:par>
+    </p:tnLst>
+  </p:timing>
 </p:sld>
 </file>
 
@@ -18171,7 +19129,903 @@
                                           </p:stCondLst>
                                         </p:cTn>
                                         <p:tgtEl>
+                                          <p:spTgt spid="6">
+                                            <p:txEl>
+                                              <p:pRg st="0" end="0"/>
+                                            </p:txEl>
+                                          </p:spTgt>
+                                        </p:tgtEl>
+                                        <p:attrNameLst>
+                                          <p:attrName>style.visibility</p:attrName>
+                                        </p:attrNameLst>
+                                      </p:cBhvr>
+                                      <p:to>
+                                        <p:strVal val="visible"/>
+                                      </p:to>
+                                    </p:set>
+                                  </p:childTnLst>
+                                </p:cTn>
+                              </p:par>
+                            </p:childTnLst>
+                          </p:cTn>
+                        </p:par>
+                      </p:childTnLst>
+                    </p:cTn>
+                  </p:par>
+                  <p:par>
+                    <p:cTn id="7" fill="hold">
+                      <p:stCondLst>
+                        <p:cond delay="indefinite"/>
+                      </p:stCondLst>
+                      <p:childTnLst>
+                        <p:par>
+                          <p:cTn id="8" fill="hold">
+                            <p:stCondLst>
+                              <p:cond delay="0"/>
+                            </p:stCondLst>
+                            <p:childTnLst>
+                              <p:par>
+                                <p:cTn id="9" presetID="1" presetClass="entr" presetSubtype="0" fill="hold" nodeType="clickEffect">
+                                  <p:stCondLst>
+                                    <p:cond delay="0"/>
+                                  </p:stCondLst>
+                                  <p:childTnLst>
+                                    <p:set>
+                                      <p:cBhvr>
+                                        <p:cTn id="10" dur="1" fill="hold">
+                                          <p:stCondLst>
+                                            <p:cond delay="0"/>
+                                          </p:stCondLst>
+                                        </p:cTn>
+                                        <p:tgtEl>
                                           <p:spTgt spid="2"/>
+                                        </p:tgtEl>
+                                        <p:attrNameLst>
+                                          <p:attrName>style.visibility</p:attrName>
+                                        </p:attrNameLst>
+                                      </p:cBhvr>
+                                      <p:to>
+                                        <p:strVal val="visible"/>
+                                      </p:to>
+                                    </p:set>
+                                  </p:childTnLst>
+                                </p:cTn>
+                              </p:par>
+                            </p:childTnLst>
+                          </p:cTn>
+                        </p:par>
+                      </p:childTnLst>
+                    </p:cTn>
+                  </p:par>
+                  <p:par>
+                    <p:cTn id="11" fill="hold">
+                      <p:stCondLst>
+                        <p:cond delay="indefinite"/>
+                      </p:stCondLst>
+                      <p:childTnLst>
+                        <p:par>
+                          <p:cTn id="12" fill="hold">
+                            <p:stCondLst>
+                              <p:cond delay="0"/>
+                            </p:stCondLst>
+                            <p:childTnLst>
+                              <p:par>
+                                <p:cTn id="13" presetID="1" presetClass="entr" presetSubtype="0" fill="hold" grpId="0" nodeType="clickEffect">
+                                  <p:stCondLst>
+                                    <p:cond delay="0"/>
+                                  </p:stCondLst>
+                                  <p:childTnLst>
+                                    <p:set>
+                                      <p:cBhvr>
+                                        <p:cTn id="14" dur="1" fill="hold">
+                                          <p:stCondLst>
+                                            <p:cond delay="0"/>
+                                          </p:stCondLst>
+                                        </p:cTn>
+                                        <p:tgtEl>
+                                          <p:spTgt spid="4"/>
+                                        </p:tgtEl>
+                                        <p:attrNameLst>
+                                          <p:attrName>style.visibility</p:attrName>
+                                        </p:attrNameLst>
+                                      </p:cBhvr>
+                                      <p:to>
+                                        <p:strVal val="visible"/>
+                                      </p:to>
+                                    </p:set>
+                                  </p:childTnLst>
+                                </p:cTn>
+                              </p:par>
+                            </p:childTnLst>
+                          </p:cTn>
+                        </p:par>
+                      </p:childTnLst>
+                    </p:cTn>
+                  </p:par>
+                </p:childTnLst>
+              </p:cTn>
+              <p:prevCondLst>
+                <p:cond evt="onPrev" delay="0">
+                  <p:tgtEl>
+                    <p:sldTgt/>
+                  </p:tgtEl>
+                </p:cond>
+              </p:prevCondLst>
+              <p:nextCondLst>
+                <p:cond evt="onNext" delay="0">
+                  <p:tgtEl>
+                    <p:sldTgt/>
+                  </p:tgtEl>
+                </p:cond>
+              </p:nextCondLst>
+            </p:seq>
+          </p:childTnLst>
+        </p:cTn>
+      </p:par>
+    </p:tnLst>
+    <p:bldLst>
+      <p:bldP spid="4" grpId="0"/>
+    </p:bldLst>
+  </p:timing>
+</p:sld>
+</file>
+
+<file path=ppt/slides/slide26.xml><?xml version="1.0" encoding="utf-8"?>
+<p:sld xmlns:a="http://schemas.openxmlformats.org/drawingml/2006/main" xmlns:r="http://schemas.openxmlformats.org/officeDocument/2006/relationships" xmlns:p="http://schemas.openxmlformats.org/presentationml/2006/main">
+  <p:cSld>
+    <p:spTree>
+      <p:nvGrpSpPr>
+        <p:cNvPr id="1" name=""/>
+        <p:cNvGrpSpPr/>
+        <p:nvPr/>
+      </p:nvGrpSpPr>
+      <p:grpSpPr>
+        <a:xfrm>
+          <a:off x="0" y="0"/>
+          <a:ext cx="0" cy="0"/>
+          <a:chOff x="0" y="0"/>
+          <a:chExt cx="0" cy="0"/>
+        </a:xfrm>
+      </p:grpSpPr>
+      <p:sp>
+        <p:nvSpPr>
+          <p:cNvPr id="3" name="标题 2"/>
+          <p:cNvSpPr>
+            <a:spLocks noGrp="1"/>
+          </p:cNvSpPr>
+          <p:nvPr>
+            <p:ph type="title"/>
+          </p:nvPr>
+        </p:nvSpPr>
+        <p:spPr/>
+        <p:txBody>
+          <a:bodyPr/>
+          <a:lstStyle/>
+          <a:p>
+            <a:r>
+              <a:rPr lang="zh-CN" altLang="en-US" dirty="0"/>
+              <a:t>主问题：如何计算</a:t>
+            </a:r>
+            <a:r>
+              <a:rPr kumimoji="1" lang="en-US" altLang="zh-CN" dirty="0">
+                <a:solidFill>
+                  <a:srgbClr val="333333"/>
+                </a:solidFill>
+                <a:latin typeface="verdana" panose="020B0604030504040204" pitchFamily="34" charset="0"/>
+              </a:rPr>
+              <a:t>Filter</a:t>
+            </a:r>
+            <a:r>
+              <a:rPr kumimoji="1" lang="zh-CN" altLang="en-US" dirty="0">
+                <a:solidFill>
+                  <a:srgbClr val="333333"/>
+                </a:solidFill>
+                <a:latin typeface="verdana" panose="020B0604030504040204" pitchFamily="34" charset="0"/>
+              </a:rPr>
+              <a:t>每个权重值的梯度</a:t>
+            </a:r>
+            <a:r>
+              <a:rPr lang="zh-CN" altLang="en-US" dirty="0"/>
+              <a:t>？</a:t>
+            </a:r>
+            <a:endParaRPr dirty="0">
+              <a:sym typeface="+mn-ea"/>
+            </a:endParaRPr>
+          </a:p>
+        </p:txBody>
+      </p:sp>
+      <p:sp>
+        <p:nvSpPr>
+          <p:cNvPr id="6" name="文本占位符 1">
+            <a:extLst>
+              <a:ext uri="{FF2B5EF4-FFF2-40B4-BE49-F238E27FC236}">
+                <a16:creationId xmlns:a16="http://schemas.microsoft.com/office/drawing/2014/main" id="{BA88068A-4FDC-6963-46A5-ADEC46CDA15E}"/>
+              </a:ext>
+            </a:extLst>
+          </p:cNvPr>
+          <p:cNvSpPr txBox="1">
+            <a:spLocks/>
+          </p:cNvSpPr>
+          <p:nvPr/>
+        </p:nvSpPr>
+        <p:spPr>
+          <a:xfrm>
+            <a:off x="822325" y="1778635"/>
+            <a:ext cx="10852150" cy="4553585"/>
+          </a:xfrm>
+        </p:spPr>
+        <p:txBody>
+          <a:bodyPr lIns="101600" tIns="38100" rIns="76200" bIns="38100">
+            <a:noAutofit/>
+          </a:bodyPr>
+          <a:lstStyle>
+            <a:lvl1pPr marL="0" indent="0" algn="l" defTabSz="914400" rtl="0" eaLnBrk="1" fontAlgn="auto" latinLnBrk="0" hangingPunct="1">
+              <a:lnSpc>
+                <a:spcPct val="130000"/>
+              </a:lnSpc>
+              <a:spcBef>
+                <a:spcPts val="0"/>
+              </a:spcBef>
+              <a:spcAft>
+                <a:spcPts val="1000"/>
+              </a:spcAft>
+              <a:buFont typeface="Arial" panose="020B0604020202020204" pitchFamily="34" charset="0"/>
+              <a:buNone/>
+              <a:defRPr kumimoji="0" lang="zh-CN" altLang="en-US" sz="1600" b="0" i="0" u="none" strike="noStrike" kern="1200" cap="none" spc="150" normalizeH="0" baseline="0" noProof="1">
+                <a:solidFill>
+                  <a:schemeClr val="tx1"/>
+                </a:solidFill>
+                <a:uFillTx/>
+                <a:latin typeface="+mn-lt"/>
+                <a:ea typeface="+mn-ea"/>
+                <a:cs typeface="+mn-cs"/>
+                <a:sym typeface="+mn-ea"/>
+              </a:defRPr>
+            </a:lvl1pPr>
+            <a:lvl2pPr marL="457200" indent="0" algn="l" defTabSz="914400" rtl="0" eaLnBrk="1" fontAlgn="auto" latinLnBrk="0" hangingPunct="1">
+              <a:lnSpc>
+                <a:spcPct val="130000"/>
+              </a:lnSpc>
+              <a:spcBef>
+                <a:spcPts val="0"/>
+              </a:spcBef>
+              <a:spcAft>
+                <a:spcPts val="1000"/>
+              </a:spcAft>
+              <a:buFont typeface="Arial" panose="020B0604020202020204" pitchFamily="34" charset="0"/>
+              <a:buNone/>
+              <a:tabLst>
+                <a:tab pos="1609725" algn="l"/>
+              </a:tabLst>
+              <a:defRPr sz="2000" u="none" strike="noStrike" kern="1200" cap="none" spc="150" normalizeH="0" baseline="0">
+                <a:solidFill>
+                  <a:schemeClr val="tx1">
+                    <a:tint val="75000"/>
+                  </a:schemeClr>
+                </a:solidFill>
+                <a:uFillTx/>
+                <a:latin typeface="+mn-lt"/>
+                <a:ea typeface="+mn-ea"/>
+                <a:cs typeface="+mn-cs"/>
+              </a:defRPr>
+            </a:lvl2pPr>
+            <a:lvl3pPr marL="914400" indent="0" algn="l" defTabSz="914400" rtl="0" eaLnBrk="1" fontAlgn="auto" latinLnBrk="0" hangingPunct="1">
+              <a:lnSpc>
+                <a:spcPct val="130000"/>
+              </a:lnSpc>
+              <a:spcBef>
+                <a:spcPts val="0"/>
+              </a:spcBef>
+              <a:spcAft>
+                <a:spcPts val="1000"/>
+              </a:spcAft>
+              <a:buFont typeface="Arial" panose="020B0604020202020204" pitchFamily="34" charset="0"/>
+              <a:buNone/>
+              <a:defRPr sz="1800" u="none" strike="noStrike" kern="1200" cap="none" spc="150" normalizeH="0" baseline="0">
+                <a:solidFill>
+                  <a:schemeClr val="tx1">
+                    <a:tint val="75000"/>
+                  </a:schemeClr>
+                </a:solidFill>
+                <a:uFillTx/>
+                <a:latin typeface="+mn-lt"/>
+                <a:ea typeface="+mn-ea"/>
+                <a:cs typeface="+mn-cs"/>
+              </a:defRPr>
+            </a:lvl3pPr>
+            <a:lvl4pPr marL="1371600" indent="0" algn="l" defTabSz="914400" rtl="0" eaLnBrk="1" fontAlgn="auto" latinLnBrk="0" hangingPunct="1">
+              <a:lnSpc>
+                <a:spcPct val="130000"/>
+              </a:lnSpc>
+              <a:spcBef>
+                <a:spcPts val="0"/>
+              </a:spcBef>
+              <a:spcAft>
+                <a:spcPts val="1000"/>
+              </a:spcAft>
+              <a:buFont typeface="Arial" panose="020B0604020202020204" pitchFamily="34" charset="0"/>
+              <a:buNone/>
+              <a:defRPr sz="1600" u="none" strike="noStrike" kern="1200" cap="none" spc="150" normalizeH="0" baseline="0">
+                <a:solidFill>
+                  <a:schemeClr val="tx1">
+                    <a:tint val="75000"/>
+                  </a:schemeClr>
+                </a:solidFill>
+                <a:uFillTx/>
+                <a:latin typeface="+mn-lt"/>
+                <a:ea typeface="+mn-ea"/>
+                <a:cs typeface="+mn-cs"/>
+              </a:defRPr>
+            </a:lvl4pPr>
+            <a:lvl5pPr marL="1828800" indent="0" algn="l" defTabSz="914400" rtl="0" eaLnBrk="1" fontAlgn="auto" latinLnBrk="0" hangingPunct="1">
+              <a:lnSpc>
+                <a:spcPct val="130000"/>
+              </a:lnSpc>
+              <a:spcBef>
+                <a:spcPts val="0"/>
+              </a:spcBef>
+              <a:spcAft>
+                <a:spcPts val="1000"/>
+              </a:spcAft>
+              <a:buFont typeface="Arial" panose="020B0604020202020204" pitchFamily="34" charset="0"/>
+              <a:buNone/>
+              <a:defRPr sz="1600" u="none" strike="noStrike" kern="1200" cap="none" spc="150" normalizeH="0" baseline="0">
+                <a:solidFill>
+                  <a:schemeClr val="tx1">
+                    <a:tint val="75000"/>
+                  </a:schemeClr>
+                </a:solidFill>
+                <a:uFillTx/>
+                <a:latin typeface="+mn-lt"/>
+                <a:ea typeface="+mn-ea"/>
+                <a:cs typeface="+mn-cs"/>
+              </a:defRPr>
+            </a:lvl5pPr>
+            <a:lvl6pPr marL="2286000" indent="0" algn="l" defTabSz="914400" rtl="0" eaLnBrk="1" latinLnBrk="0" hangingPunct="1">
+              <a:lnSpc>
+                <a:spcPct val="90000"/>
+              </a:lnSpc>
+              <a:spcBef>
+                <a:spcPts val="500"/>
+              </a:spcBef>
+              <a:buFont typeface="Arial" panose="020B0604020202020204" pitchFamily="34" charset="0"/>
+              <a:buNone/>
+              <a:defRPr sz="1600" kern="1200">
+                <a:solidFill>
+                  <a:schemeClr val="tx1">
+                    <a:tint val="75000"/>
+                  </a:schemeClr>
+                </a:solidFill>
+                <a:latin typeface="+mn-lt"/>
+                <a:ea typeface="+mn-ea"/>
+                <a:cs typeface="+mn-cs"/>
+              </a:defRPr>
+            </a:lvl6pPr>
+            <a:lvl7pPr marL="2743200" indent="0" algn="l" defTabSz="914400" rtl="0" eaLnBrk="1" latinLnBrk="0" hangingPunct="1">
+              <a:lnSpc>
+                <a:spcPct val="90000"/>
+              </a:lnSpc>
+              <a:spcBef>
+                <a:spcPts val="500"/>
+              </a:spcBef>
+              <a:buFont typeface="Arial" panose="020B0604020202020204" pitchFamily="34" charset="0"/>
+              <a:buNone/>
+              <a:defRPr sz="1600" kern="1200">
+                <a:solidFill>
+                  <a:schemeClr val="tx1">
+                    <a:tint val="75000"/>
+                  </a:schemeClr>
+                </a:solidFill>
+                <a:latin typeface="+mn-lt"/>
+                <a:ea typeface="+mn-ea"/>
+                <a:cs typeface="+mn-cs"/>
+              </a:defRPr>
+            </a:lvl7pPr>
+            <a:lvl8pPr marL="3200400" indent="0" algn="l" defTabSz="914400" rtl="0" eaLnBrk="1" latinLnBrk="0" hangingPunct="1">
+              <a:lnSpc>
+                <a:spcPct val="90000"/>
+              </a:lnSpc>
+              <a:spcBef>
+                <a:spcPts val="500"/>
+              </a:spcBef>
+              <a:buFont typeface="Arial" panose="020B0604020202020204" pitchFamily="34" charset="0"/>
+              <a:buNone/>
+              <a:defRPr sz="1600" kern="1200">
+                <a:solidFill>
+                  <a:schemeClr val="tx1">
+                    <a:tint val="75000"/>
+                  </a:schemeClr>
+                </a:solidFill>
+                <a:latin typeface="+mn-lt"/>
+                <a:ea typeface="+mn-ea"/>
+                <a:cs typeface="+mn-cs"/>
+              </a:defRPr>
+            </a:lvl8pPr>
+            <a:lvl9pPr marL="3657600" indent="0" algn="l" defTabSz="914400" rtl="0" eaLnBrk="1" latinLnBrk="0" hangingPunct="1">
+              <a:lnSpc>
+                <a:spcPct val="90000"/>
+              </a:lnSpc>
+              <a:spcBef>
+                <a:spcPts val="500"/>
+              </a:spcBef>
+              <a:buFont typeface="Arial" panose="020B0604020202020204" pitchFamily="34" charset="0"/>
+              <a:buNone/>
+              <a:defRPr sz="1600" kern="1200">
+                <a:solidFill>
+                  <a:schemeClr val="tx1">
+                    <a:tint val="75000"/>
+                  </a:schemeClr>
+                </a:solidFill>
+                <a:latin typeface="+mn-lt"/>
+                <a:ea typeface="+mn-ea"/>
+                <a:cs typeface="+mn-cs"/>
+              </a:defRPr>
+            </a:lvl9pPr>
+          </a:lstStyle>
+          <a:p>
+            <a:pPr marL="285750" indent="-285750">
+              <a:buFont typeface="Arial" panose="020B0604020202020204" pitchFamily="34" charset="0"/>
+              <a:buChar char="•"/>
+            </a:pPr>
+            <a:r>
+              <a:rPr lang="zh-CN" altLang="en-US" b="0" i="0" dirty="0">
+                <a:solidFill>
+                  <a:srgbClr val="333333"/>
+                </a:solidFill>
+                <a:effectLst/>
+                <a:latin typeface="PingFang SC" panose="020B0400000000000000" pitchFamily="34" charset="-122"/>
+                <a:ea typeface="PingFang SC" panose="020B0400000000000000" pitchFamily="34" charset="-122"/>
+              </a:rPr>
+              <a:t>对于</a:t>
+            </a:r>
+            <a:r>
+              <a:rPr lang="en-US" altLang="zh-CN" b="0" i="0" dirty="0">
+                <a:solidFill>
+                  <a:srgbClr val="333333"/>
+                </a:solidFill>
+                <a:effectLst/>
+                <a:latin typeface="PingFang SC" panose="020B0400000000000000" pitchFamily="34" charset="-122"/>
+                <a:ea typeface="PingFang SC" panose="020B0400000000000000" pitchFamily="34" charset="-122"/>
+              </a:rPr>
+              <a:t>Filter</a:t>
+            </a:r>
+            <a:r>
+              <a:rPr lang="zh-CN" altLang="en-US" b="0" i="0" dirty="0">
+                <a:solidFill>
+                  <a:srgbClr val="333333"/>
+                </a:solidFill>
+                <a:effectLst/>
+                <a:latin typeface="PingFang SC" panose="020B0400000000000000" pitchFamily="34" charset="-122"/>
+                <a:ea typeface="PingFang SC" panose="020B0400000000000000" pitchFamily="34" charset="-122"/>
+              </a:rPr>
+              <a:t>个数为</a:t>
+            </a:r>
+            <a:r>
+              <a:rPr lang="en-US" altLang="zh-CN" b="0" i="0" dirty="0">
+                <a:solidFill>
+                  <a:srgbClr val="333333"/>
+                </a:solidFill>
+                <a:effectLst/>
+                <a:latin typeface="PingFang SC" panose="020B0400000000000000" pitchFamily="34" charset="-122"/>
+                <a:ea typeface="PingFang SC" panose="020B0400000000000000" pitchFamily="34" charset="-122"/>
+              </a:rPr>
+              <a:t>N</a:t>
+            </a:r>
+            <a:r>
+              <a:rPr lang="zh-CN" altLang="en-US" b="0" i="0" dirty="0">
+                <a:solidFill>
+                  <a:srgbClr val="333333"/>
+                </a:solidFill>
+                <a:effectLst/>
+                <a:latin typeface="PingFang SC" panose="020B0400000000000000" pitchFamily="34" charset="-122"/>
+                <a:ea typeface="PingFang SC" panose="020B0400000000000000" pitchFamily="34" charset="-122"/>
+              </a:rPr>
+              <a:t>和每个</a:t>
+            </a:r>
+            <a:r>
+              <a:rPr lang="en-US" altLang="zh-CN" b="0" i="0" dirty="0">
+                <a:solidFill>
+                  <a:srgbClr val="333333"/>
+                </a:solidFill>
+                <a:effectLst/>
+                <a:latin typeface="PingFang SC" panose="020B0400000000000000" pitchFamily="34" charset="-122"/>
+                <a:ea typeface="PingFang SC" panose="020B0400000000000000" pitchFamily="34" charset="-122"/>
+              </a:rPr>
+              <a:t>Filter</a:t>
+            </a:r>
+            <a:r>
+              <a:rPr lang="zh-CN" altLang="en-US" b="0" i="0" dirty="0">
+                <a:solidFill>
+                  <a:srgbClr val="333333"/>
+                </a:solidFill>
+                <a:effectLst/>
+                <a:latin typeface="PingFang SC" panose="020B0400000000000000" pitchFamily="34" charset="-122"/>
+                <a:ea typeface="PingFang SC" panose="020B0400000000000000" pitchFamily="34" charset="-122"/>
+              </a:rPr>
+              <a:t>的深度为</a:t>
+            </a:r>
+            <a:r>
+              <a:rPr lang="en-US" altLang="zh-CN" b="0" i="0" dirty="0">
+                <a:solidFill>
+                  <a:srgbClr val="333333"/>
+                </a:solidFill>
+                <a:effectLst/>
+                <a:latin typeface="PingFang SC" panose="020B0400000000000000" pitchFamily="34" charset="-122"/>
+                <a:ea typeface="PingFang SC" panose="020B0400000000000000" pitchFamily="34" charset="-122"/>
+              </a:rPr>
+              <a:t>D</a:t>
+            </a:r>
+            <a:r>
+              <a:rPr lang="zh-CN" altLang="en-US" b="0" i="0" dirty="0">
+                <a:solidFill>
+                  <a:srgbClr val="333333"/>
+                </a:solidFill>
+                <a:effectLst/>
+                <a:latin typeface="PingFang SC" panose="020B0400000000000000" pitchFamily="34" charset="-122"/>
+                <a:ea typeface="PingFang SC" panose="020B0400000000000000" pitchFamily="34" charset="-122"/>
+              </a:rPr>
+              <a:t>的情况，因为</a:t>
+            </a:r>
+            <a:r>
+              <a:rPr lang="zh-CN" altLang="en-US" b="0" i="0" dirty="0">
+                <a:solidFill>
+                  <a:srgbClr val="121212"/>
+                </a:solidFill>
+                <a:effectLst/>
+                <a:latin typeface="-apple-system"/>
+              </a:rPr>
+              <a:t>每个都对应输出图像的对应深度的</a:t>
+            </a:r>
+            <a:r>
+              <a:rPr lang="en-US" altLang="zh-CN" b="0" i="0" dirty="0">
+                <a:solidFill>
+                  <a:srgbClr val="121212"/>
+                </a:solidFill>
+                <a:effectLst/>
+                <a:latin typeface="-apple-system"/>
+              </a:rPr>
+              <a:t>Feature map</a:t>
+            </a:r>
+            <a:r>
+              <a:rPr lang="zh-CN" altLang="en-US" b="0" i="0" dirty="0">
+                <a:solidFill>
+                  <a:srgbClr val="121212"/>
+                </a:solidFill>
+                <a:effectLst/>
+                <a:latin typeface="-apple-system"/>
+              </a:rPr>
+              <a:t>和输入图像的对应深度的</a:t>
+            </a:r>
+            <a:r>
+              <a:rPr lang="en-US" altLang="zh-CN" b="0" i="0" dirty="0">
+                <a:solidFill>
+                  <a:srgbClr val="121212"/>
+                </a:solidFill>
+                <a:effectLst/>
+                <a:latin typeface="-apple-system"/>
+              </a:rPr>
+              <a:t>Feature map</a:t>
+            </a:r>
+            <a:r>
+              <a:rPr lang="zh-CN" altLang="en-US" b="0" i="0" dirty="0">
+                <a:solidFill>
+                  <a:srgbClr val="121212"/>
+                </a:solidFill>
+                <a:effectLst/>
+                <a:latin typeface="-apple-system"/>
+              </a:rPr>
+              <a:t>，每一个二维</a:t>
+            </a:r>
+            <a:r>
+              <a:rPr lang="en-US" altLang="zh-CN" b="0" i="0" dirty="0">
+                <a:solidFill>
+                  <a:srgbClr val="121212"/>
+                </a:solidFill>
+                <a:effectLst/>
+                <a:latin typeface="-apple-system"/>
+              </a:rPr>
+              <a:t>Filter</a:t>
+            </a:r>
+            <a:r>
+              <a:rPr lang="zh-CN" altLang="en-US" b="0" i="0" dirty="0">
+                <a:solidFill>
+                  <a:srgbClr val="121212"/>
+                </a:solidFill>
+                <a:effectLst/>
+                <a:latin typeface="-apple-system"/>
+              </a:rPr>
+              <a:t>只涉及到一次二维卷积运算</a:t>
+            </a:r>
+            <a:endParaRPr lang="en-US" altLang="zh-CN" b="0" i="0" dirty="0">
+              <a:solidFill>
+                <a:srgbClr val="121212"/>
+              </a:solidFill>
+              <a:effectLst/>
+              <a:latin typeface="-apple-system"/>
+            </a:endParaRPr>
+          </a:p>
+          <a:p>
+            <a:pPr marL="285750" indent="-285750">
+              <a:buFont typeface="Arial" panose="020B0604020202020204" pitchFamily="34" charset="0"/>
+              <a:buChar char="•"/>
+            </a:pPr>
+            <a:r>
+              <a:rPr lang="zh-CN" altLang="en-US" dirty="0">
+                <a:solidFill>
+                  <a:srgbClr val="121212"/>
+                </a:solidFill>
+                <a:latin typeface="-apple-system"/>
+              </a:rPr>
+              <a:t>所以只需分别计算</a:t>
+            </a:r>
+            <a:r>
+              <a:rPr lang="en-US" altLang="zh-CN" dirty="0">
+                <a:solidFill>
+                  <a:srgbClr val="121212"/>
+                </a:solidFill>
+                <a:latin typeface="-apple-system"/>
+              </a:rPr>
+              <a:t>N×D</a:t>
+            </a:r>
+            <a:r>
+              <a:rPr lang="zh-CN" altLang="en-US" dirty="0">
+                <a:solidFill>
+                  <a:srgbClr val="121212"/>
+                </a:solidFill>
+                <a:latin typeface="-apple-system"/>
+              </a:rPr>
+              <a:t>次</a:t>
+            </a:r>
+            <a:r>
+              <a:rPr lang="zh-CN" altLang="en-US" b="0" i="0" dirty="0">
+                <a:solidFill>
+                  <a:srgbClr val="121212"/>
+                </a:solidFill>
+                <a:effectLst/>
+                <a:latin typeface="-apple-system"/>
+              </a:rPr>
+              <a:t>每个二维</a:t>
+            </a:r>
+            <a:r>
+              <a:rPr lang="en-US" altLang="zh-CN" b="0" i="0" dirty="0">
+                <a:solidFill>
+                  <a:srgbClr val="121212"/>
+                </a:solidFill>
+                <a:effectLst/>
+                <a:latin typeface="-apple-system"/>
+              </a:rPr>
+              <a:t>Filter</a:t>
+            </a:r>
+            <a:r>
+              <a:rPr lang="zh-CN" altLang="en-US" b="0" i="0" dirty="0">
+                <a:solidFill>
+                  <a:srgbClr val="121212"/>
+                </a:solidFill>
+                <a:effectLst/>
+                <a:latin typeface="-apple-system"/>
+              </a:rPr>
+              <a:t>的导数，再将其组合成</a:t>
+            </a:r>
+            <a:r>
+              <a:rPr lang="en-US" altLang="zh-CN" b="0" i="0" dirty="0">
+                <a:solidFill>
+                  <a:srgbClr val="121212"/>
+                </a:solidFill>
+                <a:effectLst/>
+                <a:latin typeface="-apple-system"/>
+              </a:rPr>
+              <a:t>4</a:t>
+            </a:r>
+            <a:r>
+              <a:rPr lang="zh-CN" altLang="en-US" b="0" i="0" dirty="0">
+                <a:solidFill>
+                  <a:srgbClr val="121212"/>
+                </a:solidFill>
+                <a:effectLst/>
+                <a:latin typeface="-apple-system"/>
+              </a:rPr>
+              <a:t>维张量</a:t>
+            </a:r>
+            <a:r>
+              <a:rPr lang="zh-CN" altLang="en-US" dirty="0">
+                <a:solidFill>
+                  <a:srgbClr val="121212"/>
+                </a:solidFill>
+                <a:latin typeface="-apple-system"/>
+              </a:rPr>
+              <a:t>，</a:t>
+            </a:r>
+            <a:r>
+              <a:rPr lang="zh-CN" altLang="en-US" b="0" i="0" dirty="0">
+                <a:solidFill>
+                  <a:srgbClr val="121212"/>
+                </a:solidFill>
+                <a:effectLst/>
+                <a:latin typeface="-apple-system"/>
+              </a:rPr>
+              <a:t>即可求得整个</a:t>
+            </a:r>
+            <a:r>
+              <a:rPr lang="en-US" altLang="zh-CN" b="0" i="0" dirty="0">
+                <a:solidFill>
+                  <a:srgbClr val="121212"/>
+                </a:solidFill>
+                <a:effectLst/>
+                <a:latin typeface="-apple-system"/>
+              </a:rPr>
+              <a:t>Filter</a:t>
+            </a:r>
+            <a:r>
+              <a:rPr lang="zh-CN" altLang="en-US" b="0" i="0" dirty="0">
+                <a:solidFill>
+                  <a:srgbClr val="121212"/>
+                </a:solidFill>
+                <a:effectLst/>
+                <a:latin typeface="-apple-system"/>
+              </a:rPr>
+              <a:t>的导数</a:t>
+            </a:r>
+            <a:endParaRPr lang="zh-CN" altLang="en-US" dirty="0"/>
+          </a:p>
+          <a:p>
+            <a:pPr marL="285750" indent="-285750">
+              <a:buFont typeface="Arial" panose="020B0604020202020204" pitchFamily="34" charset="0"/>
+              <a:buChar char="•"/>
+            </a:pPr>
+            <a:endParaRPr lang="en-US" altLang="zh-CN" dirty="0"/>
+          </a:p>
+          <a:p>
+            <a:pPr marL="285750" indent="-285750">
+              <a:buFont typeface="Arial" panose="020B0604020202020204" pitchFamily="34" charset="0"/>
+              <a:buChar char="•"/>
+            </a:pPr>
+            <a:endParaRPr lang="zh-CN" altLang="en-US" dirty="0"/>
+          </a:p>
+          <a:p>
+            <a:pPr marL="285750" indent="-285750">
+              <a:buFont typeface="Arial" panose="020B0604020202020204" pitchFamily="34" charset="0"/>
+              <a:buChar char="•"/>
+            </a:pPr>
+            <a:endParaRPr lang="zh-CN" altLang="en-US" dirty="0"/>
+          </a:p>
+          <a:p>
+            <a:pPr marL="285750" indent="-285750">
+              <a:buFont typeface="Arial" panose="020B0604020202020204" pitchFamily="34" charset="0"/>
+              <a:buChar char="•"/>
+            </a:pPr>
+            <a:endParaRPr lang="zh-CN" altLang="en-US" dirty="0"/>
+          </a:p>
+          <a:p>
+            <a:pPr marL="285750" indent="-285750">
+              <a:buFont typeface="Arial" panose="020B0604020202020204" pitchFamily="34" charset="0"/>
+              <a:buChar char="•"/>
+            </a:pPr>
+            <a:endParaRPr lang="zh-CN" altLang="en-US" dirty="0"/>
+          </a:p>
+          <a:p>
+            <a:pPr marL="285750" indent="-285750">
+              <a:buFont typeface="Arial" panose="020B0604020202020204" pitchFamily="34" charset="0"/>
+              <a:buChar char="•"/>
+            </a:pPr>
+            <a:endParaRPr lang="zh-CN" altLang="en-US" dirty="0"/>
+          </a:p>
+          <a:p>
+            <a:pPr marL="285750" indent="-285750">
+              <a:buFont typeface="Arial" panose="020B0604020202020204" pitchFamily="34" charset="0"/>
+              <a:buChar char="•"/>
+            </a:pPr>
+            <a:endParaRPr lang="zh-CN" altLang="en-US" dirty="0"/>
+          </a:p>
+          <a:p>
+            <a:pPr marL="285750" indent="-285750">
+              <a:buFont typeface="Arial" panose="020B0604020202020204" pitchFamily="34" charset="0"/>
+              <a:buChar char="•"/>
+            </a:pPr>
+            <a:endParaRPr lang="zh-CN" altLang="en-US" dirty="0"/>
+          </a:p>
+        </p:txBody>
+      </p:sp>
+    </p:spTree>
+    <p:custDataLst>
+      <p:tags r:id="rId1"/>
+    </p:custDataLst>
+    <p:extLst>
+      <p:ext uri="{BB962C8B-B14F-4D97-AF65-F5344CB8AC3E}">
+        <p14:creationId xmlns:p14="http://schemas.microsoft.com/office/powerpoint/2010/main" val="3298517590"/>
+      </p:ext>
+    </p:extLst>
+  </p:cSld>
+  <p:clrMapOvr>
+    <a:masterClrMapping/>
+  </p:clrMapOvr>
+  <p:timing>
+    <p:tnLst>
+      <p:par>
+        <p:cTn id="1" dur="indefinite" restart="never" nodeType="tmRoot">
+          <p:childTnLst>
+            <p:seq concurrent="1" nextAc="seek">
+              <p:cTn id="2" dur="indefinite" nodeType="mainSeq">
+                <p:childTnLst>
+                  <p:par>
+                    <p:cTn id="3" fill="hold">
+                      <p:stCondLst>
+                        <p:cond delay="indefinite"/>
+                      </p:stCondLst>
+                      <p:childTnLst>
+                        <p:par>
+                          <p:cTn id="4" fill="hold">
+                            <p:stCondLst>
+                              <p:cond delay="0"/>
+                            </p:stCondLst>
+                            <p:childTnLst>
+                              <p:par>
+                                <p:cTn id="5" presetID="1" presetClass="entr" presetSubtype="0" fill="hold" nodeType="clickEffect">
+                                  <p:stCondLst>
+                                    <p:cond delay="0"/>
+                                  </p:stCondLst>
+                                  <p:childTnLst>
+                                    <p:set>
+                                      <p:cBhvr>
+                                        <p:cTn id="6" dur="1" fill="hold">
+                                          <p:stCondLst>
+                                            <p:cond delay="0"/>
+                                          </p:stCondLst>
+                                        </p:cTn>
+                                        <p:tgtEl>
+                                          <p:spTgt spid="6">
+                                            <p:txEl>
+                                              <p:pRg st="0" end="0"/>
+                                            </p:txEl>
+                                          </p:spTgt>
+                                        </p:tgtEl>
+                                        <p:attrNameLst>
+                                          <p:attrName>style.visibility</p:attrName>
+                                        </p:attrNameLst>
+                                      </p:cBhvr>
+                                      <p:to>
+                                        <p:strVal val="visible"/>
+                                      </p:to>
+                                    </p:set>
+                                  </p:childTnLst>
+                                </p:cTn>
+                              </p:par>
+                            </p:childTnLst>
+                          </p:cTn>
+                        </p:par>
+                      </p:childTnLst>
+                    </p:cTn>
+                  </p:par>
+                  <p:par>
+                    <p:cTn id="7" fill="hold">
+                      <p:stCondLst>
+                        <p:cond delay="indefinite"/>
+                      </p:stCondLst>
+                      <p:childTnLst>
+                        <p:par>
+                          <p:cTn id="8" fill="hold">
+                            <p:stCondLst>
+                              <p:cond delay="0"/>
+                            </p:stCondLst>
+                            <p:childTnLst>
+                              <p:par>
+                                <p:cTn id="9" presetID="1" presetClass="entr" presetSubtype="0" fill="hold" nodeType="clickEffect">
+                                  <p:stCondLst>
+                                    <p:cond delay="0"/>
+                                  </p:stCondLst>
+                                  <p:childTnLst>
+                                    <p:set>
+                                      <p:cBhvr>
+                                        <p:cTn id="10" dur="1" fill="hold">
+                                          <p:stCondLst>
+                                            <p:cond delay="0"/>
+                                          </p:stCondLst>
+                                        </p:cTn>
+                                        <p:tgtEl>
+                                          <p:spTgt spid="6">
+                                            <p:txEl>
+                                              <p:pRg st="1" end="1"/>
+                                            </p:txEl>
+                                          </p:spTgt>
                                         </p:tgtEl>
                                         <p:attrNameLst>
                                           <p:attrName>style.visibility</p:attrName>
@@ -18215,7 +20069,7 @@
 </p:sld>
 </file>
 
-<file path=ppt/slides/slide26.xml><?xml version="1.0" encoding="utf-8"?>
+<file path=ppt/slides/slide27.xml><?xml version="1.0" encoding="utf-8"?>
 <p:sld xmlns:a="http://schemas.openxmlformats.org/drawingml/2006/main" xmlns:r="http://schemas.openxmlformats.org/officeDocument/2006/relationships" xmlns:p="http://schemas.openxmlformats.org/presentationml/2006/main">
   <p:cSld>
     <p:spTree>
@@ -18249,29 +20103,7 @@
           <a:p>
             <a:r>
               <a:rPr lang="zh-CN" altLang="en-US" dirty="0"/>
-              <a:t>主问题：如何计算</a:t>
-            </a:r>
-            <a:r>
-              <a:rPr kumimoji="1" lang="en-US" altLang="zh-CN" dirty="0">
-                <a:solidFill>
-                  <a:srgbClr val="333333"/>
-                </a:solidFill>
-                <a:latin typeface="verdana" panose="020B0604030504040204" pitchFamily="34" charset="0"/>
-              </a:rPr>
-              <a:t>Filter</a:t>
-            </a:r>
-            <a:r>
-              <a:rPr kumimoji="1" lang="zh-CN" altLang="en-US" dirty="0">
-                <a:solidFill>
-                  <a:srgbClr val="333333"/>
-                </a:solidFill>
-                <a:latin typeface="verdana" panose="020B0604030504040204" pitchFamily="34" charset="0"/>
-              </a:rPr>
-              <a:t>每个权重值的梯度</a:t>
-            </a:r>
-            <a:r>
-              <a:rPr lang="zh-CN" altLang="en-US" dirty="0"/>
-              <a:t>？</a:t>
+              <a:t>结学</a:t>
             </a:r>
             <a:endParaRPr dirty="0">
               <a:sym typeface="+mn-ea"/>
@@ -18513,280 +20345,55 @@
               <a:buChar char="•"/>
             </a:pPr>
             <a:r>
-              <a:rPr lang="zh-CN" altLang="en-US" b="0" i="0" dirty="0">
+              <a:rPr lang="zh-CN" altLang="en-US" dirty="0"/>
+              <a:t>如何计算</a:t>
+            </a:r>
+            <a:r>
+              <a:rPr kumimoji="1" lang="en-US" altLang="zh-CN" dirty="0">
                 <a:solidFill>
                   <a:srgbClr val="333333"/>
                 </a:solidFill>
-                <a:effectLst/>
-                <a:latin typeface="PingFang SC" panose="020B0400000000000000" pitchFamily="34" charset="-122"/>
-                <a:ea typeface="PingFang SC" panose="020B0400000000000000" pitchFamily="34" charset="-122"/>
-              </a:rPr>
-              <a:t>对于</a:t>
-            </a:r>
-            <a:r>
-              <a:rPr lang="en-US" altLang="zh-CN" b="0" i="0" dirty="0">
-                <a:solidFill>
-                  <a:srgbClr val="333333"/>
-                </a:solidFill>
-                <a:effectLst/>
-                <a:latin typeface="PingFang SC" panose="020B0400000000000000" pitchFamily="34" charset="-122"/>
-                <a:ea typeface="PingFang SC" panose="020B0400000000000000" pitchFamily="34" charset="-122"/>
+                <a:latin typeface="verdana" panose="020B0604030504040204" pitchFamily="34" charset="0"/>
               </a:rPr>
               <a:t>Filter</a:t>
             </a:r>
             <a:r>
-              <a:rPr lang="zh-CN" altLang="en-US" b="0" i="0" dirty="0">
+              <a:rPr kumimoji="1" lang="zh-CN" altLang="en-US" dirty="0">
                 <a:solidFill>
                   <a:srgbClr val="333333"/>
                 </a:solidFill>
-                <a:effectLst/>
-                <a:latin typeface="PingFang SC" panose="020B0400000000000000" pitchFamily="34" charset="-122"/>
-                <a:ea typeface="PingFang SC" panose="020B0400000000000000" pitchFamily="34" charset="-122"/>
+                <a:latin typeface="verdana" panose="020B0604030504040204" pitchFamily="34" charset="0"/>
               </a:rPr>
-              <a:t>个数为</a:t>
-            </a:r>
-            <a:r>
-              <a:rPr lang="en-US" altLang="zh-CN" b="0" i="0" dirty="0">
-                <a:solidFill>
-                  <a:srgbClr val="333333"/>
-                </a:solidFill>
-                <a:effectLst/>
-                <a:latin typeface="PingFang SC" panose="020B0400000000000000" pitchFamily="34" charset="-122"/>
-                <a:ea typeface="PingFang SC" panose="020B0400000000000000" pitchFamily="34" charset="-122"/>
-              </a:rPr>
-              <a:t>N</a:t>
-            </a:r>
-            <a:r>
-              <a:rPr lang="zh-CN" altLang="en-US" b="0" i="0" dirty="0">
-                <a:solidFill>
-                  <a:srgbClr val="333333"/>
-                </a:solidFill>
-                <a:effectLst/>
-                <a:latin typeface="PingFang SC" panose="020B0400000000000000" pitchFamily="34" charset="-122"/>
-                <a:ea typeface="PingFang SC" panose="020B0400000000000000" pitchFamily="34" charset="-122"/>
-              </a:rPr>
-              <a:t>和每个</a:t>
-            </a:r>
-            <a:r>
-              <a:rPr lang="en-US" altLang="zh-CN" b="0" i="0" dirty="0">
-                <a:solidFill>
-                  <a:srgbClr val="333333"/>
-                </a:solidFill>
-                <a:effectLst/>
-                <a:latin typeface="PingFang SC" panose="020B0400000000000000" pitchFamily="34" charset="-122"/>
-                <a:ea typeface="PingFang SC" panose="020B0400000000000000" pitchFamily="34" charset="-122"/>
-              </a:rPr>
-              <a:t>Filter</a:t>
-            </a:r>
-            <a:r>
-              <a:rPr lang="zh-CN" altLang="en-US" b="0" i="0" dirty="0">
-                <a:solidFill>
-                  <a:srgbClr val="333333"/>
-                </a:solidFill>
-                <a:effectLst/>
-                <a:latin typeface="PingFang SC" panose="020B0400000000000000" pitchFamily="34" charset="-122"/>
-                <a:ea typeface="PingFang SC" panose="020B0400000000000000" pitchFamily="34" charset="-122"/>
-              </a:rPr>
-              <a:t>的深度为</a:t>
-            </a:r>
-            <a:r>
-              <a:rPr lang="en-US" altLang="zh-CN" b="0" i="0" dirty="0">
-                <a:solidFill>
-                  <a:srgbClr val="333333"/>
-                </a:solidFill>
-                <a:effectLst/>
-                <a:latin typeface="PingFang SC" panose="020B0400000000000000" pitchFamily="34" charset="-122"/>
-                <a:ea typeface="PingFang SC" panose="020B0400000000000000" pitchFamily="34" charset="-122"/>
-              </a:rPr>
-              <a:t>D</a:t>
-            </a:r>
-            <a:r>
-              <a:rPr lang="zh-CN" altLang="en-US" b="0" i="0" dirty="0">
-                <a:solidFill>
-                  <a:srgbClr val="333333"/>
-                </a:solidFill>
-                <a:effectLst/>
-                <a:latin typeface="PingFang SC" panose="020B0400000000000000" pitchFamily="34" charset="-122"/>
-                <a:ea typeface="PingFang SC" panose="020B0400000000000000" pitchFamily="34" charset="-122"/>
-              </a:rPr>
-              <a:t>的情况，因为</a:t>
-            </a:r>
-            <a:r>
-              <a:rPr lang="zh-CN" altLang="en-US" b="0" i="0" dirty="0">
-                <a:solidFill>
-                  <a:srgbClr val="121212"/>
-                </a:solidFill>
-                <a:effectLst/>
-                <a:latin typeface="-apple-system"/>
-              </a:rPr>
-              <a:t>每个都对应输出图像的对应深度的</a:t>
-            </a:r>
-            <a:r>
-              <a:rPr lang="en-US" altLang="zh-CN" b="0" i="0" dirty="0">
-                <a:solidFill>
-                  <a:srgbClr val="121212"/>
-                </a:solidFill>
-                <a:effectLst/>
-                <a:latin typeface="-apple-system"/>
-              </a:rPr>
-              <a:t>Feature map</a:t>
-            </a:r>
-            <a:r>
-              <a:rPr lang="zh-CN" altLang="en-US" b="0" i="0" dirty="0">
-                <a:solidFill>
-                  <a:srgbClr val="121212"/>
-                </a:solidFill>
-                <a:effectLst/>
-                <a:latin typeface="-apple-system"/>
-              </a:rPr>
-              <a:t>和输入图像的对应深度的</a:t>
-            </a:r>
-            <a:r>
-              <a:rPr lang="en-US" altLang="zh-CN" b="0" i="0" dirty="0">
-                <a:solidFill>
-                  <a:srgbClr val="121212"/>
-                </a:solidFill>
-                <a:effectLst/>
-                <a:latin typeface="-apple-system"/>
-              </a:rPr>
-              <a:t>Feature map</a:t>
-            </a:r>
-            <a:r>
-              <a:rPr lang="zh-CN" altLang="en-US" b="0" i="0" dirty="0">
-                <a:solidFill>
-                  <a:srgbClr val="121212"/>
-                </a:solidFill>
-                <a:effectLst/>
-                <a:latin typeface="-apple-system"/>
-              </a:rPr>
-              <a:t>，每一个二维</a:t>
-            </a:r>
-            <a:r>
-              <a:rPr lang="en-US" altLang="zh-CN" b="0" i="0" dirty="0">
-                <a:solidFill>
-                  <a:srgbClr val="121212"/>
-                </a:solidFill>
-                <a:effectLst/>
-                <a:latin typeface="-apple-system"/>
-              </a:rPr>
-              <a:t>Filter</a:t>
-            </a:r>
-            <a:r>
-              <a:rPr lang="zh-CN" altLang="en-US" b="0" i="0" dirty="0">
-                <a:solidFill>
-                  <a:srgbClr val="121212"/>
-                </a:solidFill>
-                <a:effectLst/>
-                <a:latin typeface="-apple-system"/>
-              </a:rPr>
-              <a:t>只涉及到一次二维卷积运算</a:t>
-            </a:r>
-            <a:endParaRPr lang="en-US" altLang="zh-CN" b="0" i="0" dirty="0">
-              <a:solidFill>
-                <a:srgbClr val="121212"/>
-              </a:solidFill>
-              <a:effectLst/>
-              <a:latin typeface="-apple-system"/>
-            </a:endParaRPr>
+              <a:t>每个权重值的梯度</a:t>
+            </a:r>
+            <a:r>
+              <a:rPr lang="zh-CN" altLang="en-US" dirty="0"/>
+              <a:t>？</a:t>
+            </a:r>
+            <a:endParaRPr lang="en-US" altLang="zh-CN" dirty="0"/>
           </a:p>
           <a:p>
             <a:pPr marL="285750" indent="-285750">
               <a:buFont typeface="Arial" panose="020B0604020202020204" pitchFamily="34" charset="0"/>
               <a:buChar char="•"/>
             </a:pPr>
-            <a:r>
-              <a:rPr lang="zh-CN" altLang="en-US" b="0" i="0" dirty="0">
-                <a:solidFill>
-                  <a:srgbClr val="121212"/>
-                </a:solidFill>
-                <a:effectLst/>
-                <a:latin typeface="-apple-system"/>
-              </a:rPr>
-              <a:t>那求得整个卷积核的导数，只需分析</a:t>
-            </a:r>
-            <a:r>
-              <a:rPr lang="en-US" altLang="zh-CN" b="0" i="0" dirty="0">
-                <a:solidFill>
-                  <a:srgbClr val="121212"/>
-                </a:solidFill>
-                <a:effectLst/>
-                <a:latin typeface="-apple-system"/>
-              </a:rPr>
-              <a:t>N×D</a:t>
-            </a:r>
-            <a:r>
-              <a:rPr lang="zh-CN" altLang="en-US" b="0" i="0" dirty="0">
-                <a:solidFill>
-                  <a:srgbClr val="121212"/>
-                </a:solidFill>
-                <a:effectLst/>
-                <a:latin typeface="-apple-system"/>
-              </a:rPr>
-              <a:t>次二维</a:t>
-            </a:r>
-            <a:r>
-              <a:rPr lang="en-US" altLang="zh-CN" b="0" i="0" dirty="0">
-                <a:solidFill>
-                  <a:srgbClr val="121212"/>
-                </a:solidFill>
-                <a:effectLst/>
-                <a:latin typeface="-apple-system"/>
-              </a:rPr>
-              <a:t>Filter</a:t>
-            </a:r>
-            <a:r>
-              <a:rPr lang="zh-CN" altLang="en-US" b="0" i="0" dirty="0">
-                <a:solidFill>
-                  <a:srgbClr val="121212"/>
-                </a:solidFill>
-                <a:effectLst/>
-                <a:latin typeface="-apple-system"/>
-              </a:rPr>
-              <a:t>中每个二维</a:t>
-            </a:r>
-            <a:r>
-              <a:rPr lang="en-US" altLang="zh-CN" b="0" i="0" dirty="0">
-                <a:solidFill>
-                  <a:srgbClr val="121212"/>
-                </a:solidFill>
-                <a:effectLst/>
-                <a:latin typeface="-apple-system"/>
-              </a:rPr>
-              <a:t>Filter</a:t>
-            </a:r>
-            <a:r>
-              <a:rPr lang="zh-CN" altLang="en-US" b="0" i="0" dirty="0">
-                <a:solidFill>
-                  <a:srgbClr val="121212"/>
-                </a:solidFill>
-                <a:effectLst/>
-                <a:latin typeface="-apple-system"/>
-              </a:rPr>
-              <a:t>的导数，再将其组合成</a:t>
-            </a:r>
-            <a:r>
-              <a:rPr lang="en-US" altLang="zh-CN" b="0" i="0" dirty="0">
-                <a:solidFill>
-                  <a:srgbClr val="121212"/>
-                </a:solidFill>
-                <a:effectLst/>
-                <a:latin typeface="-apple-system"/>
-              </a:rPr>
-              <a:t>4</a:t>
-            </a:r>
-            <a:r>
-              <a:rPr lang="zh-CN" altLang="en-US" b="0" i="0" dirty="0">
-                <a:solidFill>
-                  <a:srgbClr val="121212"/>
-                </a:solidFill>
-                <a:effectLst/>
-                <a:latin typeface="-apple-system"/>
-              </a:rPr>
-              <a:t>维张量即可</a:t>
-            </a:r>
             <a:endParaRPr lang="en-US" altLang="zh-CN" dirty="0"/>
           </a:p>
           <a:p>
+            <a:pPr marL="285750" indent="-285750">
+              <a:buFont typeface="Arial" panose="020B0604020202020204" pitchFamily="34" charset="0"/>
+              <a:buChar char="•"/>
+            </a:pPr>
+            <a:r>
+              <a:rPr lang="zh-CN" altLang="en-US" dirty="0"/>
+              <a:t>自学、展学</a:t>
+            </a:r>
+          </a:p>
+          <a:p>
+            <a:pPr marL="285750" indent="-285750">
+              <a:buFont typeface="Arial" panose="020B0604020202020204" pitchFamily="34" charset="0"/>
+              <a:buChar char="•"/>
+            </a:pPr>
             <a:endParaRPr lang="zh-CN" altLang="en-US" dirty="0"/>
           </a:p>
           <a:p>
@@ -18853,7 +20460,166 @@
     </p:custDataLst>
     <p:extLst>
       <p:ext uri="{BB962C8B-B14F-4D97-AF65-F5344CB8AC3E}">
-        <p14:creationId xmlns:p14="http://schemas.microsoft.com/office/powerpoint/2010/main" val="3298517590"/>
+        <p14:creationId xmlns:p14="http://schemas.microsoft.com/office/powerpoint/2010/main" val="519778867"/>
+      </p:ext>
+    </p:extLst>
+  </p:cSld>
+  <p:clrMapOvr>
+    <a:masterClrMapping/>
+  </p:clrMapOvr>
+  <p:timing>
+    <p:tnLst>
+      <p:par>
+        <p:cTn id="1" dur="indefinite" restart="never" nodeType="tmRoot">
+          <p:childTnLst>
+            <p:seq concurrent="1" nextAc="seek">
+              <p:cTn id="2" dur="indefinite" nodeType="mainSeq">
+                <p:childTnLst>
+                  <p:par>
+                    <p:cTn id="3" fill="hold">
+                      <p:stCondLst>
+                        <p:cond delay="indefinite"/>
+                      </p:stCondLst>
+                      <p:childTnLst>
+                        <p:par>
+                          <p:cTn id="4" fill="hold">
+                            <p:stCondLst>
+                              <p:cond delay="0"/>
+                            </p:stCondLst>
+                            <p:childTnLst>
+                              <p:par>
+                                <p:cTn id="5" presetID="1" presetClass="entr" presetSubtype="0" fill="hold" nodeType="clickEffect">
+                                  <p:stCondLst>
+                                    <p:cond delay="0"/>
+                                  </p:stCondLst>
+                                  <p:childTnLst>
+                                    <p:set>
+                                      <p:cBhvr>
+                                        <p:cTn id="6" dur="1" fill="hold">
+                                          <p:stCondLst>
+                                            <p:cond delay="0"/>
+                                          </p:stCondLst>
+                                        </p:cTn>
+                                        <p:tgtEl>
+                                          <p:spTgt spid="6">
+                                            <p:txEl>
+                                              <p:pRg st="0" end="0"/>
+                                            </p:txEl>
+                                          </p:spTgt>
+                                        </p:tgtEl>
+                                        <p:attrNameLst>
+                                          <p:attrName>style.visibility</p:attrName>
+                                        </p:attrNameLst>
+                                      </p:cBhvr>
+                                      <p:to>
+                                        <p:strVal val="visible"/>
+                                      </p:to>
+                                    </p:set>
+                                  </p:childTnLst>
+                                </p:cTn>
+                              </p:par>
+                            </p:childTnLst>
+                          </p:cTn>
+                        </p:par>
+                      </p:childTnLst>
+                    </p:cTn>
+                  </p:par>
+                </p:childTnLst>
+              </p:cTn>
+              <p:prevCondLst>
+                <p:cond evt="onPrev" delay="0">
+                  <p:tgtEl>
+                    <p:sldTgt/>
+                  </p:tgtEl>
+                </p:cond>
+              </p:prevCondLst>
+              <p:nextCondLst>
+                <p:cond evt="onNext" delay="0">
+                  <p:tgtEl>
+                    <p:sldTgt/>
+                  </p:tgtEl>
+                </p:cond>
+              </p:nextCondLst>
+            </p:seq>
+          </p:childTnLst>
+        </p:cTn>
+      </p:par>
+    </p:tnLst>
+  </p:timing>
+</p:sld>
+</file>
+
+<file path=ppt/slides/slide28.xml><?xml version="1.0" encoding="utf-8"?>
+<p:sld xmlns:a="http://schemas.openxmlformats.org/drawingml/2006/main" xmlns:r="http://schemas.openxmlformats.org/officeDocument/2006/relationships" xmlns:p="http://schemas.openxmlformats.org/presentationml/2006/main">
+  <p:cSld>
+    <p:spTree>
+      <p:nvGrpSpPr>
+        <p:cNvPr id="1" name=""/>
+        <p:cNvGrpSpPr/>
+        <p:nvPr/>
+      </p:nvGrpSpPr>
+      <p:grpSpPr>
+        <a:xfrm>
+          <a:off x="0" y="0"/>
+          <a:ext cx="0" cy="0"/>
+          <a:chOff x="0" y="0"/>
+          <a:chExt cx="0" cy="0"/>
+        </a:xfrm>
+      </p:grpSpPr>
+      <p:sp>
+        <p:nvSpPr>
+          <p:cNvPr id="2" name="标题 1"/>
+          <p:cNvSpPr>
+            <a:spLocks noGrp="1"/>
+          </p:cNvSpPr>
+          <p:nvPr>
+            <p:ph type="title"/>
+          </p:nvPr>
+        </p:nvSpPr>
+        <p:spPr/>
+        <p:txBody>
+          <a:bodyPr/>
+          <a:lstStyle/>
+          <a:p>
+            <a:r>
+              <a:rPr lang="zh-CN" altLang="en-US" dirty="0">
+                <a:sym typeface="+mn-ea"/>
+              </a:rPr>
+              <a:t>任务：实现</a:t>
+            </a:r>
+            <a:r>
+              <a:rPr lang="zh-CN" altLang="en-US" dirty="0"/>
+              <a:t>计算</a:t>
+            </a:r>
+            <a:r>
+              <a:rPr kumimoji="1" lang="en-US" altLang="zh-CN" dirty="0">
+                <a:solidFill>
+                  <a:srgbClr val="333333"/>
+                </a:solidFill>
+                <a:latin typeface="verdana" panose="020B0604030504040204" pitchFamily="34" charset="0"/>
+              </a:rPr>
+              <a:t>Filter</a:t>
+            </a:r>
+            <a:r>
+              <a:rPr kumimoji="1" lang="zh-CN" altLang="en-US" dirty="0">
+                <a:solidFill>
+                  <a:srgbClr val="333333"/>
+                </a:solidFill>
+                <a:latin typeface="verdana" panose="020B0604030504040204" pitchFamily="34" charset="0"/>
+              </a:rPr>
+              <a:t>每个权重值的梯度</a:t>
+            </a:r>
+            <a:endParaRPr lang="en-US" altLang="zh-CN" dirty="0"/>
+          </a:p>
+        </p:txBody>
+      </p:sp>
+    </p:spTree>
+    <p:custDataLst>
+      <p:tags r:id="rId1"/>
+    </p:custDataLst>
+    <p:extLst>
+      <p:ext uri="{BB962C8B-B14F-4D97-AF65-F5344CB8AC3E}">
+        <p14:creationId xmlns:p14="http://schemas.microsoft.com/office/powerpoint/2010/main" val="3375828254"/>
       </p:ext>
     </p:extLst>
   </p:cSld>
@@ -18863,7 +20629,7 @@
 </p:sld>
 </file>
 
-<file path=ppt/slides/slide27.xml><?xml version="1.0" encoding="utf-8"?>
+<file path=ppt/slides/slide29.xml><?xml version="1.0" encoding="utf-8"?>
 <p:sld xmlns:a="http://schemas.openxmlformats.org/drawingml/2006/main" xmlns:r="http://schemas.openxmlformats.org/officeDocument/2006/relationships" xmlns:p="http://schemas.openxmlformats.org/presentationml/2006/main">
   <p:cSld>
     <p:spTree>
@@ -18896,8 +20662,14 @@
           <a:lstStyle/>
           <a:p>
             <a:r>
+              <a:rPr lang="zh-CN" altLang="en-US" dirty="0">
+                <a:sym typeface="+mn-ea"/>
+              </a:rPr>
+              <a:t>任务：实现</a:t>
+            </a:r>
+            <a:r>
               <a:rPr lang="zh-CN" altLang="en-US" dirty="0"/>
-              <a:t>主问题：如何计算</a:t>
+              <a:t>计算</a:t>
             </a:r>
             <a:r>
               <a:rPr kumimoji="1" lang="en-US" altLang="zh-CN" dirty="0">
@@ -18916,10 +20688,6 @@
                 <a:latin typeface="verdana" panose="020B0604030504040204" pitchFamily="34" charset="0"/>
               </a:rPr>
               <a:t>每个权重值的梯度</a:t>
-            </a:r>
-            <a:r>
-              <a:rPr lang="zh-CN" altLang="en-US" dirty="0"/>
-              <a:t>？</a:t>
             </a:r>
             <a:endParaRPr dirty="0">
               <a:sym typeface="+mn-ea"/>
@@ -19161,25 +20929,44 @@
               <a:buChar char="•"/>
             </a:pPr>
             <a:r>
-              <a:rPr lang="en-US" altLang="zh-CN" dirty="0"/>
-              <a:t>TODO</a:t>
-            </a:r>
+              <a:rPr lang="zh-CN" altLang="en-US" dirty="0"/>
+              <a:t>请实现计算</a:t>
+            </a:r>
+            <a:r>
+              <a:rPr kumimoji="1" lang="en-US" altLang="zh-CN" dirty="0">
+                <a:solidFill>
+                  <a:srgbClr val="333333"/>
+                </a:solidFill>
+                <a:latin typeface="verdana" panose="020B0604030504040204" pitchFamily="34" charset="0"/>
+              </a:rPr>
+              <a:t>Filter</a:t>
+            </a:r>
+            <a:r>
+              <a:rPr kumimoji="1" lang="zh-CN" altLang="en-US" dirty="0">
+                <a:solidFill>
+                  <a:srgbClr val="333333"/>
+                </a:solidFill>
+                <a:latin typeface="verdana" panose="020B0604030504040204" pitchFamily="34" charset="0"/>
+              </a:rPr>
+              <a:t>每个权重值的梯度</a:t>
+            </a:r>
+            <a:r>
+              <a:rPr lang="zh-CN" altLang="en-US" dirty="0"/>
+              <a:t>？</a:t>
+            </a:r>
+            <a:endParaRPr lang="en-US" altLang="zh-CN" dirty="0"/>
+          </a:p>
+          <a:p>
+            <a:endParaRPr lang="en-US" altLang="zh-CN" dirty="0"/>
           </a:p>
           <a:p>
             <a:pPr marL="285750" indent="-285750">
               <a:buFont typeface="Arial" panose="020B0604020202020204" pitchFamily="34" charset="0"/>
               <a:buChar char="•"/>
             </a:pPr>
-            <a:endParaRPr lang="en-US" altLang="zh-CN" dirty="0"/>
-          </a:p>
-          <a:p>
-            <a:pPr marL="285750" indent="-285750">
-              <a:buFont typeface="Arial" panose="020B0604020202020204" pitchFamily="34" charset="0"/>
-              <a:buChar char="•"/>
-            </a:pPr>
             <a:r>
               <a:rPr lang="zh-CN" altLang="en-US" dirty="0"/>
-              <a:t>自学、互学、展学</a:t>
+              <a:t>自学、展学</a:t>
             </a:r>
           </a:p>
           <a:p>
@@ -19253,143 +21040,92 @@
     </p:custDataLst>
     <p:extLst>
       <p:ext uri="{BB962C8B-B14F-4D97-AF65-F5344CB8AC3E}">
-        <p14:creationId xmlns:p14="http://schemas.microsoft.com/office/powerpoint/2010/main" val="519778867"/>
+        <p14:creationId xmlns:p14="http://schemas.microsoft.com/office/powerpoint/2010/main" val="3719186030"/>
       </p:ext>
     </p:extLst>
   </p:cSld>
   <p:clrMapOvr>
     <a:masterClrMapping/>
   </p:clrMapOvr>
-</p:sld>
-</file>
-
-<file path=ppt/slides/slide28.xml><?xml version="1.0" encoding="utf-8"?>
-<p:sld xmlns:a="http://schemas.openxmlformats.org/drawingml/2006/main" xmlns:r="http://schemas.openxmlformats.org/officeDocument/2006/relationships" xmlns:p="http://schemas.openxmlformats.org/presentationml/2006/main">
-  <p:cSld>
-    <p:spTree>
-      <p:nvGrpSpPr>
-        <p:cNvPr id="1" name=""/>
-        <p:cNvGrpSpPr/>
-        <p:nvPr/>
-      </p:nvGrpSpPr>
-      <p:grpSpPr>
-        <a:xfrm>
-          <a:off x="0" y="0"/>
-          <a:ext cx="0" cy="0"/>
-          <a:chOff x="0" y="0"/>
-          <a:chExt cx="0" cy="0"/>
-        </a:xfrm>
-      </p:grpSpPr>
-      <p:sp>
-        <p:nvSpPr>
-          <p:cNvPr id="2" name="标题 1"/>
-          <p:cNvSpPr>
-            <a:spLocks noGrp="1"/>
-          </p:cNvSpPr>
-          <p:nvPr>
-            <p:ph type="title"/>
-          </p:nvPr>
-        </p:nvSpPr>
-        <p:spPr/>
-        <p:txBody>
-          <a:bodyPr/>
-          <a:lstStyle/>
-          <a:p>
-            <a:r>
-              <a:rPr lang="zh-CN" altLang="en-US" dirty="0">
-                <a:sym typeface="+mn-ea"/>
-              </a:rPr>
-              <a:t>任务：实现</a:t>
-            </a:r>
-            <a:r>
-              <a:rPr lang="zh-CN" altLang="en-US" dirty="0"/>
-              <a:t>计算</a:t>
-            </a:r>
-            <a:r>
-              <a:rPr kumimoji="1" lang="en-US" altLang="zh-CN" dirty="0">
-                <a:solidFill>
-                  <a:srgbClr val="333333"/>
-                </a:solidFill>
-                <a:latin typeface="verdana" panose="020B0604030504040204" pitchFamily="34" charset="0"/>
-              </a:rPr>
-              <a:t>Filter</a:t>
-            </a:r>
-            <a:r>
-              <a:rPr kumimoji="1" lang="zh-CN" altLang="en-US" dirty="0">
-                <a:solidFill>
-                  <a:srgbClr val="333333"/>
-                </a:solidFill>
-                <a:latin typeface="verdana" panose="020B0604030504040204" pitchFamily="34" charset="0"/>
-              </a:rPr>
-              <a:t>每个权重值的梯度</a:t>
-            </a:r>
-            <a:endParaRPr lang="en-US" altLang="zh-CN" dirty="0"/>
-          </a:p>
-        </p:txBody>
-      </p:sp>
-    </p:spTree>
-    <p:custDataLst>
-      <p:tags r:id="rId1"/>
-    </p:custDataLst>
-    <p:extLst>
-      <p:ext uri="{BB962C8B-B14F-4D97-AF65-F5344CB8AC3E}">
-        <p14:creationId xmlns:p14="http://schemas.microsoft.com/office/powerpoint/2010/main" val="3375828254"/>
-      </p:ext>
-    </p:extLst>
-  </p:cSld>
-  <p:clrMapOvr>
-    <a:masterClrMapping/>
-  </p:clrMapOvr>
-</p:sld>
-</file>
-
-<file path=ppt/slides/slide29.xml><?xml version="1.0" encoding="utf-8"?>
-<p:sld xmlns:a="http://schemas.openxmlformats.org/drawingml/2006/main" xmlns:r="http://schemas.openxmlformats.org/officeDocument/2006/relationships" xmlns:p="http://schemas.openxmlformats.org/presentationml/2006/main">
-  <p:cSld>
-    <p:spTree>
-      <p:nvGrpSpPr>
-        <p:cNvPr id="1" name=""/>
-        <p:cNvGrpSpPr/>
-        <p:nvPr/>
-      </p:nvGrpSpPr>
-      <p:grpSpPr>
-        <a:xfrm>
-          <a:off x="0" y="0"/>
-          <a:ext cx="0" cy="0"/>
-          <a:chOff x="0" y="0"/>
-          <a:chExt cx="0" cy="0"/>
-        </a:xfrm>
-      </p:grpSpPr>
-      <p:sp>
-        <p:nvSpPr>
-          <p:cNvPr id="2" name="标题 1"/>
-          <p:cNvSpPr>
-            <a:spLocks noGrp="1"/>
-          </p:cNvSpPr>
-          <p:nvPr>
-            <p:ph type="title"/>
-          </p:nvPr>
-        </p:nvSpPr>
-        <p:spPr/>
-        <p:txBody>
-          <a:bodyPr/>
-          <a:lstStyle/>
-          <a:p>
-            <a:r>
-              <a:rPr lang="zh-CN" altLang="en-US"/>
-              <a:t>总结</a:t>
-            </a:r>
-          </a:p>
-        </p:txBody>
-      </p:sp>
-    </p:spTree>
-    <p:custDataLst>
-      <p:tags r:id="rId1"/>
-    </p:custDataLst>
-  </p:cSld>
-  <p:clrMapOvr>
-    <a:masterClrMapping/>
-  </p:clrMapOvr>
+  <p:timing>
+    <p:tnLst>
+      <p:par>
+        <p:cTn id="1" dur="indefinite" restart="never" nodeType="tmRoot">
+          <p:childTnLst>
+            <p:seq concurrent="1" nextAc="seek">
+              <p:cTn id="2" dur="indefinite" nodeType="mainSeq">
+                <p:childTnLst>
+                  <p:par>
+                    <p:cTn id="3" fill="hold">
+                      <p:stCondLst>
+                        <p:cond delay="indefinite"/>
+                      </p:stCondLst>
+                      <p:childTnLst>
+                        <p:par>
+                          <p:cTn id="4" fill="hold">
+                            <p:stCondLst>
+                              <p:cond delay="0"/>
+                            </p:stCondLst>
+                            <p:childTnLst>
+                              <p:par>
+                                <p:cTn id="5" presetID="1" presetClass="entr" presetSubtype="0" fill="hold" nodeType="clickEffect">
+                                  <p:stCondLst>
+                                    <p:cond delay="0"/>
+                                  </p:stCondLst>
+                                  <p:childTnLst>
+                                    <p:set>
+                                      <p:cBhvr>
+                                        <p:cTn id="6" dur="1" fill="hold">
+                                          <p:stCondLst>
+                                            <p:cond delay="0"/>
+                                          </p:stCondLst>
+                                        </p:cTn>
+                                        <p:tgtEl>
+                                          <p:spTgt spid="6">
+                                            <p:txEl>
+                                              <p:pRg st="0" end="0"/>
+                                            </p:txEl>
+                                          </p:spTgt>
+                                        </p:tgtEl>
+                                        <p:attrNameLst>
+                                          <p:attrName>style.visibility</p:attrName>
+                                        </p:attrNameLst>
+                                      </p:cBhvr>
+                                      <p:to>
+                                        <p:strVal val="visible"/>
+                                      </p:to>
+                                    </p:set>
+                                  </p:childTnLst>
+                                </p:cTn>
+                              </p:par>
+                            </p:childTnLst>
+                          </p:cTn>
+                        </p:par>
+                      </p:childTnLst>
+                    </p:cTn>
+                  </p:par>
+                </p:childTnLst>
+              </p:cTn>
+              <p:prevCondLst>
+                <p:cond evt="onPrev" delay="0">
+                  <p:tgtEl>
+                    <p:sldTgt/>
+                  </p:tgtEl>
+                </p:cond>
+              </p:prevCondLst>
+              <p:nextCondLst>
+                <p:cond evt="onNext" delay="0">
+                  <p:tgtEl>
+                    <p:sldTgt/>
+                  </p:tgtEl>
+                </p:cond>
+              </p:nextCondLst>
+            </p:seq>
+          </p:childTnLst>
+        </p:cTn>
+      </p:par>
+    </p:tnLst>
+  </p:timing>
 </p:sld>
 </file>
 
@@ -19476,6 +21212,68 @@
             <a:r>
               <a:rPr lang="zh-CN" altLang="en-US" dirty="0"/>
               <a:t>任务：实现反向计算误差项</a:t>
+            </a:r>
+            <a:endParaRPr lang="en-US" altLang="zh-CN" dirty="0"/>
+          </a:p>
+          <a:p>
+            <a:pPr marL="285750" indent="-285750">
+              <a:buFont typeface="Arial" panose="020B0604020202020204" pitchFamily="34" charset="0"/>
+              <a:buChar char="•"/>
+            </a:pPr>
+            <a:r>
+              <a:rPr lang="zh-CN" altLang="en-US" dirty="0"/>
+              <a:t>主问题：如何计算</a:t>
+            </a:r>
+            <a:r>
+              <a:rPr kumimoji="1" lang="en-US" altLang="zh-CN" dirty="0">
+                <a:solidFill>
+                  <a:srgbClr val="333333"/>
+                </a:solidFill>
+                <a:latin typeface="verdana" panose="020B0604030504040204" pitchFamily="34" charset="0"/>
+              </a:rPr>
+              <a:t>Filter</a:t>
+            </a:r>
+            <a:r>
+              <a:rPr kumimoji="1" lang="zh-CN" altLang="en-US" dirty="0">
+                <a:solidFill>
+                  <a:srgbClr val="333333"/>
+                </a:solidFill>
+                <a:latin typeface="verdana" panose="020B0604030504040204" pitchFamily="34" charset="0"/>
+              </a:rPr>
+              <a:t>每个权重值的梯度</a:t>
+            </a:r>
+            <a:r>
+              <a:rPr lang="zh-CN" altLang="en-US" dirty="0"/>
+              <a:t>？</a:t>
+            </a:r>
+            <a:endParaRPr lang="en-US" altLang="zh-CN" dirty="0"/>
+          </a:p>
+          <a:p>
+            <a:pPr marL="285750" indent="-285750">
+              <a:buFont typeface="Arial" panose="020B0604020202020204" pitchFamily="34" charset="0"/>
+              <a:buChar char="•"/>
+            </a:pPr>
+            <a:r>
+              <a:rPr lang="zh-CN" altLang="en-US" dirty="0"/>
+              <a:t>任务：实现计算</a:t>
+            </a:r>
+            <a:r>
+              <a:rPr kumimoji="1" lang="en-US" altLang="zh-CN" dirty="0">
+                <a:solidFill>
+                  <a:srgbClr val="333333"/>
+                </a:solidFill>
+                <a:latin typeface="verdana" panose="020B0604030504040204" pitchFamily="34" charset="0"/>
+              </a:rPr>
+              <a:t>Filter</a:t>
+            </a:r>
+            <a:r>
+              <a:rPr kumimoji="1" lang="zh-CN" altLang="en-US" dirty="0">
+                <a:solidFill>
+                  <a:srgbClr val="333333"/>
+                </a:solidFill>
+                <a:latin typeface="verdana" panose="020B0604030504040204" pitchFamily="34" charset="0"/>
+              </a:rPr>
+              <a:t>每个权重值的梯度</a:t>
             </a:r>
             <a:br>
               <a:rPr lang="en-US" altLang="zh-CN" dirty="0"/>
@@ -19774,6 +21572,104 @@
                       </p:childTnLst>
                     </p:cTn>
                   </p:par>
+                  <p:par>
+                    <p:cTn id="23" fill="hold">
+                      <p:stCondLst>
+                        <p:cond delay="indefinite"/>
+                      </p:stCondLst>
+                      <p:childTnLst>
+                        <p:par>
+                          <p:cTn id="24" fill="hold">
+                            <p:stCondLst>
+                              <p:cond delay="0"/>
+                            </p:stCondLst>
+                            <p:childTnLst>
+                              <p:par>
+                                <p:cTn id="25" presetID="1" presetClass="entr" presetSubtype="0" fill="hold" grpId="0" nodeType="clickEffect">
+                                  <p:stCondLst>
+                                    <p:cond delay="0"/>
+                                  </p:stCondLst>
+                                  <p:childTnLst>
+                                    <p:set>
+                                      <p:cBhvr>
+                                        <p:cTn id="26" dur="1" fill="hold">
+                                          <p:stCondLst>
+                                            <p:cond delay="0"/>
+                                          </p:stCondLst>
+                                        </p:cTn>
+                                        <p:tgtEl>
+                                          <p:spTgt spid="2">
+                                            <p:txEl>
+                                              <p:pRg st="5" end="5"/>
+                                            </p:txEl>
+                                          </p:spTgt>
+                                        </p:tgtEl>
+                                        <p:attrNameLst>
+                                          <p:attrName>style.visibility</p:attrName>
+                                        </p:attrNameLst>
+                                      </p:cBhvr>
+                                      <p:to>
+                                        <p:strVal val="visible"/>
+                                      </p:to>
+                                    </p:set>
+                                  </p:childTnLst>
+                                </p:cTn>
+                              </p:par>
+                            </p:childTnLst>
+                          </p:cTn>
+                        </p:par>
+                      </p:childTnLst>
+                    </p:cTn>
+                  </p:par>
+                  <p:par>
+                    <p:cTn id="27" fill="hold">
+                      <p:stCondLst>
+                        <p:cond delay="indefinite"/>
+                      </p:stCondLst>
+                      <p:childTnLst>
+                        <p:par>
+                          <p:cTn id="28" fill="hold">
+                            <p:stCondLst>
+                              <p:cond delay="0"/>
+                            </p:stCondLst>
+                            <p:childTnLst>
+                              <p:par>
+                                <p:cTn id="29" presetID="1" presetClass="entr" presetSubtype="0" fill="hold" grpId="0" nodeType="clickEffect">
+                                  <p:stCondLst>
+                                    <p:cond delay="0"/>
+                                  </p:stCondLst>
+                                  <p:childTnLst>
+                                    <p:set>
+                                      <p:cBhvr>
+                                        <p:cTn id="30" dur="1" fill="hold">
+                                          <p:stCondLst>
+                                            <p:cond delay="0"/>
+                                          </p:stCondLst>
+                                        </p:cTn>
+                                        <p:tgtEl>
+                                          <p:spTgt spid="2">
+                                            <p:txEl>
+                                              <p:pRg st="6" end="6"/>
+                                            </p:txEl>
+                                          </p:spTgt>
+                                        </p:tgtEl>
+                                        <p:attrNameLst>
+                                          <p:attrName>style.visibility</p:attrName>
+                                        </p:attrNameLst>
+                                      </p:cBhvr>
+                                      <p:to>
+                                        <p:strVal val="visible"/>
+                                      </p:to>
+                                    </p:set>
+                                  </p:childTnLst>
+                                </p:cTn>
+                              </p:par>
+                            </p:childTnLst>
+                          </p:cTn>
+                        </p:par>
+                      </p:childTnLst>
+                    </p:cTn>
+                  </p:par>
                 </p:childTnLst>
               </p:cTn>
               <p:prevCondLst>
@@ -19803,6 +21699,56 @@
 </file>
 
 <file path=ppt/slides/slide30.xml><?xml version="1.0" encoding="utf-8"?>
+<p:sld xmlns:a="http://schemas.openxmlformats.org/drawingml/2006/main" xmlns:r="http://schemas.openxmlformats.org/officeDocument/2006/relationships" xmlns:p="http://schemas.openxmlformats.org/presentationml/2006/main">
+  <p:cSld>
+    <p:spTree>
+      <p:nvGrpSpPr>
+        <p:cNvPr id="1" name=""/>
+        <p:cNvGrpSpPr/>
+        <p:nvPr/>
+      </p:nvGrpSpPr>
+      <p:grpSpPr>
+        <a:xfrm>
+          <a:off x="0" y="0"/>
+          <a:ext cx="0" cy="0"/>
+          <a:chOff x="0" y="0"/>
+          <a:chExt cx="0" cy="0"/>
+        </a:xfrm>
+      </p:grpSpPr>
+      <p:sp>
+        <p:nvSpPr>
+          <p:cNvPr id="2" name="标题 1"/>
+          <p:cNvSpPr>
+            <a:spLocks noGrp="1"/>
+          </p:cNvSpPr>
+          <p:nvPr>
+            <p:ph type="title"/>
+          </p:nvPr>
+        </p:nvSpPr>
+        <p:spPr/>
+        <p:txBody>
+          <a:bodyPr/>
+          <a:lstStyle/>
+          <a:p>
+            <a:r>
+              <a:rPr lang="zh-CN" altLang="en-US"/>
+              <a:t>总结</a:t>
+            </a:r>
+          </a:p>
+        </p:txBody>
+      </p:sp>
+    </p:spTree>
+    <p:custDataLst>
+      <p:tags r:id="rId1"/>
+    </p:custDataLst>
+  </p:cSld>
+  <p:clrMapOvr>
+    <a:masterClrMapping/>
+  </p:clrMapOvr>
+</p:sld>
+</file>
+
+<file path=ppt/slides/slide31.xml><?xml version="1.0" encoding="utf-8"?>
 <p:sld xmlns:a="http://schemas.openxmlformats.org/drawingml/2006/main" xmlns:r="http://schemas.openxmlformats.org/officeDocument/2006/relationships" xmlns:p="http://schemas.openxmlformats.org/presentationml/2006/main">
   <p:cSld>
     <p:spTree>
@@ -20112,7 +22058,7 @@
 </p:sld>
 </file>
 
-<file path=ppt/slides/slide31.xml><?xml version="1.0" encoding="utf-8"?>
+<file path=ppt/slides/slide32.xml><?xml version="1.0" encoding="utf-8"?>
 <p:sld xmlns:a="http://schemas.openxmlformats.org/drawingml/2006/main" xmlns:r="http://schemas.openxmlformats.org/officeDocument/2006/relationships" xmlns:p="http://schemas.openxmlformats.org/presentationml/2006/main">
   <p:cSld>
     <p:spTree>
@@ -20359,7 +22305,7 @@
 </p:sld>
 </file>
 
-<file path=ppt/slides/slide32.xml><?xml version="1.0" encoding="utf-8"?>
+<file path=ppt/slides/slide33.xml><?xml version="1.0" encoding="utf-8"?>
 <p:sld xmlns:a="http://schemas.openxmlformats.org/drawingml/2006/main" xmlns:r="http://schemas.openxmlformats.org/officeDocument/2006/relationships" xmlns:p="http://schemas.openxmlformats.org/presentationml/2006/main">
   <p:cSld>
     <p:spTree>
@@ -20607,7 +22553,7 @@
 </p:sld>
 </file>
 
-<file path=ppt/slides/slide33.xml><?xml version="1.0" encoding="utf-8"?>
+<file path=ppt/slides/slide34.xml><?xml version="1.0" encoding="utf-8"?>
 <p:sld xmlns:a="http://schemas.openxmlformats.org/drawingml/2006/main" xmlns:r="http://schemas.openxmlformats.org/officeDocument/2006/relationships" xmlns:p="http://schemas.openxmlformats.org/presentationml/2006/main">
   <p:cSld>
     <p:spTree>
@@ -20644,10 +22590,20 @@
               <a:buChar char="•"/>
             </a:pPr>
             <a:r>
+              <a:rPr lang="zh-CN" altLang="en-US"/>
+              <a:t>最大池化</a:t>
+            </a:r>
+            <a:r>
+              <a:rPr lang="zh-CN" altLang="en-US">
+                <a:sym typeface="+mn-ea"/>
+              </a:rPr>
+              <a:t>层</a:t>
+            </a:r>
+            <a:r>
               <a:rPr lang="zh-CN" altLang="en-US" dirty="0">
                 <a:sym typeface="+mn-ea"/>
               </a:rPr>
-              <a:t>卷积层的后向传播推导</a:t>
+              <a:t>的后向传播推导</a:t>
             </a:r>
             <a:endParaRPr dirty="0">
               <a:sym typeface="+mn-ea"/>
@@ -20693,7 +22649,7 @@
 </p:sld>
 </file>
 
-<file path=ppt/slides/slide34.xml><?xml version="1.0" encoding="utf-8"?>
+<file path=ppt/slides/slide35.xml><?xml version="1.0" encoding="utf-8"?>
 <p:sld xmlns:a="http://schemas.openxmlformats.org/drawingml/2006/main" xmlns:r="http://schemas.openxmlformats.org/officeDocument/2006/relationships" xmlns:p="http://schemas.openxmlformats.org/presentationml/2006/main">
   <p:cSld>
     <p:spTree>
@@ -20721,7 +22677,7 @@
 </p:sld>
 </file>
 
-<file path=ppt/slides/slide35.xml><?xml version="1.0" encoding="utf-8"?>
+<file path=ppt/slides/slide36.xml><?xml version="1.0" encoding="utf-8"?>
 <p:sld xmlns:a="http://schemas.openxmlformats.org/drawingml/2006/main" xmlns:r="http://schemas.openxmlformats.org/officeDocument/2006/relationships" xmlns:p="http://schemas.openxmlformats.org/presentationml/2006/main">
   <p:cSld>
     <p:spTree>
@@ -20794,7 +22750,7 @@
 </p:sld>
 </file>
 
-<file path=ppt/slides/slide36.xml><?xml version="1.0" encoding="utf-8"?>
+<file path=ppt/slides/slide37.xml><?xml version="1.0" encoding="utf-8"?>
 <p:sld xmlns:a="http://schemas.openxmlformats.org/drawingml/2006/main" xmlns:r="http://schemas.openxmlformats.org/officeDocument/2006/relationships" xmlns:p="http://schemas.openxmlformats.org/presentationml/2006/main">
   <p:cSld>
     <p:spTree>
@@ -23087,6 +25043,15 @@
 </file>
 
 <file path=ppt/tags/tag105.xml><?xml version="1.0" encoding="utf-8"?>
+<p:tagLst xmlns:a="http://schemas.openxmlformats.org/drawingml/2006/main" xmlns:r="http://schemas.openxmlformats.org/officeDocument/2006/relationships" xmlns:p="http://schemas.openxmlformats.org/presentationml/2006/main">
+  <p:tag name="KSO_WM_BEAUTIFY_FLAG" val="#wm#"/>
+  <p:tag name="KSO_WM_TEMPLATE_CATEGORY" val="custom"/>
+  <p:tag name="KSO_WM_TEMPLATE_INDEX" val="20187308"/>
+  <p:tag name="KSO_WM_SPECIAL_SOURCE" val="bdnull"/>
+</p:tagLst>
+</file>
+
+<file path=ppt/tags/tag106.xml><?xml version="1.0" encoding="utf-8"?>
 <p:tagLst xmlns:a="http://schemas.openxmlformats.org/drawingml/2006/main" xmlns:r="http://schemas.openxmlformats.org/officeDocument/2006/relationships" xmlns:p="http://schemas.openxmlformats.org/presentationml/2006/main">
   <p:tag name="KSO_WM_BEAUTIFY_FLAG" val="#wm#"/>
   <p:tag name="KSO_WM_TEMPLATE_CATEGORY" val="custom"/>

--- a/lessons/10_conv_layer_backward/ppt/卷积层的后向传播推导.pptx
+++ b/lessons/10_conv_layer_backward/ppt/卷积层的后向传播推导.pptx
@@ -245,7 +245,7 @@
                 <a:latin typeface="微软雅黑" panose="020B0503020204020204" charset="-122"/>
                 <a:ea typeface="微软雅黑" panose="020B0503020204020204" charset="-122"/>
               </a:rPr>
-              <a:t>2022/12/27</a:t>
+              <a:t>2022/12/28</a:t>
             </a:fld>
             <a:endParaRPr lang="zh-CN" altLang="en-US">
               <a:latin typeface="微软雅黑" panose="020B0503020204020204" charset="-122"/>
@@ -428,7 +428,7 @@
           <a:p>
             <a:fld id="{1AC49D05-6128-4D0D-A32A-06A5E73B386C}" type="datetimeFigureOut">
               <a:rPr lang="zh-CN" altLang="en-US" smtClean="0"/>
-              <a:t>2022/12/27</a:t>
+              <a:t>2022/12/28</a:t>
             </a:fld>
             <a:endParaRPr lang="zh-CN" altLang="en-US"/>
           </a:p>
@@ -1090,7 +1090,7 @@
           <a:p>
             <a:fld id="{9EFD9D74-47D9-4702-A33C-335B63B48DBF}" type="datetimeFigureOut">
               <a:rPr lang="zh-CN" altLang="en-US" smtClean="0"/>
-              <a:t>2022/12/27</a:t>
+              <a:t>2022/12/28</a:t>
             </a:fld>
             <a:endParaRPr lang="zh-CN" altLang="en-US" dirty="0"/>
           </a:p>
@@ -1423,7 +1423,7 @@
           <a:p>
             <a:fld id="{760FBDFE-C587-4B4C-A407-44438C67B59E}" type="datetimeFigureOut">
               <a:rPr lang="zh-CN" altLang="en-US" smtClean="0"/>
-              <a:t>2022/12/27</a:t>
+              <a:t>2022/12/28</a:t>
             </a:fld>
             <a:endParaRPr lang="zh-CN" altLang="en-US"/>
           </a:p>
@@ -1596,7 +1596,7 @@
           <a:p>
             <a:fld id="{9EFD9D74-47D9-4702-A33C-335B63B48DBF}" type="datetimeFigureOut">
               <a:rPr lang="zh-CN" altLang="en-US" smtClean="0"/>
-              <a:t>2022/12/27</a:t>
+              <a:t>2022/12/28</a:t>
             </a:fld>
             <a:endParaRPr lang="zh-CN" altLang="en-US" dirty="0"/>
           </a:p>
@@ -2121,7 +2121,7 @@
           <a:p>
             <a:fld id="{760FBDFE-C587-4B4C-A407-44438C67B59E}" type="datetimeFigureOut">
               <a:rPr lang="zh-CN" altLang="en-US" smtClean="0"/>
-              <a:t>2022/12/27</a:t>
+              <a:t>2022/12/28</a:t>
             </a:fld>
             <a:endParaRPr lang="zh-CN" altLang="en-US"/>
           </a:p>
@@ -2869,7 +2869,7 @@
           <a:p>
             <a:fld id="{760FBDFE-C587-4B4C-A407-44438C67B59E}" type="datetimeFigureOut">
               <a:rPr lang="zh-CN" altLang="en-US" smtClean="0"/>
-              <a:t>2022/12/27</a:t>
+              <a:t>2022/12/28</a:t>
             </a:fld>
             <a:endParaRPr lang="zh-CN" altLang="en-US"/>
           </a:p>
@@ -3035,7 +3035,7 @@
           <a:p>
             <a:fld id="{760FBDFE-C587-4B4C-A407-44438C67B59E}" type="datetimeFigureOut">
               <a:rPr lang="zh-CN" altLang="en-US" smtClean="0"/>
-              <a:t>2022/12/27</a:t>
+              <a:t>2022/12/28</a:t>
             </a:fld>
             <a:endParaRPr lang="zh-CN" altLang="en-US"/>
           </a:p>
@@ -3149,7 +3149,7 @@
           <a:p>
             <a:fld id="{760FBDFE-C587-4B4C-A407-44438C67B59E}" type="datetimeFigureOut">
               <a:rPr lang="zh-CN" altLang="en-US" smtClean="0"/>
-              <a:t>2022/12/27</a:t>
+              <a:t>2022/12/28</a:t>
             </a:fld>
             <a:endParaRPr lang="zh-CN" altLang="en-US"/>
           </a:p>
@@ -3479,7 +3479,7 @@
           <a:p>
             <a:fld id="{9EFD9D74-47D9-4702-A33C-335B63B48DBF}" type="datetimeFigureOut">
               <a:rPr lang="zh-CN" altLang="en-US" smtClean="0"/>
-              <a:t>2022/12/27</a:t>
+              <a:t>2022/12/28</a:t>
             </a:fld>
             <a:endParaRPr lang="zh-CN" altLang="en-US" dirty="0"/>
           </a:p>
@@ -3992,7 +3992,7 @@
           <a:p>
             <a:fld id="{760FBDFE-C587-4B4C-A407-44438C67B59E}" type="datetimeFigureOut">
               <a:rPr lang="zh-CN" altLang="en-US" smtClean="0"/>
-              <a:t>2022/12/27</a:t>
+              <a:t>2022/12/28</a:t>
             </a:fld>
             <a:endParaRPr lang="zh-CN" altLang="en-US"/>
           </a:p>
@@ -4106,7 +4106,7 @@
           <a:p>
             <a:fld id="{760FBDFE-C587-4B4C-A407-44438C67B59E}" type="datetimeFigureOut">
               <a:rPr lang="zh-CN" altLang="en-US" smtClean="0"/>
-              <a:t>2022/12/27</a:t>
+              <a:t>2022/12/28</a:t>
             </a:fld>
             <a:endParaRPr lang="zh-CN" altLang="en-US"/>
           </a:p>
@@ -4394,7 +4394,7 @@
           <a:p>
             <a:fld id="{82F288E0-7875-42C4-84C8-98DBBD3BF4D2}" type="datetimeFigureOut">
               <a:rPr lang="zh-CN" altLang="en-US" smtClean="0"/>
-              <a:t>2022/12/27</a:t>
+              <a:t>2022/12/28</a:t>
             </a:fld>
             <a:endParaRPr lang="zh-CN" altLang="en-US"/>
           </a:p>
@@ -4853,7 +4853,7 @@
           <a:p>
             <a:fld id="{760FBDFE-C587-4B4C-A407-44438C67B59E}" type="datetimeFigureOut">
               <a:rPr lang="zh-CN" altLang="en-US" smtClean="0"/>
-              <a:t>2022/12/27</a:t>
+              <a:t>2022/12/28</a:t>
             </a:fld>
             <a:endParaRPr lang="zh-CN" altLang="en-US"/>
           </a:p>
@@ -5522,7 +5522,7 @@
           <a:p>
             <a:fld id="{9EFD9D74-47D9-4702-A33C-335B63B48DBF}" type="datetimeFigureOut">
               <a:rPr lang="zh-CN" altLang="en-US" smtClean="0"/>
-              <a:t>2022/12/27</a:t>
+              <a:t>2022/12/28</a:t>
             </a:fld>
             <a:endParaRPr lang="zh-CN" altLang="en-US" dirty="0"/>
           </a:p>
@@ -5670,7 +5670,7 @@
           <a:p>
             <a:fld id="{9EFD9D74-47D9-4702-A33C-335B63B48DBF}" type="datetimeFigureOut">
               <a:rPr lang="zh-CN" altLang="en-US" smtClean="0"/>
-              <a:t>2022/12/27</a:t>
+              <a:t>2022/12/28</a:t>
             </a:fld>
             <a:endParaRPr lang="zh-CN" altLang="en-US" dirty="0"/>
           </a:p>
@@ -10992,8 +10992,8 @@
           </a:extLst>
         </p:spPr>
       </p:pic>
-      <mc:AlternateContent xmlns:mc="http://schemas.openxmlformats.org/markup-compatibility/2006">
-        <mc:Choice xmlns:a14="http://schemas.microsoft.com/office/drawing/2010/main" Requires="a14">
+      <mc:AlternateContent xmlns:mc="http://schemas.openxmlformats.org/markup-compatibility/2006" xmlns:a14="http://schemas.microsoft.com/office/drawing/2010/main">
+        <mc:Choice Requires="a14">
           <p:sp>
             <p:nvSpPr>
               <p:cNvPr id="2" name="文本框 1">
@@ -11310,7 +11310,7 @@
             </p:txBody>
           </p:sp>
         </mc:Choice>
-        <mc:Fallback>
+        <mc:Fallback xmlns="">
           <p:sp>
             <p:nvSpPr>
               <p:cNvPr id="2" name="文本框 1">
@@ -15410,8 +15410,8 @@
           </a:p>
         </p:txBody>
       </p:sp>
-      <mc:AlternateContent xmlns:mc="http://schemas.openxmlformats.org/markup-compatibility/2006">
-        <mc:Choice xmlns:a14="http://schemas.microsoft.com/office/drawing/2010/main" Requires="a14">
+      <mc:AlternateContent xmlns:mc="http://schemas.openxmlformats.org/markup-compatibility/2006" xmlns:a14="http://schemas.microsoft.com/office/drawing/2010/main">
+        <mc:Choice Requires="a14">
           <p:sp>
             <p:nvSpPr>
               <p:cNvPr id="6" name="文本占位符 1">
@@ -15949,7 +15949,7 @@
             </p:txBody>
           </p:sp>
         </mc:Choice>
-        <mc:Fallback>
+        <mc:Fallback xmlns="">
           <p:sp>
             <p:nvSpPr>
               <p:cNvPr id="6" name="文本占位符 1">
@@ -16930,7 +16930,18 @@
                     <a:latin typeface="PingFang SC" panose="020B0400000000000000" pitchFamily="34" charset="-122"/>
                     <a:ea typeface="PingFang SC" panose="020B0400000000000000" pitchFamily="34" charset="-122"/>
                   </a:rPr>
-                  <a:t>规律是：</a:t>
+                  <a:t>规律是什么</a:t>
+                </a:r>
+                <a:r>
+                  <a:rPr lang="en-US" altLang="zh-CN" b="0" i="0">
+                    <a:solidFill>
+                      <a:srgbClr val="333333"/>
+                    </a:solidFill>
+                    <a:effectLst/>
+                    <a:latin typeface="PingFang SC" panose="020B0400000000000000" pitchFamily="34" charset="-122"/>
+                    <a:ea typeface="PingFang SC" panose="020B0400000000000000" pitchFamily="34" charset="-122"/>
+                  </a:rPr>
+                  <a:t>?</a:t>
                 </a:r>
                 <a:endParaRPr lang="en-US" altLang="zh-CN" dirty="0"/>
               </a:p>
@@ -17095,7 +17106,7 @@
         </p:blipFill>
         <p:spPr bwMode="auto">
           <a:xfrm>
-            <a:off x="7913644" y="1483807"/>
+            <a:off x="8218356" y="1256388"/>
             <a:ext cx="3608475" cy="1945193"/>
           </a:xfrm>
           <a:prstGeom prst="rect">
@@ -18785,8 +18796,8 @@
           </a:extLst>
         </p:spPr>
       </p:pic>
-      <mc:AlternateContent xmlns:mc="http://schemas.openxmlformats.org/markup-compatibility/2006">
-        <mc:Choice xmlns:a14="http://schemas.microsoft.com/office/drawing/2010/main" Requires="a14">
+      <mc:AlternateContent xmlns:mc="http://schemas.openxmlformats.org/markup-compatibility/2006" xmlns:a14="http://schemas.microsoft.com/office/drawing/2010/main">
+        <mc:Choice Requires="a14">
           <p:sp>
             <p:nvSpPr>
               <p:cNvPr id="4" name="文本框 3">
@@ -19037,7 +19048,7 @@
             </p:txBody>
           </p:sp>
         </mc:Choice>
-        <mc:Fallback>
+        <mc:Fallback xmlns="">
           <p:sp>
             <p:nvSpPr>
               <p:cNvPr id="4" name="文本框 3">
